--- a/inst/Preparation.pptx
+++ b/inst/Preparation.pptx
@@ -126,6 +126,30 @@
 <file path=ppt/changesInfos/changesInfo1.xml><?xml version="1.0" encoding="utf-8"?>
 <pc:chgInfo xmlns:a="http://schemas.openxmlformats.org/drawingml/2006/main" xmlns:r="http://schemas.openxmlformats.org/officeDocument/2006/relationships" xmlns:ac="http://schemas.microsoft.com/office/drawing/2013/main/command" xmlns:pc="http://schemas.microsoft.com/office/powerpoint/2013/main/command">
   <pc:docChgLst>
+    <pc:chgData name="Liu, Youzhong [JANBE]" userId="2d0f794a-fd2a-4e4a-9685-8efd566e499f" providerId="ADAL" clId="{D8A39EC7-E728-43C6-8646-720616CB2D73}"/>
+    <pc:docChg chg="modSld">
+      <pc:chgData name="Liu, Youzhong [JANBE]" userId="2d0f794a-fd2a-4e4a-9685-8efd566e499f" providerId="ADAL" clId="{D8A39EC7-E728-43C6-8646-720616CB2D73}" dt="2020-07-23T17:04:27.042" v="67" actId="20577"/>
+      <pc:docMkLst>
+        <pc:docMk/>
+      </pc:docMkLst>
+      <pc:sldChg chg="modSp">
+        <pc:chgData name="Liu, Youzhong [JANBE]" userId="2d0f794a-fd2a-4e4a-9685-8efd566e499f" providerId="ADAL" clId="{D8A39EC7-E728-43C6-8646-720616CB2D73}" dt="2020-07-23T17:04:27.042" v="67" actId="20577"/>
+        <pc:sldMkLst>
+          <pc:docMk/>
+          <pc:sldMk cId="2668161777" sldId="270"/>
+        </pc:sldMkLst>
+        <pc:graphicFrameChg chg="mod modGraphic">
+          <ac:chgData name="Liu, Youzhong [JANBE]" userId="2d0f794a-fd2a-4e4a-9685-8efd566e499f" providerId="ADAL" clId="{D8A39EC7-E728-43C6-8646-720616CB2D73}" dt="2020-07-23T17:04:27.042" v="67" actId="20577"/>
+          <ac:graphicFrameMkLst>
+            <pc:docMk/>
+            <pc:sldMk cId="2668161777" sldId="270"/>
+            <ac:graphicFrameMk id="4" creationId="{ABEAA127-1C90-4DBB-9260-B26C6B3F5649}"/>
+          </ac:graphicFrameMkLst>
+        </pc:graphicFrameChg>
+      </pc:sldChg>
+    </pc:docChg>
+  </pc:docChgLst>
+  <pc:docChgLst>
     <pc:chgData name="Liu, Youzhong [JANBE]" userId="2d0f794a-fd2a-4e4a-9685-8efd566e499f" providerId="ADAL" clId="{D1EE8339-1FB3-4B25-9618-3EC57C51B59F}"/>
     <pc:docChg chg="undo custSel addSld delSld modSld">
       <pc:chgData name="Liu, Youzhong [JANBE]" userId="2d0f794a-fd2a-4e4a-9685-8efd566e499f" providerId="ADAL" clId="{D1EE8339-1FB3-4B25-9618-3EC57C51B59F}" dt="2020-06-23T17:57:34.138" v="11" actId="1076"/>
@@ -278,7 +302,7 @@
           <a:p>
             <a:fld id="{DB793187-038D-46E7-93F5-6A59D77E4888}" type="datetimeFigureOut">
               <a:rPr lang="en-US" smtClean="0"/>
-              <a:t>6/23/2020</a:t>
+              <a:t>7/23/2020</a:t>
             </a:fld>
             <a:endParaRPr lang="en-US"/>
           </a:p>
@@ -779,7 +803,7 @@
           <a:p>
             <a:fld id="{63C097CE-CE30-40FD-8349-F85D75ED7B0A}" type="datetimeFigureOut">
               <a:rPr lang="en-US" smtClean="0"/>
-              <a:t>6/23/2020</a:t>
+              <a:t>7/23/2020</a:t>
             </a:fld>
             <a:endParaRPr lang="en-US"/>
           </a:p>
@@ -979,7 +1003,7 @@
           <a:p>
             <a:fld id="{63C097CE-CE30-40FD-8349-F85D75ED7B0A}" type="datetimeFigureOut">
               <a:rPr lang="en-US" smtClean="0"/>
-              <a:t>6/23/2020</a:t>
+              <a:t>7/23/2020</a:t>
             </a:fld>
             <a:endParaRPr lang="en-US"/>
           </a:p>
@@ -1189,7 +1213,7 @@
           <a:p>
             <a:fld id="{63C097CE-CE30-40FD-8349-F85D75ED7B0A}" type="datetimeFigureOut">
               <a:rPr lang="en-US" smtClean="0"/>
-              <a:t>6/23/2020</a:t>
+              <a:t>7/23/2020</a:t>
             </a:fld>
             <a:endParaRPr lang="en-US"/>
           </a:p>
@@ -1389,7 +1413,7 @@
           <a:p>
             <a:fld id="{63C097CE-CE30-40FD-8349-F85D75ED7B0A}" type="datetimeFigureOut">
               <a:rPr lang="en-US" smtClean="0"/>
-              <a:t>6/23/2020</a:t>
+              <a:t>7/23/2020</a:t>
             </a:fld>
             <a:endParaRPr lang="en-US"/>
           </a:p>
@@ -1665,7 +1689,7 @@
           <a:p>
             <a:fld id="{63C097CE-CE30-40FD-8349-F85D75ED7B0A}" type="datetimeFigureOut">
               <a:rPr lang="en-US" smtClean="0"/>
-              <a:t>6/23/2020</a:t>
+              <a:t>7/23/2020</a:t>
             </a:fld>
             <a:endParaRPr lang="en-US"/>
           </a:p>
@@ -1933,7 +1957,7 @@
           <a:p>
             <a:fld id="{63C097CE-CE30-40FD-8349-F85D75ED7B0A}" type="datetimeFigureOut">
               <a:rPr lang="en-US" smtClean="0"/>
-              <a:t>6/23/2020</a:t>
+              <a:t>7/23/2020</a:t>
             </a:fld>
             <a:endParaRPr lang="en-US"/>
           </a:p>
@@ -2348,7 +2372,7 @@
           <a:p>
             <a:fld id="{63C097CE-CE30-40FD-8349-F85D75ED7B0A}" type="datetimeFigureOut">
               <a:rPr lang="en-US" smtClean="0"/>
-              <a:t>6/23/2020</a:t>
+              <a:t>7/23/2020</a:t>
             </a:fld>
             <a:endParaRPr lang="en-US"/>
           </a:p>
@@ -2490,7 +2514,7 @@
           <a:p>
             <a:fld id="{63C097CE-CE30-40FD-8349-F85D75ED7B0A}" type="datetimeFigureOut">
               <a:rPr lang="en-US" smtClean="0"/>
-              <a:t>6/23/2020</a:t>
+              <a:t>7/23/2020</a:t>
             </a:fld>
             <a:endParaRPr lang="en-US"/>
           </a:p>
@@ -2603,7 +2627,7 @@
           <a:p>
             <a:fld id="{63C097CE-CE30-40FD-8349-F85D75ED7B0A}" type="datetimeFigureOut">
               <a:rPr lang="en-US" smtClean="0"/>
-              <a:t>6/23/2020</a:t>
+              <a:t>7/23/2020</a:t>
             </a:fld>
             <a:endParaRPr lang="en-US"/>
           </a:p>
@@ -2916,7 +2940,7 @@
           <a:p>
             <a:fld id="{63C097CE-CE30-40FD-8349-F85D75ED7B0A}" type="datetimeFigureOut">
               <a:rPr lang="en-US" smtClean="0"/>
-              <a:t>6/23/2020</a:t>
+              <a:t>7/23/2020</a:t>
             </a:fld>
             <a:endParaRPr lang="en-US"/>
           </a:p>
@@ -3205,7 +3229,7 @@
           <a:p>
             <a:fld id="{63C097CE-CE30-40FD-8349-F85D75ED7B0A}" type="datetimeFigureOut">
               <a:rPr lang="en-US" smtClean="0"/>
-              <a:t>6/23/2020</a:t>
+              <a:t>7/23/2020</a:t>
             </a:fld>
             <a:endParaRPr lang="en-US"/>
           </a:p>
@@ -3448,7 +3472,7 @@
           <a:p>
             <a:fld id="{63C097CE-CE30-40FD-8349-F85D75ED7B0A}" type="datetimeFigureOut">
               <a:rPr lang="en-US" smtClean="0"/>
-              <a:t>6/23/2020</a:t>
+              <a:t>7/23/2020</a:t>
             </a:fld>
             <a:endParaRPr lang="en-US"/>
           </a:p>
@@ -3880,14 +3904,14 @@
           <p:nvPr>
             <p:extLst>
               <p:ext uri="{D42A27DB-BD31-4B8C-83A1-F6EECF244321}">
-                <p14:modId xmlns:p14="http://schemas.microsoft.com/office/powerpoint/2010/main" val="2282387904"/>
+                <p14:modId xmlns:p14="http://schemas.microsoft.com/office/powerpoint/2010/main" val="1301542696"/>
               </p:ext>
             </p:extLst>
           </p:nvPr>
         </p:nvGraphicFramePr>
         <p:xfrm>
-          <a:off x="875792" y="1142695"/>
-          <a:ext cx="10757188" cy="4572610"/>
+          <a:off x="263470" y="1106895"/>
+          <a:ext cx="11582910" cy="4298290"/>
         </p:xfrm>
         <a:graphic>
           <a:graphicData uri="http://schemas.openxmlformats.org/drawingml/2006/table">
@@ -3896,28 +3920,28 @@
                 <a:tableStyleId>{5C22544A-7EE6-4342-B048-85BDC9FD1C3A}</a:tableStyleId>
               </a:tblPr>
               <a:tblGrid>
-                <a:gridCol w="3124750">
+                <a:gridCol w="3364606">
                   <a:extLst>
                     <a:ext uri="{9D8B030D-6E8A-4147-A177-3AD203B41FA5}">
                       <a16:colId xmlns:a16="http://schemas.microsoft.com/office/drawing/2014/main" val="532535257"/>
                     </a:ext>
                   </a:extLst>
                 </a:gridCol>
-                <a:gridCol w="2200629">
+                <a:gridCol w="2369549">
                   <a:extLst>
                     <a:ext uri="{9D8B030D-6E8A-4147-A177-3AD203B41FA5}">
                       <a16:colId xmlns:a16="http://schemas.microsoft.com/office/drawing/2014/main" val="2523763964"/>
                     </a:ext>
                   </a:extLst>
                 </a:gridCol>
-                <a:gridCol w="2593074">
+                <a:gridCol w="2792118">
                   <a:extLst>
                     <a:ext uri="{9D8B030D-6E8A-4147-A177-3AD203B41FA5}">
                       <a16:colId xmlns:a16="http://schemas.microsoft.com/office/drawing/2014/main" val="3600682559"/>
                     </a:ext>
                   </a:extLst>
                 </a:gridCol>
-                <a:gridCol w="2838735">
+                <a:gridCol w="3056637">
                   <a:extLst>
                     <a:ext uri="{9D8B030D-6E8A-4147-A177-3AD203B41FA5}">
                       <a16:colId xmlns:a16="http://schemas.microsoft.com/office/drawing/2014/main" val="2992362965"/>
@@ -4490,9 +4514,10 @@
                     <a:lstStyle/>
                     <a:p>
                       <a:r>
-                        <a:rPr lang="en-US" dirty="0"/>
-                        <a:t>Recalibration T/F</a:t>
+                        <a:rPr lang="en-US"/>
+                        <a:t>Recalibration </a:t>
                       </a:r>
+                      <a:endParaRPr lang="en-US" dirty="0"/>
                     </a:p>
                   </a:txBody>
                   <a:tcPr/>

--- a/inst/Preparation.pptx
+++ b/inst/Preparation.pptx
@@ -217,6 +217,30 @@
       </pc:sldChg>
     </pc:docChg>
   </pc:docChgLst>
+  <pc:docChgLst>
+    <pc:chgData name="Liu, Youzhong [JANBE]" userId="2d0f794a-fd2a-4e4a-9685-8efd566e499f" providerId="ADAL" clId="{3EC71F49-CC0E-477B-A4D6-709D7114ECCA}"/>
+    <pc:docChg chg="modSld">
+      <pc:chgData name="Liu, Youzhong [JANBE]" userId="2d0f794a-fd2a-4e4a-9685-8efd566e499f" providerId="ADAL" clId="{3EC71F49-CC0E-477B-A4D6-709D7114ECCA}" dt="2020-08-20T09:32:58.768" v="8" actId="20577"/>
+      <pc:docMkLst>
+        <pc:docMk/>
+      </pc:docMkLst>
+      <pc:sldChg chg="modSp">
+        <pc:chgData name="Liu, Youzhong [JANBE]" userId="2d0f794a-fd2a-4e4a-9685-8efd566e499f" providerId="ADAL" clId="{3EC71F49-CC0E-477B-A4D6-709D7114ECCA}" dt="2020-08-20T09:32:58.768" v="8" actId="20577"/>
+        <pc:sldMkLst>
+          <pc:docMk/>
+          <pc:sldMk cId="2668161777" sldId="270"/>
+        </pc:sldMkLst>
+        <pc:graphicFrameChg chg="modGraphic">
+          <ac:chgData name="Liu, Youzhong [JANBE]" userId="2d0f794a-fd2a-4e4a-9685-8efd566e499f" providerId="ADAL" clId="{3EC71F49-CC0E-477B-A4D6-709D7114ECCA}" dt="2020-08-20T09:32:58.768" v="8" actId="20577"/>
+          <ac:graphicFrameMkLst>
+            <pc:docMk/>
+            <pc:sldMk cId="2668161777" sldId="270"/>
+            <ac:graphicFrameMk id="4" creationId="{ABEAA127-1C90-4DBB-9260-B26C6B3F5649}"/>
+          </ac:graphicFrameMkLst>
+        </pc:graphicFrameChg>
+      </pc:sldChg>
+    </pc:docChg>
+  </pc:docChgLst>
 </pc:chgInfo>
 </file>
 
@@ -302,7 +326,7 @@
           <a:p>
             <a:fld id="{DB793187-038D-46E7-93F5-6A59D77E4888}" type="datetimeFigureOut">
               <a:rPr lang="en-US" smtClean="0"/>
-              <a:t>7/23/2020</a:t>
+              <a:t>8/20/2020</a:t>
             </a:fld>
             <a:endParaRPr lang="en-US"/>
           </a:p>
@@ -803,7 +827,7 @@
           <a:p>
             <a:fld id="{63C097CE-CE30-40FD-8349-F85D75ED7B0A}" type="datetimeFigureOut">
               <a:rPr lang="en-US" smtClean="0"/>
-              <a:t>7/23/2020</a:t>
+              <a:t>8/20/2020</a:t>
             </a:fld>
             <a:endParaRPr lang="en-US"/>
           </a:p>
@@ -1003,7 +1027,7 @@
           <a:p>
             <a:fld id="{63C097CE-CE30-40FD-8349-F85D75ED7B0A}" type="datetimeFigureOut">
               <a:rPr lang="en-US" smtClean="0"/>
-              <a:t>7/23/2020</a:t>
+              <a:t>8/20/2020</a:t>
             </a:fld>
             <a:endParaRPr lang="en-US"/>
           </a:p>
@@ -1213,7 +1237,7 @@
           <a:p>
             <a:fld id="{63C097CE-CE30-40FD-8349-F85D75ED7B0A}" type="datetimeFigureOut">
               <a:rPr lang="en-US" smtClean="0"/>
-              <a:t>7/23/2020</a:t>
+              <a:t>8/20/2020</a:t>
             </a:fld>
             <a:endParaRPr lang="en-US"/>
           </a:p>
@@ -1413,7 +1437,7 @@
           <a:p>
             <a:fld id="{63C097CE-CE30-40FD-8349-F85D75ED7B0A}" type="datetimeFigureOut">
               <a:rPr lang="en-US" smtClean="0"/>
-              <a:t>7/23/2020</a:t>
+              <a:t>8/20/2020</a:t>
             </a:fld>
             <a:endParaRPr lang="en-US"/>
           </a:p>
@@ -1689,7 +1713,7 @@
           <a:p>
             <a:fld id="{63C097CE-CE30-40FD-8349-F85D75ED7B0A}" type="datetimeFigureOut">
               <a:rPr lang="en-US" smtClean="0"/>
-              <a:t>7/23/2020</a:t>
+              <a:t>8/20/2020</a:t>
             </a:fld>
             <a:endParaRPr lang="en-US"/>
           </a:p>
@@ -1957,7 +1981,7 @@
           <a:p>
             <a:fld id="{63C097CE-CE30-40FD-8349-F85D75ED7B0A}" type="datetimeFigureOut">
               <a:rPr lang="en-US" smtClean="0"/>
-              <a:t>7/23/2020</a:t>
+              <a:t>8/20/2020</a:t>
             </a:fld>
             <a:endParaRPr lang="en-US"/>
           </a:p>
@@ -2372,7 +2396,7 @@
           <a:p>
             <a:fld id="{63C097CE-CE30-40FD-8349-F85D75ED7B0A}" type="datetimeFigureOut">
               <a:rPr lang="en-US" smtClean="0"/>
-              <a:t>7/23/2020</a:t>
+              <a:t>8/20/2020</a:t>
             </a:fld>
             <a:endParaRPr lang="en-US"/>
           </a:p>
@@ -2514,7 +2538,7 @@
           <a:p>
             <a:fld id="{63C097CE-CE30-40FD-8349-F85D75ED7B0A}" type="datetimeFigureOut">
               <a:rPr lang="en-US" smtClean="0"/>
-              <a:t>7/23/2020</a:t>
+              <a:t>8/20/2020</a:t>
             </a:fld>
             <a:endParaRPr lang="en-US"/>
           </a:p>
@@ -2627,7 +2651,7 @@
           <a:p>
             <a:fld id="{63C097CE-CE30-40FD-8349-F85D75ED7B0A}" type="datetimeFigureOut">
               <a:rPr lang="en-US" smtClean="0"/>
-              <a:t>7/23/2020</a:t>
+              <a:t>8/20/2020</a:t>
             </a:fld>
             <a:endParaRPr lang="en-US"/>
           </a:p>
@@ -2940,7 +2964,7 @@
           <a:p>
             <a:fld id="{63C097CE-CE30-40FD-8349-F85D75ED7B0A}" type="datetimeFigureOut">
               <a:rPr lang="en-US" smtClean="0"/>
-              <a:t>7/23/2020</a:t>
+              <a:t>8/20/2020</a:t>
             </a:fld>
             <a:endParaRPr lang="en-US"/>
           </a:p>
@@ -3229,7 +3253,7 @@
           <a:p>
             <a:fld id="{63C097CE-CE30-40FD-8349-F85D75ED7B0A}" type="datetimeFigureOut">
               <a:rPr lang="en-US" smtClean="0"/>
-              <a:t>7/23/2020</a:t>
+              <a:t>8/20/2020</a:t>
             </a:fld>
             <a:endParaRPr lang="en-US"/>
           </a:p>
@@ -3472,7 +3496,7 @@
           <a:p>
             <a:fld id="{63C097CE-CE30-40FD-8349-F85D75ED7B0A}" type="datetimeFigureOut">
               <a:rPr lang="en-US" smtClean="0"/>
-              <a:t>7/23/2020</a:t>
+              <a:t>8/20/2020</a:t>
             </a:fld>
             <a:endParaRPr lang="en-US"/>
           </a:p>
@@ -3904,7 +3928,7 @@
           <p:nvPr>
             <p:extLst>
               <p:ext uri="{D42A27DB-BD31-4B8C-83A1-F6EECF244321}">
-                <p14:modId xmlns:p14="http://schemas.microsoft.com/office/powerpoint/2010/main" val="1301542696"/>
+                <p14:modId xmlns:p14="http://schemas.microsoft.com/office/powerpoint/2010/main" val="1536164478"/>
               </p:ext>
             </p:extLst>
           </p:nvPr>
@@ -4289,7 +4313,7 @@
                     <a:p>
                       <a:r>
                         <a:rPr lang="en-US" dirty="0"/>
-                        <a:t>Input Metadata (Optional)</a:t>
+                        <a:t>Input Metadata (Suggested)</a:t>
                       </a:r>
                     </a:p>
                   </a:txBody>

--- a/inst/Preparation.pptx
+++ b/inst/Preparation.pptx
@@ -5,18 +5,19 @@
     <p:sldMasterId id="2147483648" r:id="rId1"/>
   </p:sldMasterIdLst>
   <p:notesMasterIdLst>
-    <p:notesMasterId r:id="rId11"/>
+    <p:notesMasterId r:id="rId12"/>
   </p:notesMasterIdLst>
   <p:sldIdLst>
     <p:sldId id="270" r:id="rId2"/>
     <p:sldId id="256" r:id="rId3"/>
     <p:sldId id="257" r:id="rId4"/>
     <p:sldId id="259" r:id="rId5"/>
-    <p:sldId id="260" r:id="rId6"/>
-    <p:sldId id="265" r:id="rId7"/>
-    <p:sldId id="267" r:id="rId8"/>
-    <p:sldId id="268" r:id="rId9"/>
-    <p:sldId id="269" r:id="rId10"/>
+    <p:sldId id="271" r:id="rId6"/>
+    <p:sldId id="260" r:id="rId7"/>
+    <p:sldId id="265" r:id="rId8"/>
+    <p:sldId id="267" r:id="rId9"/>
+    <p:sldId id="268" r:id="rId10"/>
+    <p:sldId id="269" r:id="rId11"/>
   </p:sldIdLst>
   <p:sldSz cx="12192000" cy="6858000"/>
   <p:notesSz cx="6858000" cy="9144000"/>
@@ -218,6 +219,206 @@
     </pc:docChg>
   </pc:docChgLst>
   <pc:docChgLst>
+    <pc:chgData name="Liu, Youzhong [JANBE]" userId="2d0f794a-fd2a-4e4a-9685-8efd566e499f" providerId="ADAL" clId="{00318541-1CF4-4CB2-A5A1-71AFCDF8FB1B}"/>
+    <pc:docChg chg="undo custSel addSld modSld">
+      <pc:chgData name="Liu, Youzhong [JANBE]" userId="2d0f794a-fd2a-4e4a-9685-8efd566e499f" providerId="ADAL" clId="{00318541-1CF4-4CB2-A5A1-71AFCDF8FB1B}" dt="2022-08-28T09:18:40.520" v="753" actId="14100"/>
+      <pc:docMkLst>
+        <pc:docMk/>
+      </pc:docMkLst>
+      <pc:sldChg chg="addSp delSp modSp new mod">
+        <pc:chgData name="Liu, Youzhong [JANBE]" userId="2d0f794a-fd2a-4e4a-9685-8efd566e499f" providerId="ADAL" clId="{00318541-1CF4-4CB2-A5A1-71AFCDF8FB1B}" dt="2022-08-28T09:18:40.520" v="753" actId="14100"/>
+        <pc:sldMkLst>
+          <pc:docMk/>
+          <pc:sldMk cId="1754897856" sldId="271"/>
+        </pc:sldMkLst>
+        <pc:spChg chg="del">
+          <ac:chgData name="Liu, Youzhong [JANBE]" userId="2d0f794a-fd2a-4e4a-9685-8efd566e499f" providerId="ADAL" clId="{00318541-1CF4-4CB2-A5A1-71AFCDF8FB1B}" dt="2022-08-28T07:40:37.423" v="1" actId="478"/>
+          <ac:spMkLst>
+            <pc:docMk/>
+            <pc:sldMk cId="1754897856" sldId="271"/>
+            <ac:spMk id="2" creationId="{F68A7361-0F6E-4D5B-9BFC-A70E5B6F8FA9}"/>
+          </ac:spMkLst>
+        </pc:spChg>
+        <pc:spChg chg="del">
+          <ac:chgData name="Liu, Youzhong [JANBE]" userId="2d0f794a-fd2a-4e4a-9685-8efd566e499f" providerId="ADAL" clId="{00318541-1CF4-4CB2-A5A1-71AFCDF8FB1B}" dt="2022-08-28T07:40:37.423" v="1" actId="478"/>
+          <ac:spMkLst>
+            <pc:docMk/>
+            <pc:sldMk cId="1754897856" sldId="271"/>
+            <ac:spMk id="3" creationId="{628EB8EA-8F86-498A-8314-33E042C90D78}"/>
+          </ac:spMkLst>
+        </pc:spChg>
+        <pc:spChg chg="add mod">
+          <ac:chgData name="Liu, Youzhong [JANBE]" userId="2d0f794a-fd2a-4e4a-9685-8efd566e499f" providerId="ADAL" clId="{00318541-1CF4-4CB2-A5A1-71AFCDF8FB1B}" dt="2022-08-28T08:53:55.514" v="205" actId="1076"/>
+          <ac:spMkLst>
+            <pc:docMk/>
+            <pc:sldMk cId="1754897856" sldId="271"/>
+            <ac:spMk id="7" creationId="{76965104-FA75-4164-8FA5-A1C5BFE5B834}"/>
+          </ac:spMkLst>
+        </pc:spChg>
+        <pc:spChg chg="add mod">
+          <ac:chgData name="Liu, Youzhong [JANBE]" userId="2d0f794a-fd2a-4e4a-9685-8efd566e499f" providerId="ADAL" clId="{00318541-1CF4-4CB2-A5A1-71AFCDF8FB1B}" dt="2022-08-28T08:53:55.514" v="205" actId="1076"/>
+          <ac:spMkLst>
+            <pc:docMk/>
+            <pc:sldMk cId="1754897856" sldId="271"/>
+            <ac:spMk id="8" creationId="{40075B59-2131-46BE-BA1E-7FD962489FEF}"/>
+          </ac:spMkLst>
+        </pc:spChg>
+        <pc:spChg chg="add mod">
+          <ac:chgData name="Liu, Youzhong [JANBE]" userId="2d0f794a-fd2a-4e4a-9685-8efd566e499f" providerId="ADAL" clId="{00318541-1CF4-4CB2-A5A1-71AFCDF8FB1B}" dt="2022-08-28T09:04:58.095" v="588" actId="20577"/>
+          <ac:spMkLst>
+            <pc:docMk/>
+            <pc:sldMk cId="1754897856" sldId="271"/>
+            <ac:spMk id="11" creationId="{01E71052-A063-4897-96E5-7A75008FDB35}"/>
+          </ac:spMkLst>
+        </pc:spChg>
+        <pc:spChg chg="add mod">
+          <ac:chgData name="Liu, Youzhong [JANBE]" userId="2d0f794a-fd2a-4e4a-9685-8efd566e499f" providerId="ADAL" clId="{00318541-1CF4-4CB2-A5A1-71AFCDF8FB1B}" dt="2022-08-28T08:59:19.563" v="380" actId="1076"/>
+          <ac:spMkLst>
+            <pc:docMk/>
+            <pc:sldMk cId="1754897856" sldId="271"/>
+            <ac:spMk id="14" creationId="{EDD0BC49-9558-43CF-A1BB-42BE79C5CA13}"/>
+          </ac:spMkLst>
+        </pc:spChg>
+        <pc:spChg chg="add del mod">
+          <ac:chgData name="Liu, Youzhong [JANBE]" userId="2d0f794a-fd2a-4e4a-9685-8efd566e499f" providerId="ADAL" clId="{00318541-1CF4-4CB2-A5A1-71AFCDF8FB1B}" dt="2022-08-28T09:02:20.781" v="507" actId="478"/>
+          <ac:spMkLst>
+            <pc:docMk/>
+            <pc:sldMk cId="1754897856" sldId="271"/>
+            <ac:spMk id="23" creationId="{510BFCD6-4B9A-4C06-B89B-954074034133}"/>
+          </ac:spMkLst>
+        </pc:spChg>
+        <pc:spChg chg="add mod">
+          <ac:chgData name="Liu, Youzhong [JANBE]" userId="2d0f794a-fd2a-4e4a-9685-8efd566e499f" providerId="ADAL" clId="{00318541-1CF4-4CB2-A5A1-71AFCDF8FB1B}" dt="2022-08-28T09:06:24.357" v="744" actId="1076"/>
+          <ac:spMkLst>
+            <pc:docMk/>
+            <pc:sldMk cId="1754897856" sldId="271"/>
+            <ac:spMk id="24" creationId="{99423315-5B39-433A-93B3-419972EFD7C5}"/>
+          </ac:spMkLst>
+        </pc:spChg>
+        <pc:spChg chg="add mod">
+          <ac:chgData name="Liu, Youzhong [JANBE]" userId="2d0f794a-fd2a-4e4a-9685-8efd566e499f" providerId="ADAL" clId="{00318541-1CF4-4CB2-A5A1-71AFCDF8FB1B}" dt="2022-08-28T09:03:26.533" v="564" actId="1076"/>
+          <ac:spMkLst>
+            <pc:docMk/>
+            <pc:sldMk cId="1754897856" sldId="271"/>
+            <ac:spMk id="25" creationId="{48161A95-3A80-4B4E-B113-C00CC82B4DC7}"/>
+          </ac:spMkLst>
+        </pc:spChg>
+        <pc:spChg chg="add mod">
+          <ac:chgData name="Liu, Youzhong [JANBE]" userId="2d0f794a-fd2a-4e4a-9685-8efd566e499f" providerId="ADAL" clId="{00318541-1CF4-4CB2-A5A1-71AFCDF8FB1B}" dt="2022-08-28T09:18:40.520" v="753" actId="14100"/>
+          <ac:spMkLst>
+            <pc:docMk/>
+            <pc:sldMk cId="1754897856" sldId="271"/>
+            <ac:spMk id="30" creationId="{9323BC5C-BDBF-41AD-B86D-162CB061B095}"/>
+          </ac:spMkLst>
+        </pc:spChg>
+        <pc:spChg chg="add mod ord">
+          <ac:chgData name="Liu, Youzhong [JANBE]" userId="2d0f794a-fd2a-4e4a-9685-8efd566e499f" providerId="ADAL" clId="{00318541-1CF4-4CB2-A5A1-71AFCDF8FB1B}" dt="2022-08-28T09:06:57.611" v="750" actId="14100"/>
+          <ac:spMkLst>
+            <pc:docMk/>
+            <pc:sldMk cId="1754897856" sldId="271"/>
+            <ac:spMk id="31" creationId="{01CE1F7F-6154-4EE7-80CD-3041D921B40E}"/>
+          </ac:spMkLst>
+        </pc:spChg>
+        <pc:picChg chg="add mod">
+          <ac:chgData name="Liu, Youzhong [JANBE]" userId="2d0f794a-fd2a-4e4a-9685-8efd566e499f" providerId="ADAL" clId="{00318541-1CF4-4CB2-A5A1-71AFCDF8FB1B}" dt="2022-08-28T08:53:55.514" v="205" actId="1076"/>
+          <ac:picMkLst>
+            <pc:docMk/>
+            <pc:sldMk cId="1754897856" sldId="271"/>
+            <ac:picMk id="4" creationId="{F83D6C33-7CE0-4D32-B16C-973B288CF62C}"/>
+          </ac:picMkLst>
+        </pc:picChg>
+        <pc:cxnChg chg="add mod">
+          <ac:chgData name="Liu, Youzhong [JANBE]" userId="2d0f794a-fd2a-4e4a-9685-8efd566e499f" providerId="ADAL" clId="{00318541-1CF4-4CB2-A5A1-71AFCDF8FB1B}" dt="2022-08-28T09:01:30.517" v="481" actId="1076"/>
+          <ac:cxnSpMkLst>
+            <pc:docMk/>
+            <pc:sldMk cId="1754897856" sldId="271"/>
+            <ac:cxnSpMk id="5" creationId="{97A107AF-340E-4BBF-AF3A-7B7EA51601F4}"/>
+          </ac:cxnSpMkLst>
+        </pc:cxnChg>
+        <pc:cxnChg chg="add del mod">
+          <ac:chgData name="Liu, Youzhong [JANBE]" userId="2d0f794a-fd2a-4e4a-9685-8efd566e499f" providerId="ADAL" clId="{00318541-1CF4-4CB2-A5A1-71AFCDF8FB1B}" dt="2022-08-28T07:53:57.451" v="14" actId="478"/>
+          <ac:cxnSpMkLst>
+            <pc:docMk/>
+            <pc:sldMk cId="1754897856" sldId="271"/>
+            <ac:cxnSpMk id="6" creationId="{568CA283-C133-4C88-9F84-E3F9917D5A75}"/>
+          </ac:cxnSpMkLst>
+        </pc:cxnChg>
+        <pc:cxnChg chg="add mod">
+          <ac:chgData name="Liu, Youzhong [JANBE]" userId="2d0f794a-fd2a-4e4a-9685-8efd566e499f" providerId="ADAL" clId="{00318541-1CF4-4CB2-A5A1-71AFCDF8FB1B}" dt="2022-08-28T08:53:55.514" v="205" actId="1076"/>
+          <ac:cxnSpMkLst>
+            <pc:docMk/>
+            <pc:sldMk cId="1754897856" sldId="271"/>
+            <ac:cxnSpMk id="9" creationId="{FE1F3481-B047-4436-AD1A-F55FA59AAE26}"/>
+          </ac:cxnSpMkLst>
+        </pc:cxnChg>
+        <pc:cxnChg chg="add mod">
+          <ac:chgData name="Liu, Youzhong [JANBE]" userId="2d0f794a-fd2a-4e4a-9685-8efd566e499f" providerId="ADAL" clId="{00318541-1CF4-4CB2-A5A1-71AFCDF8FB1B}" dt="2022-08-28T08:53:55.514" v="205" actId="1076"/>
+          <ac:cxnSpMkLst>
+            <pc:docMk/>
+            <pc:sldMk cId="1754897856" sldId="271"/>
+            <ac:cxnSpMk id="10" creationId="{F9AB3D97-F71E-4A40-9D79-8BF30A416A45}"/>
+          </ac:cxnSpMkLst>
+        </pc:cxnChg>
+        <pc:cxnChg chg="add mod">
+          <ac:chgData name="Liu, Youzhong [JANBE]" userId="2d0f794a-fd2a-4e4a-9685-8efd566e499f" providerId="ADAL" clId="{00318541-1CF4-4CB2-A5A1-71AFCDF8FB1B}" dt="2022-08-28T08:57:02.316" v="345" actId="1076"/>
+          <ac:cxnSpMkLst>
+            <pc:docMk/>
+            <pc:sldMk cId="1754897856" sldId="271"/>
+            <ac:cxnSpMk id="12" creationId="{96B3A74E-0BE4-4E44-B383-1C82D57FA5C3}"/>
+          </ac:cxnSpMkLst>
+        </pc:cxnChg>
+        <pc:cxnChg chg="add del mod">
+          <ac:chgData name="Liu, Youzhong [JANBE]" userId="2d0f794a-fd2a-4e4a-9685-8efd566e499f" providerId="ADAL" clId="{00318541-1CF4-4CB2-A5A1-71AFCDF8FB1B}" dt="2022-08-28T08:55:14.304" v="238" actId="478"/>
+          <ac:cxnSpMkLst>
+            <pc:docMk/>
+            <pc:sldMk cId="1754897856" sldId="271"/>
+            <ac:cxnSpMk id="15" creationId="{C360E4E1-EB10-4796-A487-4FD04B4C385D}"/>
+          </ac:cxnSpMkLst>
+        </pc:cxnChg>
+        <pc:cxnChg chg="add mod">
+          <ac:chgData name="Liu, Youzhong [JANBE]" userId="2d0f794a-fd2a-4e4a-9685-8efd566e499f" providerId="ADAL" clId="{00318541-1CF4-4CB2-A5A1-71AFCDF8FB1B}" dt="2022-08-28T09:03:12.356" v="561" actId="1076"/>
+          <ac:cxnSpMkLst>
+            <pc:docMk/>
+            <pc:sldMk cId="1754897856" sldId="271"/>
+            <ac:cxnSpMk id="18" creationId="{9902C7A4-4DDB-4092-BFFF-37A6A3F8AE16}"/>
+          </ac:cxnSpMkLst>
+        </pc:cxnChg>
+        <pc:cxnChg chg="add mod">
+          <ac:chgData name="Liu, Youzhong [JANBE]" userId="2d0f794a-fd2a-4e4a-9685-8efd566e499f" providerId="ADAL" clId="{00318541-1CF4-4CB2-A5A1-71AFCDF8FB1B}" dt="2022-08-28T09:03:40.708" v="568" actId="14100"/>
+          <ac:cxnSpMkLst>
+            <pc:docMk/>
+            <pc:sldMk cId="1754897856" sldId="271"/>
+            <ac:cxnSpMk id="19" creationId="{AD834560-A469-4EC9-BB9D-305B192C8F2E}"/>
+          </ac:cxnSpMkLst>
+        </pc:cxnChg>
+        <pc:cxnChg chg="add del mod">
+          <ac:chgData name="Liu, Youzhong [JANBE]" userId="2d0f794a-fd2a-4e4a-9685-8efd566e499f" providerId="ADAL" clId="{00318541-1CF4-4CB2-A5A1-71AFCDF8FB1B}" dt="2022-08-28T09:03:21.403" v="563" actId="1582"/>
+          <ac:cxnSpMkLst>
+            <pc:docMk/>
+            <pc:sldMk cId="1754897856" sldId="271"/>
+            <ac:cxnSpMk id="22" creationId="{597195E7-32FD-47CF-B925-DB330CEFD956}"/>
+          </ac:cxnSpMkLst>
+        </pc:cxnChg>
+        <pc:cxnChg chg="add del mod">
+          <ac:chgData name="Liu, Youzhong [JANBE]" userId="2d0f794a-fd2a-4e4a-9685-8efd566e499f" providerId="ADAL" clId="{00318541-1CF4-4CB2-A5A1-71AFCDF8FB1B}" dt="2022-08-28T09:03:36.002" v="567" actId="478"/>
+          <ac:cxnSpMkLst>
+            <pc:docMk/>
+            <pc:sldMk cId="1754897856" sldId="271"/>
+            <ac:cxnSpMk id="27" creationId="{8E6EBCC1-7390-48EF-986D-28EFE4496DEA}"/>
+          </ac:cxnSpMkLst>
+        </pc:cxnChg>
+        <pc:cxnChg chg="add mod">
+          <ac:chgData name="Liu, Youzhong [JANBE]" userId="2d0f794a-fd2a-4e4a-9685-8efd566e499f" providerId="ADAL" clId="{00318541-1CF4-4CB2-A5A1-71AFCDF8FB1B}" dt="2022-08-28T09:06:19.628" v="743" actId="1076"/>
+          <ac:cxnSpMkLst>
+            <pc:docMk/>
+            <pc:sldMk cId="1754897856" sldId="271"/>
+            <ac:cxnSpMk id="29" creationId="{1651EE91-2A43-4125-B9F6-1DB2AF6A55C6}"/>
+          </ac:cxnSpMkLst>
+        </pc:cxnChg>
+      </pc:sldChg>
+    </pc:docChg>
+  </pc:docChgLst>
+  <pc:docChgLst>
     <pc:chgData name="Liu, Youzhong [JANBE]" userId="2d0f794a-fd2a-4e4a-9685-8efd566e499f" providerId="ADAL" clId="{3EC71F49-CC0E-477B-A4D6-709D7114ECCA}"/>
     <pc:docChg chg="modSld">
       <pc:chgData name="Liu, Youzhong [JANBE]" userId="2d0f794a-fd2a-4e4a-9685-8efd566e499f" providerId="ADAL" clId="{3EC71F49-CC0E-477B-A4D6-709D7114ECCA}" dt="2020-08-20T09:32:58.768" v="8" actId="20577"/>
@@ -326,7 +527,7 @@
           <a:p>
             <a:fld id="{DB793187-038D-46E7-93F5-6A59D77E4888}" type="datetimeFigureOut">
               <a:rPr lang="en-US" smtClean="0"/>
-              <a:t>8/20/2020</a:t>
+              <a:t>8/28/2022</a:t>
             </a:fld>
             <a:endParaRPr lang="en-US"/>
           </a:p>
@@ -659,7 +860,7 @@
           <a:p>
             <a:fld id="{E3321616-E315-44E4-BD4C-1021EFED320A}" type="slidenum">
               <a:rPr lang="en-US" smtClean="0"/>
-              <a:t>6</a:t>
+              <a:t>7</a:t>
             </a:fld>
             <a:endParaRPr lang="en-US"/>
           </a:p>
@@ -827,7 +1028,7 @@
           <a:p>
             <a:fld id="{63C097CE-CE30-40FD-8349-F85D75ED7B0A}" type="datetimeFigureOut">
               <a:rPr lang="en-US" smtClean="0"/>
-              <a:t>8/20/2020</a:t>
+              <a:t>8/28/2022</a:t>
             </a:fld>
             <a:endParaRPr lang="en-US"/>
           </a:p>
@@ -1027,7 +1228,7 @@
           <a:p>
             <a:fld id="{63C097CE-CE30-40FD-8349-F85D75ED7B0A}" type="datetimeFigureOut">
               <a:rPr lang="en-US" smtClean="0"/>
-              <a:t>8/20/2020</a:t>
+              <a:t>8/28/2022</a:t>
             </a:fld>
             <a:endParaRPr lang="en-US"/>
           </a:p>
@@ -1237,7 +1438,7 @@
           <a:p>
             <a:fld id="{63C097CE-CE30-40FD-8349-F85D75ED7B0A}" type="datetimeFigureOut">
               <a:rPr lang="en-US" smtClean="0"/>
-              <a:t>8/20/2020</a:t>
+              <a:t>8/28/2022</a:t>
             </a:fld>
             <a:endParaRPr lang="en-US"/>
           </a:p>
@@ -1437,7 +1638,7 @@
           <a:p>
             <a:fld id="{63C097CE-CE30-40FD-8349-F85D75ED7B0A}" type="datetimeFigureOut">
               <a:rPr lang="en-US" smtClean="0"/>
-              <a:t>8/20/2020</a:t>
+              <a:t>8/28/2022</a:t>
             </a:fld>
             <a:endParaRPr lang="en-US"/>
           </a:p>
@@ -1713,7 +1914,7 @@
           <a:p>
             <a:fld id="{63C097CE-CE30-40FD-8349-F85D75ED7B0A}" type="datetimeFigureOut">
               <a:rPr lang="en-US" smtClean="0"/>
-              <a:t>8/20/2020</a:t>
+              <a:t>8/28/2022</a:t>
             </a:fld>
             <a:endParaRPr lang="en-US"/>
           </a:p>
@@ -1981,7 +2182,7 @@
           <a:p>
             <a:fld id="{63C097CE-CE30-40FD-8349-F85D75ED7B0A}" type="datetimeFigureOut">
               <a:rPr lang="en-US" smtClean="0"/>
-              <a:t>8/20/2020</a:t>
+              <a:t>8/28/2022</a:t>
             </a:fld>
             <a:endParaRPr lang="en-US"/>
           </a:p>
@@ -2396,7 +2597,7 @@
           <a:p>
             <a:fld id="{63C097CE-CE30-40FD-8349-F85D75ED7B0A}" type="datetimeFigureOut">
               <a:rPr lang="en-US" smtClean="0"/>
-              <a:t>8/20/2020</a:t>
+              <a:t>8/28/2022</a:t>
             </a:fld>
             <a:endParaRPr lang="en-US"/>
           </a:p>
@@ -2538,7 +2739,7 @@
           <a:p>
             <a:fld id="{63C097CE-CE30-40FD-8349-F85D75ED7B0A}" type="datetimeFigureOut">
               <a:rPr lang="en-US" smtClean="0"/>
-              <a:t>8/20/2020</a:t>
+              <a:t>8/28/2022</a:t>
             </a:fld>
             <a:endParaRPr lang="en-US"/>
           </a:p>
@@ -2651,7 +2852,7 @@
           <a:p>
             <a:fld id="{63C097CE-CE30-40FD-8349-F85D75ED7B0A}" type="datetimeFigureOut">
               <a:rPr lang="en-US" smtClean="0"/>
-              <a:t>8/20/2020</a:t>
+              <a:t>8/28/2022</a:t>
             </a:fld>
             <a:endParaRPr lang="en-US"/>
           </a:p>
@@ -2964,7 +3165,7 @@
           <a:p>
             <a:fld id="{63C097CE-CE30-40FD-8349-F85D75ED7B0A}" type="datetimeFigureOut">
               <a:rPr lang="en-US" smtClean="0"/>
-              <a:t>8/20/2020</a:t>
+              <a:t>8/28/2022</a:t>
             </a:fld>
             <a:endParaRPr lang="en-US"/>
           </a:p>
@@ -3253,7 +3454,7 @@
           <a:p>
             <a:fld id="{63C097CE-CE30-40FD-8349-F85D75ED7B0A}" type="datetimeFigureOut">
               <a:rPr lang="en-US" smtClean="0"/>
-              <a:t>8/20/2020</a:t>
+              <a:t>8/28/2022</a:t>
             </a:fld>
             <a:endParaRPr lang="en-US"/>
           </a:p>
@@ -3496,7 +3697,7 @@
           <a:p>
             <a:fld id="{63C097CE-CE30-40FD-8349-F85D75ED7B0A}" type="datetimeFigureOut">
               <a:rPr lang="en-US" smtClean="0"/>
-              <a:t>8/20/2020</a:t>
+              <a:t>8/28/2022</a:t>
             </a:fld>
             <a:endParaRPr lang="en-US"/>
           </a:p>
@@ -4678,6 +4879,123 @@
 </p:sld>
 </file>
 
+<file path=ppt/slides/slide10.xml><?xml version="1.0" encoding="utf-8"?>
+<p:sld xmlns:a="http://schemas.openxmlformats.org/drawingml/2006/main" xmlns:r="http://schemas.openxmlformats.org/officeDocument/2006/relationships" xmlns:p="http://schemas.openxmlformats.org/presentationml/2006/main">
+  <p:cSld>
+    <p:spTree>
+      <p:nvGrpSpPr>
+        <p:cNvPr id="1" name=""/>
+        <p:cNvGrpSpPr/>
+        <p:nvPr/>
+      </p:nvGrpSpPr>
+      <p:grpSpPr>
+        <a:xfrm>
+          <a:off x="0" y="0"/>
+          <a:ext cx="0" cy="0"/>
+          <a:chOff x="0" y="0"/>
+          <a:chExt cx="0" cy="0"/>
+        </a:xfrm>
+      </p:grpSpPr>
+      <p:pic>
+        <p:nvPicPr>
+          <p:cNvPr id="4" name="Image 3">
+            <a:extLst>
+              <a:ext uri="{FF2B5EF4-FFF2-40B4-BE49-F238E27FC236}">
+                <a16:creationId xmlns:a16="http://schemas.microsoft.com/office/drawing/2014/main" id="{6C19478E-F45E-40A6-8A0B-C78546DF4832}"/>
+              </a:ext>
+            </a:extLst>
+          </p:cNvPr>
+          <p:cNvPicPr>
+            <a:picLocks noChangeAspect="1"/>
+          </p:cNvPicPr>
+          <p:nvPr/>
+        </p:nvPicPr>
+        <p:blipFill rotWithShape="1">
+          <a:blip r:embed="rId2"/>
+          <a:srcRect l="1943" t="19567" r="3924" b="9959"/>
+          <a:stretch/>
+        </p:blipFill>
+        <p:spPr>
+          <a:xfrm>
+            <a:off x="1288473" y="635120"/>
+            <a:ext cx="4462955" cy="2728185"/>
+          </a:xfrm>
+          <a:prstGeom prst="rect">
+            <a:avLst/>
+          </a:prstGeom>
+        </p:spPr>
+      </p:pic>
+      <p:pic>
+        <p:nvPicPr>
+          <p:cNvPr id="5" name="Image 4">
+            <a:extLst>
+              <a:ext uri="{FF2B5EF4-FFF2-40B4-BE49-F238E27FC236}">
+                <a16:creationId xmlns:a16="http://schemas.microsoft.com/office/drawing/2014/main" id="{284C9446-8711-4695-A6CC-73B0BAE2051E}"/>
+              </a:ext>
+            </a:extLst>
+          </p:cNvPr>
+          <p:cNvPicPr>
+            <a:picLocks noChangeAspect="1"/>
+          </p:cNvPicPr>
+          <p:nvPr/>
+        </p:nvPicPr>
+        <p:blipFill rotWithShape="1">
+          <a:blip r:embed="rId3"/>
+          <a:srcRect l="4446" t="18210" r="5866" b="7869"/>
+          <a:stretch/>
+        </p:blipFill>
+        <p:spPr>
+          <a:xfrm>
+            <a:off x="5507181" y="635120"/>
+            <a:ext cx="4208318" cy="2832094"/>
+          </a:xfrm>
+          <a:prstGeom prst="rect">
+            <a:avLst/>
+          </a:prstGeom>
+        </p:spPr>
+      </p:pic>
+      <p:pic>
+        <p:nvPicPr>
+          <p:cNvPr id="2" name="Image 1">
+            <a:extLst>
+              <a:ext uri="{FF2B5EF4-FFF2-40B4-BE49-F238E27FC236}">
+                <a16:creationId xmlns:a16="http://schemas.microsoft.com/office/drawing/2014/main" id="{A156D9A5-439B-4650-B5F4-E8FA93D9160A}"/>
+              </a:ext>
+            </a:extLst>
+          </p:cNvPr>
+          <p:cNvPicPr>
+            <a:picLocks noChangeAspect="1"/>
+          </p:cNvPicPr>
+          <p:nvPr/>
+        </p:nvPicPr>
+        <p:blipFill rotWithShape="1">
+          <a:blip r:embed="rId4"/>
+          <a:srcRect l="11607" t="6673" r="2914" b="23664"/>
+          <a:stretch/>
+        </p:blipFill>
+        <p:spPr>
+          <a:xfrm>
+            <a:off x="2441865" y="3844636"/>
+            <a:ext cx="5305888" cy="2628900"/>
+          </a:xfrm>
+          <a:prstGeom prst="rect">
+            <a:avLst/>
+          </a:prstGeom>
+        </p:spPr>
+      </p:pic>
+    </p:spTree>
+    <p:extLst>
+      <p:ext uri="{BB962C8B-B14F-4D97-AF65-F5344CB8AC3E}">
+        <p14:creationId xmlns:p14="http://schemas.microsoft.com/office/powerpoint/2010/main" val="724617817"/>
+      </p:ext>
+    </p:extLst>
+  </p:cSld>
+  <p:clrMapOvr>
+    <a:masterClrMapping/>
+  </p:clrMapOvr>
+</p:sld>
+</file>
+
 <file path=ppt/slides/slide2.xml><?xml version="1.0" encoding="utf-8"?>
 <p:sld xmlns:a="http://schemas.openxmlformats.org/drawingml/2006/main" xmlns:r="http://schemas.openxmlformats.org/officeDocument/2006/relationships" xmlns:p="http://schemas.openxmlformats.org/presentationml/2006/main">
   <p:cSld>
@@ -6312,12 +6630,66 @@
           <a:chExt cx="0" cy="0"/>
         </a:xfrm>
       </p:grpSpPr>
+      <p:sp>
+        <p:nvSpPr>
+          <p:cNvPr id="31" name="Rectangle 30">
+            <a:extLst>
+              <a:ext uri="{FF2B5EF4-FFF2-40B4-BE49-F238E27FC236}">
+                <a16:creationId xmlns:a16="http://schemas.microsoft.com/office/drawing/2014/main" id="{01CE1F7F-6154-4EE7-80CD-3041D921B40E}"/>
+              </a:ext>
+            </a:extLst>
+          </p:cNvPr>
+          <p:cNvSpPr/>
+          <p:nvPr/>
+        </p:nvSpPr>
+        <p:spPr>
+          <a:xfrm>
+            <a:off x="-244549" y="148856"/>
+            <a:ext cx="12631479" cy="6337004"/>
+          </a:xfrm>
+          <a:prstGeom prst="rect">
+            <a:avLst/>
+          </a:prstGeom>
+          <a:solidFill>
+            <a:schemeClr val="bg1"/>
+          </a:solidFill>
+          <a:ln>
+            <a:solidFill>
+              <a:schemeClr val="bg1"/>
+            </a:solidFill>
+          </a:ln>
+        </p:spPr>
+        <p:style>
+          <a:lnRef idx="2">
+            <a:schemeClr val="accent1">
+              <a:shade val="50000"/>
+            </a:schemeClr>
+          </a:lnRef>
+          <a:fillRef idx="1">
+            <a:schemeClr val="accent1"/>
+          </a:fillRef>
+          <a:effectRef idx="0">
+            <a:schemeClr val="accent1"/>
+          </a:effectRef>
+          <a:fontRef idx="minor">
+            <a:schemeClr val="lt1"/>
+          </a:fontRef>
+        </p:style>
+        <p:txBody>
+          <a:bodyPr rtlCol="0" anchor="ctr"/>
+          <a:lstStyle/>
+          <a:p>
+            <a:pPr algn="ctr"/>
+            <a:endParaRPr lang="en-US"/>
+          </a:p>
+        </p:txBody>
+      </p:sp>
       <p:pic>
         <p:nvPicPr>
-          <p:cNvPr id="4" name="Image 3">
-            <a:extLst>
-              <a:ext uri="{FF2B5EF4-FFF2-40B4-BE49-F238E27FC236}">
-                <a16:creationId xmlns:a16="http://schemas.microsoft.com/office/drawing/2014/main" id="{8787075B-6F97-4898-B1E5-8FFB1109BD97}"/>
+          <p:cNvPr id="4" name="Picture 3">
+            <a:extLst>
+              <a:ext uri="{FF2B5EF4-FFF2-40B4-BE49-F238E27FC236}">
+                <a16:creationId xmlns:a16="http://schemas.microsoft.com/office/drawing/2014/main" id="{F83D6C33-7CE0-4D32-B16C-973B288CF62C}"/>
               </a:ext>
             </a:extLst>
           </p:cNvPr>
@@ -6326,15 +6698,16 @@
           </p:cNvPicPr>
           <p:nvPr/>
         </p:nvPicPr>
-        <p:blipFill rotWithShape="1">
+        <p:blipFill>
           <a:blip r:embed="rId2"/>
-          <a:srcRect r="1078" b="1049"/>
-          <a:stretch/>
+          <a:stretch>
+            <a:fillRect/>
+          </a:stretch>
         </p:blipFill>
         <p:spPr>
           <a:xfrm>
-            <a:off x="809625" y="704850"/>
-            <a:ext cx="10458739" cy="5391150"/>
+            <a:off x="706414" y="959018"/>
+            <a:ext cx="10582793" cy="3894924"/>
           </a:xfrm>
           <a:prstGeom prst="rect">
             <a:avLst/>
@@ -6343,10 +6716,10 @@
       </p:pic>
       <p:cxnSp>
         <p:nvCxnSpPr>
-          <p:cNvPr id="6" name="Connecteur droit 5">
-            <a:extLst>
-              <a:ext uri="{FF2B5EF4-FFF2-40B4-BE49-F238E27FC236}">
-                <a16:creationId xmlns:a16="http://schemas.microsoft.com/office/drawing/2014/main" id="{22056666-B301-4BED-8739-946193260049}"/>
+          <p:cNvPr id="5" name="Connecteur droit 8">
+            <a:extLst>
+              <a:ext uri="{FF2B5EF4-FFF2-40B4-BE49-F238E27FC236}">
+                <a16:creationId xmlns:a16="http://schemas.microsoft.com/office/drawing/2014/main" id="{97A107AF-340E-4BBF-AF3A-7B7EA51601F4}"/>
               </a:ext>
             </a:extLst>
           </p:cNvPr>
@@ -6355,8 +6728,8 @@
         </p:nvCxnSpPr>
         <p:spPr>
           <a:xfrm>
-            <a:off x="1597891" y="5246255"/>
-            <a:ext cx="9596582" cy="0"/>
+            <a:off x="4545823" y="593655"/>
+            <a:ext cx="0" cy="4297680"/>
           </a:xfrm>
           <a:prstGeom prst="line">
             <a:avLst/>
@@ -6365,7 +6738,6 @@
             <a:solidFill>
               <a:srgbClr val="FF0000"/>
             </a:solidFill>
-            <a:prstDash val="sysDot"/>
           </a:ln>
         </p:spPr>
         <p:style>
@@ -6385,10 +6757,10 @@
       </p:cxnSp>
       <p:sp>
         <p:nvSpPr>
-          <p:cNvPr id="7" name="ZoneTexte 6">
-            <a:extLst>
-              <a:ext uri="{FF2B5EF4-FFF2-40B4-BE49-F238E27FC236}">
-                <a16:creationId xmlns:a16="http://schemas.microsoft.com/office/drawing/2014/main" id="{5E3383E5-F4E6-4347-91FB-CB6D869D6455}"/>
+          <p:cNvPr id="7" name="ZoneTexte 13">
+            <a:extLst>
+              <a:ext uri="{FF2B5EF4-FFF2-40B4-BE49-F238E27FC236}">
+                <a16:creationId xmlns:a16="http://schemas.microsoft.com/office/drawing/2014/main" id="{76965104-FA75-4164-8FA5-A1C5BFE5B834}"/>
               </a:ext>
             </a:extLst>
           </p:cNvPr>
@@ -6397,8 +6769,8 @@
         </p:nvSpPr>
         <p:spPr>
           <a:xfrm>
-            <a:off x="1597891" y="4775354"/>
-            <a:ext cx="2447637" cy="461665"/>
+            <a:off x="528082" y="556262"/>
+            <a:ext cx="4317637" cy="369332"/>
           </a:xfrm>
           <a:prstGeom prst="rect">
             <a:avLst/>
@@ -6411,13 +6783,561 @@
           </a:bodyPr>
           <a:lstStyle/>
           <a:p>
-            <a:r>
-              <a:rPr lang="en-US" sz="2400" b="1" dirty="0">
+            <a:pPr algn="ctr"/>
+            <a:r>
+              <a:rPr lang="en-US" b="1" dirty="0">
                 <a:solidFill>
                   <a:srgbClr val="FF0000"/>
                 </a:solidFill>
               </a:rPr>
-              <a:t>Baseline  ≈ 1000</a:t>
+              <a:t>Necessary</a:t>
+            </a:r>
+          </a:p>
+        </p:txBody>
+      </p:sp>
+      <p:sp>
+        <p:nvSpPr>
+          <p:cNvPr id="8" name="ZoneTexte 14">
+            <a:extLst>
+              <a:ext uri="{FF2B5EF4-FFF2-40B4-BE49-F238E27FC236}">
+                <a16:creationId xmlns:a16="http://schemas.microsoft.com/office/drawing/2014/main" id="{40075B59-2131-46BE-BA1E-7FD962489FEF}"/>
+              </a:ext>
+            </a:extLst>
+          </p:cNvPr>
+          <p:cNvSpPr txBox="1"/>
+          <p:nvPr/>
+        </p:nvSpPr>
+        <p:spPr>
+          <a:xfrm>
+            <a:off x="6338393" y="556262"/>
+            <a:ext cx="3409692" cy="369332"/>
+          </a:xfrm>
+          <a:prstGeom prst="rect">
+            <a:avLst/>
+          </a:prstGeom>
+          <a:noFill/>
+        </p:spPr>
+        <p:txBody>
+          <a:bodyPr wrap="square" rtlCol="0">
+            <a:spAutoFit/>
+          </a:bodyPr>
+          <a:lstStyle/>
+          <a:p>
+            <a:pPr algn="ctr"/>
+            <a:r>
+              <a:rPr lang="en-US" b="1" dirty="0">
+                <a:solidFill>
+                  <a:srgbClr val="FF0000"/>
+                </a:solidFill>
+              </a:rPr>
+              <a:t>Rest of columns are optional</a:t>
+            </a:r>
+          </a:p>
+        </p:txBody>
+      </p:sp>
+      <p:cxnSp>
+        <p:nvCxnSpPr>
+          <p:cNvPr id="9" name="Connecteur droit 8">
+            <a:extLst>
+              <a:ext uri="{FF2B5EF4-FFF2-40B4-BE49-F238E27FC236}">
+                <a16:creationId xmlns:a16="http://schemas.microsoft.com/office/drawing/2014/main" id="{FE1F3481-B047-4436-AD1A-F55FA59AAE26}"/>
+              </a:ext>
+            </a:extLst>
+          </p:cNvPr>
+          <p:cNvCxnSpPr/>
+          <p:nvPr/>
+        </p:nvCxnSpPr>
+        <p:spPr>
+          <a:xfrm>
+            <a:off x="726852" y="556262"/>
+            <a:ext cx="0" cy="4297680"/>
+          </a:xfrm>
+          <a:prstGeom prst="line">
+            <a:avLst/>
+          </a:prstGeom>
+          <a:ln w="38100">
+            <a:solidFill>
+              <a:srgbClr val="FF0000"/>
+            </a:solidFill>
+          </a:ln>
+        </p:spPr>
+        <p:style>
+          <a:lnRef idx="1">
+            <a:schemeClr val="accent1"/>
+          </a:lnRef>
+          <a:fillRef idx="0">
+            <a:schemeClr val="accent1"/>
+          </a:fillRef>
+          <a:effectRef idx="0">
+            <a:schemeClr val="accent1"/>
+          </a:effectRef>
+          <a:fontRef idx="minor">
+            <a:schemeClr val="tx1"/>
+          </a:fontRef>
+        </p:style>
+      </p:cxnSp>
+      <p:cxnSp>
+        <p:nvCxnSpPr>
+          <p:cNvPr id="10" name="Connecteur droit 8">
+            <a:extLst>
+              <a:ext uri="{FF2B5EF4-FFF2-40B4-BE49-F238E27FC236}">
+                <a16:creationId xmlns:a16="http://schemas.microsoft.com/office/drawing/2014/main" id="{F9AB3D97-F71E-4A40-9D79-8BF30A416A45}"/>
+              </a:ext>
+            </a:extLst>
+          </p:cNvPr>
+          <p:cNvCxnSpPr/>
+          <p:nvPr/>
+        </p:nvCxnSpPr>
+        <p:spPr>
+          <a:xfrm>
+            <a:off x="11291777" y="521734"/>
+            <a:ext cx="0" cy="4297680"/>
+          </a:xfrm>
+          <a:prstGeom prst="line">
+            <a:avLst/>
+          </a:prstGeom>
+          <a:ln w="38100">
+            <a:solidFill>
+              <a:srgbClr val="FF0000"/>
+            </a:solidFill>
+          </a:ln>
+        </p:spPr>
+        <p:style>
+          <a:lnRef idx="1">
+            <a:schemeClr val="accent1"/>
+          </a:lnRef>
+          <a:fillRef idx="0">
+            <a:schemeClr val="accent1"/>
+          </a:fillRef>
+          <a:effectRef idx="0">
+            <a:schemeClr val="accent1"/>
+          </a:effectRef>
+          <a:fontRef idx="minor">
+            <a:schemeClr val="tx1"/>
+          </a:fontRef>
+        </p:style>
+      </p:cxnSp>
+      <p:sp>
+        <p:nvSpPr>
+          <p:cNvPr id="11" name="Rectangle 10">
+            <a:extLst>
+              <a:ext uri="{FF2B5EF4-FFF2-40B4-BE49-F238E27FC236}">
+                <a16:creationId xmlns:a16="http://schemas.microsoft.com/office/drawing/2014/main" id="{01E71052-A063-4897-96E5-7A75008FDB35}"/>
+              </a:ext>
+            </a:extLst>
+          </p:cNvPr>
+          <p:cNvSpPr/>
+          <p:nvPr/>
+        </p:nvSpPr>
+        <p:spPr>
+          <a:xfrm>
+            <a:off x="-123794" y="5291226"/>
+            <a:ext cx="2317982" cy="923330"/>
+          </a:xfrm>
+          <a:prstGeom prst="rect">
+            <a:avLst/>
+          </a:prstGeom>
+        </p:spPr>
+        <p:txBody>
+          <a:bodyPr wrap="square">
+            <a:spAutoFit/>
+          </a:bodyPr>
+          <a:lstStyle/>
+          <a:p>
+            <a:pPr algn="just"/>
+            <a:r>
+              <a:rPr lang="en-US" dirty="0"/>
+              <a:t>A unique identifier for targeted features in the spectral database</a:t>
+            </a:r>
+          </a:p>
+        </p:txBody>
+      </p:sp>
+      <p:cxnSp>
+        <p:nvCxnSpPr>
+          <p:cNvPr id="12" name="Connecteur droit avec flèche 36">
+            <a:extLst>
+              <a:ext uri="{FF2B5EF4-FFF2-40B4-BE49-F238E27FC236}">
+                <a16:creationId xmlns:a16="http://schemas.microsoft.com/office/drawing/2014/main" id="{96B3A74E-0BE4-4E44-B383-1C82D57FA5C3}"/>
+              </a:ext>
+            </a:extLst>
+          </p:cNvPr>
+          <p:cNvCxnSpPr>
+            <a:cxnSpLocks/>
+          </p:cNvCxnSpPr>
+          <p:nvPr/>
+        </p:nvCxnSpPr>
+        <p:spPr>
+          <a:xfrm flipH="1">
+            <a:off x="900222" y="4549164"/>
+            <a:ext cx="533706" cy="852975"/>
+          </a:xfrm>
+          <a:prstGeom prst="straightConnector1">
+            <a:avLst/>
+          </a:prstGeom>
+          <a:ln w="19050">
+            <a:solidFill>
+              <a:srgbClr val="FF0000"/>
+            </a:solidFill>
+            <a:tailEnd type="triangle"/>
+          </a:ln>
+        </p:spPr>
+        <p:style>
+          <a:lnRef idx="1">
+            <a:schemeClr val="accent1"/>
+          </a:lnRef>
+          <a:fillRef idx="0">
+            <a:schemeClr val="accent1"/>
+          </a:fillRef>
+          <a:effectRef idx="0">
+            <a:schemeClr val="accent1"/>
+          </a:effectRef>
+          <a:fontRef idx="minor">
+            <a:schemeClr val="tx1"/>
+          </a:fontRef>
+        </p:style>
+      </p:cxnSp>
+      <p:sp>
+        <p:nvSpPr>
+          <p:cNvPr id="14" name="Rectangle 13">
+            <a:extLst>
+              <a:ext uri="{FF2B5EF4-FFF2-40B4-BE49-F238E27FC236}">
+                <a16:creationId xmlns:a16="http://schemas.microsoft.com/office/drawing/2014/main" id="{EDD0BC49-9558-43CF-A1BB-42BE79C5CA13}"/>
+              </a:ext>
+            </a:extLst>
+          </p:cNvPr>
+          <p:cNvSpPr/>
+          <p:nvPr/>
+        </p:nvSpPr>
+        <p:spPr>
+          <a:xfrm>
+            <a:off x="2332932" y="4975652"/>
+            <a:ext cx="2939498" cy="923330"/>
+          </a:xfrm>
+          <a:prstGeom prst="rect">
+            <a:avLst/>
+          </a:prstGeom>
+        </p:spPr>
+        <p:txBody>
+          <a:bodyPr wrap="square">
+            <a:spAutoFit/>
+          </a:bodyPr>
+          <a:lstStyle/>
+          <a:p>
+            <a:pPr algn="just"/>
+            <a:r>
+              <a:rPr lang="en-US" dirty="0"/>
+              <a:t>Mass and RT of MS1 features detected by </a:t>
+            </a:r>
+            <a:r>
+              <a:rPr lang="en-US" dirty="0" err="1"/>
+              <a:t>MZMine</a:t>
+            </a:r>
+            <a:r>
+              <a:rPr lang="en-US" dirty="0"/>
+              <a:t>, used to pick up MS2 scans</a:t>
+            </a:r>
+          </a:p>
+        </p:txBody>
+      </p:sp>
+      <p:cxnSp>
+        <p:nvCxnSpPr>
+          <p:cNvPr id="18" name="Straight Connector 17">
+            <a:extLst>
+              <a:ext uri="{FF2B5EF4-FFF2-40B4-BE49-F238E27FC236}">
+                <a16:creationId xmlns:a16="http://schemas.microsoft.com/office/drawing/2014/main" id="{9902C7A4-4DDB-4092-BFFF-37A6A3F8AE16}"/>
+              </a:ext>
+            </a:extLst>
+          </p:cNvPr>
+          <p:cNvCxnSpPr/>
+          <p:nvPr/>
+        </p:nvCxnSpPr>
+        <p:spPr>
+          <a:xfrm>
+            <a:off x="2451209" y="4869089"/>
+            <a:ext cx="2020186" cy="0"/>
+          </a:xfrm>
+          <a:prstGeom prst="line">
+            <a:avLst/>
+          </a:prstGeom>
+          <a:ln w="19050">
+            <a:solidFill>
+              <a:srgbClr val="FF0000"/>
+            </a:solidFill>
+          </a:ln>
+        </p:spPr>
+        <p:style>
+          <a:lnRef idx="1">
+            <a:schemeClr val="accent1"/>
+          </a:lnRef>
+          <a:fillRef idx="0">
+            <a:schemeClr val="accent1"/>
+          </a:fillRef>
+          <a:effectRef idx="0">
+            <a:schemeClr val="accent1"/>
+          </a:effectRef>
+          <a:fontRef idx="minor">
+            <a:schemeClr val="tx1"/>
+          </a:fontRef>
+        </p:style>
+      </p:cxnSp>
+      <p:cxnSp>
+        <p:nvCxnSpPr>
+          <p:cNvPr id="19" name="Connecteur droit avec flèche 36">
+            <a:extLst>
+              <a:ext uri="{FF2B5EF4-FFF2-40B4-BE49-F238E27FC236}">
+                <a16:creationId xmlns:a16="http://schemas.microsoft.com/office/drawing/2014/main" id="{AD834560-A469-4EC9-BB9D-305B192C8F2E}"/>
+              </a:ext>
+            </a:extLst>
+          </p:cNvPr>
+          <p:cNvCxnSpPr>
+            <a:cxnSpLocks/>
+          </p:cNvCxnSpPr>
+          <p:nvPr/>
+        </p:nvCxnSpPr>
+        <p:spPr>
+          <a:xfrm>
+            <a:off x="5224222" y="4652942"/>
+            <a:ext cx="388245" cy="875988"/>
+          </a:xfrm>
+          <a:prstGeom prst="straightConnector1">
+            <a:avLst/>
+          </a:prstGeom>
+          <a:ln w="19050">
+            <a:solidFill>
+              <a:srgbClr val="FF0000"/>
+            </a:solidFill>
+            <a:tailEnd type="triangle"/>
+          </a:ln>
+        </p:spPr>
+        <p:style>
+          <a:lnRef idx="1">
+            <a:schemeClr val="accent1"/>
+          </a:lnRef>
+          <a:fillRef idx="0">
+            <a:schemeClr val="accent1"/>
+          </a:fillRef>
+          <a:effectRef idx="0">
+            <a:schemeClr val="accent1"/>
+          </a:effectRef>
+          <a:fontRef idx="minor">
+            <a:schemeClr val="tx1"/>
+          </a:fontRef>
+        </p:style>
+      </p:cxnSp>
+      <p:cxnSp>
+        <p:nvCxnSpPr>
+          <p:cNvPr id="22" name="Straight Connector 21">
+            <a:extLst>
+              <a:ext uri="{FF2B5EF4-FFF2-40B4-BE49-F238E27FC236}">
+                <a16:creationId xmlns:a16="http://schemas.microsoft.com/office/drawing/2014/main" id="{597195E7-32FD-47CF-B925-DB330CEFD956}"/>
+              </a:ext>
+            </a:extLst>
+          </p:cNvPr>
+          <p:cNvCxnSpPr/>
+          <p:nvPr/>
+        </p:nvCxnSpPr>
+        <p:spPr>
+          <a:xfrm>
+            <a:off x="5615037" y="4891335"/>
+            <a:ext cx="3749040" cy="0"/>
+          </a:xfrm>
+          <a:prstGeom prst="line">
+            <a:avLst/>
+          </a:prstGeom>
+          <a:ln w="19050">
+            <a:solidFill>
+              <a:srgbClr val="FF0000"/>
+            </a:solidFill>
+          </a:ln>
+        </p:spPr>
+        <p:style>
+          <a:lnRef idx="1">
+            <a:schemeClr val="accent1"/>
+          </a:lnRef>
+          <a:fillRef idx="0">
+            <a:schemeClr val="accent1"/>
+          </a:fillRef>
+          <a:effectRef idx="0">
+            <a:schemeClr val="accent1"/>
+          </a:effectRef>
+          <a:fontRef idx="minor">
+            <a:schemeClr val="tx1"/>
+          </a:fontRef>
+        </p:style>
+      </p:cxnSp>
+      <p:sp>
+        <p:nvSpPr>
+          <p:cNvPr id="24" name="Rectangle 23">
+            <a:extLst>
+              <a:ext uri="{FF2B5EF4-FFF2-40B4-BE49-F238E27FC236}">
+                <a16:creationId xmlns:a16="http://schemas.microsoft.com/office/drawing/2014/main" id="{99423315-5B39-433A-93B3-419972EFD7C5}"/>
+              </a:ext>
+            </a:extLst>
+          </p:cNvPr>
+          <p:cNvSpPr/>
+          <p:nvPr/>
+        </p:nvSpPr>
+        <p:spPr>
+          <a:xfrm>
+            <a:off x="5224222" y="5552051"/>
+            <a:ext cx="3495822" cy="646331"/>
+          </a:xfrm>
+          <a:prstGeom prst="rect">
+            <a:avLst/>
+          </a:prstGeom>
+        </p:spPr>
+        <p:txBody>
+          <a:bodyPr wrap="square">
+            <a:spAutoFit/>
+          </a:bodyPr>
+          <a:lstStyle/>
+          <a:p>
+            <a:pPr algn="just"/>
+            <a:r>
+              <a:rPr lang="en-US" dirty="0"/>
+              <a:t>Adduct grouping by the </a:t>
+            </a:r>
+            <a:r>
+              <a:rPr lang="en-US" dirty="0" err="1"/>
+              <a:t>meRgeION</a:t>
+            </a:r>
+            <a:r>
+              <a:rPr lang="en-US" dirty="0"/>
+              <a:t> </a:t>
+            </a:r>
+            <a:r>
+              <a:rPr lang="en-US" i="1" dirty="0" err="1"/>
+              <a:t>process_mzmine</a:t>
+            </a:r>
+            <a:r>
+              <a:rPr lang="en-US" i="1" dirty="0"/>
+              <a:t> </a:t>
+            </a:r>
+            <a:r>
+              <a:rPr lang="en-US" dirty="0"/>
+              <a:t>function </a:t>
+            </a:r>
+          </a:p>
+        </p:txBody>
+      </p:sp>
+      <p:sp>
+        <p:nvSpPr>
+          <p:cNvPr id="25" name="Rectangle 24">
+            <a:extLst>
+              <a:ext uri="{FF2B5EF4-FFF2-40B4-BE49-F238E27FC236}">
+                <a16:creationId xmlns:a16="http://schemas.microsoft.com/office/drawing/2014/main" id="{48161A95-3A80-4B4E-B113-C00CC82B4DC7}"/>
+              </a:ext>
+            </a:extLst>
+          </p:cNvPr>
+          <p:cNvSpPr/>
+          <p:nvPr/>
+        </p:nvSpPr>
+        <p:spPr>
+          <a:xfrm>
+            <a:off x="5528851" y="4877063"/>
+            <a:ext cx="4219234" cy="369332"/>
+          </a:xfrm>
+          <a:prstGeom prst="rect">
+            <a:avLst/>
+          </a:prstGeom>
+        </p:spPr>
+        <p:txBody>
+          <a:bodyPr wrap="square">
+            <a:spAutoFit/>
+          </a:bodyPr>
+          <a:lstStyle/>
+          <a:p>
+            <a:pPr algn="just"/>
+            <a:r>
+              <a:rPr lang="en-US" dirty="0"/>
+              <a:t>Area of MS1 features found by </a:t>
+            </a:r>
+            <a:r>
+              <a:rPr lang="en-US" dirty="0" err="1"/>
+              <a:t>MZMine</a:t>
+            </a:r>
+            <a:r>
+              <a:rPr lang="en-US" dirty="0"/>
+              <a:t> </a:t>
+            </a:r>
+          </a:p>
+        </p:txBody>
+      </p:sp>
+      <p:cxnSp>
+        <p:nvCxnSpPr>
+          <p:cNvPr id="29" name="Connecteur droit avec flèche 36">
+            <a:extLst>
+              <a:ext uri="{FF2B5EF4-FFF2-40B4-BE49-F238E27FC236}">
+                <a16:creationId xmlns:a16="http://schemas.microsoft.com/office/drawing/2014/main" id="{1651EE91-2A43-4125-B9F6-1DB2AF6A55C6}"/>
+              </a:ext>
+            </a:extLst>
+          </p:cNvPr>
+          <p:cNvCxnSpPr>
+            <a:cxnSpLocks/>
+          </p:cNvCxnSpPr>
+          <p:nvPr/>
+        </p:nvCxnSpPr>
+        <p:spPr>
+          <a:xfrm>
+            <a:off x="10365549" y="4786155"/>
+            <a:ext cx="388245" cy="875988"/>
+          </a:xfrm>
+          <a:prstGeom prst="straightConnector1">
+            <a:avLst/>
+          </a:prstGeom>
+          <a:ln w="19050">
+            <a:solidFill>
+              <a:srgbClr val="FF0000"/>
+            </a:solidFill>
+            <a:tailEnd type="triangle"/>
+          </a:ln>
+        </p:spPr>
+        <p:style>
+          <a:lnRef idx="1">
+            <a:schemeClr val="accent1"/>
+          </a:lnRef>
+          <a:fillRef idx="0">
+            <a:schemeClr val="accent1"/>
+          </a:fillRef>
+          <a:effectRef idx="0">
+            <a:schemeClr val="accent1"/>
+          </a:effectRef>
+          <a:fontRef idx="minor">
+            <a:schemeClr val="tx1"/>
+          </a:fontRef>
+        </p:style>
+      </p:cxnSp>
+      <p:sp>
+        <p:nvSpPr>
+          <p:cNvPr id="30" name="Rectangle 29">
+            <a:extLst>
+              <a:ext uri="{FF2B5EF4-FFF2-40B4-BE49-F238E27FC236}">
+                <a16:creationId xmlns:a16="http://schemas.microsoft.com/office/drawing/2014/main" id="{9323BC5C-BDBF-41AD-B86D-162CB061B095}"/>
+              </a:ext>
+            </a:extLst>
+          </p:cNvPr>
+          <p:cNvSpPr/>
+          <p:nvPr/>
+        </p:nvSpPr>
+        <p:spPr>
+          <a:xfrm>
+            <a:off x="8784064" y="5597170"/>
+            <a:ext cx="3383127" cy="646331"/>
+          </a:xfrm>
+          <a:prstGeom prst="rect">
+            <a:avLst/>
+          </a:prstGeom>
+        </p:spPr>
+        <p:txBody>
+          <a:bodyPr wrap="square">
+            <a:spAutoFit/>
+          </a:bodyPr>
+          <a:lstStyle/>
+          <a:p>
+            <a:pPr algn="just"/>
+            <a:r>
+              <a:rPr lang="en-US" dirty="0"/>
+              <a:t>% relative to main compound and fold change calculated from area</a:t>
             </a:r>
           </a:p>
         </p:txBody>
@@ -6425,7 +7345,7 @@
     </p:spTree>
     <p:extLst>
       <p:ext uri="{BB962C8B-B14F-4D97-AF65-F5344CB8AC3E}">
-        <p14:creationId xmlns:p14="http://schemas.microsoft.com/office/powerpoint/2010/main" val="555463728"/>
+        <p14:creationId xmlns:p14="http://schemas.microsoft.com/office/powerpoint/2010/main" val="1754897856"/>
       </p:ext>
     </p:extLst>
   </p:cSld>
@@ -6452,66 +7372,12 @@
           <a:chExt cx="0" cy="0"/>
         </a:xfrm>
       </p:grpSpPr>
-      <p:sp>
-        <p:nvSpPr>
-          <p:cNvPr id="41" name="Rectangle 40">
-            <a:extLst>
-              <a:ext uri="{FF2B5EF4-FFF2-40B4-BE49-F238E27FC236}">
-                <a16:creationId xmlns:a16="http://schemas.microsoft.com/office/drawing/2014/main" id="{16728B70-9AE4-41C7-8ABE-880318331C56}"/>
-              </a:ext>
-            </a:extLst>
-          </p:cNvPr>
-          <p:cNvSpPr/>
-          <p:nvPr/>
-        </p:nvSpPr>
-        <p:spPr>
-          <a:xfrm>
-            <a:off x="685799" y="-2606040"/>
-            <a:ext cx="10794351" cy="9890760"/>
-          </a:xfrm>
-          <a:prstGeom prst="rect">
-            <a:avLst/>
-          </a:prstGeom>
-          <a:solidFill>
-            <a:schemeClr val="bg1"/>
-          </a:solidFill>
-          <a:ln>
-            <a:solidFill>
-              <a:schemeClr val="bg1"/>
-            </a:solidFill>
-          </a:ln>
-        </p:spPr>
-        <p:style>
-          <a:lnRef idx="2">
-            <a:schemeClr val="accent1">
-              <a:shade val="50000"/>
-            </a:schemeClr>
-          </a:lnRef>
-          <a:fillRef idx="1">
-            <a:schemeClr val="accent1"/>
-          </a:fillRef>
-          <a:effectRef idx="0">
-            <a:schemeClr val="accent1"/>
-          </a:effectRef>
-          <a:fontRef idx="minor">
-            <a:schemeClr val="lt1"/>
-          </a:fontRef>
-        </p:style>
-        <p:txBody>
-          <a:bodyPr rtlCol="0" anchor="ctr"/>
-          <a:lstStyle/>
-          <a:p>
-            <a:pPr algn="ctr"/>
-            <a:endParaRPr lang="en-US"/>
-          </a:p>
-        </p:txBody>
-      </p:sp>
       <p:pic>
         <p:nvPicPr>
-          <p:cNvPr id="3" name="Image 2">
-            <a:extLst>
-              <a:ext uri="{FF2B5EF4-FFF2-40B4-BE49-F238E27FC236}">
-                <a16:creationId xmlns:a16="http://schemas.microsoft.com/office/drawing/2014/main" id="{A5A36007-7EAB-4FF6-85BD-161161480EEC}"/>
+          <p:cNvPr id="4" name="Image 3">
+            <a:extLst>
+              <a:ext uri="{FF2B5EF4-FFF2-40B4-BE49-F238E27FC236}">
+                <a16:creationId xmlns:a16="http://schemas.microsoft.com/office/drawing/2014/main" id="{8787075B-6F97-4898-B1E5-8FFB1109BD97}"/>
               </a:ext>
             </a:extLst>
           </p:cNvPr>
@@ -6520,139 +7386,46 @@
           </p:cNvPicPr>
           <p:nvPr/>
         </p:nvPicPr>
-        <p:blipFill>
-          <a:blip r:embed="rId3"/>
-          <a:stretch>
-            <a:fillRect/>
-          </a:stretch>
+        <p:blipFill rotWithShape="1">
+          <a:blip r:embed="rId2"/>
+          <a:srcRect r="1078" b="1049"/>
+          <a:stretch/>
         </p:blipFill>
         <p:spPr>
           <a:xfrm>
-            <a:off x="1122706" y="664162"/>
-            <a:ext cx="8104418" cy="3378701"/>
+            <a:off x="809625" y="704850"/>
+            <a:ext cx="10458739" cy="5391150"/>
           </a:xfrm>
           <a:prstGeom prst="rect">
             <a:avLst/>
           </a:prstGeom>
         </p:spPr>
       </p:pic>
-      <p:sp>
-        <p:nvSpPr>
-          <p:cNvPr id="12" name="ZoneTexte 11">
-            <a:extLst>
-              <a:ext uri="{FF2B5EF4-FFF2-40B4-BE49-F238E27FC236}">
-                <a16:creationId xmlns:a16="http://schemas.microsoft.com/office/drawing/2014/main" id="{67CF0401-36AF-4ED8-9295-83E81D8AD96E}"/>
-              </a:ext>
-            </a:extLst>
-          </p:cNvPr>
-          <p:cNvSpPr txBox="1"/>
-          <p:nvPr/>
-        </p:nvSpPr>
-        <p:spPr>
-          <a:xfrm>
-            <a:off x="1051551" y="4032347"/>
-            <a:ext cx="5296917" cy="369332"/>
-          </a:xfrm>
-          <a:prstGeom prst="rect">
-            <a:avLst/>
-          </a:prstGeom>
-          <a:noFill/>
-        </p:spPr>
-        <p:txBody>
-          <a:bodyPr wrap="square" rtlCol="0">
-            <a:spAutoFit/>
-          </a:bodyPr>
-          <a:lstStyle/>
-          <a:p>
-            <a:r>
-              <a:rPr lang="en-US" b="1" dirty="0">
-                <a:solidFill>
-                  <a:srgbClr val="FF0000"/>
-                </a:solidFill>
-              </a:rPr>
-              <a:t>F</a:t>
-            </a:r>
-            <a:r>
-              <a:rPr lang="en-US" altLang="zh-CN" b="1" dirty="0">
-                <a:solidFill>
-                  <a:srgbClr val="FF0000"/>
-                </a:solidFill>
-              </a:rPr>
-              <a:t>ollowing metadata columns are added:</a:t>
-            </a:r>
-            <a:endParaRPr lang="en-US" b="1" dirty="0">
-              <a:solidFill>
-                <a:srgbClr val="FF0000"/>
-              </a:solidFill>
-            </a:endParaRPr>
-          </a:p>
-        </p:txBody>
-      </p:sp>
-      <p:sp>
-        <p:nvSpPr>
-          <p:cNvPr id="24" name="ZoneTexte 23">
-            <a:extLst>
-              <a:ext uri="{FF2B5EF4-FFF2-40B4-BE49-F238E27FC236}">
-                <a16:creationId xmlns:a16="http://schemas.microsoft.com/office/drawing/2014/main" id="{5C028F4F-4373-4D7B-B3F7-C9B9214C7865}"/>
-              </a:ext>
-            </a:extLst>
-          </p:cNvPr>
-          <p:cNvSpPr txBox="1"/>
-          <p:nvPr/>
-        </p:nvSpPr>
-        <p:spPr>
-          <a:xfrm>
-            <a:off x="9027000" y="-374698"/>
-            <a:ext cx="1542997" cy="369332"/>
-          </a:xfrm>
-          <a:prstGeom prst="rect">
-            <a:avLst/>
-          </a:prstGeom>
-          <a:noFill/>
-        </p:spPr>
-        <p:txBody>
-          <a:bodyPr wrap="square" rtlCol="0">
-            <a:spAutoFit/>
-          </a:bodyPr>
-          <a:lstStyle/>
-          <a:p>
-            <a:r>
-              <a:rPr lang="en-US" i="1" dirty="0">
-                <a:solidFill>
-                  <a:srgbClr val="FF0000"/>
-                </a:solidFill>
-              </a:rPr>
-              <a:t>Spectra data</a:t>
-            </a:r>
-          </a:p>
-        </p:txBody>
-      </p:sp>
       <p:cxnSp>
         <p:nvCxnSpPr>
-          <p:cNvPr id="56" name="Connecteur droit 55">
-            <a:extLst>
-              <a:ext uri="{FF2B5EF4-FFF2-40B4-BE49-F238E27FC236}">
-                <a16:creationId xmlns:a16="http://schemas.microsoft.com/office/drawing/2014/main" id="{04911FDB-6E6C-4760-900D-CCBA5FD281C3}"/>
-              </a:ext>
-            </a:extLst>
-          </p:cNvPr>
-          <p:cNvCxnSpPr>
-            <a:cxnSpLocks/>
-          </p:cNvCxnSpPr>
+          <p:cNvPr id="6" name="Connecteur droit 5">
+            <a:extLst>
+              <a:ext uri="{FF2B5EF4-FFF2-40B4-BE49-F238E27FC236}">
+                <a16:creationId xmlns:a16="http://schemas.microsoft.com/office/drawing/2014/main" id="{22056666-B301-4BED-8739-946193260049}"/>
+              </a:ext>
+            </a:extLst>
+          </p:cNvPr>
+          <p:cNvCxnSpPr/>
           <p:nvPr/>
         </p:nvCxnSpPr>
         <p:spPr>
           <a:xfrm>
-            <a:off x="5809886" y="664161"/>
-            <a:ext cx="0" cy="3474720"/>
+            <a:off x="1597891" y="5246255"/>
+            <a:ext cx="9596582" cy="0"/>
           </a:xfrm>
           <a:prstGeom prst="line">
             <a:avLst/>
           </a:prstGeom>
-          <a:ln w="19050">
+          <a:ln w="38100">
             <a:solidFill>
               <a:srgbClr val="FF0000"/>
             </a:solidFill>
+            <a:prstDash val="sysDot"/>
           </a:ln>
         </p:spPr>
         <p:style>
@@ -6670,123 +7443,12 @@
           </a:fontRef>
         </p:style>
       </p:cxnSp>
-      <p:cxnSp>
-        <p:nvCxnSpPr>
-          <p:cNvPr id="57" name="Connecteur droit 56">
-            <a:extLst>
-              <a:ext uri="{FF2B5EF4-FFF2-40B4-BE49-F238E27FC236}">
-                <a16:creationId xmlns:a16="http://schemas.microsoft.com/office/drawing/2014/main" id="{E2665E2A-F00F-4AF1-9A51-E4CB1821B9A6}"/>
-              </a:ext>
-            </a:extLst>
-          </p:cNvPr>
-          <p:cNvCxnSpPr/>
-          <p:nvPr/>
-        </p:nvCxnSpPr>
-        <p:spPr>
-          <a:xfrm>
-            <a:off x="9227124" y="568143"/>
-            <a:ext cx="0" cy="3474720"/>
-          </a:xfrm>
-          <a:prstGeom prst="line">
-            <a:avLst/>
-          </a:prstGeom>
-          <a:ln w="19050">
-            <a:solidFill>
-              <a:srgbClr val="FF0000"/>
-            </a:solidFill>
-          </a:ln>
-        </p:spPr>
-        <p:style>
-          <a:lnRef idx="1">
-            <a:schemeClr val="accent1"/>
-          </a:lnRef>
-          <a:fillRef idx="0">
-            <a:schemeClr val="accent1"/>
-          </a:fillRef>
-          <a:effectRef idx="0">
-            <a:schemeClr val="accent1"/>
-          </a:effectRef>
-          <a:fontRef idx="minor">
-            <a:schemeClr val="tx1"/>
-          </a:fontRef>
-        </p:style>
-      </p:cxnSp>
-      <p:pic>
-        <p:nvPicPr>
-          <p:cNvPr id="61" name="Image 60">
-            <a:extLst>
-              <a:ext uri="{FF2B5EF4-FFF2-40B4-BE49-F238E27FC236}">
-                <a16:creationId xmlns:a16="http://schemas.microsoft.com/office/drawing/2014/main" id="{47DDCEF7-BA9E-4FDA-860A-4FF7A48BCF26}"/>
-              </a:ext>
-            </a:extLst>
-          </p:cNvPr>
-          <p:cNvPicPr>
-            <a:picLocks noChangeAspect="1"/>
-          </p:cNvPicPr>
-          <p:nvPr/>
-        </p:nvPicPr>
-        <p:blipFill rotWithShape="1">
-          <a:blip r:embed="rId4"/>
-          <a:srcRect t="1523" r="24557"/>
-          <a:stretch/>
-        </p:blipFill>
-        <p:spPr>
-          <a:xfrm>
-            <a:off x="6916706" y="-2311456"/>
-            <a:ext cx="1999774" cy="2616802"/>
-          </a:xfrm>
-          <a:prstGeom prst="rect">
-            <a:avLst/>
-          </a:prstGeom>
-        </p:spPr>
-      </p:pic>
-      <p:cxnSp>
-        <p:nvCxnSpPr>
-          <p:cNvPr id="65" name="Connecteur droit 64">
-            <a:extLst>
-              <a:ext uri="{FF2B5EF4-FFF2-40B4-BE49-F238E27FC236}">
-                <a16:creationId xmlns:a16="http://schemas.microsoft.com/office/drawing/2014/main" id="{F42E9E83-3C0F-4B1B-A887-BA5E65AB9F40}"/>
-              </a:ext>
-            </a:extLst>
-          </p:cNvPr>
-          <p:cNvCxnSpPr/>
-          <p:nvPr/>
-        </p:nvCxnSpPr>
-        <p:spPr>
-          <a:xfrm>
-            <a:off x="8343933" y="-2311456"/>
-            <a:ext cx="0" cy="1645920"/>
-          </a:xfrm>
-          <a:prstGeom prst="line">
-            <a:avLst/>
-          </a:prstGeom>
-          <a:ln w="19050">
-            <a:solidFill>
-              <a:srgbClr val="FF0000"/>
-            </a:solidFill>
-          </a:ln>
-        </p:spPr>
-        <p:style>
-          <a:lnRef idx="1">
-            <a:schemeClr val="accent1"/>
-          </a:lnRef>
-          <a:fillRef idx="0">
-            <a:schemeClr val="accent1"/>
-          </a:fillRef>
-          <a:effectRef idx="0">
-            <a:schemeClr val="accent1"/>
-          </a:effectRef>
-          <a:fontRef idx="minor">
-            <a:schemeClr val="tx1"/>
-          </a:fontRef>
-        </p:style>
-      </p:cxnSp>
-      <p:sp>
-        <p:nvSpPr>
-          <p:cNvPr id="23" name="ZoneTexte 22">
-            <a:extLst>
-              <a:ext uri="{FF2B5EF4-FFF2-40B4-BE49-F238E27FC236}">
-                <a16:creationId xmlns:a16="http://schemas.microsoft.com/office/drawing/2014/main" id="{944CB714-62F4-4338-8FF0-2C3043047C6A}"/>
+      <p:sp>
+        <p:nvSpPr>
+          <p:cNvPr id="7" name="ZoneTexte 6">
+            <a:extLst>
+              <a:ext uri="{FF2B5EF4-FFF2-40B4-BE49-F238E27FC236}">
+                <a16:creationId xmlns:a16="http://schemas.microsoft.com/office/drawing/2014/main" id="{5E3383E5-F4E6-4347-91FB-CB6D869D6455}"/>
               </a:ext>
             </a:extLst>
           </p:cNvPr>
@@ -6795,8 +7457,8 @@
         </p:nvSpPr>
         <p:spPr>
           <a:xfrm>
-            <a:off x="8354247" y="-1673162"/>
-            <a:ext cx="1144703" cy="369332"/>
+            <a:off x="1597891" y="4775354"/>
+            <a:ext cx="2447637" cy="461665"/>
           </a:xfrm>
           <a:prstGeom prst="rect">
             <a:avLst/>
@@ -6810,689 +7472,12 @@
           <a:lstStyle/>
           <a:p>
             <a:r>
-              <a:rPr lang="en-US" i="1" dirty="0">
+              <a:rPr lang="en-US" sz="2400" b="1" dirty="0">
                 <a:solidFill>
                   <a:srgbClr val="FF0000"/>
                 </a:solidFill>
               </a:rPr>
-              <a:t>Metadata</a:t>
-            </a:r>
-          </a:p>
-        </p:txBody>
-      </p:sp>
-      <p:cxnSp>
-        <p:nvCxnSpPr>
-          <p:cNvPr id="66" name="Connecteur droit 65">
-            <a:extLst>
-              <a:ext uri="{FF2B5EF4-FFF2-40B4-BE49-F238E27FC236}">
-                <a16:creationId xmlns:a16="http://schemas.microsoft.com/office/drawing/2014/main" id="{C44EC7A9-4217-4157-A2F9-32820B011670}"/>
-              </a:ext>
-            </a:extLst>
-          </p:cNvPr>
-          <p:cNvCxnSpPr/>
-          <p:nvPr/>
-        </p:nvCxnSpPr>
-        <p:spPr>
-          <a:xfrm>
-            <a:off x="9027001" y="-665536"/>
-            <a:ext cx="0" cy="914400"/>
-          </a:xfrm>
-          <a:prstGeom prst="line">
-            <a:avLst/>
-          </a:prstGeom>
-          <a:ln w="19050">
-            <a:solidFill>
-              <a:srgbClr val="FF0000"/>
-            </a:solidFill>
-          </a:ln>
-        </p:spPr>
-        <p:style>
-          <a:lnRef idx="1">
-            <a:schemeClr val="accent1"/>
-          </a:lnRef>
-          <a:fillRef idx="0">
-            <a:schemeClr val="accent1"/>
-          </a:fillRef>
-          <a:effectRef idx="0">
-            <a:schemeClr val="accent1"/>
-          </a:effectRef>
-          <a:fontRef idx="minor">
-            <a:schemeClr val="tx1"/>
-          </a:fontRef>
-        </p:style>
-      </p:cxnSp>
-      <p:sp>
-        <p:nvSpPr>
-          <p:cNvPr id="37" name="ZoneTexte 36">
-            <a:extLst>
-              <a:ext uri="{FF2B5EF4-FFF2-40B4-BE49-F238E27FC236}">
-                <a16:creationId xmlns:a16="http://schemas.microsoft.com/office/drawing/2014/main" id="{B71716CC-E764-4070-9690-59D68F5530E8}"/>
-              </a:ext>
-            </a:extLst>
-          </p:cNvPr>
-          <p:cNvSpPr txBox="1"/>
-          <p:nvPr/>
-        </p:nvSpPr>
-        <p:spPr>
-          <a:xfrm>
-            <a:off x="8555424" y="-2301133"/>
-            <a:ext cx="2252883" cy="369332"/>
-          </a:xfrm>
-          <a:prstGeom prst="rect">
-            <a:avLst/>
-          </a:prstGeom>
-          <a:noFill/>
-        </p:spPr>
-        <p:txBody>
-          <a:bodyPr wrap="square" rtlCol="0">
-            <a:spAutoFit/>
-          </a:bodyPr>
-          <a:lstStyle/>
-          <a:p>
-            <a:pPr algn="ctr"/>
-            <a:r>
-              <a:rPr lang="en-US" i="1" dirty="0">
-                <a:solidFill>
-                  <a:srgbClr val="4472C4"/>
-                </a:solidFill>
-              </a:rPr>
-              <a:t>Example of a “scan”</a:t>
-            </a:r>
-          </a:p>
-        </p:txBody>
-      </p:sp>
-      <p:pic>
-        <p:nvPicPr>
-          <p:cNvPr id="2" name="Image 1">
-            <a:extLst>
-              <a:ext uri="{FF2B5EF4-FFF2-40B4-BE49-F238E27FC236}">
-                <a16:creationId xmlns:a16="http://schemas.microsoft.com/office/drawing/2014/main" id="{DACCA09B-0603-423E-9BE0-418159DF4DEC}"/>
-              </a:ext>
-            </a:extLst>
-          </p:cNvPr>
-          <p:cNvPicPr>
-            <a:picLocks noChangeAspect="1"/>
-          </p:cNvPicPr>
-          <p:nvPr/>
-        </p:nvPicPr>
-        <p:blipFill>
-          <a:blip r:embed="rId5"/>
-          <a:stretch>
-            <a:fillRect/>
-          </a:stretch>
-        </p:blipFill>
-        <p:spPr>
-          <a:xfrm>
-            <a:off x="1184919" y="-2182199"/>
-            <a:ext cx="4468990" cy="2187354"/>
-          </a:xfrm>
-          <a:prstGeom prst="rect">
-            <a:avLst/>
-          </a:prstGeom>
-          <a:ln w="28575">
-            <a:solidFill>
-              <a:schemeClr val="tx1"/>
-            </a:solidFill>
-          </a:ln>
-        </p:spPr>
-      </p:pic>
-      <p:sp>
-        <p:nvSpPr>
-          <p:cNvPr id="52" name="ZoneTexte 51">
-            <a:extLst>
-              <a:ext uri="{FF2B5EF4-FFF2-40B4-BE49-F238E27FC236}">
-                <a16:creationId xmlns:a16="http://schemas.microsoft.com/office/drawing/2014/main" id="{DAE24555-3B54-4BAD-B93A-7336AB6F9078}"/>
-              </a:ext>
-            </a:extLst>
-          </p:cNvPr>
-          <p:cNvSpPr txBox="1"/>
-          <p:nvPr/>
-        </p:nvSpPr>
-        <p:spPr>
-          <a:xfrm>
-            <a:off x="2866027" y="-1425064"/>
-            <a:ext cx="2098911" cy="646331"/>
-          </a:xfrm>
-          <a:prstGeom prst="rect">
-            <a:avLst/>
-          </a:prstGeom>
-          <a:noFill/>
-        </p:spPr>
-        <p:txBody>
-          <a:bodyPr wrap="square" rtlCol="0">
-            <a:spAutoFit/>
-          </a:bodyPr>
-          <a:lstStyle/>
-          <a:p>
-            <a:r>
-              <a:rPr lang="en-US" dirty="0">
-                <a:solidFill>
-                  <a:srgbClr val="FF0000"/>
-                </a:solidFill>
-              </a:rPr>
-              <a:t>GNPS-style</a:t>
-            </a:r>
-          </a:p>
-          <a:p>
-            <a:r>
-              <a:rPr lang="en-US" dirty="0">
-                <a:solidFill>
-                  <a:srgbClr val="FF0000"/>
-                </a:solidFill>
-              </a:rPr>
-              <a:t>spectral library file</a:t>
-            </a:r>
-          </a:p>
-        </p:txBody>
-      </p:sp>
-      <p:cxnSp>
-        <p:nvCxnSpPr>
-          <p:cNvPr id="62" name="Connecteur droit avec flèche 61">
-            <a:extLst>
-              <a:ext uri="{FF2B5EF4-FFF2-40B4-BE49-F238E27FC236}">
-                <a16:creationId xmlns:a16="http://schemas.microsoft.com/office/drawing/2014/main" id="{1EB1A78C-15AB-4863-8890-C299D0C82A20}"/>
-              </a:ext>
-            </a:extLst>
-          </p:cNvPr>
-          <p:cNvCxnSpPr>
-            <a:cxnSpLocks/>
-          </p:cNvCxnSpPr>
-          <p:nvPr/>
-        </p:nvCxnSpPr>
-        <p:spPr>
-          <a:xfrm>
-            <a:off x="2894501" y="-769315"/>
-            <a:ext cx="4022205" cy="0"/>
-          </a:xfrm>
-          <a:prstGeom prst="straightConnector1">
-            <a:avLst/>
-          </a:prstGeom>
-          <a:ln w="28575">
-            <a:solidFill>
-              <a:srgbClr val="FF0000"/>
-            </a:solidFill>
-            <a:tailEnd type="triangle"/>
-          </a:ln>
-        </p:spPr>
-        <p:style>
-          <a:lnRef idx="1">
-            <a:schemeClr val="accent1"/>
-          </a:lnRef>
-          <a:fillRef idx="0">
-            <a:schemeClr val="accent1"/>
-          </a:fillRef>
-          <a:effectRef idx="0">
-            <a:schemeClr val="accent1"/>
-          </a:effectRef>
-          <a:fontRef idx="minor">
-            <a:schemeClr val="tx1"/>
-          </a:fontRef>
-        </p:style>
-      </p:cxnSp>
-      <p:sp>
-        <p:nvSpPr>
-          <p:cNvPr id="4" name="Accolade ouvrante 3">
-            <a:extLst>
-              <a:ext uri="{FF2B5EF4-FFF2-40B4-BE49-F238E27FC236}">
-                <a16:creationId xmlns:a16="http://schemas.microsoft.com/office/drawing/2014/main" id="{D1A367C1-7264-488B-ADFE-7B938289269A}"/>
-              </a:ext>
-            </a:extLst>
-          </p:cNvPr>
-          <p:cNvSpPr/>
-          <p:nvPr/>
-        </p:nvSpPr>
-        <p:spPr>
-          <a:xfrm rot="10800000">
-            <a:off x="9763870" y="1317421"/>
-            <a:ext cx="364490" cy="4223157"/>
-          </a:xfrm>
-          <a:prstGeom prst="leftBrace">
-            <a:avLst/>
-          </a:prstGeom>
-          <a:ln w="19050">
-            <a:solidFill>
-              <a:srgbClr val="FF0000"/>
-            </a:solidFill>
-          </a:ln>
-        </p:spPr>
-        <p:style>
-          <a:lnRef idx="1">
-            <a:schemeClr val="accent1"/>
-          </a:lnRef>
-          <a:fillRef idx="0">
-            <a:schemeClr val="accent1"/>
-          </a:fillRef>
-          <a:effectRef idx="0">
-            <a:schemeClr val="accent1"/>
-          </a:effectRef>
-          <a:fontRef idx="minor">
-            <a:schemeClr val="tx1"/>
-          </a:fontRef>
-        </p:style>
-        <p:txBody>
-          <a:bodyPr rtlCol="0" anchor="ctr"/>
-          <a:lstStyle/>
-          <a:p>
-            <a:pPr algn="ctr"/>
-            <a:endParaRPr lang="en-US"/>
-          </a:p>
-        </p:txBody>
-      </p:sp>
-      <p:sp>
-        <p:nvSpPr>
-          <p:cNvPr id="5" name="Rectangle : coins arrondis 4">
-            <a:extLst>
-              <a:ext uri="{FF2B5EF4-FFF2-40B4-BE49-F238E27FC236}">
-                <a16:creationId xmlns:a16="http://schemas.microsoft.com/office/drawing/2014/main" id="{6B584F45-D360-4EB0-AB98-A5D42C2E9CE5}"/>
-              </a:ext>
-            </a:extLst>
-          </p:cNvPr>
-          <p:cNvSpPr/>
-          <p:nvPr/>
-        </p:nvSpPr>
-        <p:spPr>
-          <a:xfrm>
-            <a:off x="1154534" y="1701983"/>
-            <a:ext cx="1465119" cy="636198"/>
-          </a:xfrm>
-          <a:prstGeom prst="roundRect">
-            <a:avLst/>
-          </a:prstGeom>
-        </p:spPr>
-        <p:style>
-          <a:lnRef idx="2">
-            <a:schemeClr val="accent1">
-              <a:shade val="50000"/>
-            </a:schemeClr>
-          </a:lnRef>
-          <a:fillRef idx="1">
-            <a:schemeClr val="accent1"/>
-          </a:fillRef>
-          <a:effectRef idx="0">
-            <a:schemeClr val="accent1"/>
-          </a:effectRef>
-          <a:fontRef idx="minor">
-            <a:schemeClr val="lt1"/>
-          </a:fontRef>
-        </p:style>
-        <p:txBody>
-          <a:bodyPr rtlCol="0" anchor="ctr"/>
-          <a:lstStyle/>
-          <a:p>
-            <a:pPr algn="ctr"/>
-            <a:r>
-              <a:rPr lang="en-US" b="1" i="1" dirty="0">
-                <a:solidFill>
-                  <a:schemeClr val="bg1"/>
-                </a:solidFill>
-              </a:rPr>
-              <a:t>Actual value detected</a:t>
-            </a:r>
-            <a:endParaRPr lang="en-US" b="1" dirty="0">
-              <a:solidFill>
-                <a:schemeClr val="bg1"/>
-              </a:solidFill>
-            </a:endParaRPr>
-          </a:p>
-        </p:txBody>
-      </p:sp>
-      <p:pic>
-        <p:nvPicPr>
-          <p:cNvPr id="6" name="Image 5">
-            <a:extLst>
-              <a:ext uri="{FF2B5EF4-FFF2-40B4-BE49-F238E27FC236}">
-                <a16:creationId xmlns:a16="http://schemas.microsoft.com/office/drawing/2014/main" id="{D5DF1E7C-6A11-4A76-A010-A70E61CDDC05}"/>
-              </a:ext>
-            </a:extLst>
-          </p:cNvPr>
-          <p:cNvPicPr>
-            <a:picLocks noChangeAspect="1"/>
-          </p:cNvPicPr>
-          <p:nvPr/>
-        </p:nvPicPr>
-        <p:blipFill>
-          <a:blip r:embed="rId6"/>
-          <a:stretch>
-            <a:fillRect/>
-          </a:stretch>
-        </p:blipFill>
-        <p:spPr>
-          <a:xfrm>
-            <a:off x="1122706" y="4382387"/>
-            <a:ext cx="5225764" cy="2609819"/>
-          </a:xfrm>
-          <a:prstGeom prst="rect">
-            <a:avLst/>
-          </a:prstGeom>
-        </p:spPr>
-      </p:pic>
-      <p:pic>
-        <p:nvPicPr>
-          <p:cNvPr id="7" name="Image 6">
-            <a:extLst>
-              <a:ext uri="{FF2B5EF4-FFF2-40B4-BE49-F238E27FC236}">
-                <a16:creationId xmlns:a16="http://schemas.microsoft.com/office/drawing/2014/main" id="{2D25FB9B-F42D-4C24-9FA6-6A83F076E2DD}"/>
-              </a:ext>
-            </a:extLst>
-          </p:cNvPr>
-          <p:cNvPicPr>
-            <a:picLocks noChangeAspect="1"/>
-          </p:cNvPicPr>
-          <p:nvPr/>
-        </p:nvPicPr>
-        <p:blipFill>
-          <a:blip r:embed="rId7"/>
-          <a:stretch>
-            <a:fillRect/>
-          </a:stretch>
-        </p:blipFill>
-        <p:spPr>
-          <a:xfrm>
-            <a:off x="6957339" y="4382387"/>
-            <a:ext cx="2773188" cy="2631132"/>
-          </a:xfrm>
-          <a:prstGeom prst="rect">
-            <a:avLst/>
-          </a:prstGeom>
-        </p:spPr>
-      </p:pic>
-      <p:sp>
-        <p:nvSpPr>
-          <p:cNvPr id="9" name="ZoneTexte 8">
-            <a:extLst>
-              <a:ext uri="{FF2B5EF4-FFF2-40B4-BE49-F238E27FC236}">
-                <a16:creationId xmlns:a16="http://schemas.microsoft.com/office/drawing/2014/main" id="{1A29488B-F1B3-43ED-A947-CBB599709DC7}"/>
-              </a:ext>
-            </a:extLst>
-          </p:cNvPr>
-          <p:cNvSpPr txBox="1"/>
-          <p:nvPr/>
-        </p:nvSpPr>
-        <p:spPr>
-          <a:xfrm>
-            <a:off x="6221962" y="5295976"/>
-            <a:ext cx="713333" cy="584775"/>
-          </a:xfrm>
-          <a:prstGeom prst="rect">
-            <a:avLst/>
-          </a:prstGeom>
-          <a:noFill/>
-        </p:spPr>
-        <p:txBody>
-          <a:bodyPr wrap="square" rtlCol="0">
-            <a:spAutoFit/>
-          </a:bodyPr>
-          <a:lstStyle/>
-          <a:p>
-            <a:pPr algn="ctr"/>
-            <a:r>
-              <a:rPr lang="en-US" sz="3200" b="1" dirty="0"/>
-              <a:t>…</a:t>
-            </a:r>
-          </a:p>
-        </p:txBody>
-      </p:sp>
-      <p:sp>
-        <p:nvSpPr>
-          <p:cNvPr id="36" name="ZoneTexte 35">
-            <a:extLst>
-              <a:ext uri="{FF2B5EF4-FFF2-40B4-BE49-F238E27FC236}">
-                <a16:creationId xmlns:a16="http://schemas.microsoft.com/office/drawing/2014/main" id="{0FF700D0-E90B-496B-9B46-E3FE1E420E0F}"/>
-              </a:ext>
-            </a:extLst>
-          </p:cNvPr>
-          <p:cNvSpPr txBox="1"/>
-          <p:nvPr/>
-        </p:nvSpPr>
-        <p:spPr>
-          <a:xfrm>
-            <a:off x="1070477" y="268507"/>
-            <a:ext cx="5506965" cy="369332"/>
-          </a:xfrm>
-          <a:prstGeom prst="rect">
-            <a:avLst/>
-          </a:prstGeom>
-          <a:noFill/>
-        </p:spPr>
-        <p:txBody>
-          <a:bodyPr wrap="square" rtlCol="0">
-            <a:spAutoFit/>
-          </a:bodyPr>
-          <a:lstStyle/>
-          <a:p>
-            <a:r>
-              <a:rPr lang="en-US" b="1" dirty="0">
-                <a:solidFill>
-                  <a:srgbClr val="FF0000"/>
-                </a:solidFill>
-              </a:rPr>
-              <a:t>F</a:t>
-            </a:r>
-            <a:r>
-              <a:rPr lang="en-US" altLang="zh-CN" b="1" dirty="0">
-                <a:solidFill>
-                  <a:srgbClr val="FF0000"/>
-                </a:solidFill>
-              </a:rPr>
-              <a:t>ollowing metadata columns are appended or updated:</a:t>
-            </a:r>
-            <a:endParaRPr lang="en-US" b="1" dirty="0">
-              <a:solidFill>
-                <a:srgbClr val="FF0000"/>
-              </a:solidFill>
-            </a:endParaRPr>
-          </a:p>
-        </p:txBody>
-      </p:sp>
-      <p:sp>
-        <p:nvSpPr>
-          <p:cNvPr id="38" name="Rectangle : coins arrondis 37">
-            <a:extLst>
-              <a:ext uri="{FF2B5EF4-FFF2-40B4-BE49-F238E27FC236}">
-                <a16:creationId xmlns:a16="http://schemas.microsoft.com/office/drawing/2014/main" id="{25C3F572-EAFF-45DF-A1D9-8B5E61E39790}"/>
-              </a:ext>
-            </a:extLst>
-          </p:cNvPr>
-          <p:cNvSpPr/>
-          <p:nvPr/>
-        </p:nvSpPr>
-        <p:spPr>
-          <a:xfrm>
-            <a:off x="1144225" y="5308185"/>
-            <a:ext cx="2056175" cy="636198"/>
-          </a:xfrm>
-          <a:prstGeom prst="roundRect">
-            <a:avLst/>
-          </a:prstGeom>
-        </p:spPr>
-        <p:style>
-          <a:lnRef idx="2">
-            <a:schemeClr val="accent1">
-              <a:shade val="50000"/>
-            </a:schemeClr>
-          </a:lnRef>
-          <a:fillRef idx="1">
-            <a:schemeClr val="accent1"/>
-          </a:fillRef>
-          <a:effectRef idx="0">
-            <a:schemeClr val="accent1"/>
-          </a:effectRef>
-          <a:fontRef idx="minor">
-            <a:schemeClr val="lt1"/>
-          </a:fontRef>
-        </p:style>
-        <p:txBody>
-          <a:bodyPr rtlCol="0" anchor="ctr"/>
-          <a:lstStyle/>
-          <a:p>
-            <a:pPr algn="ctr"/>
-            <a:r>
-              <a:rPr lang="en-US" b="1" i="1" dirty="0">
-                <a:solidFill>
-                  <a:schemeClr val="bg1"/>
-                </a:solidFill>
-              </a:rPr>
-              <a:t>Chromatogram information</a:t>
-            </a:r>
-            <a:endParaRPr lang="en-US" b="1" dirty="0">
-              <a:solidFill>
-                <a:schemeClr val="bg1"/>
-              </a:solidFill>
-            </a:endParaRPr>
-          </a:p>
-        </p:txBody>
-      </p:sp>
-      <p:sp>
-        <p:nvSpPr>
-          <p:cNvPr id="39" name="Rectangle : coins arrondis 38">
-            <a:extLst>
-              <a:ext uri="{FF2B5EF4-FFF2-40B4-BE49-F238E27FC236}">
-                <a16:creationId xmlns:a16="http://schemas.microsoft.com/office/drawing/2014/main" id="{96736986-29DC-4821-A21C-4F74FF056D74}"/>
-              </a:ext>
-            </a:extLst>
-          </p:cNvPr>
-          <p:cNvSpPr/>
-          <p:nvPr/>
-        </p:nvSpPr>
-        <p:spPr>
-          <a:xfrm>
-            <a:off x="3913864" y="5310951"/>
-            <a:ext cx="2056175" cy="636198"/>
-          </a:xfrm>
-          <a:prstGeom prst="roundRect">
-            <a:avLst/>
-          </a:prstGeom>
-        </p:spPr>
-        <p:style>
-          <a:lnRef idx="2">
-            <a:schemeClr val="accent1">
-              <a:shade val="50000"/>
-            </a:schemeClr>
-          </a:lnRef>
-          <a:fillRef idx="1">
-            <a:schemeClr val="accent1"/>
-          </a:fillRef>
-          <a:effectRef idx="0">
-            <a:schemeClr val="accent1"/>
-          </a:effectRef>
-          <a:fontRef idx="minor">
-            <a:schemeClr val="lt1"/>
-          </a:fontRef>
-        </p:style>
-        <p:txBody>
-          <a:bodyPr rtlCol="0" anchor="ctr"/>
-          <a:lstStyle/>
-          <a:p>
-            <a:pPr algn="ctr"/>
-            <a:r>
-              <a:rPr lang="en-US" b="1" i="1" dirty="0">
-                <a:solidFill>
-                  <a:schemeClr val="bg1"/>
-                </a:solidFill>
-              </a:rPr>
-              <a:t>Search parameters</a:t>
-            </a:r>
-            <a:endParaRPr lang="en-US" b="1" dirty="0">
-              <a:solidFill>
-                <a:schemeClr val="bg1"/>
-              </a:solidFill>
-            </a:endParaRPr>
-          </a:p>
-        </p:txBody>
-      </p:sp>
-      <p:sp>
-        <p:nvSpPr>
-          <p:cNvPr id="40" name="Rectangle : coins arrondis 39">
-            <a:extLst>
-              <a:ext uri="{FF2B5EF4-FFF2-40B4-BE49-F238E27FC236}">
-                <a16:creationId xmlns:a16="http://schemas.microsoft.com/office/drawing/2014/main" id="{8EE3D6A2-1136-421E-B03E-A4AA270CB11F}"/>
-              </a:ext>
-            </a:extLst>
-          </p:cNvPr>
-          <p:cNvSpPr/>
-          <p:nvPr/>
-        </p:nvSpPr>
-        <p:spPr>
-          <a:xfrm>
-            <a:off x="6957339" y="5308185"/>
-            <a:ext cx="2056175" cy="636198"/>
-          </a:xfrm>
-          <a:prstGeom prst="roundRect">
-            <a:avLst/>
-          </a:prstGeom>
-        </p:spPr>
-        <p:style>
-          <a:lnRef idx="2">
-            <a:schemeClr val="accent1">
-              <a:shade val="50000"/>
-            </a:schemeClr>
-          </a:lnRef>
-          <a:fillRef idx="1">
-            <a:schemeClr val="accent1"/>
-          </a:fillRef>
-          <a:effectRef idx="0">
-            <a:schemeClr val="accent1"/>
-          </a:effectRef>
-          <a:fontRef idx="minor">
-            <a:schemeClr val="lt1"/>
-          </a:fontRef>
-        </p:style>
-        <p:txBody>
-          <a:bodyPr rtlCol="0" anchor="ctr"/>
-          <a:lstStyle/>
-          <a:p>
-            <a:pPr algn="ctr"/>
-            <a:r>
-              <a:rPr lang="en-US" b="1" i="1" dirty="0">
-                <a:solidFill>
-                  <a:schemeClr val="bg1"/>
-                </a:solidFill>
-              </a:rPr>
-              <a:t>User information</a:t>
-            </a:r>
-            <a:endParaRPr lang="en-US" b="1" dirty="0">
-              <a:solidFill>
-                <a:schemeClr val="bg1"/>
-              </a:solidFill>
-            </a:endParaRPr>
-          </a:p>
-        </p:txBody>
-      </p:sp>
-      <p:sp>
-        <p:nvSpPr>
-          <p:cNvPr id="25" name="ZoneTexte 24">
-            <a:extLst>
-              <a:ext uri="{FF2B5EF4-FFF2-40B4-BE49-F238E27FC236}">
-                <a16:creationId xmlns:a16="http://schemas.microsoft.com/office/drawing/2014/main" id="{1EFC2486-A30B-4219-AD5C-D3CE00CE1484}"/>
-              </a:ext>
-            </a:extLst>
-          </p:cNvPr>
-          <p:cNvSpPr txBox="1"/>
-          <p:nvPr/>
-        </p:nvSpPr>
-        <p:spPr>
-          <a:xfrm>
-            <a:off x="10335447" y="3249358"/>
-            <a:ext cx="1144703" cy="369332"/>
-          </a:xfrm>
-          <a:prstGeom prst="rect">
-            <a:avLst/>
-          </a:prstGeom>
-          <a:noFill/>
-        </p:spPr>
-        <p:txBody>
-          <a:bodyPr wrap="square" rtlCol="0">
-            <a:spAutoFit/>
-          </a:bodyPr>
-          <a:lstStyle/>
-          <a:p>
-            <a:r>
-              <a:rPr lang="en-US" i="1" dirty="0">
-                <a:solidFill>
-                  <a:srgbClr val="FF0000"/>
-                </a:solidFill>
-              </a:rPr>
-              <a:t>Metadata</a:t>
+              <a:t>Baseline  ≈ 1000</a:t>
             </a:r>
           </a:p>
         </p:txBody>
@@ -7500,7 +7485,7 @@
     </p:spTree>
     <p:extLst>
       <p:ext uri="{BB962C8B-B14F-4D97-AF65-F5344CB8AC3E}">
-        <p14:creationId xmlns:p14="http://schemas.microsoft.com/office/powerpoint/2010/main" val="1310916558"/>
+        <p14:creationId xmlns:p14="http://schemas.microsoft.com/office/powerpoint/2010/main" val="555463728"/>
       </p:ext>
     </p:extLst>
   </p:cSld>
@@ -7527,12 +7512,66 @@
           <a:chExt cx="0" cy="0"/>
         </a:xfrm>
       </p:grpSpPr>
+      <p:sp>
+        <p:nvSpPr>
+          <p:cNvPr id="41" name="Rectangle 40">
+            <a:extLst>
+              <a:ext uri="{FF2B5EF4-FFF2-40B4-BE49-F238E27FC236}">
+                <a16:creationId xmlns:a16="http://schemas.microsoft.com/office/drawing/2014/main" id="{16728B70-9AE4-41C7-8ABE-880318331C56}"/>
+              </a:ext>
+            </a:extLst>
+          </p:cNvPr>
+          <p:cNvSpPr/>
+          <p:nvPr/>
+        </p:nvSpPr>
+        <p:spPr>
+          <a:xfrm>
+            <a:off x="685799" y="-2606040"/>
+            <a:ext cx="10794351" cy="9890760"/>
+          </a:xfrm>
+          <a:prstGeom prst="rect">
+            <a:avLst/>
+          </a:prstGeom>
+          <a:solidFill>
+            <a:schemeClr val="bg1"/>
+          </a:solidFill>
+          <a:ln>
+            <a:solidFill>
+              <a:schemeClr val="bg1"/>
+            </a:solidFill>
+          </a:ln>
+        </p:spPr>
+        <p:style>
+          <a:lnRef idx="2">
+            <a:schemeClr val="accent1">
+              <a:shade val="50000"/>
+            </a:schemeClr>
+          </a:lnRef>
+          <a:fillRef idx="1">
+            <a:schemeClr val="accent1"/>
+          </a:fillRef>
+          <a:effectRef idx="0">
+            <a:schemeClr val="accent1"/>
+          </a:effectRef>
+          <a:fontRef idx="minor">
+            <a:schemeClr val="lt1"/>
+          </a:fontRef>
+        </p:style>
+        <p:txBody>
+          <a:bodyPr rtlCol="0" anchor="ctr"/>
+          <a:lstStyle/>
+          <a:p>
+            <a:pPr algn="ctr"/>
+            <a:endParaRPr lang="en-US"/>
+          </a:p>
+        </p:txBody>
+      </p:sp>
       <p:pic>
         <p:nvPicPr>
-          <p:cNvPr id="4" name="Image 3">
-            <a:extLst>
-              <a:ext uri="{FF2B5EF4-FFF2-40B4-BE49-F238E27FC236}">
-                <a16:creationId xmlns:a16="http://schemas.microsoft.com/office/drawing/2014/main" id="{D3F1A527-5274-438D-903E-313A0CE3A726}"/>
+          <p:cNvPr id="3" name="Image 2">
+            <a:extLst>
+              <a:ext uri="{FF2B5EF4-FFF2-40B4-BE49-F238E27FC236}">
+                <a16:creationId xmlns:a16="http://schemas.microsoft.com/office/drawing/2014/main" id="{A5A36007-7EAB-4FF6-85BD-161161480EEC}"/>
               </a:ext>
             </a:extLst>
           </p:cNvPr>
@@ -7542,25 +7581,986 @@
           <p:nvPr/>
         </p:nvPicPr>
         <p:blipFill>
-          <a:blip r:embed="rId2"/>
+          <a:blip r:embed="rId3"/>
           <a:stretch>
             <a:fillRect/>
           </a:stretch>
         </p:blipFill>
         <p:spPr>
           <a:xfrm>
-            <a:off x="2076101" y="647459"/>
-            <a:ext cx="8039797" cy="5563082"/>
+            <a:off x="1122706" y="664162"/>
+            <a:ext cx="8104418" cy="3378701"/>
           </a:xfrm>
           <a:prstGeom prst="rect">
             <a:avLst/>
           </a:prstGeom>
         </p:spPr>
       </p:pic>
+      <p:sp>
+        <p:nvSpPr>
+          <p:cNvPr id="12" name="ZoneTexte 11">
+            <a:extLst>
+              <a:ext uri="{FF2B5EF4-FFF2-40B4-BE49-F238E27FC236}">
+                <a16:creationId xmlns:a16="http://schemas.microsoft.com/office/drawing/2014/main" id="{67CF0401-36AF-4ED8-9295-83E81D8AD96E}"/>
+              </a:ext>
+            </a:extLst>
+          </p:cNvPr>
+          <p:cNvSpPr txBox="1"/>
+          <p:nvPr/>
+        </p:nvSpPr>
+        <p:spPr>
+          <a:xfrm>
+            <a:off x="1051551" y="4032347"/>
+            <a:ext cx="5296917" cy="369332"/>
+          </a:xfrm>
+          <a:prstGeom prst="rect">
+            <a:avLst/>
+          </a:prstGeom>
+          <a:noFill/>
+        </p:spPr>
+        <p:txBody>
+          <a:bodyPr wrap="square" rtlCol="0">
+            <a:spAutoFit/>
+          </a:bodyPr>
+          <a:lstStyle/>
+          <a:p>
+            <a:r>
+              <a:rPr lang="en-US" b="1" dirty="0">
+                <a:solidFill>
+                  <a:srgbClr val="FF0000"/>
+                </a:solidFill>
+              </a:rPr>
+              <a:t>F</a:t>
+            </a:r>
+            <a:r>
+              <a:rPr lang="en-US" altLang="zh-CN" b="1" dirty="0">
+                <a:solidFill>
+                  <a:srgbClr val="FF0000"/>
+                </a:solidFill>
+              </a:rPr>
+              <a:t>ollowing metadata columns are added:</a:t>
+            </a:r>
+            <a:endParaRPr lang="en-US" b="1" dirty="0">
+              <a:solidFill>
+                <a:srgbClr val="FF0000"/>
+              </a:solidFill>
+            </a:endParaRPr>
+          </a:p>
+        </p:txBody>
+      </p:sp>
+      <p:sp>
+        <p:nvSpPr>
+          <p:cNvPr id="24" name="ZoneTexte 23">
+            <a:extLst>
+              <a:ext uri="{FF2B5EF4-FFF2-40B4-BE49-F238E27FC236}">
+                <a16:creationId xmlns:a16="http://schemas.microsoft.com/office/drawing/2014/main" id="{5C028F4F-4373-4D7B-B3F7-C9B9214C7865}"/>
+              </a:ext>
+            </a:extLst>
+          </p:cNvPr>
+          <p:cNvSpPr txBox="1"/>
+          <p:nvPr/>
+        </p:nvSpPr>
+        <p:spPr>
+          <a:xfrm>
+            <a:off x="9027000" y="-374698"/>
+            <a:ext cx="1542997" cy="369332"/>
+          </a:xfrm>
+          <a:prstGeom prst="rect">
+            <a:avLst/>
+          </a:prstGeom>
+          <a:noFill/>
+        </p:spPr>
+        <p:txBody>
+          <a:bodyPr wrap="square" rtlCol="0">
+            <a:spAutoFit/>
+          </a:bodyPr>
+          <a:lstStyle/>
+          <a:p>
+            <a:r>
+              <a:rPr lang="en-US" i="1" dirty="0">
+                <a:solidFill>
+                  <a:srgbClr val="FF0000"/>
+                </a:solidFill>
+              </a:rPr>
+              <a:t>Spectra data</a:t>
+            </a:r>
+          </a:p>
+        </p:txBody>
+      </p:sp>
+      <p:cxnSp>
+        <p:nvCxnSpPr>
+          <p:cNvPr id="56" name="Connecteur droit 55">
+            <a:extLst>
+              <a:ext uri="{FF2B5EF4-FFF2-40B4-BE49-F238E27FC236}">
+                <a16:creationId xmlns:a16="http://schemas.microsoft.com/office/drawing/2014/main" id="{04911FDB-6E6C-4760-900D-CCBA5FD281C3}"/>
+              </a:ext>
+            </a:extLst>
+          </p:cNvPr>
+          <p:cNvCxnSpPr>
+            <a:cxnSpLocks/>
+          </p:cNvCxnSpPr>
+          <p:nvPr/>
+        </p:nvCxnSpPr>
+        <p:spPr>
+          <a:xfrm>
+            <a:off x="5809886" y="664161"/>
+            <a:ext cx="0" cy="3474720"/>
+          </a:xfrm>
+          <a:prstGeom prst="line">
+            <a:avLst/>
+          </a:prstGeom>
+          <a:ln w="19050">
+            <a:solidFill>
+              <a:srgbClr val="FF0000"/>
+            </a:solidFill>
+          </a:ln>
+        </p:spPr>
+        <p:style>
+          <a:lnRef idx="1">
+            <a:schemeClr val="accent1"/>
+          </a:lnRef>
+          <a:fillRef idx="0">
+            <a:schemeClr val="accent1"/>
+          </a:fillRef>
+          <a:effectRef idx="0">
+            <a:schemeClr val="accent1"/>
+          </a:effectRef>
+          <a:fontRef idx="minor">
+            <a:schemeClr val="tx1"/>
+          </a:fontRef>
+        </p:style>
+      </p:cxnSp>
+      <p:cxnSp>
+        <p:nvCxnSpPr>
+          <p:cNvPr id="57" name="Connecteur droit 56">
+            <a:extLst>
+              <a:ext uri="{FF2B5EF4-FFF2-40B4-BE49-F238E27FC236}">
+                <a16:creationId xmlns:a16="http://schemas.microsoft.com/office/drawing/2014/main" id="{E2665E2A-F00F-4AF1-9A51-E4CB1821B9A6}"/>
+              </a:ext>
+            </a:extLst>
+          </p:cNvPr>
+          <p:cNvCxnSpPr/>
+          <p:nvPr/>
+        </p:nvCxnSpPr>
+        <p:spPr>
+          <a:xfrm>
+            <a:off x="9227124" y="568143"/>
+            <a:ext cx="0" cy="3474720"/>
+          </a:xfrm>
+          <a:prstGeom prst="line">
+            <a:avLst/>
+          </a:prstGeom>
+          <a:ln w="19050">
+            <a:solidFill>
+              <a:srgbClr val="FF0000"/>
+            </a:solidFill>
+          </a:ln>
+        </p:spPr>
+        <p:style>
+          <a:lnRef idx="1">
+            <a:schemeClr val="accent1"/>
+          </a:lnRef>
+          <a:fillRef idx="0">
+            <a:schemeClr val="accent1"/>
+          </a:fillRef>
+          <a:effectRef idx="0">
+            <a:schemeClr val="accent1"/>
+          </a:effectRef>
+          <a:fontRef idx="minor">
+            <a:schemeClr val="tx1"/>
+          </a:fontRef>
+        </p:style>
+      </p:cxnSp>
+      <p:pic>
+        <p:nvPicPr>
+          <p:cNvPr id="61" name="Image 60">
+            <a:extLst>
+              <a:ext uri="{FF2B5EF4-FFF2-40B4-BE49-F238E27FC236}">
+                <a16:creationId xmlns:a16="http://schemas.microsoft.com/office/drawing/2014/main" id="{47DDCEF7-BA9E-4FDA-860A-4FF7A48BCF26}"/>
+              </a:ext>
+            </a:extLst>
+          </p:cNvPr>
+          <p:cNvPicPr>
+            <a:picLocks noChangeAspect="1"/>
+          </p:cNvPicPr>
+          <p:nvPr/>
+        </p:nvPicPr>
+        <p:blipFill rotWithShape="1">
+          <a:blip r:embed="rId4"/>
+          <a:srcRect t="1523" r="24557"/>
+          <a:stretch/>
+        </p:blipFill>
+        <p:spPr>
+          <a:xfrm>
+            <a:off x="6916706" y="-2311456"/>
+            <a:ext cx="1999774" cy="2616802"/>
+          </a:xfrm>
+          <a:prstGeom prst="rect">
+            <a:avLst/>
+          </a:prstGeom>
+        </p:spPr>
+      </p:pic>
+      <p:cxnSp>
+        <p:nvCxnSpPr>
+          <p:cNvPr id="65" name="Connecteur droit 64">
+            <a:extLst>
+              <a:ext uri="{FF2B5EF4-FFF2-40B4-BE49-F238E27FC236}">
+                <a16:creationId xmlns:a16="http://schemas.microsoft.com/office/drawing/2014/main" id="{F42E9E83-3C0F-4B1B-A887-BA5E65AB9F40}"/>
+              </a:ext>
+            </a:extLst>
+          </p:cNvPr>
+          <p:cNvCxnSpPr/>
+          <p:nvPr/>
+        </p:nvCxnSpPr>
+        <p:spPr>
+          <a:xfrm>
+            <a:off x="8343933" y="-2311456"/>
+            <a:ext cx="0" cy="1645920"/>
+          </a:xfrm>
+          <a:prstGeom prst="line">
+            <a:avLst/>
+          </a:prstGeom>
+          <a:ln w="19050">
+            <a:solidFill>
+              <a:srgbClr val="FF0000"/>
+            </a:solidFill>
+          </a:ln>
+        </p:spPr>
+        <p:style>
+          <a:lnRef idx="1">
+            <a:schemeClr val="accent1"/>
+          </a:lnRef>
+          <a:fillRef idx="0">
+            <a:schemeClr val="accent1"/>
+          </a:fillRef>
+          <a:effectRef idx="0">
+            <a:schemeClr val="accent1"/>
+          </a:effectRef>
+          <a:fontRef idx="minor">
+            <a:schemeClr val="tx1"/>
+          </a:fontRef>
+        </p:style>
+      </p:cxnSp>
+      <p:sp>
+        <p:nvSpPr>
+          <p:cNvPr id="23" name="ZoneTexte 22">
+            <a:extLst>
+              <a:ext uri="{FF2B5EF4-FFF2-40B4-BE49-F238E27FC236}">
+                <a16:creationId xmlns:a16="http://schemas.microsoft.com/office/drawing/2014/main" id="{944CB714-62F4-4338-8FF0-2C3043047C6A}"/>
+              </a:ext>
+            </a:extLst>
+          </p:cNvPr>
+          <p:cNvSpPr txBox="1"/>
+          <p:nvPr/>
+        </p:nvSpPr>
+        <p:spPr>
+          <a:xfrm>
+            <a:off x="8354247" y="-1673162"/>
+            <a:ext cx="1144703" cy="369332"/>
+          </a:xfrm>
+          <a:prstGeom prst="rect">
+            <a:avLst/>
+          </a:prstGeom>
+          <a:noFill/>
+        </p:spPr>
+        <p:txBody>
+          <a:bodyPr wrap="square" rtlCol="0">
+            <a:spAutoFit/>
+          </a:bodyPr>
+          <a:lstStyle/>
+          <a:p>
+            <a:r>
+              <a:rPr lang="en-US" i="1" dirty="0">
+                <a:solidFill>
+                  <a:srgbClr val="FF0000"/>
+                </a:solidFill>
+              </a:rPr>
+              <a:t>Metadata</a:t>
+            </a:r>
+          </a:p>
+        </p:txBody>
+      </p:sp>
+      <p:cxnSp>
+        <p:nvCxnSpPr>
+          <p:cNvPr id="66" name="Connecteur droit 65">
+            <a:extLst>
+              <a:ext uri="{FF2B5EF4-FFF2-40B4-BE49-F238E27FC236}">
+                <a16:creationId xmlns:a16="http://schemas.microsoft.com/office/drawing/2014/main" id="{C44EC7A9-4217-4157-A2F9-32820B011670}"/>
+              </a:ext>
+            </a:extLst>
+          </p:cNvPr>
+          <p:cNvCxnSpPr/>
+          <p:nvPr/>
+        </p:nvCxnSpPr>
+        <p:spPr>
+          <a:xfrm>
+            <a:off x="9027001" y="-665536"/>
+            <a:ext cx="0" cy="914400"/>
+          </a:xfrm>
+          <a:prstGeom prst="line">
+            <a:avLst/>
+          </a:prstGeom>
+          <a:ln w="19050">
+            <a:solidFill>
+              <a:srgbClr val="FF0000"/>
+            </a:solidFill>
+          </a:ln>
+        </p:spPr>
+        <p:style>
+          <a:lnRef idx="1">
+            <a:schemeClr val="accent1"/>
+          </a:lnRef>
+          <a:fillRef idx="0">
+            <a:schemeClr val="accent1"/>
+          </a:fillRef>
+          <a:effectRef idx="0">
+            <a:schemeClr val="accent1"/>
+          </a:effectRef>
+          <a:fontRef idx="minor">
+            <a:schemeClr val="tx1"/>
+          </a:fontRef>
+        </p:style>
+      </p:cxnSp>
+      <p:sp>
+        <p:nvSpPr>
+          <p:cNvPr id="37" name="ZoneTexte 36">
+            <a:extLst>
+              <a:ext uri="{FF2B5EF4-FFF2-40B4-BE49-F238E27FC236}">
+                <a16:creationId xmlns:a16="http://schemas.microsoft.com/office/drawing/2014/main" id="{B71716CC-E764-4070-9690-59D68F5530E8}"/>
+              </a:ext>
+            </a:extLst>
+          </p:cNvPr>
+          <p:cNvSpPr txBox="1"/>
+          <p:nvPr/>
+        </p:nvSpPr>
+        <p:spPr>
+          <a:xfrm>
+            <a:off x="8555424" y="-2301133"/>
+            <a:ext cx="2252883" cy="369332"/>
+          </a:xfrm>
+          <a:prstGeom prst="rect">
+            <a:avLst/>
+          </a:prstGeom>
+          <a:noFill/>
+        </p:spPr>
+        <p:txBody>
+          <a:bodyPr wrap="square" rtlCol="0">
+            <a:spAutoFit/>
+          </a:bodyPr>
+          <a:lstStyle/>
+          <a:p>
+            <a:pPr algn="ctr"/>
+            <a:r>
+              <a:rPr lang="en-US" i="1" dirty="0">
+                <a:solidFill>
+                  <a:srgbClr val="4472C4"/>
+                </a:solidFill>
+              </a:rPr>
+              <a:t>Example of a “scan”</a:t>
+            </a:r>
+          </a:p>
+        </p:txBody>
+      </p:sp>
+      <p:pic>
+        <p:nvPicPr>
+          <p:cNvPr id="2" name="Image 1">
+            <a:extLst>
+              <a:ext uri="{FF2B5EF4-FFF2-40B4-BE49-F238E27FC236}">
+                <a16:creationId xmlns:a16="http://schemas.microsoft.com/office/drawing/2014/main" id="{DACCA09B-0603-423E-9BE0-418159DF4DEC}"/>
+              </a:ext>
+            </a:extLst>
+          </p:cNvPr>
+          <p:cNvPicPr>
+            <a:picLocks noChangeAspect="1"/>
+          </p:cNvPicPr>
+          <p:nvPr/>
+        </p:nvPicPr>
+        <p:blipFill>
+          <a:blip r:embed="rId5"/>
+          <a:stretch>
+            <a:fillRect/>
+          </a:stretch>
+        </p:blipFill>
+        <p:spPr>
+          <a:xfrm>
+            <a:off x="1184919" y="-2182199"/>
+            <a:ext cx="4468990" cy="2187354"/>
+          </a:xfrm>
+          <a:prstGeom prst="rect">
+            <a:avLst/>
+          </a:prstGeom>
+          <a:ln w="28575">
+            <a:solidFill>
+              <a:schemeClr val="tx1"/>
+            </a:solidFill>
+          </a:ln>
+        </p:spPr>
+      </p:pic>
+      <p:sp>
+        <p:nvSpPr>
+          <p:cNvPr id="52" name="ZoneTexte 51">
+            <a:extLst>
+              <a:ext uri="{FF2B5EF4-FFF2-40B4-BE49-F238E27FC236}">
+                <a16:creationId xmlns:a16="http://schemas.microsoft.com/office/drawing/2014/main" id="{DAE24555-3B54-4BAD-B93A-7336AB6F9078}"/>
+              </a:ext>
+            </a:extLst>
+          </p:cNvPr>
+          <p:cNvSpPr txBox="1"/>
+          <p:nvPr/>
+        </p:nvSpPr>
+        <p:spPr>
+          <a:xfrm>
+            <a:off x="2866027" y="-1425064"/>
+            <a:ext cx="2098911" cy="646331"/>
+          </a:xfrm>
+          <a:prstGeom prst="rect">
+            <a:avLst/>
+          </a:prstGeom>
+          <a:noFill/>
+        </p:spPr>
+        <p:txBody>
+          <a:bodyPr wrap="square" rtlCol="0">
+            <a:spAutoFit/>
+          </a:bodyPr>
+          <a:lstStyle/>
+          <a:p>
+            <a:r>
+              <a:rPr lang="en-US" dirty="0">
+                <a:solidFill>
+                  <a:srgbClr val="FF0000"/>
+                </a:solidFill>
+              </a:rPr>
+              <a:t>GNPS-style</a:t>
+            </a:r>
+          </a:p>
+          <a:p>
+            <a:r>
+              <a:rPr lang="en-US" dirty="0">
+                <a:solidFill>
+                  <a:srgbClr val="FF0000"/>
+                </a:solidFill>
+              </a:rPr>
+              <a:t>spectral library file</a:t>
+            </a:r>
+          </a:p>
+        </p:txBody>
+      </p:sp>
+      <p:cxnSp>
+        <p:nvCxnSpPr>
+          <p:cNvPr id="62" name="Connecteur droit avec flèche 61">
+            <a:extLst>
+              <a:ext uri="{FF2B5EF4-FFF2-40B4-BE49-F238E27FC236}">
+                <a16:creationId xmlns:a16="http://schemas.microsoft.com/office/drawing/2014/main" id="{1EB1A78C-15AB-4863-8890-C299D0C82A20}"/>
+              </a:ext>
+            </a:extLst>
+          </p:cNvPr>
+          <p:cNvCxnSpPr>
+            <a:cxnSpLocks/>
+          </p:cNvCxnSpPr>
+          <p:nvPr/>
+        </p:nvCxnSpPr>
+        <p:spPr>
+          <a:xfrm>
+            <a:off x="2894501" y="-769315"/>
+            <a:ext cx="4022205" cy="0"/>
+          </a:xfrm>
+          <a:prstGeom prst="straightConnector1">
+            <a:avLst/>
+          </a:prstGeom>
+          <a:ln w="28575">
+            <a:solidFill>
+              <a:srgbClr val="FF0000"/>
+            </a:solidFill>
+            <a:tailEnd type="triangle"/>
+          </a:ln>
+        </p:spPr>
+        <p:style>
+          <a:lnRef idx="1">
+            <a:schemeClr val="accent1"/>
+          </a:lnRef>
+          <a:fillRef idx="0">
+            <a:schemeClr val="accent1"/>
+          </a:fillRef>
+          <a:effectRef idx="0">
+            <a:schemeClr val="accent1"/>
+          </a:effectRef>
+          <a:fontRef idx="minor">
+            <a:schemeClr val="tx1"/>
+          </a:fontRef>
+        </p:style>
+      </p:cxnSp>
+      <p:sp>
+        <p:nvSpPr>
+          <p:cNvPr id="4" name="Accolade ouvrante 3">
+            <a:extLst>
+              <a:ext uri="{FF2B5EF4-FFF2-40B4-BE49-F238E27FC236}">
+                <a16:creationId xmlns:a16="http://schemas.microsoft.com/office/drawing/2014/main" id="{D1A367C1-7264-488B-ADFE-7B938289269A}"/>
+              </a:ext>
+            </a:extLst>
+          </p:cNvPr>
+          <p:cNvSpPr/>
+          <p:nvPr/>
+        </p:nvSpPr>
+        <p:spPr>
+          <a:xfrm rot="10800000">
+            <a:off x="9763870" y="1317421"/>
+            <a:ext cx="364490" cy="4223157"/>
+          </a:xfrm>
+          <a:prstGeom prst="leftBrace">
+            <a:avLst/>
+          </a:prstGeom>
+          <a:ln w="19050">
+            <a:solidFill>
+              <a:srgbClr val="FF0000"/>
+            </a:solidFill>
+          </a:ln>
+        </p:spPr>
+        <p:style>
+          <a:lnRef idx="1">
+            <a:schemeClr val="accent1"/>
+          </a:lnRef>
+          <a:fillRef idx="0">
+            <a:schemeClr val="accent1"/>
+          </a:fillRef>
+          <a:effectRef idx="0">
+            <a:schemeClr val="accent1"/>
+          </a:effectRef>
+          <a:fontRef idx="minor">
+            <a:schemeClr val="tx1"/>
+          </a:fontRef>
+        </p:style>
+        <p:txBody>
+          <a:bodyPr rtlCol="0" anchor="ctr"/>
+          <a:lstStyle/>
+          <a:p>
+            <a:pPr algn="ctr"/>
+            <a:endParaRPr lang="en-US"/>
+          </a:p>
+        </p:txBody>
+      </p:sp>
+      <p:sp>
+        <p:nvSpPr>
+          <p:cNvPr id="5" name="Rectangle : coins arrondis 4">
+            <a:extLst>
+              <a:ext uri="{FF2B5EF4-FFF2-40B4-BE49-F238E27FC236}">
+                <a16:creationId xmlns:a16="http://schemas.microsoft.com/office/drawing/2014/main" id="{6B584F45-D360-4EB0-AB98-A5D42C2E9CE5}"/>
+              </a:ext>
+            </a:extLst>
+          </p:cNvPr>
+          <p:cNvSpPr/>
+          <p:nvPr/>
+        </p:nvSpPr>
+        <p:spPr>
+          <a:xfrm>
+            <a:off x="1154534" y="1701983"/>
+            <a:ext cx="1465119" cy="636198"/>
+          </a:xfrm>
+          <a:prstGeom prst="roundRect">
+            <a:avLst/>
+          </a:prstGeom>
+        </p:spPr>
+        <p:style>
+          <a:lnRef idx="2">
+            <a:schemeClr val="accent1">
+              <a:shade val="50000"/>
+            </a:schemeClr>
+          </a:lnRef>
+          <a:fillRef idx="1">
+            <a:schemeClr val="accent1"/>
+          </a:fillRef>
+          <a:effectRef idx="0">
+            <a:schemeClr val="accent1"/>
+          </a:effectRef>
+          <a:fontRef idx="minor">
+            <a:schemeClr val="lt1"/>
+          </a:fontRef>
+        </p:style>
+        <p:txBody>
+          <a:bodyPr rtlCol="0" anchor="ctr"/>
+          <a:lstStyle/>
+          <a:p>
+            <a:pPr algn="ctr"/>
+            <a:r>
+              <a:rPr lang="en-US" b="1" i="1" dirty="0">
+                <a:solidFill>
+                  <a:schemeClr val="bg1"/>
+                </a:solidFill>
+              </a:rPr>
+              <a:t>Actual value detected</a:t>
+            </a:r>
+            <a:endParaRPr lang="en-US" b="1" dirty="0">
+              <a:solidFill>
+                <a:schemeClr val="bg1"/>
+              </a:solidFill>
+            </a:endParaRPr>
+          </a:p>
+        </p:txBody>
+      </p:sp>
+      <p:pic>
+        <p:nvPicPr>
+          <p:cNvPr id="6" name="Image 5">
+            <a:extLst>
+              <a:ext uri="{FF2B5EF4-FFF2-40B4-BE49-F238E27FC236}">
+                <a16:creationId xmlns:a16="http://schemas.microsoft.com/office/drawing/2014/main" id="{D5DF1E7C-6A11-4A76-A010-A70E61CDDC05}"/>
+              </a:ext>
+            </a:extLst>
+          </p:cNvPr>
+          <p:cNvPicPr>
+            <a:picLocks noChangeAspect="1"/>
+          </p:cNvPicPr>
+          <p:nvPr/>
+        </p:nvPicPr>
+        <p:blipFill>
+          <a:blip r:embed="rId6"/>
+          <a:stretch>
+            <a:fillRect/>
+          </a:stretch>
+        </p:blipFill>
+        <p:spPr>
+          <a:xfrm>
+            <a:off x="1122706" y="4382387"/>
+            <a:ext cx="5225764" cy="2609819"/>
+          </a:xfrm>
+          <a:prstGeom prst="rect">
+            <a:avLst/>
+          </a:prstGeom>
+        </p:spPr>
+      </p:pic>
+      <p:pic>
+        <p:nvPicPr>
+          <p:cNvPr id="7" name="Image 6">
+            <a:extLst>
+              <a:ext uri="{FF2B5EF4-FFF2-40B4-BE49-F238E27FC236}">
+                <a16:creationId xmlns:a16="http://schemas.microsoft.com/office/drawing/2014/main" id="{2D25FB9B-F42D-4C24-9FA6-6A83F076E2DD}"/>
+              </a:ext>
+            </a:extLst>
+          </p:cNvPr>
+          <p:cNvPicPr>
+            <a:picLocks noChangeAspect="1"/>
+          </p:cNvPicPr>
+          <p:nvPr/>
+        </p:nvPicPr>
+        <p:blipFill>
+          <a:blip r:embed="rId7"/>
+          <a:stretch>
+            <a:fillRect/>
+          </a:stretch>
+        </p:blipFill>
+        <p:spPr>
+          <a:xfrm>
+            <a:off x="6957339" y="4382387"/>
+            <a:ext cx="2773188" cy="2631132"/>
+          </a:xfrm>
+          <a:prstGeom prst="rect">
+            <a:avLst/>
+          </a:prstGeom>
+        </p:spPr>
+      </p:pic>
+      <p:sp>
+        <p:nvSpPr>
+          <p:cNvPr id="9" name="ZoneTexte 8">
+            <a:extLst>
+              <a:ext uri="{FF2B5EF4-FFF2-40B4-BE49-F238E27FC236}">
+                <a16:creationId xmlns:a16="http://schemas.microsoft.com/office/drawing/2014/main" id="{1A29488B-F1B3-43ED-A947-CBB599709DC7}"/>
+              </a:ext>
+            </a:extLst>
+          </p:cNvPr>
+          <p:cNvSpPr txBox="1"/>
+          <p:nvPr/>
+        </p:nvSpPr>
+        <p:spPr>
+          <a:xfrm>
+            <a:off x="6221962" y="5295976"/>
+            <a:ext cx="713333" cy="584775"/>
+          </a:xfrm>
+          <a:prstGeom prst="rect">
+            <a:avLst/>
+          </a:prstGeom>
+          <a:noFill/>
+        </p:spPr>
+        <p:txBody>
+          <a:bodyPr wrap="square" rtlCol="0">
+            <a:spAutoFit/>
+          </a:bodyPr>
+          <a:lstStyle/>
+          <a:p>
+            <a:pPr algn="ctr"/>
+            <a:r>
+              <a:rPr lang="en-US" sz="3200" b="1" dirty="0"/>
+              <a:t>…</a:t>
+            </a:r>
+          </a:p>
+        </p:txBody>
+      </p:sp>
+      <p:sp>
+        <p:nvSpPr>
+          <p:cNvPr id="36" name="ZoneTexte 35">
+            <a:extLst>
+              <a:ext uri="{FF2B5EF4-FFF2-40B4-BE49-F238E27FC236}">
+                <a16:creationId xmlns:a16="http://schemas.microsoft.com/office/drawing/2014/main" id="{0FF700D0-E90B-496B-9B46-E3FE1E420E0F}"/>
+              </a:ext>
+            </a:extLst>
+          </p:cNvPr>
+          <p:cNvSpPr txBox="1"/>
+          <p:nvPr/>
+        </p:nvSpPr>
+        <p:spPr>
+          <a:xfrm>
+            <a:off x="1070477" y="268507"/>
+            <a:ext cx="5506965" cy="369332"/>
+          </a:xfrm>
+          <a:prstGeom prst="rect">
+            <a:avLst/>
+          </a:prstGeom>
+          <a:noFill/>
+        </p:spPr>
+        <p:txBody>
+          <a:bodyPr wrap="square" rtlCol="0">
+            <a:spAutoFit/>
+          </a:bodyPr>
+          <a:lstStyle/>
+          <a:p>
+            <a:r>
+              <a:rPr lang="en-US" b="1" dirty="0">
+                <a:solidFill>
+                  <a:srgbClr val="FF0000"/>
+                </a:solidFill>
+              </a:rPr>
+              <a:t>F</a:t>
+            </a:r>
+            <a:r>
+              <a:rPr lang="en-US" altLang="zh-CN" b="1" dirty="0">
+                <a:solidFill>
+                  <a:srgbClr val="FF0000"/>
+                </a:solidFill>
+              </a:rPr>
+              <a:t>ollowing metadata columns are appended or updated:</a:t>
+            </a:r>
+            <a:endParaRPr lang="en-US" b="1" dirty="0">
+              <a:solidFill>
+                <a:srgbClr val="FF0000"/>
+              </a:solidFill>
+            </a:endParaRPr>
+          </a:p>
+        </p:txBody>
+      </p:sp>
+      <p:sp>
+        <p:nvSpPr>
+          <p:cNvPr id="38" name="Rectangle : coins arrondis 37">
+            <a:extLst>
+              <a:ext uri="{FF2B5EF4-FFF2-40B4-BE49-F238E27FC236}">
+                <a16:creationId xmlns:a16="http://schemas.microsoft.com/office/drawing/2014/main" id="{25C3F572-EAFF-45DF-A1D9-8B5E61E39790}"/>
+              </a:ext>
+            </a:extLst>
+          </p:cNvPr>
+          <p:cNvSpPr/>
+          <p:nvPr/>
+        </p:nvSpPr>
+        <p:spPr>
+          <a:xfrm>
+            <a:off x="1144225" y="5308185"/>
+            <a:ext cx="2056175" cy="636198"/>
+          </a:xfrm>
+          <a:prstGeom prst="roundRect">
+            <a:avLst/>
+          </a:prstGeom>
+        </p:spPr>
+        <p:style>
+          <a:lnRef idx="2">
+            <a:schemeClr val="accent1">
+              <a:shade val="50000"/>
+            </a:schemeClr>
+          </a:lnRef>
+          <a:fillRef idx="1">
+            <a:schemeClr val="accent1"/>
+          </a:fillRef>
+          <a:effectRef idx="0">
+            <a:schemeClr val="accent1"/>
+          </a:effectRef>
+          <a:fontRef idx="minor">
+            <a:schemeClr val="lt1"/>
+          </a:fontRef>
+        </p:style>
+        <p:txBody>
+          <a:bodyPr rtlCol="0" anchor="ctr"/>
+          <a:lstStyle/>
+          <a:p>
+            <a:pPr algn="ctr"/>
+            <a:r>
+              <a:rPr lang="en-US" b="1" i="1" dirty="0">
+                <a:solidFill>
+                  <a:schemeClr val="bg1"/>
+                </a:solidFill>
+              </a:rPr>
+              <a:t>Chromatogram information</a:t>
+            </a:r>
+            <a:endParaRPr lang="en-US" b="1" dirty="0">
+              <a:solidFill>
+                <a:schemeClr val="bg1"/>
+              </a:solidFill>
+            </a:endParaRPr>
+          </a:p>
+        </p:txBody>
+      </p:sp>
+      <p:sp>
+        <p:nvSpPr>
+          <p:cNvPr id="39" name="Rectangle : coins arrondis 38">
+            <a:extLst>
+              <a:ext uri="{FF2B5EF4-FFF2-40B4-BE49-F238E27FC236}">
+                <a16:creationId xmlns:a16="http://schemas.microsoft.com/office/drawing/2014/main" id="{96736986-29DC-4821-A21C-4F74FF056D74}"/>
+              </a:ext>
+            </a:extLst>
+          </p:cNvPr>
+          <p:cNvSpPr/>
+          <p:nvPr/>
+        </p:nvSpPr>
+        <p:spPr>
+          <a:xfrm>
+            <a:off x="3913864" y="5310951"/>
+            <a:ext cx="2056175" cy="636198"/>
+          </a:xfrm>
+          <a:prstGeom prst="roundRect">
+            <a:avLst/>
+          </a:prstGeom>
+        </p:spPr>
+        <p:style>
+          <a:lnRef idx="2">
+            <a:schemeClr val="accent1">
+              <a:shade val="50000"/>
+            </a:schemeClr>
+          </a:lnRef>
+          <a:fillRef idx="1">
+            <a:schemeClr val="accent1"/>
+          </a:fillRef>
+          <a:effectRef idx="0">
+            <a:schemeClr val="accent1"/>
+          </a:effectRef>
+          <a:fontRef idx="minor">
+            <a:schemeClr val="lt1"/>
+          </a:fontRef>
+        </p:style>
+        <p:txBody>
+          <a:bodyPr rtlCol="0" anchor="ctr"/>
+          <a:lstStyle/>
+          <a:p>
+            <a:pPr algn="ctr"/>
+            <a:r>
+              <a:rPr lang="en-US" b="1" i="1" dirty="0">
+                <a:solidFill>
+                  <a:schemeClr val="bg1"/>
+                </a:solidFill>
+              </a:rPr>
+              <a:t>Search parameters</a:t>
+            </a:r>
+            <a:endParaRPr lang="en-US" b="1" dirty="0">
+              <a:solidFill>
+                <a:schemeClr val="bg1"/>
+              </a:solidFill>
+            </a:endParaRPr>
+          </a:p>
+        </p:txBody>
+      </p:sp>
+      <p:sp>
+        <p:nvSpPr>
+          <p:cNvPr id="40" name="Rectangle : coins arrondis 39">
+            <a:extLst>
+              <a:ext uri="{FF2B5EF4-FFF2-40B4-BE49-F238E27FC236}">
+                <a16:creationId xmlns:a16="http://schemas.microsoft.com/office/drawing/2014/main" id="{8EE3D6A2-1136-421E-B03E-A4AA270CB11F}"/>
+              </a:ext>
+            </a:extLst>
+          </p:cNvPr>
+          <p:cNvSpPr/>
+          <p:nvPr/>
+        </p:nvSpPr>
+        <p:spPr>
+          <a:xfrm>
+            <a:off x="6957339" y="5308185"/>
+            <a:ext cx="2056175" cy="636198"/>
+          </a:xfrm>
+          <a:prstGeom prst="roundRect">
+            <a:avLst/>
+          </a:prstGeom>
+        </p:spPr>
+        <p:style>
+          <a:lnRef idx="2">
+            <a:schemeClr val="accent1">
+              <a:shade val="50000"/>
+            </a:schemeClr>
+          </a:lnRef>
+          <a:fillRef idx="1">
+            <a:schemeClr val="accent1"/>
+          </a:fillRef>
+          <a:effectRef idx="0">
+            <a:schemeClr val="accent1"/>
+          </a:effectRef>
+          <a:fontRef idx="minor">
+            <a:schemeClr val="lt1"/>
+          </a:fontRef>
+        </p:style>
+        <p:txBody>
+          <a:bodyPr rtlCol="0" anchor="ctr"/>
+          <a:lstStyle/>
+          <a:p>
+            <a:pPr algn="ctr"/>
+            <a:r>
+              <a:rPr lang="en-US" b="1" i="1" dirty="0">
+                <a:solidFill>
+                  <a:schemeClr val="bg1"/>
+                </a:solidFill>
+              </a:rPr>
+              <a:t>User information</a:t>
+            </a:r>
+            <a:endParaRPr lang="en-US" b="1" dirty="0">
+              <a:solidFill>
+                <a:schemeClr val="bg1"/>
+              </a:solidFill>
+            </a:endParaRPr>
+          </a:p>
+        </p:txBody>
+      </p:sp>
+      <p:sp>
+        <p:nvSpPr>
+          <p:cNvPr id="25" name="ZoneTexte 24">
+            <a:extLst>
+              <a:ext uri="{FF2B5EF4-FFF2-40B4-BE49-F238E27FC236}">
+                <a16:creationId xmlns:a16="http://schemas.microsoft.com/office/drawing/2014/main" id="{1EFC2486-A30B-4219-AD5C-D3CE00CE1484}"/>
+              </a:ext>
+            </a:extLst>
+          </p:cNvPr>
+          <p:cNvSpPr txBox="1"/>
+          <p:nvPr/>
+        </p:nvSpPr>
+        <p:spPr>
+          <a:xfrm>
+            <a:off x="10335447" y="3249358"/>
+            <a:ext cx="1144703" cy="369332"/>
+          </a:xfrm>
+          <a:prstGeom prst="rect">
+            <a:avLst/>
+          </a:prstGeom>
+          <a:noFill/>
+        </p:spPr>
+        <p:txBody>
+          <a:bodyPr wrap="square" rtlCol="0">
+            <a:spAutoFit/>
+          </a:bodyPr>
+          <a:lstStyle/>
+          <a:p>
+            <a:r>
+              <a:rPr lang="en-US" i="1" dirty="0">
+                <a:solidFill>
+                  <a:srgbClr val="FF0000"/>
+                </a:solidFill>
+              </a:rPr>
+              <a:t>Metadata</a:t>
+            </a:r>
+          </a:p>
+        </p:txBody>
+      </p:sp>
     </p:spTree>
     <p:extLst>
       <p:ext uri="{BB962C8B-B14F-4D97-AF65-F5344CB8AC3E}">
-        <p14:creationId xmlns:p14="http://schemas.microsoft.com/office/powerpoint/2010/main" val="3720127712"/>
+        <p14:creationId xmlns:p14="http://schemas.microsoft.com/office/powerpoint/2010/main" val="1310916558"/>
       </p:ext>
     </p:extLst>
   </p:cSld>
@@ -7589,10 +8589,10 @@
       </p:grpSpPr>
       <p:pic>
         <p:nvPicPr>
-          <p:cNvPr id="2" name="Image 1">
-            <a:extLst>
-              <a:ext uri="{FF2B5EF4-FFF2-40B4-BE49-F238E27FC236}">
-                <a16:creationId xmlns:a16="http://schemas.microsoft.com/office/drawing/2014/main" id="{4FB293FA-1E0C-433D-8A51-595E823EBD37}"/>
+          <p:cNvPr id="4" name="Image 3">
+            <a:extLst>
+              <a:ext uri="{FF2B5EF4-FFF2-40B4-BE49-F238E27FC236}">
+                <a16:creationId xmlns:a16="http://schemas.microsoft.com/office/drawing/2014/main" id="{D3F1A527-5274-438D-903E-313A0CE3A726}"/>
               </a:ext>
             </a:extLst>
           </p:cNvPr>
@@ -7601,15 +8601,16 @@
           </p:cNvPicPr>
           <p:nvPr/>
         </p:nvPicPr>
-        <p:blipFill rotWithShape="1">
+        <p:blipFill>
           <a:blip r:embed="rId2"/>
-          <a:srcRect l="3820" t="18975" r="7051" b="10933"/>
-          <a:stretch/>
+          <a:stretch>
+            <a:fillRect/>
+          </a:stretch>
         </p:blipFill>
         <p:spPr>
           <a:xfrm>
-            <a:off x="1859972" y="1423555"/>
-            <a:ext cx="6431973" cy="4130003"/>
+            <a:off x="2076101" y="647459"/>
+            <a:ext cx="8039797" cy="5563082"/>
           </a:xfrm>
           <a:prstGeom prst="rect">
             <a:avLst/>
@@ -7619,7 +8620,7 @@
     </p:spTree>
     <p:extLst>
       <p:ext uri="{BB962C8B-B14F-4D97-AF65-F5344CB8AC3E}">
-        <p14:creationId xmlns:p14="http://schemas.microsoft.com/office/powerpoint/2010/main" val="3184723136"/>
+        <p14:creationId xmlns:p14="http://schemas.microsoft.com/office/powerpoint/2010/main" val="3720127712"/>
       </p:ext>
     </p:extLst>
   </p:cSld>
@@ -7648,10 +8649,10 @@
       </p:grpSpPr>
       <p:pic>
         <p:nvPicPr>
-          <p:cNvPr id="4" name="Image 3">
-            <a:extLst>
-              <a:ext uri="{FF2B5EF4-FFF2-40B4-BE49-F238E27FC236}">
-                <a16:creationId xmlns:a16="http://schemas.microsoft.com/office/drawing/2014/main" id="{6C19478E-F45E-40A6-8A0B-C78546DF4832}"/>
+          <p:cNvPr id="2" name="Image 1">
+            <a:extLst>
+              <a:ext uri="{FF2B5EF4-FFF2-40B4-BE49-F238E27FC236}">
+                <a16:creationId xmlns:a16="http://schemas.microsoft.com/office/drawing/2014/main" id="{4FB293FA-1E0C-433D-8A51-595E823EBD37}"/>
               </a:ext>
             </a:extLst>
           </p:cNvPr>
@@ -7662,71 +8663,13 @@
         </p:nvPicPr>
         <p:blipFill rotWithShape="1">
           <a:blip r:embed="rId2"/>
-          <a:srcRect l="1943" t="19567" r="3924" b="9959"/>
+          <a:srcRect l="3820" t="18975" r="7051" b="10933"/>
           <a:stretch/>
         </p:blipFill>
         <p:spPr>
           <a:xfrm>
-            <a:off x="1288473" y="635120"/>
-            <a:ext cx="4462955" cy="2728185"/>
-          </a:xfrm>
-          <a:prstGeom prst="rect">
-            <a:avLst/>
-          </a:prstGeom>
-        </p:spPr>
-      </p:pic>
-      <p:pic>
-        <p:nvPicPr>
-          <p:cNvPr id="5" name="Image 4">
-            <a:extLst>
-              <a:ext uri="{FF2B5EF4-FFF2-40B4-BE49-F238E27FC236}">
-                <a16:creationId xmlns:a16="http://schemas.microsoft.com/office/drawing/2014/main" id="{284C9446-8711-4695-A6CC-73B0BAE2051E}"/>
-              </a:ext>
-            </a:extLst>
-          </p:cNvPr>
-          <p:cNvPicPr>
-            <a:picLocks noChangeAspect="1"/>
-          </p:cNvPicPr>
-          <p:nvPr/>
-        </p:nvPicPr>
-        <p:blipFill rotWithShape="1">
-          <a:blip r:embed="rId3"/>
-          <a:srcRect l="4446" t="18210" r="5866" b="7869"/>
-          <a:stretch/>
-        </p:blipFill>
-        <p:spPr>
-          <a:xfrm>
-            <a:off x="5507181" y="635120"/>
-            <a:ext cx="4208318" cy="2832094"/>
-          </a:xfrm>
-          <a:prstGeom prst="rect">
-            <a:avLst/>
-          </a:prstGeom>
-        </p:spPr>
-      </p:pic>
-      <p:pic>
-        <p:nvPicPr>
-          <p:cNvPr id="2" name="Image 1">
-            <a:extLst>
-              <a:ext uri="{FF2B5EF4-FFF2-40B4-BE49-F238E27FC236}">
-                <a16:creationId xmlns:a16="http://schemas.microsoft.com/office/drawing/2014/main" id="{A156D9A5-439B-4650-B5F4-E8FA93D9160A}"/>
-              </a:ext>
-            </a:extLst>
-          </p:cNvPr>
-          <p:cNvPicPr>
-            <a:picLocks noChangeAspect="1"/>
-          </p:cNvPicPr>
-          <p:nvPr/>
-        </p:nvPicPr>
-        <p:blipFill rotWithShape="1">
-          <a:blip r:embed="rId4"/>
-          <a:srcRect l="11607" t="6673" r="2914" b="23664"/>
-          <a:stretch/>
-        </p:blipFill>
-        <p:spPr>
-          <a:xfrm>
-            <a:off x="2441865" y="3844636"/>
-            <a:ext cx="5305888" cy="2628900"/>
+            <a:off x="1859972" y="1423555"/>
+            <a:ext cx="6431973" cy="4130003"/>
           </a:xfrm>
           <a:prstGeom prst="rect">
             <a:avLst/>
@@ -7736,7 +8679,7 @@
     </p:spTree>
     <p:extLst>
       <p:ext uri="{BB962C8B-B14F-4D97-AF65-F5344CB8AC3E}">
-        <p14:creationId xmlns:p14="http://schemas.microsoft.com/office/powerpoint/2010/main" val="724617817"/>
+        <p14:creationId xmlns:p14="http://schemas.microsoft.com/office/powerpoint/2010/main" val="3184723136"/>
       </p:ext>
     </p:extLst>
   </p:cSld>

--- a/inst/Preparation.pptx
+++ b/inst/Preparation.pptx
@@ -5,7 +5,7 @@
     <p:sldMasterId id="2147483648" r:id="rId1"/>
   </p:sldMasterIdLst>
   <p:notesMasterIdLst>
-    <p:notesMasterId r:id="rId12"/>
+    <p:notesMasterId r:id="rId13"/>
   </p:notesMasterIdLst>
   <p:sldIdLst>
     <p:sldId id="270" r:id="rId2"/>
@@ -18,6 +18,7 @@
     <p:sldId id="267" r:id="rId9"/>
     <p:sldId id="268" r:id="rId10"/>
     <p:sldId id="269" r:id="rId11"/>
+    <p:sldId id="272" r:id="rId12"/>
   </p:sldIdLst>
   <p:sldSz cx="12192000" cy="6858000"/>
   <p:notesSz cx="6858000" cy="9144000"/>
@@ -126,98 +127,6 @@
 
 <file path=ppt/changesInfos/changesInfo1.xml><?xml version="1.0" encoding="utf-8"?>
 <pc:chgInfo xmlns:a="http://schemas.openxmlformats.org/drawingml/2006/main" xmlns:r="http://schemas.openxmlformats.org/officeDocument/2006/relationships" xmlns:ac="http://schemas.microsoft.com/office/drawing/2013/main/command" xmlns:pc="http://schemas.microsoft.com/office/powerpoint/2013/main/command">
-  <pc:docChgLst>
-    <pc:chgData name="Liu, Youzhong [JANBE]" userId="2d0f794a-fd2a-4e4a-9685-8efd566e499f" providerId="ADAL" clId="{D8A39EC7-E728-43C6-8646-720616CB2D73}"/>
-    <pc:docChg chg="modSld">
-      <pc:chgData name="Liu, Youzhong [JANBE]" userId="2d0f794a-fd2a-4e4a-9685-8efd566e499f" providerId="ADAL" clId="{D8A39EC7-E728-43C6-8646-720616CB2D73}" dt="2020-07-23T17:04:27.042" v="67" actId="20577"/>
-      <pc:docMkLst>
-        <pc:docMk/>
-      </pc:docMkLst>
-      <pc:sldChg chg="modSp">
-        <pc:chgData name="Liu, Youzhong [JANBE]" userId="2d0f794a-fd2a-4e4a-9685-8efd566e499f" providerId="ADAL" clId="{D8A39EC7-E728-43C6-8646-720616CB2D73}" dt="2020-07-23T17:04:27.042" v="67" actId="20577"/>
-        <pc:sldMkLst>
-          <pc:docMk/>
-          <pc:sldMk cId="2668161777" sldId="270"/>
-        </pc:sldMkLst>
-        <pc:graphicFrameChg chg="mod modGraphic">
-          <ac:chgData name="Liu, Youzhong [JANBE]" userId="2d0f794a-fd2a-4e4a-9685-8efd566e499f" providerId="ADAL" clId="{D8A39EC7-E728-43C6-8646-720616CB2D73}" dt="2020-07-23T17:04:27.042" v="67" actId="20577"/>
-          <ac:graphicFrameMkLst>
-            <pc:docMk/>
-            <pc:sldMk cId="2668161777" sldId="270"/>
-            <ac:graphicFrameMk id="4" creationId="{ABEAA127-1C90-4DBB-9260-B26C6B3F5649}"/>
-          </ac:graphicFrameMkLst>
-        </pc:graphicFrameChg>
-      </pc:sldChg>
-    </pc:docChg>
-  </pc:docChgLst>
-  <pc:docChgLst>
-    <pc:chgData name="Liu, Youzhong [JANBE]" userId="2d0f794a-fd2a-4e4a-9685-8efd566e499f" providerId="ADAL" clId="{D1EE8339-1FB3-4B25-9618-3EC57C51B59F}"/>
-    <pc:docChg chg="undo custSel addSld delSld modSld">
-      <pc:chgData name="Liu, Youzhong [JANBE]" userId="2d0f794a-fd2a-4e4a-9685-8efd566e499f" providerId="ADAL" clId="{D1EE8339-1FB3-4B25-9618-3EC57C51B59F}" dt="2020-06-23T17:57:34.138" v="11" actId="1076"/>
-      <pc:docMkLst>
-        <pc:docMk/>
-      </pc:docMkLst>
-      <pc:sldChg chg="add del">
-        <pc:chgData name="Liu, Youzhong [JANBE]" userId="2d0f794a-fd2a-4e4a-9685-8efd566e499f" providerId="ADAL" clId="{D1EE8339-1FB3-4B25-9618-3EC57C51B59F}" dt="2020-06-23T17:45:27.921" v="4" actId="2696"/>
-        <pc:sldMkLst>
-          <pc:docMk/>
-          <pc:sldMk cId="1310916558" sldId="265"/>
-        </pc:sldMkLst>
-      </pc:sldChg>
-      <pc:sldChg chg="add del">
-        <pc:chgData name="Liu, Youzhong [JANBE]" userId="2d0f794a-fd2a-4e4a-9685-8efd566e499f" providerId="ADAL" clId="{D1EE8339-1FB3-4B25-9618-3EC57C51B59F}" dt="2020-06-23T17:45:28.102" v="5" actId="2696"/>
-        <pc:sldMkLst>
-          <pc:docMk/>
-          <pc:sldMk cId="3720127712" sldId="267"/>
-        </pc:sldMkLst>
-      </pc:sldChg>
-      <pc:sldChg chg="add del">
-        <pc:chgData name="Liu, Youzhong [JANBE]" userId="2d0f794a-fd2a-4e4a-9685-8efd566e499f" providerId="ADAL" clId="{D1EE8339-1FB3-4B25-9618-3EC57C51B59F}" dt="2020-06-23T17:45:28.300" v="6" actId="2696"/>
-        <pc:sldMkLst>
-          <pc:docMk/>
-          <pc:sldMk cId="3184723136" sldId="268"/>
-        </pc:sldMkLst>
-      </pc:sldChg>
-      <pc:sldChg chg="add del">
-        <pc:chgData name="Liu, Youzhong [JANBE]" userId="2d0f794a-fd2a-4e4a-9685-8efd566e499f" providerId="ADAL" clId="{D1EE8339-1FB3-4B25-9618-3EC57C51B59F}" dt="2020-06-23T17:45:28.507" v="7" actId="2696"/>
-        <pc:sldMkLst>
-          <pc:docMk/>
-          <pc:sldMk cId="724617817" sldId="269"/>
-        </pc:sldMkLst>
-      </pc:sldChg>
-      <pc:sldChg chg="addSp delSp modSp add">
-        <pc:chgData name="Liu, Youzhong [JANBE]" userId="2d0f794a-fd2a-4e4a-9685-8efd566e499f" providerId="ADAL" clId="{D1EE8339-1FB3-4B25-9618-3EC57C51B59F}" dt="2020-06-23T17:57:34.138" v="11" actId="1076"/>
-        <pc:sldMkLst>
-          <pc:docMk/>
-          <pc:sldMk cId="2668161777" sldId="270"/>
-        </pc:sldMkLst>
-        <pc:spChg chg="del">
-          <ac:chgData name="Liu, Youzhong [JANBE]" userId="2d0f794a-fd2a-4e4a-9685-8efd566e499f" providerId="ADAL" clId="{D1EE8339-1FB3-4B25-9618-3EC57C51B59F}" dt="2020-06-23T17:45:33.059" v="9" actId="478"/>
-          <ac:spMkLst>
-            <pc:docMk/>
-            <pc:sldMk cId="2668161777" sldId="270"/>
-            <ac:spMk id="2" creationId="{03C49E41-C98E-4216-9105-936E57ADB4B4}"/>
-          </ac:spMkLst>
-        </pc:spChg>
-        <pc:spChg chg="del">
-          <ac:chgData name="Liu, Youzhong [JANBE]" userId="2d0f794a-fd2a-4e4a-9685-8efd566e499f" providerId="ADAL" clId="{D1EE8339-1FB3-4B25-9618-3EC57C51B59F}" dt="2020-06-23T17:45:33.059" v="9" actId="478"/>
-          <ac:spMkLst>
-            <pc:docMk/>
-            <pc:sldMk cId="2668161777" sldId="270"/>
-            <ac:spMk id="3" creationId="{E01C0193-8D6B-4DE1-A362-5C8CE720BB6E}"/>
-          </ac:spMkLst>
-        </pc:spChg>
-        <pc:graphicFrameChg chg="add mod">
-          <ac:chgData name="Liu, Youzhong [JANBE]" userId="2d0f794a-fd2a-4e4a-9685-8efd566e499f" providerId="ADAL" clId="{D1EE8339-1FB3-4B25-9618-3EC57C51B59F}" dt="2020-06-23T17:57:34.138" v="11" actId="1076"/>
-          <ac:graphicFrameMkLst>
-            <pc:docMk/>
-            <pc:sldMk cId="2668161777" sldId="270"/>
-            <ac:graphicFrameMk id="4" creationId="{ABEAA127-1C90-4DBB-9260-B26C6B3F5649}"/>
-          </ac:graphicFrameMkLst>
-        </pc:graphicFrameChg>
-      </pc:sldChg>
-    </pc:docChg>
-  </pc:docChgLst>
   <pc:docChgLst>
     <pc:chgData name="Liu, Youzhong [JANBE]" userId="2d0f794a-fd2a-4e4a-9685-8efd566e499f" providerId="ADAL" clId="{00318541-1CF4-4CB2-A5A1-71AFCDF8FB1B}"/>
     <pc:docChg chg="undo custSel addSld modSld">
@@ -442,6 +351,98 @@
       </pc:sldChg>
     </pc:docChg>
   </pc:docChgLst>
+  <pc:docChgLst>
+    <pc:chgData name="Liu, Youzhong [JANBE]" userId="2d0f794a-fd2a-4e4a-9685-8efd566e499f" providerId="ADAL" clId="{D1EE8339-1FB3-4B25-9618-3EC57C51B59F}"/>
+    <pc:docChg chg="undo custSel addSld delSld modSld">
+      <pc:chgData name="Liu, Youzhong [JANBE]" userId="2d0f794a-fd2a-4e4a-9685-8efd566e499f" providerId="ADAL" clId="{D1EE8339-1FB3-4B25-9618-3EC57C51B59F}" dt="2020-06-23T17:57:34.138" v="11" actId="1076"/>
+      <pc:docMkLst>
+        <pc:docMk/>
+      </pc:docMkLst>
+      <pc:sldChg chg="add del">
+        <pc:chgData name="Liu, Youzhong [JANBE]" userId="2d0f794a-fd2a-4e4a-9685-8efd566e499f" providerId="ADAL" clId="{D1EE8339-1FB3-4B25-9618-3EC57C51B59F}" dt="2020-06-23T17:45:27.921" v="4" actId="2696"/>
+        <pc:sldMkLst>
+          <pc:docMk/>
+          <pc:sldMk cId="1310916558" sldId="265"/>
+        </pc:sldMkLst>
+      </pc:sldChg>
+      <pc:sldChg chg="add del">
+        <pc:chgData name="Liu, Youzhong [JANBE]" userId="2d0f794a-fd2a-4e4a-9685-8efd566e499f" providerId="ADAL" clId="{D1EE8339-1FB3-4B25-9618-3EC57C51B59F}" dt="2020-06-23T17:45:28.102" v="5" actId="2696"/>
+        <pc:sldMkLst>
+          <pc:docMk/>
+          <pc:sldMk cId="3720127712" sldId="267"/>
+        </pc:sldMkLst>
+      </pc:sldChg>
+      <pc:sldChg chg="add del">
+        <pc:chgData name="Liu, Youzhong [JANBE]" userId="2d0f794a-fd2a-4e4a-9685-8efd566e499f" providerId="ADAL" clId="{D1EE8339-1FB3-4B25-9618-3EC57C51B59F}" dt="2020-06-23T17:45:28.300" v="6" actId="2696"/>
+        <pc:sldMkLst>
+          <pc:docMk/>
+          <pc:sldMk cId="3184723136" sldId="268"/>
+        </pc:sldMkLst>
+      </pc:sldChg>
+      <pc:sldChg chg="add del">
+        <pc:chgData name="Liu, Youzhong [JANBE]" userId="2d0f794a-fd2a-4e4a-9685-8efd566e499f" providerId="ADAL" clId="{D1EE8339-1FB3-4B25-9618-3EC57C51B59F}" dt="2020-06-23T17:45:28.507" v="7" actId="2696"/>
+        <pc:sldMkLst>
+          <pc:docMk/>
+          <pc:sldMk cId="724617817" sldId="269"/>
+        </pc:sldMkLst>
+      </pc:sldChg>
+      <pc:sldChg chg="addSp delSp modSp add">
+        <pc:chgData name="Liu, Youzhong [JANBE]" userId="2d0f794a-fd2a-4e4a-9685-8efd566e499f" providerId="ADAL" clId="{D1EE8339-1FB3-4B25-9618-3EC57C51B59F}" dt="2020-06-23T17:57:34.138" v="11" actId="1076"/>
+        <pc:sldMkLst>
+          <pc:docMk/>
+          <pc:sldMk cId="2668161777" sldId="270"/>
+        </pc:sldMkLst>
+        <pc:spChg chg="del">
+          <ac:chgData name="Liu, Youzhong [JANBE]" userId="2d0f794a-fd2a-4e4a-9685-8efd566e499f" providerId="ADAL" clId="{D1EE8339-1FB3-4B25-9618-3EC57C51B59F}" dt="2020-06-23T17:45:33.059" v="9" actId="478"/>
+          <ac:spMkLst>
+            <pc:docMk/>
+            <pc:sldMk cId="2668161777" sldId="270"/>
+            <ac:spMk id="2" creationId="{03C49E41-C98E-4216-9105-936E57ADB4B4}"/>
+          </ac:spMkLst>
+        </pc:spChg>
+        <pc:spChg chg="del">
+          <ac:chgData name="Liu, Youzhong [JANBE]" userId="2d0f794a-fd2a-4e4a-9685-8efd566e499f" providerId="ADAL" clId="{D1EE8339-1FB3-4B25-9618-3EC57C51B59F}" dt="2020-06-23T17:45:33.059" v="9" actId="478"/>
+          <ac:spMkLst>
+            <pc:docMk/>
+            <pc:sldMk cId="2668161777" sldId="270"/>
+            <ac:spMk id="3" creationId="{E01C0193-8D6B-4DE1-A362-5C8CE720BB6E}"/>
+          </ac:spMkLst>
+        </pc:spChg>
+        <pc:graphicFrameChg chg="add mod">
+          <ac:chgData name="Liu, Youzhong [JANBE]" userId="2d0f794a-fd2a-4e4a-9685-8efd566e499f" providerId="ADAL" clId="{D1EE8339-1FB3-4B25-9618-3EC57C51B59F}" dt="2020-06-23T17:57:34.138" v="11" actId="1076"/>
+          <ac:graphicFrameMkLst>
+            <pc:docMk/>
+            <pc:sldMk cId="2668161777" sldId="270"/>
+            <ac:graphicFrameMk id="4" creationId="{ABEAA127-1C90-4DBB-9260-B26C6B3F5649}"/>
+          </ac:graphicFrameMkLst>
+        </pc:graphicFrameChg>
+      </pc:sldChg>
+    </pc:docChg>
+  </pc:docChgLst>
+  <pc:docChgLst>
+    <pc:chgData name="Liu, Youzhong [JANBE]" userId="2d0f794a-fd2a-4e4a-9685-8efd566e499f" providerId="ADAL" clId="{D8A39EC7-E728-43C6-8646-720616CB2D73}"/>
+    <pc:docChg chg="modSld">
+      <pc:chgData name="Liu, Youzhong [JANBE]" userId="2d0f794a-fd2a-4e4a-9685-8efd566e499f" providerId="ADAL" clId="{D8A39EC7-E728-43C6-8646-720616CB2D73}" dt="2020-07-23T17:04:27.042" v="67" actId="20577"/>
+      <pc:docMkLst>
+        <pc:docMk/>
+      </pc:docMkLst>
+      <pc:sldChg chg="modSp">
+        <pc:chgData name="Liu, Youzhong [JANBE]" userId="2d0f794a-fd2a-4e4a-9685-8efd566e499f" providerId="ADAL" clId="{D8A39EC7-E728-43C6-8646-720616CB2D73}" dt="2020-07-23T17:04:27.042" v="67" actId="20577"/>
+        <pc:sldMkLst>
+          <pc:docMk/>
+          <pc:sldMk cId="2668161777" sldId="270"/>
+        </pc:sldMkLst>
+        <pc:graphicFrameChg chg="mod modGraphic">
+          <ac:chgData name="Liu, Youzhong [JANBE]" userId="2d0f794a-fd2a-4e4a-9685-8efd566e499f" providerId="ADAL" clId="{D8A39EC7-E728-43C6-8646-720616CB2D73}" dt="2020-07-23T17:04:27.042" v="67" actId="20577"/>
+          <ac:graphicFrameMkLst>
+            <pc:docMk/>
+            <pc:sldMk cId="2668161777" sldId="270"/>
+            <ac:graphicFrameMk id="4" creationId="{ABEAA127-1C90-4DBB-9260-B26C6B3F5649}"/>
+          </ac:graphicFrameMkLst>
+        </pc:graphicFrameChg>
+      </pc:sldChg>
+    </pc:docChg>
+  </pc:docChgLst>
 </pc:chgInfo>
 </file>
 
@@ -527,7 +528,7 @@
           <a:p>
             <a:fld id="{DB793187-038D-46E7-93F5-6A59D77E4888}" type="datetimeFigureOut">
               <a:rPr lang="en-US" smtClean="0"/>
-              <a:t>8/28/2022</a:t>
+              <a:t>9/5/2022</a:t>
             </a:fld>
             <a:endParaRPr lang="en-US"/>
           </a:p>
@@ -1028,7 +1029,7 @@
           <a:p>
             <a:fld id="{63C097CE-CE30-40FD-8349-F85D75ED7B0A}" type="datetimeFigureOut">
               <a:rPr lang="en-US" smtClean="0"/>
-              <a:t>8/28/2022</a:t>
+              <a:t>9/5/2022</a:t>
             </a:fld>
             <a:endParaRPr lang="en-US"/>
           </a:p>
@@ -1228,7 +1229,7 @@
           <a:p>
             <a:fld id="{63C097CE-CE30-40FD-8349-F85D75ED7B0A}" type="datetimeFigureOut">
               <a:rPr lang="en-US" smtClean="0"/>
-              <a:t>8/28/2022</a:t>
+              <a:t>9/5/2022</a:t>
             </a:fld>
             <a:endParaRPr lang="en-US"/>
           </a:p>
@@ -1438,7 +1439,7 @@
           <a:p>
             <a:fld id="{63C097CE-CE30-40FD-8349-F85D75ED7B0A}" type="datetimeFigureOut">
               <a:rPr lang="en-US" smtClean="0"/>
-              <a:t>8/28/2022</a:t>
+              <a:t>9/5/2022</a:t>
             </a:fld>
             <a:endParaRPr lang="en-US"/>
           </a:p>
@@ -1638,7 +1639,7 @@
           <a:p>
             <a:fld id="{63C097CE-CE30-40FD-8349-F85D75ED7B0A}" type="datetimeFigureOut">
               <a:rPr lang="en-US" smtClean="0"/>
-              <a:t>8/28/2022</a:t>
+              <a:t>9/5/2022</a:t>
             </a:fld>
             <a:endParaRPr lang="en-US"/>
           </a:p>
@@ -1914,7 +1915,7 @@
           <a:p>
             <a:fld id="{63C097CE-CE30-40FD-8349-F85D75ED7B0A}" type="datetimeFigureOut">
               <a:rPr lang="en-US" smtClean="0"/>
-              <a:t>8/28/2022</a:t>
+              <a:t>9/5/2022</a:t>
             </a:fld>
             <a:endParaRPr lang="en-US"/>
           </a:p>
@@ -2182,7 +2183,7 @@
           <a:p>
             <a:fld id="{63C097CE-CE30-40FD-8349-F85D75ED7B0A}" type="datetimeFigureOut">
               <a:rPr lang="en-US" smtClean="0"/>
-              <a:t>8/28/2022</a:t>
+              <a:t>9/5/2022</a:t>
             </a:fld>
             <a:endParaRPr lang="en-US"/>
           </a:p>
@@ -2597,7 +2598,7 @@
           <a:p>
             <a:fld id="{63C097CE-CE30-40FD-8349-F85D75ED7B0A}" type="datetimeFigureOut">
               <a:rPr lang="en-US" smtClean="0"/>
-              <a:t>8/28/2022</a:t>
+              <a:t>9/5/2022</a:t>
             </a:fld>
             <a:endParaRPr lang="en-US"/>
           </a:p>
@@ -2739,7 +2740,7 @@
           <a:p>
             <a:fld id="{63C097CE-CE30-40FD-8349-F85D75ED7B0A}" type="datetimeFigureOut">
               <a:rPr lang="en-US" smtClean="0"/>
-              <a:t>8/28/2022</a:t>
+              <a:t>9/5/2022</a:t>
             </a:fld>
             <a:endParaRPr lang="en-US"/>
           </a:p>
@@ -2852,7 +2853,7 @@
           <a:p>
             <a:fld id="{63C097CE-CE30-40FD-8349-F85D75ED7B0A}" type="datetimeFigureOut">
               <a:rPr lang="en-US" smtClean="0"/>
-              <a:t>8/28/2022</a:t>
+              <a:t>9/5/2022</a:t>
             </a:fld>
             <a:endParaRPr lang="en-US"/>
           </a:p>
@@ -3165,7 +3166,7 @@
           <a:p>
             <a:fld id="{63C097CE-CE30-40FD-8349-F85D75ED7B0A}" type="datetimeFigureOut">
               <a:rPr lang="en-US" smtClean="0"/>
-              <a:t>8/28/2022</a:t>
+              <a:t>9/5/2022</a:t>
             </a:fld>
             <a:endParaRPr lang="en-US"/>
           </a:p>
@@ -3454,7 +3455,7 @@
           <a:p>
             <a:fld id="{63C097CE-CE30-40FD-8349-F85D75ED7B0A}" type="datetimeFigureOut">
               <a:rPr lang="en-US" smtClean="0"/>
-              <a:t>8/28/2022</a:t>
+              <a:t>9/5/2022</a:t>
             </a:fld>
             <a:endParaRPr lang="en-US"/>
           </a:p>
@@ -3697,7 +3698,7 @@
           <a:p>
             <a:fld id="{63C097CE-CE30-40FD-8349-F85D75ED7B0A}" type="datetimeFigureOut">
               <a:rPr lang="en-US" smtClean="0"/>
-              <a:t>8/28/2022</a:t>
+              <a:t>9/5/2022</a:t>
             </a:fld>
             <a:endParaRPr lang="en-US"/>
           </a:p>
@@ -4996,6 +4997,886 @@
 </p:sld>
 </file>
 
+<file path=ppt/slides/slide11.xml><?xml version="1.0" encoding="utf-8"?>
+<p:sld xmlns:a="http://schemas.openxmlformats.org/drawingml/2006/main" xmlns:r="http://schemas.openxmlformats.org/officeDocument/2006/relationships" xmlns:p="http://schemas.openxmlformats.org/presentationml/2006/main">
+  <p:cSld>
+    <p:spTree>
+      <p:nvGrpSpPr>
+        <p:cNvPr id="1" name=""/>
+        <p:cNvGrpSpPr/>
+        <p:nvPr/>
+      </p:nvGrpSpPr>
+      <p:grpSpPr>
+        <a:xfrm>
+          <a:off x="0" y="0"/>
+          <a:ext cx="0" cy="0"/>
+          <a:chOff x="0" y="0"/>
+          <a:chExt cx="0" cy="0"/>
+        </a:xfrm>
+      </p:grpSpPr>
+      <p:sp>
+        <p:nvSpPr>
+          <p:cNvPr id="33" name="Rectangle 32">
+            <a:extLst>
+              <a:ext uri="{FF2B5EF4-FFF2-40B4-BE49-F238E27FC236}">
+                <a16:creationId xmlns:a16="http://schemas.microsoft.com/office/drawing/2014/main" id="{512CB395-EA39-4DC8-B7CC-55AD83BD0125}"/>
+              </a:ext>
+            </a:extLst>
+          </p:cNvPr>
+          <p:cNvSpPr/>
+          <p:nvPr/>
+        </p:nvSpPr>
+        <p:spPr>
+          <a:xfrm>
+            <a:off x="839202" y="1100066"/>
+            <a:ext cx="9346018" cy="3846732"/>
+          </a:xfrm>
+          <a:prstGeom prst="rect">
+            <a:avLst/>
+          </a:prstGeom>
+          <a:solidFill>
+            <a:schemeClr val="bg1"/>
+          </a:solidFill>
+          <a:ln>
+            <a:solidFill>
+              <a:schemeClr val="bg1"/>
+            </a:solidFill>
+          </a:ln>
+        </p:spPr>
+        <p:style>
+          <a:lnRef idx="2">
+            <a:schemeClr val="accent1">
+              <a:shade val="50000"/>
+            </a:schemeClr>
+          </a:lnRef>
+          <a:fillRef idx="1">
+            <a:schemeClr val="accent1"/>
+          </a:fillRef>
+          <a:effectRef idx="0">
+            <a:schemeClr val="accent1"/>
+          </a:effectRef>
+          <a:fontRef idx="minor">
+            <a:schemeClr val="lt1"/>
+          </a:fontRef>
+        </p:style>
+        <p:txBody>
+          <a:bodyPr rtlCol="0" anchor="ctr"/>
+          <a:lstStyle/>
+          <a:p>
+            <a:pPr algn="ctr"/>
+            <a:endParaRPr lang="en-US"/>
+          </a:p>
+        </p:txBody>
+      </p:sp>
+      <p:pic>
+        <p:nvPicPr>
+          <p:cNvPr id="5" name="Picture 4">
+            <a:extLst>
+              <a:ext uri="{FF2B5EF4-FFF2-40B4-BE49-F238E27FC236}">
+                <a16:creationId xmlns:a16="http://schemas.microsoft.com/office/drawing/2014/main" id="{1E0FC18A-4446-4836-928C-7994D304CC15}"/>
+              </a:ext>
+            </a:extLst>
+          </p:cNvPr>
+          <p:cNvPicPr>
+            <a:picLocks noChangeAspect="1"/>
+          </p:cNvPicPr>
+          <p:nvPr/>
+        </p:nvPicPr>
+        <p:blipFill rotWithShape="1">
+          <a:blip r:embed="rId2"/>
+          <a:srcRect t="914" r="1564"/>
+          <a:stretch/>
+        </p:blipFill>
+        <p:spPr>
+          <a:xfrm>
+            <a:off x="1017181" y="2371946"/>
+            <a:ext cx="8700977" cy="2114107"/>
+          </a:xfrm>
+          <a:prstGeom prst="rect">
+            <a:avLst/>
+          </a:prstGeom>
+        </p:spPr>
+      </p:pic>
+      <p:sp>
+        <p:nvSpPr>
+          <p:cNvPr id="7" name="Rectangle: Rounded Corners 6">
+            <a:extLst>
+              <a:ext uri="{FF2B5EF4-FFF2-40B4-BE49-F238E27FC236}">
+                <a16:creationId xmlns:a16="http://schemas.microsoft.com/office/drawing/2014/main" id="{6643CF50-8B3C-4631-8B25-359A38B543EE}"/>
+              </a:ext>
+            </a:extLst>
+          </p:cNvPr>
+          <p:cNvSpPr/>
+          <p:nvPr/>
+        </p:nvSpPr>
+        <p:spPr>
+          <a:xfrm>
+            <a:off x="4263656" y="2371946"/>
+            <a:ext cx="1275907" cy="264928"/>
+          </a:xfrm>
+          <a:prstGeom prst="roundRect">
+            <a:avLst/>
+          </a:prstGeom>
+          <a:noFill/>
+          <a:ln w="28575">
+            <a:solidFill>
+              <a:srgbClr val="FF0000"/>
+            </a:solidFill>
+            <a:prstDash val="sysDot"/>
+          </a:ln>
+        </p:spPr>
+        <p:style>
+          <a:lnRef idx="2">
+            <a:schemeClr val="accent1">
+              <a:shade val="50000"/>
+            </a:schemeClr>
+          </a:lnRef>
+          <a:fillRef idx="1">
+            <a:schemeClr val="accent1"/>
+          </a:fillRef>
+          <a:effectRef idx="0">
+            <a:schemeClr val="accent1"/>
+          </a:effectRef>
+          <a:fontRef idx="minor">
+            <a:schemeClr val="lt1"/>
+          </a:fontRef>
+        </p:style>
+        <p:txBody>
+          <a:bodyPr rtlCol="0" anchor="ctr"/>
+          <a:lstStyle/>
+          <a:p>
+            <a:pPr algn="ctr"/>
+            <a:endParaRPr lang="en-US"/>
+          </a:p>
+        </p:txBody>
+      </p:sp>
+      <p:sp>
+        <p:nvSpPr>
+          <p:cNvPr id="8" name="Rectangle: Rounded Corners 7">
+            <a:extLst>
+              <a:ext uri="{FF2B5EF4-FFF2-40B4-BE49-F238E27FC236}">
+                <a16:creationId xmlns:a16="http://schemas.microsoft.com/office/drawing/2014/main" id="{C5135383-F3C7-49B4-9292-564B30578900}"/>
+              </a:ext>
+            </a:extLst>
+          </p:cNvPr>
+          <p:cNvSpPr/>
+          <p:nvPr/>
+        </p:nvSpPr>
+        <p:spPr>
+          <a:xfrm>
+            <a:off x="6074734" y="2375489"/>
+            <a:ext cx="1463040" cy="264928"/>
+          </a:xfrm>
+          <a:prstGeom prst="roundRect">
+            <a:avLst/>
+          </a:prstGeom>
+          <a:noFill/>
+          <a:ln w="28575">
+            <a:solidFill>
+              <a:srgbClr val="FF0000"/>
+            </a:solidFill>
+            <a:prstDash val="sysDot"/>
+          </a:ln>
+        </p:spPr>
+        <p:style>
+          <a:lnRef idx="2">
+            <a:schemeClr val="accent1">
+              <a:shade val="50000"/>
+            </a:schemeClr>
+          </a:lnRef>
+          <a:fillRef idx="1">
+            <a:schemeClr val="accent1"/>
+          </a:fillRef>
+          <a:effectRef idx="0">
+            <a:schemeClr val="accent1"/>
+          </a:effectRef>
+          <a:fontRef idx="minor">
+            <a:schemeClr val="lt1"/>
+          </a:fontRef>
+        </p:style>
+        <p:txBody>
+          <a:bodyPr rtlCol="0" anchor="ctr"/>
+          <a:lstStyle/>
+          <a:p>
+            <a:pPr algn="ctr"/>
+            <a:endParaRPr lang="en-US"/>
+          </a:p>
+        </p:txBody>
+      </p:sp>
+      <p:sp>
+        <p:nvSpPr>
+          <p:cNvPr id="9" name="TextBox 8">
+            <a:extLst>
+              <a:ext uri="{FF2B5EF4-FFF2-40B4-BE49-F238E27FC236}">
+                <a16:creationId xmlns:a16="http://schemas.microsoft.com/office/drawing/2014/main" id="{29A66DC4-42A8-47DC-B7D8-F35B2F9C67A0}"/>
+              </a:ext>
+            </a:extLst>
+          </p:cNvPr>
+          <p:cNvSpPr txBox="1"/>
+          <p:nvPr/>
+        </p:nvSpPr>
+        <p:spPr>
+          <a:xfrm>
+            <a:off x="1017181" y="1214366"/>
+            <a:ext cx="4231758" cy="646331"/>
+          </a:xfrm>
+          <a:prstGeom prst="rect">
+            <a:avLst/>
+          </a:prstGeom>
+          <a:noFill/>
+        </p:spPr>
+        <p:txBody>
+          <a:bodyPr wrap="square" rtlCol="0">
+            <a:spAutoFit/>
+          </a:bodyPr>
+          <a:lstStyle/>
+          <a:p>
+            <a:r>
+              <a:rPr lang="en-US" i="1" dirty="0">
+                <a:solidFill>
+                  <a:srgbClr val="FF0000"/>
+                </a:solidFill>
+              </a:rPr>
+              <a:t>No MS1 scan was extracted since the goal is library search and MS2-based networking</a:t>
+            </a:r>
+          </a:p>
+        </p:txBody>
+      </p:sp>
+      <p:cxnSp>
+        <p:nvCxnSpPr>
+          <p:cNvPr id="11" name="Straight Arrow Connector 10">
+            <a:extLst>
+              <a:ext uri="{FF2B5EF4-FFF2-40B4-BE49-F238E27FC236}">
+                <a16:creationId xmlns:a16="http://schemas.microsoft.com/office/drawing/2014/main" id="{963F37A3-8966-429B-AA90-AB3CCC9C5D95}"/>
+              </a:ext>
+            </a:extLst>
+          </p:cNvPr>
+          <p:cNvCxnSpPr>
+            <a:cxnSpLocks/>
+          </p:cNvCxnSpPr>
+          <p:nvPr/>
+        </p:nvCxnSpPr>
+        <p:spPr>
+          <a:xfrm flipH="1" flipV="1">
+            <a:off x="4423144" y="1882748"/>
+            <a:ext cx="382772" cy="467147"/>
+          </a:xfrm>
+          <a:prstGeom prst="straightConnector1">
+            <a:avLst/>
+          </a:prstGeom>
+          <a:ln>
+            <a:solidFill>
+              <a:srgbClr val="FF0000"/>
+            </a:solidFill>
+            <a:tailEnd type="triangle"/>
+          </a:ln>
+        </p:spPr>
+        <p:style>
+          <a:lnRef idx="1">
+            <a:schemeClr val="accent1"/>
+          </a:lnRef>
+          <a:fillRef idx="0">
+            <a:schemeClr val="accent1"/>
+          </a:fillRef>
+          <a:effectRef idx="0">
+            <a:schemeClr val="accent1"/>
+          </a:effectRef>
+          <a:fontRef idx="minor">
+            <a:schemeClr val="tx1"/>
+          </a:fontRef>
+        </p:style>
+      </p:cxnSp>
+      <p:cxnSp>
+        <p:nvCxnSpPr>
+          <p:cNvPr id="13" name="Straight Arrow Connector 12">
+            <a:extLst>
+              <a:ext uri="{FF2B5EF4-FFF2-40B4-BE49-F238E27FC236}">
+                <a16:creationId xmlns:a16="http://schemas.microsoft.com/office/drawing/2014/main" id="{A1389E6B-B406-4555-9328-6642E34B2FA5}"/>
+              </a:ext>
+            </a:extLst>
+          </p:cNvPr>
+          <p:cNvCxnSpPr>
+            <a:cxnSpLocks/>
+          </p:cNvCxnSpPr>
+          <p:nvPr/>
+        </p:nvCxnSpPr>
+        <p:spPr>
+          <a:xfrm flipV="1">
+            <a:off x="6654210" y="1934562"/>
+            <a:ext cx="495830" cy="395297"/>
+          </a:xfrm>
+          <a:prstGeom prst="straightConnector1">
+            <a:avLst/>
+          </a:prstGeom>
+          <a:ln>
+            <a:solidFill>
+              <a:srgbClr val="FF0000"/>
+            </a:solidFill>
+            <a:tailEnd type="triangle"/>
+          </a:ln>
+        </p:spPr>
+        <p:style>
+          <a:lnRef idx="1">
+            <a:schemeClr val="accent1"/>
+          </a:lnRef>
+          <a:fillRef idx="0">
+            <a:schemeClr val="accent1"/>
+          </a:fillRef>
+          <a:effectRef idx="0">
+            <a:schemeClr val="accent1"/>
+          </a:effectRef>
+          <a:fontRef idx="minor">
+            <a:schemeClr val="tx1"/>
+          </a:fontRef>
+        </p:style>
+      </p:cxnSp>
+      <p:sp>
+        <p:nvSpPr>
+          <p:cNvPr id="14" name="Rectangle: Rounded Corners 13">
+            <a:extLst>
+              <a:ext uri="{FF2B5EF4-FFF2-40B4-BE49-F238E27FC236}">
+                <a16:creationId xmlns:a16="http://schemas.microsoft.com/office/drawing/2014/main" id="{98DD5667-1673-4865-83C3-DCA193DC4438}"/>
+              </a:ext>
+            </a:extLst>
+          </p:cNvPr>
+          <p:cNvSpPr/>
+          <p:nvPr/>
+        </p:nvSpPr>
+        <p:spPr>
+          <a:xfrm>
+            <a:off x="6418520" y="3282799"/>
+            <a:ext cx="1463040" cy="264928"/>
+          </a:xfrm>
+          <a:prstGeom prst="roundRect">
+            <a:avLst/>
+          </a:prstGeom>
+          <a:noFill/>
+          <a:ln w="28575">
+            <a:solidFill>
+              <a:srgbClr val="FF0000"/>
+            </a:solidFill>
+            <a:prstDash val="sysDot"/>
+          </a:ln>
+        </p:spPr>
+        <p:style>
+          <a:lnRef idx="2">
+            <a:schemeClr val="accent1">
+              <a:shade val="50000"/>
+            </a:schemeClr>
+          </a:lnRef>
+          <a:fillRef idx="1">
+            <a:schemeClr val="accent1"/>
+          </a:fillRef>
+          <a:effectRef idx="0">
+            <a:schemeClr val="accent1"/>
+          </a:effectRef>
+          <a:fontRef idx="minor">
+            <a:schemeClr val="lt1"/>
+          </a:fontRef>
+        </p:style>
+        <p:txBody>
+          <a:bodyPr rtlCol="0" anchor="ctr"/>
+          <a:lstStyle/>
+          <a:p>
+            <a:pPr algn="ctr"/>
+            <a:endParaRPr lang="en-US"/>
+          </a:p>
+        </p:txBody>
+      </p:sp>
+      <p:sp>
+        <p:nvSpPr>
+          <p:cNvPr id="15" name="Rectangle: Rounded Corners 14">
+            <a:extLst>
+              <a:ext uri="{FF2B5EF4-FFF2-40B4-BE49-F238E27FC236}">
+                <a16:creationId xmlns:a16="http://schemas.microsoft.com/office/drawing/2014/main" id="{BF11311E-568C-4C3C-AEC5-0E5DEA2A67BB}"/>
+              </a:ext>
+            </a:extLst>
+          </p:cNvPr>
+          <p:cNvSpPr/>
+          <p:nvPr/>
+        </p:nvSpPr>
+        <p:spPr>
+          <a:xfrm>
+            <a:off x="8250866" y="3275709"/>
+            <a:ext cx="1463040" cy="264928"/>
+          </a:xfrm>
+          <a:prstGeom prst="roundRect">
+            <a:avLst/>
+          </a:prstGeom>
+          <a:noFill/>
+          <a:ln w="28575">
+            <a:solidFill>
+              <a:srgbClr val="FF0000"/>
+            </a:solidFill>
+            <a:prstDash val="sysDot"/>
+          </a:ln>
+        </p:spPr>
+        <p:style>
+          <a:lnRef idx="2">
+            <a:schemeClr val="accent1">
+              <a:shade val="50000"/>
+            </a:schemeClr>
+          </a:lnRef>
+          <a:fillRef idx="1">
+            <a:schemeClr val="accent1"/>
+          </a:fillRef>
+          <a:effectRef idx="0">
+            <a:schemeClr val="accent1"/>
+          </a:effectRef>
+          <a:fontRef idx="minor">
+            <a:schemeClr val="lt1"/>
+          </a:fontRef>
+        </p:style>
+        <p:txBody>
+          <a:bodyPr rtlCol="0" anchor="ctr"/>
+          <a:lstStyle/>
+          <a:p>
+            <a:pPr algn="ctr"/>
+            <a:endParaRPr lang="en-US"/>
+          </a:p>
+        </p:txBody>
+      </p:sp>
+      <p:cxnSp>
+        <p:nvCxnSpPr>
+          <p:cNvPr id="17" name="Straight Connector 16">
+            <a:extLst>
+              <a:ext uri="{FF2B5EF4-FFF2-40B4-BE49-F238E27FC236}">
+                <a16:creationId xmlns:a16="http://schemas.microsoft.com/office/drawing/2014/main" id="{0B70EA53-F8DA-4F05-89EB-5558CAFA405F}"/>
+              </a:ext>
+            </a:extLst>
+          </p:cNvPr>
+          <p:cNvCxnSpPr/>
+          <p:nvPr/>
+        </p:nvCxnSpPr>
+        <p:spPr>
+          <a:xfrm>
+            <a:off x="1562986" y="3540637"/>
+            <a:ext cx="1860698" cy="0"/>
+          </a:xfrm>
+          <a:prstGeom prst="line">
+            <a:avLst/>
+          </a:prstGeom>
+          <a:ln w="19050">
+            <a:solidFill>
+              <a:srgbClr val="FF0000"/>
+            </a:solidFill>
+          </a:ln>
+        </p:spPr>
+        <p:style>
+          <a:lnRef idx="1">
+            <a:schemeClr val="accent1"/>
+          </a:lnRef>
+          <a:fillRef idx="0">
+            <a:schemeClr val="accent1"/>
+          </a:fillRef>
+          <a:effectRef idx="0">
+            <a:schemeClr val="accent1"/>
+          </a:effectRef>
+          <a:fontRef idx="minor">
+            <a:schemeClr val="tx1"/>
+          </a:fontRef>
+        </p:style>
+      </p:cxnSp>
+      <p:cxnSp>
+        <p:nvCxnSpPr>
+          <p:cNvPr id="18" name="Straight Connector 17">
+            <a:extLst>
+              <a:ext uri="{FF2B5EF4-FFF2-40B4-BE49-F238E27FC236}">
+                <a16:creationId xmlns:a16="http://schemas.microsoft.com/office/drawing/2014/main" id="{499E13F8-2058-480D-A7C8-AF6F59E1C0D6}"/>
+              </a:ext>
+            </a:extLst>
+          </p:cNvPr>
+          <p:cNvCxnSpPr/>
+          <p:nvPr/>
+        </p:nvCxnSpPr>
+        <p:spPr>
+          <a:xfrm>
+            <a:off x="1396408" y="2619148"/>
+            <a:ext cx="1860698" cy="0"/>
+          </a:xfrm>
+          <a:prstGeom prst="line">
+            <a:avLst/>
+          </a:prstGeom>
+          <a:ln w="19050">
+            <a:solidFill>
+              <a:srgbClr val="FF0000"/>
+            </a:solidFill>
+          </a:ln>
+        </p:spPr>
+        <p:style>
+          <a:lnRef idx="1">
+            <a:schemeClr val="accent1"/>
+          </a:lnRef>
+          <a:fillRef idx="0">
+            <a:schemeClr val="accent1"/>
+          </a:fillRef>
+          <a:effectRef idx="0">
+            <a:schemeClr val="accent1"/>
+          </a:effectRef>
+          <a:fontRef idx="minor">
+            <a:schemeClr val="tx1"/>
+          </a:fontRef>
+        </p:style>
+      </p:cxnSp>
+      <p:sp>
+        <p:nvSpPr>
+          <p:cNvPr id="20" name="TextBox 19">
+            <a:extLst>
+              <a:ext uri="{FF2B5EF4-FFF2-40B4-BE49-F238E27FC236}">
+                <a16:creationId xmlns:a16="http://schemas.microsoft.com/office/drawing/2014/main" id="{4A101894-4EF9-4996-9CFC-81B17859F7B3}"/>
+              </a:ext>
+            </a:extLst>
+          </p:cNvPr>
+          <p:cNvSpPr txBox="1"/>
+          <p:nvPr/>
+        </p:nvSpPr>
+        <p:spPr>
+          <a:xfrm>
+            <a:off x="5669988" y="1214366"/>
+            <a:ext cx="4231758" cy="646331"/>
+          </a:xfrm>
+          <a:prstGeom prst="rect">
+            <a:avLst/>
+          </a:prstGeom>
+          <a:noFill/>
+        </p:spPr>
+        <p:txBody>
+          <a:bodyPr wrap="square" rtlCol="0">
+            <a:spAutoFit/>
+          </a:bodyPr>
+          <a:lstStyle/>
+          <a:p>
+            <a:pPr algn="ctr"/>
+            <a:r>
+              <a:rPr lang="en-US" i="1" dirty="0">
+                <a:solidFill>
+                  <a:srgbClr val="FF0000"/>
+                </a:solidFill>
+              </a:rPr>
+              <a:t>Total number of MS2 scans. Each feature was fragmented in multiple files </a:t>
+            </a:r>
+          </a:p>
+        </p:txBody>
+      </p:sp>
+      <p:sp>
+        <p:nvSpPr>
+          <p:cNvPr id="21" name="Rectangle: Rounded Corners 20">
+            <a:extLst>
+              <a:ext uri="{FF2B5EF4-FFF2-40B4-BE49-F238E27FC236}">
+                <a16:creationId xmlns:a16="http://schemas.microsoft.com/office/drawing/2014/main" id="{D9F339F2-D0EF-4F6A-83DA-4FC1DD800A04}"/>
+              </a:ext>
+            </a:extLst>
+          </p:cNvPr>
+          <p:cNvSpPr/>
+          <p:nvPr/>
+        </p:nvSpPr>
+        <p:spPr>
+          <a:xfrm>
+            <a:off x="7892193" y="2381009"/>
+            <a:ext cx="1463040" cy="264928"/>
+          </a:xfrm>
+          <a:prstGeom prst="roundRect">
+            <a:avLst/>
+          </a:prstGeom>
+          <a:noFill/>
+          <a:ln w="28575">
+            <a:solidFill>
+              <a:srgbClr val="FF0000"/>
+            </a:solidFill>
+            <a:prstDash val="sysDot"/>
+          </a:ln>
+        </p:spPr>
+        <p:style>
+          <a:lnRef idx="2">
+            <a:schemeClr val="accent1">
+              <a:shade val="50000"/>
+            </a:schemeClr>
+          </a:lnRef>
+          <a:fillRef idx="1">
+            <a:schemeClr val="accent1"/>
+          </a:fillRef>
+          <a:effectRef idx="0">
+            <a:schemeClr val="accent1"/>
+          </a:effectRef>
+          <a:fontRef idx="minor">
+            <a:schemeClr val="lt1"/>
+          </a:fontRef>
+        </p:style>
+        <p:txBody>
+          <a:bodyPr rtlCol="0" anchor="ctr"/>
+          <a:lstStyle/>
+          <a:p>
+            <a:pPr algn="ctr"/>
+            <a:endParaRPr lang="en-US"/>
+          </a:p>
+        </p:txBody>
+      </p:sp>
+      <p:cxnSp>
+        <p:nvCxnSpPr>
+          <p:cNvPr id="23" name="Straight Arrow Connector 22">
+            <a:extLst>
+              <a:ext uri="{FF2B5EF4-FFF2-40B4-BE49-F238E27FC236}">
+                <a16:creationId xmlns:a16="http://schemas.microsoft.com/office/drawing/2014/main" id="{D257000B-925A-4A61-BD53-1750CD0A2484}"/>
+              </a:ext>
+            </a:extLst>
+          </p:cNvPr>
+          <p:cNvCxnSpPr>
+            <a:cxnSpLocks/>
+          </p:cNvCxnSpPr>
+          <p:nvPr/>
+        </p:nvCxnSpPr>
+        <p:spPr>
+          <a:xfrm flipH="1" flipV="1">
+            <a:off x="8072945" y="1947473"/>
+            <a:ext cx="553602" cy="452319"/>
+          </a:xfrm>
+          <a:prstGeom prst="straightConnector1">
+            <a:avLst/>
+          </a:prstGeom>
+          <a:ln>
+            <a:solidFill>
+              <a:srgbClr val="FF0000"/>
+            </a:solidFill>
+            <a:tailEnd type="triangle"/>
+          </a:ln>
+        </p:spPr>
+        <p:style>
+          <a:lnRef idx="1">
+            <a:schemeClr val="accent1"/>
+          </a:lnRef>
+          <a:fillRef idx="0">
+            <a:schemeClr val="accent1"/>
+          </a:fillRef>
+          <a:effectRef idx="0">
+            <a:schemeClr val="accent1"/>
+          </a:effectRef>
+          <a:fontRef idx="minor">
+            <a:schemeClr val="tx1"/>
+          </a:fontRef>
+        </p:style>
+      </p:cxnSp>
+      <p:cxnSp>
+        <p:nvCxnSpPr>
+          <p:cNvPr id="26" name="Straight Arrow Connector 25">
+            <a:extLst>
+              <a:ext uri="{FF2B5EF4-FFF2-40B4-BE49-F238E27FC236}">
+                <a16:creationId xmlns:a16="http://schemas.microsoft.com/office/drawing/2014/main" id="{553110B6-6147-4D87-BF1E-772B15049DA6}"/>
+              </a:ext>
+            </a:extLst>
+          </p:cNvPr>
+          <p:cNvCxnSpPr>
+            <a:cxnSpLocks/>
+          </p:cNvCxnSpPr>
+          <p:nvPr/>
+        </p:nvCxnSpPr>
+        <p:spPr>
+          <a:xfrm>
+            <a:off x="7124878" y="3563234"/>
+            <a:ext cx="495830" cy="416965"/>
+          </a:xfrm>
+          <a:prstGeom prst="straightConnector1">
+            <a:avLst/>
+          </a:prstGeom>
+          <a:ln>
+            <a:solidFill>
+              <a:srgbClr val="FF0000"/>
+            </a:solidFill>
+            <a:tailEnd type="triangle"/>
+          </a:ln>
+        </p:spPr>
+        <p:style>
+          <a:lnRef idx="1">
+            <a:schemeClr val="accent1"/>
+          </a:lnRef>
+          <a:fillRef idx="0">
+            <a:schemeClr val="accent1"/>
+          </a:fillRef>
+          <a:effectRef idx="0">
+            <a:schemeClr val="accent1"/>
+          </a:effectRef>
+          <a:fontRef idx="minor">
+            <a:schemeClr val="tx1"/>
+          </a:fontRef>
+        </p:style>
+      </p:cxnSp>
+      <p:sp>
+        <p:nvSpPr>
+          <p:cNvPr id="27" name="TextBox 26">
+            <a:extLst>
+              <a:ext uri="{FF2B5EF4-FFF2-40B4-BE49-F238E27FC236}">
+                <a16:creationId xmlns:a16="http://schemas.microsoft.com/office/drawing/2014/main" id="{D6692C68-7651-44D5-A2EE-00E9B640E962}"/>
+              </a:ext>
+            </a:extLst>
+          </p:cNvPr>
+          <p:cNvSpPr txBox="1"/>
+          <p:nvPr/>
+        </p:nvSpPr>
+        <p:spPr>
+          <a:xfrm>
+            <a:off x="6906493" y="3965110"/>
+            <a:ext cx="3278727" cy="646331"/>
+          </a:xfrm>
+          <a:prstGeom prst="rect">
+            <a:avLst/>
+          </a:prstGeom>
+          <a:noFill/>
+        </p:spPr>
+        <p:txBody>
+          <a:bodyPr wrap="square" rtlCol="0">
+            <a:spAutoFit/>
+          </a:bodyPr>
+          <a:lstStyle/>
+          <a:p>
+            <a:pPr algn="ctr"/>
+            <a:r>
+              <a:rPr lang="en-US" i="1" dirty="0">
+                <a:solidFill>
+                  <a:srgbClr val="FF0000"/>
+                </a:solidFill>
+              </a:rPr>
+              <a:t>A unique consensus scan was generated for each input feature  </a:t>
+            </a:r>
+          </a:p>
+        </p:txBody>
+      </p:sp>
+      <p:cxnSp>
+        <p:nvCxnSpPr>
+          <p:cNvPr id="28" name="Straight Arrow Connector 27">
+            <a:extLst>
+              <a:ext uri="{FF2B5EF4-FFF2-40B4-BE49-F238E27FC236}">
+                <a16:creationId xmlns:a16="http://schemas.microsoft.com/office/drawing/2014/main" id="{EE62DDD6-FB2B-417E-87D3-637656973F2D}"/>
+              </a:ext>
+            </a:extLst>
+          </p:cNvPr>
+          <p:cNvCxnSpPr>
+            <a:cxnSpLocks/>
+          </p:cNvCxnSpPr>
+          <p:nvPr/>
+        </p:nvCxnSpPr>
+        <p:spPr>
+          <a:xfrm flipH="1">
+            <a:off x="8729330" y="3536248"/>
+            <a:ext cx="216904" cy="428862"/>
+          </a:xfrm>
+          <a:prstGeom prst="straightConnector1">
+            <a:avLst/>
+          </a:prstGeom>
+          <a:ln>
+            <a:solidFill>
+              <a:srgbClr val="FF0000"/>
+            </a:solidFill>
+            <a:tailEnd type="triangle"/>
+          </a:ln>
+        </p:spPr>
+        <p:style>
+          <a:lnRef idx="1">
+            <a:schemeClr val="accent1"/>
+          </a:lnRef>
+          <a:fillRef idx="0">
+            <a:schemeClr val="accent1"/>
+          </a:fillRef>
+          <a:effectRef idx="0">
+            <a:schemeClr val="accent1"/>
+          </a:effectRef>
+          <a:fontRef idx="minor">
+            <a:schemeClr val="tx1"/>
+          </a:fontRef>
+        </p:style>
+      </p:cxnSp>
+      <p:cxnSp>
+        <p:nvCxnSpPr>
+          <p:cNvPr id="31" name="Straight Connector 30">
+            <a:extLst>
+              <a:ext uri="{FF2B5EF4-FFF2-40B4-BE49-F238E27FC236}">
+                <a16:creationId xmlns:a16="http://schemas.microsoft.com/office/drawing/2014/main" id="{06CCBFFF-02DF-4493-B1DA-65AA10FA1089}"/>
+              </a:ext>
+            </a:extLst>
+          </p:cNvPr>
+          <p:cNvCxnSpPr/>
+          <p:nvPr/>
+        </p:nvCxnSpPr>
+        <p:spPr>
+          <a:xfrm>
+            <a:off x="1562986" y="4499091"/>
+            <a:ext cx="1860698" cy="0"/>
+          </a:xfrm>
+          <a:prstGeom prst="line">
+            <a:avLst/>
+          </a:prstGeom>
+          <a:ln w="19050">
+            <a:solidFill>
+              <a:srgbClr val="FF0000"/>
+            </a:solidFill>
+          </a:ln>
+        </p:spPr>
+        <p:style>
+          <a:lnRef idx="1">
+            <a:schemeClr val="accent1"/>
+          </a:lnRef>
+          <a:fillRef idx="0">
+            <a:schemeClr val="accent1"/>
+          </a:fillRef>
+          <a:effectRef idx="0">
+            <a:schemeClr val="accent1"/>
+          </a:effectRef>
+          <a:fontRef idx="minor">
+            <a:schemeClr val="tx1"/>
+          </a:fontRef>
+        </p:style>
+      </p:cxnSp>
+      <p:sp>
+        <p:nvSpPr>
+          <p:cNvPr id="32" name="TextBox 31">
+            <a:extLst>
+              <a:ext uri="{FF2B5EF4-FFF2-40B4-BE49-F238E27FC236}">
+                <a16:creationId xmlns:a16="http://schemas.microsoft.com/office/drawing/2014/main" id="{820A4995-F17F-4718-9E99-C81457829BA0}"/>
+              </a:ext>
+            </a:extLst>
+          </p:cNvPr>
+          <p:cNvSpPr txBox="1"/>
+          <p:nvPr/>
+        </p:nvSpPr>
+        <p:spPr>
+          <a:xfrm>
+            <a:off x="1376352" y="4499091"/>
+            <a:ext cx="2233965" cy="369332"/>
+          </a:xfrm>
+          <a:prstGeom prst="rect">
+            <a:avLst/>
+          </a:prstGeom>
+          <a:noFill/>
+        </p:spPr>
+        <p:txBody>
+          <a:bodyPr wrap="square" rtlCol="0">
+            <a:spAutoFit/>
+          </a:bodyPr>
+          <a:lstStyle/>
+          <a:p>
+            <a:pPr algn="ctr"/>
+            <a:r>
+              <a:rPr lang="en-US" i="1" dirty="0">
+                <a:solidFill>
+                  <a:srgbClr val="FF0000"/>
+                </a:solidFill>
+              </a:rPr>
+              <a:t>Not yet generated</a:t>
+            </a:r>
+          </a:p>
+        </p:txBody>
+      </p:sp>
+    </p:spTree>
+    <p:extLst>
+      <p:ext uri="{BB962C8B-B14F-4D97-AF65-F5344CB8AC3E}">
+        <p14:creationId xmlns:p14="http://schemas.microsoft.com/office/powerpoint/2010/main" val="3652509113"/>
+      </p:ext>
+    </p:extLst>
+  </p:cSld>
+  <p:clrMapOvr>
+    <a:masterClrMapping/>
+  </p:clrMapOvr>
+</p:sld>
+</file>
+
 <file path=ppt/slides/slide2.xml><?xml version="1.0" encoding="utf-8"?>
 <p:sld xmlns:a="http://schemas.openxmlformats.org/drawingml/2006/main" xmlns:r="http://schemas.openxmlformats.org/officeDocument/2006/relationships" xmlns:p="http://schemas.openxmlformats.org/presentationml/2006/main">
   <p:cSld>

--- a/inst/Preparation.pptx
+++ b/inst/Preparation.pptx
@@ -5,7 +5,7 @@
     <p:sldMasterId id="2147483648" r:id="rId1"/>
   </p:sldMasterIdLst>
   <p:notesMasterIdLst>
-    <p:notesMasterId r:id="rId13"/>
+    <p:notesMasterId r:id="rId14"/>
   </p:notesMasterIdLst>
   <p:sldIdLst>
     <p:sldId id="270" r:id="rId2"/>
@@ -19,6 +19,7 @@
     <p:sldId id="268" r:id="rId10"/>
     <p:sldId id="269" r:id="rId11"/>
     <p:sldId id="272" r:id="rId12"/>
+    <p:sldId id="273" r:id="rId13"/>
   </p:sldIdLst>
   <p:sldSz cx="12192000" cy="6858000"/>
   <p:notesSz cx="6858000" cy="9144000"/>
@@ -128,9 +129,101 @@
 <file path=ppt/changesInfos/changesInfo1.xml><?xml version="1.0" encoding="utf-8"?>
 <pc:chgInfo xmlns:a="http://schemas.openxmlformats.org/drawingml/2006/main" xmlns:r="http://schemas.openxmlformats.org/officeDocument/2006/relationships" xmlns:ac="http://schemas.microsoft.com/office/drawing/2013/main/command" xmlns:pc="http://schemas.microsoft.com/office/powerpoint/2013/main/command">
   <pc:docChgLst>
+    <pc:chgData name="Liu, Youzhong [JANBE]" userId="2d0f794a-fd2a-4e4a-9685-8efd566e499f" providerId="ADAL" clId="{D8A39EC7-E728-43C6-8646-720616CB2D73}"/>
+    <pc:docChg chg="modSld">
+      <pc:chgData name="Liu, Youzhong [JANBE]" userId="2d0f794a-fd2a-4e4a-9685-8efd566e499f" providerId="ADAL" clId="{D8A39EC7-E728-43C6-8646-720616CB2D73}" dt="2020-07-23T17:04:27.042" v="67" actId="20577"/>
+      <pc:docMkLst>
+        <pc:docMk/>
+      </pc:docMkLst>
+      <pc:sldChg chg="modSp">
+        <pc:chgData name="Liu, Youzhong [JANBE]" userId="2d0f794a-fd2a-4e4a-9685-8efd566e499f" providerId="ADAL" clId="{D8A39EC7-E728-43C6-8646-720616CB2D73}" dt="2020-07-23T17:04:27.042" v="67" actId="20577"/>
+        <pc:sldMkLst>
+          <pc:docMk/>
+          <pc:sldMk cId="2668161777" sldId="270"/>
+        </pc:sldMkLst>
+        <pc:graphicFrameChg chg="mod modGraphic">
+          <ac:chgData name="Liu, Youzhong [JANBE]" userId="2d0f794a-fd2a-4e4a-9685-8efd566e499f" providerId="ADAL" clId="{D8A39EC7-E728-43C6-8646-720616CB2D73}" dt="2020-07-23T17:04:27.042" v="67" actId="20577"/>
+          <ac:graphicFrameMkLst>
+            <pc:docMk/>
+            <pc:sldMk cId="2668161777" sldId="270"/>
+            <ac:graphicFrameMk id="4" creationId="{ABEAA127-1C90-4DBB-9260-B26C6B3F5649}"/>
+          </ac:graphicFrameMkLst>
+        </pc:graphicFrameChg>
+      </pc:sldChg>
+    </pc:docChg>
+  </pc:docChgLst>
+  <pc:docChgLst>
+    <pc:chgData name="Liu, Youzhong [JANBE]" userId="2d0f794a-fd2a-4e4a-9685-8efd566e499f" providerId="ADAL" clId="{D1EE8339-1FB3-4B25-9618-3EC57C51B59F}"/>
+    <pc:docChg chg="undo custSel addSld delSld modSld">
+      <pc:chgData name="Liu, Youzhong [JANBE]" userId="2d0f794a-fd2a-4e4a-9685-8efd566e499f" providerId="ADAL" clId="{D1EE8339-1FB3-4B25-9618-3EC57C51B59F}" dt="2020-06-23T17:57:34.138" v="11" actId="1076"/>
+      <pc:docMkLst>
+        <pc:docMk/>
+      </pc:docMkLst>
+      <pc:sldChg chg="add del">
+        <pc:chgData name="Liu, Youzhong [JANBE]" userId="2d0f794a-fd2a-4e4a-9685-8efd566e499f" providerId="ADAL" clId="{D1EE8339-1FB3-4B25-9618-3EC57C51B59F}" dt="2020-06-23T17:45:27.921" v="4" actId="2696"/>
+        <pc:sldMkLst>
+          <pc:docMk/>
+          <pc:sldMk cId="1310916558" sldId="265"/>
+        </pc:sldMkLst>
+      </pc:sldChg>
+      <pc:sldChg chg="add del">
+        <pc:chgData name="Liu, Youzhong [JANBE]" userId="2d0f794a-fd2a-4e4a-9685-8efd566e499f" providerId="ADAL" clId="{D1EE8339-1FB3-4B25-9618-3EC57C51B59F}" dt="2020-06-23T17:45:28.102" v="5" actId="2696"/>
+        <pc:sldMkLst>
+          <pc:docMk/>
+          <pc:sldMk cId="3720127712" sldId="267"/>
+        </pc:sldMkLst>
+      </pc:sldChg>
+      <pc:sldChg chg="add del">
+        <pc:chgData name="Liu, Youzhong [JANBE]" userId="2d0f794a-fd2a-4e4a-9685-8efd566e499f" providerId="ADAL" clId="{D1EE8339-1FB3-4B25-9618-3EC57C51B59F}" dt="2020-06-23T17:45:28.300" v="6" actId="2696"/>
+        <pc:sldMkLst>
+          <pc:docMk/>
+          <pc:sldMk cId="3184723136" sldId="268"/>
+        </pc:sldMkLst>
+      </pc:sldChg>
+      <pc:sldChg chg="add del">
+        <pc:chgData name="Liu, Youzhong [JANBE]" userId="2d0f794a-fd2a-4e4a-9685-8efd566e499f" providerId="ADAL" clId="{D1EE8339-1FB3-4B25-9618-3EC57C51B59F}" dt="2020-06-23T17:45:28.507" v="7" actId="2696"/>
+        <pc:sldMkLst>
+          <pc:docMk/>
+          <pc:sldMk cId="724617817" sldId="269"/>
+        </pc:sldMkLst>
+      </pc:sldChg>
+      <pc:sldChg chg="addSp delSp modSp add">
+        <pc:chgData name="Liu, Youzhong [JANBE]" userId="2d0f794a-fd2a-4e4a-9685-8efd566e499f" providerId="ADAL" clId="{D1EE8339-1FB3-4B25-9618-3EC57C51B59F}" dt="2020-06-23T17:57:34.138" v="11" actId="1076"/>
+        <pc:sldMkLst>
+          <pc:docMk/>
+          <pc:sldMk cId="2668161777" sldId="270"/>
+        </pc:sldMkLst>
+        <pc:spChg chg="del">
+          <ac:chgData name="Liu, Youzhong [JANBE]" userId="2d0f794a-fd2a-4e4a-9685-8efd566e499f" providerId="ADAL" clId="{D1EE8339-1FB3-4B25-9618-3EC57C51B59F}" dt="2020-06-23T17:45:33.059" v="9" actId="478"/>
+          <ac:spMkLst>
+            <pc:docMk/>
+            <pc:sldMk cId="2668161777" sldId="270"/>
+            <ac:spMk id="2" creationId="{03C49E41-C98E-4216-9105-936E57ADB4B4}"/>
+          </ac:spMkLst>
+        </pc:spChg>
+        <pc:spChg chg="del">
+          <ac:chgData name="Liu, Youzhong [JANBE]" userId="2d0f794a-fd2a-4e4a-9685-8efd566e499f" providerId="ADAL" clId="{D1EE8339-1FB3-4B25-9618-3EC57C51B59F}" dt="2020-06-23T17:45:33.059" v="9" actId="478"/>
+          <ac:spMkLst>
+            <pc:docMk/>
+            <pc:sldMk cId="2668161777" sldId="270"/>
+            <ac:spMk id="3" creationId="{E01C0193-8D6B-4DE1-A362-5C8CE720BB6E}"/>
+          </ac:spMkLst>
+        </pc:spChg>
+        <pc:graphicFrameChg chg="add mod">
+          <ac:chgData name="Liu, Youzhong [JANBE]" userId="2d0f794a-fd2a-4e4a-9685-8efd566e499f" providerId="ADAL" clId="{D1EE8339-1FB3-4B25-9618-3EC57C51B59F}" dt="2020-06-23T17:57:34.138" v="11" actId="1076"/>
+          <ac:graphicFrameMkLst>
+            <pc:docMk/>
+            <pc:sldMk cId="2668161777" sldId="270"/>
+            <ac:graphicFrameMk id="4" creationId="{ABEAA127-1C90-4DBB-9260-B26C6B3F5649}"/>
+          </ac:graphicFrameMkLst>
+        </pc:graphicFrameChg>
+      </pc:sldChg>
+    </pc:docChg>
+  </pc:docChgLst>
+  <pc:docChgLst>
     <pc:chgData name="Liu, Youzhong [JANBE]" userId="2d0f794a-fd2a-4e4a-9685-8efd566e499f" providerId="ADAL" clId="{00318541-1CF4-4CB2-A5A1-71AFCDF8FB1B}"/>
     <pc:docChg chg="undo custSel addSld modSld">
-      <pc:chgData name="Liu, Youzhong [JANBE]" userId="2d0f794a-fd2a-4e4a-9685-8efd566e499f" providerId="ADAL" clId="{00318541-1CF4-4CB2-A5A1-71AFCDF8FB1B}" dt="2022-08-28T09:18:40.520" v="753" actId="14100"/>
+      <pc:chgData name="Liu, Youzhong [JANBE]" userId="2d0f794a-fd2a-4e4a-9685-8efd566e499f" providerId="ADAL" clId="{00318541-1CF4-4CB2-A5A1-71AFCDF8FB1B}" dt="2022-09-07T21:00:20.120" v="993" actId="114"/>
       <pc:docMkLst>
         <pc:docMk/>
       </pc:docMkLst>
@@ -325,6 +418,93 @@
           </ac:cxnSpMkLst>
         </pc:cxnChg>
       </pc:sldChg>
+      <pc:sldChg chg="addSp delSp modSp new mod">
+        <pc:chgData name="Liu, Youzhong [JANBE]" userId="2d0f794a-fd2a-4e4a-9685-8efd566e499f" providerId="ADAL" clId="{00318541-1CF4-4CB2-A5A1-71AFCDF8FB1B}" dt="2022-09-07T21:00:20.120" v="993" actId="114"/>
+        <pc:sldMkLst>
+          <pc:docMk/>
+          <pc:sldMk cId="1290971713" sldId="273"/>
+        </pc:sldMkLst>
+        <pc:spChg chg="del">
+          <ac:chgData name="Liu, Youzhong [JANBE]" userId="2d0f794a-fd2a-4e4a-9685-8efd566e499f" providerId="ADAL" clId="{00318541-1CF4-4CB2-A5A1-71AFCDF8FB1B}" dt="2022-09-07T15:13:47.169" v="755" actId="478"/>
+          <ac:spMkLst>
+            <pc:docMk/>
+            <pc:sldMk cId="1290971713" sldId="273"/>
+            <ac:spMk id="2" creationId="{DE3B601B-687A-436E-BE21-537EA6D21DE0}"/>
+          </ac:spMkLst>
+        </pc:spChg>
+        <pc:spChg chg="del">
+          <ac:chgData name="Liu, Youzhong [JANBE]" userId="2d0f794a-fd2a-4e4a-9685-8efd566e499f" providerId="ADAL" clId="{00318541-1CF4-4CB2-A5A1-71AFCDF8FB1B}" dt="2022-09-07T15:13:47.169" v="755" actId="478"/>
+          <ac:spMkLst>
+            <pc:docMk/>
+            <pc:sldMk cId="1290971713" sldId="273"/>
+            <ac:spMk id="3" creationId="{8B21FAB3-7237-4D48-A665-F48DDEB54A45}"/>
+          </ac:spMkLst>
+        </pc:spChg>
+        <pc:spChg chg="add del mod">
+          <ac:chgData name="Liu, Youzhong [JANBE]" userId="2d0f794a-fd2a-4e4a-9685-8efd566e499f" providerId="ADAL" clId="{00318541-1CF4-4CB2-A5A1-71AFCDF8FB1B}" dt="2022-09-07T15:15:01.049" v="771" actId="478"/>
+          <ac:spMkLst>
+            <pc:docMk/>
+            <pc:sldMk cId="1290971713" sldId="273"/>
+            <ac:spMk id="5" creationId="{8238A636-F18A-464B-A8C2-457716D67AF4}"/>
+          </ac:spMkLst>
+        </pc:spChg>
+        <pc:spChg chg="add mod">
+          <ac:chgData name="Liu, Youzhong [JANBE]" userId="2d0f794a-fd2a-4e4a-9685-8efd566e499f" providerId="ADAL" clId="{00318541-1CF4-4CB2-A5A1-71AFCDF8FB1B}" dt="2022-09-07T15:15:53.603" v="779" actId="693"/>
+          <ac:spMkLst>
+            <pc:docMk/>
+            <pc:sldMk cId="1290971713" sldId="273"/>
+            <ac:spMk id="6" creationId="{8842DA94-F614-4B38-BEEB-0F694EE28EDA}"/>
+          </ac:spMkLst>
+        </pc:spChg>
+        <pc:spChg chg="add mod">
+          <ac:chgData name="Liu, Youzhong [JANBE]" userId="2d0f794a-fd2a-4e4a-9685-8efd566e499f" providerId="ADAL" clId="{00318541-1CF4-4CB2-A5A1-71AFCDF8FB1B}" dt="2022-09-07T19:55:41.670" v="905" actId="14100"/>
+          <ac:spMkLst>
+            <pc:docMk/>
+            <pc:sldMk cId="1290971713" sldId="273"/>
+            <ac:spMk id="9" creationId="{01B39DC7-5E5D-4936-95A9-3153C4DAFA46}"/>
+          </ac:spMkLst>
+        </pc:spChg>
+        <pc:spChg chg="add mod">
+          <ac:chgData name="Liu, Youzhong [JANBE]" userId="2d0f794a-fd2a-4e4a-9685-8efd566e499f" providerId="ADAL" clId="{00318541-1CF4-4CB2-A5A1-71AFCDF8FB1B}" dt="2022-09-07T15:22:40.897" v="901" actId="1076"/>
+          <ac:spMkLst>
+            <pc:docMk/>
+            <pc:sldMk cId="1290971713" sldId="273"/>
+            <ac:spMk id="11" creationId="{EC7E237A-01CF-4AE8-ACB9-90A5922D4CF7}"/>
+          </ac:spMkLst>
+        </pc:spChg>
+        <pc:spChg chg="add del mod">
+          <ac:chgData name="Liu, Youzhong [JANBE]" userId="2d0f794a-fd2a-4e4a-9685-8efd566e499f" providerId="ADAL" clId="{00318541-1CF4-4CB2-A5A1-71AFCDF8FB1B}" dt="2022-09-07T21:00:20.120" v="993" actId="114"/>
+          <ac:spMkLst>
+            <pc:docMk/>
+            <pc:sldMk cId="1290971713" sldId="273"/>
+            <ac:spMk id="12" creationId="{0D471297-2C4E-4DBE-AD60-2A34381192BB}"/>
+          </ac:spMkLst>
+        </pc:spChg>
+        <pc:picChg chg="add mod modCrop">
+          <ac:chgData name="Liu, Youzhong [JANBE]" userId="2d0f794a-fd2a-4e4a-9685-8efd566e499f" providerId="ADAL" clId="{00318541-1CF4-4CB2-A5A1-71AFCDF8FB1B}" dt="2022-09-07T15:14:00.025" v="759" actId="1076"/>
+          <ac:picMkLst>
+            <pc:docMk/>
+            <pc:sldMk cId="1290971713" sldId="273"/>
+            <ac:picMk id="4" creationId="{824FB266-0B55-44E5-AD28-2744F8312E90}"/>
+          </ac:picMkLst>
+        </pc:picChg>
+        <pc:cxnChg chg="add mod">
+          <ac:chgData name="Liu, Youzhong [JANBE]" userId="2d0f794a-fd2a-4e4a-9685-8efd566e499f" providerId="ADAL" clId="{00318541-1CF4-4CB2-A5A1-71AFCDF8FB1B}" dt="2022-09-07T15:16:54.210" v="782" actId="1076"/>
+          <ac:cxnSpMkLst>
+            <pc:docMk/>
+            <pc:sldMk cId="1290971713" sldId="273"/>
+            <ac:cxnSpMk id="8" creationId="{252D9011-313A-45D6-B473-018D787E8583}"/>
+          </ac:cxnSpMkLst>
+        </pc:cxnChg>
+        <pc:cxnChg chg="add del mod">
+          <ac:chgData name="Liu, Youzhong [JANBE]" userId="2d0f794a-fd2a-4e4a-9685-8efd566e499f" providerId="ADAL" clId="{00318541-1CF4-4CB2-A5A1-71AFCDF8FB1B}" dt="2022-09-07T19:55:43.380" v="906" actId="478"/>
+          <ac:cxnSpMkLst>
+            <pc:docMk/>
+            <pc:sldMk cId="1290971713" sldId="273"/>
+            <ac:cxnSpMk id="10" creationId="{1E071AA2-7813-4A60-B0F6-AB4EF9519F72}"/>
+          </ac:cxnSpMkLst>
+        </pc:cxnChg>
+      </pc:sldChg>
     </pc:docChg>
   </pc:docChgLst>
   <pc:docChgLst>
@@ -342,98 +522,6 @@
         </pc:sldMkLst>
         <pc:graphicFrameChg chg="modGraphic">
           <ac:chgData name="Liu, Youzhong [JANBE]" userId="2d0f794a-fd2a-4e4a-9685-8efd566e499f" providerId="ADAL" clId="{3EC71F49-CC0E-477B-A4D6-709D7114ECCA}" dt="2020-08-20T09:32:58.768" v="8" actId="20577"/>
-          <ac:graphicFrameMkLst>
-            <pc:docMk/>
-            <pc:sldMk cId="2668161777" sldId="270"/>
-            <ac:graphicFrameMk id="4" creationId="{ABEAA127-1C90-4DBB-9260-B26C6B3F5649}"/>
-          </ac:graphicFrameMkLst>
-        </pc:graphicFrameChg>
-      </pc:sldChg>
-    </pc:docChg>
-  </pc:docChgLst>
-  <pc:docChgLst>
-    <pc:chgData name="Liu, Youzhong [JANBE]" userId="2d0f794a-fd2a-4e4a-9685-8efd566e499f" providerId="ADAL" clId="{D1EE8339-1FB3-4B25-9618-3EC57C51B59F}"/>
-    <pc:docChg chg="undo custSel addSld delSld modSld">
-      <pc:chgData name="Liu, Youzhong [JANBE]" userId="2d0f794a-fd2a-4e4a-9685-8efd566e499f" providerId="ADAL" clId="{D1EE8339-1FB3-4B25-9618-3EC57C51B59F}" dt="2020-06-23T17:57:34.138" v="11" actId="1076"/>
-      <pc:docMkLst>
-        <pc:docMk/>
-      </pc:docMkLst>
-      <pc:sldChg chg="add del">
-        <pc:chgData name="Liu, Youzhong [JANBE]" userId="2d0f794a-fd2a-4e4a-9685-8efd566e499f" providerId="ADAL" clId="{D1EE8339-1FB3-4B25-9618-3EC57C51B59F}" dt="2020-06-23T17:45:27.921" v="4" actId="2696"/>
-        <pc:sldMkLst>
-          <pc:docMk/>
-          <pc:sldMk cId="1310916558" sldId="265"/>
-        </pc:sldMkLst>
-      </pc:sldChg>
-      <pc:sldChg chg="add del">
-        <pc:chgData name="Liu, Youzhong [JANBE]" userId="2d0f794a-fd2a-4e4a-9685-8efd566e499f" providerId="ADAL" clId="{D1EE8339-1FB3-4B25-9618-3EC57C51B59F}" dt="2020-06-23T17:45:28.102" v="5" actId="2696"/>
-        <pc:sldMkLst>
-          <pc:docMk/>
-          <pc:sldMk cId="3720127712" sldId="267"/>
-        </pc:sldMkLst>
-      </pc:sldChg>
-      <pc:sldChg chg="add del">
-        <pc:chgData name="Liu, Youzhong [JANBE]" userId="2d0f794a-fd2a-4e4a-9685-8efd566e499f" providerId="ADAL" clId="{D1EE8339-1FB3-4B25-9618-3EC57C51B59F}" dt="2020-06-23T17:45:28.300" v="6" actId="2696"/>
-        <pc:sldMkLst>
-          <pc:docMk/>
-          <pc:sldMk cId="3184723136" sldId="268"/>
-        </pc:sldMkLst>
-      </pc:sldChg>
-      <pc:sldChg chg="add del">
-        <pc:chgData name="Liu, Youzhong [JANBE]" userId="2d0f794a-fd2a-4e4a-9685-8efd566e499f" providerId="ADAL" clId="{D1EE8339-1FB3-4B25-9618-3EC57C51B59F}" dt="2020-06-23T17:45:28.507" v="7" actId="2696"/>
-        <pc:sldMkLst>
-          <pc:docMk/>
-          <pc:sldMk cId="724617817" sldId="269"/>
-        </pc:sldMkLst>
-      </pc:sldChg>
-      <pc:sldChg chg="addSp delSp modSp add">
-        <pc:chgData name="Liu, Youzhong [JANBE]" userId="2d0f794a-fd2a-4e4a-9685-8efd566e499f" providerId="ADAL" clId="{D1EE8339-1FB3-4B25-9618-3EC57C51B59F}" dt="2020-06-23T17:57:34.138" v="11" actId="1076"/>
-        <pc:sldMkLst>
-          <pc:docMk/>
-          <pc:sldMk cId="2668161777" sldId="270"/>
-        </pc:sldMkLst>
-        <pc:spChg chg="del">
-          <ac:chgData name="Liu, Youzhong [JANBE]" userId="2d0f794a-fd2a-4e4a-9685-8efd566e499f" providerId="ADAL" clId="{D1EE8339-1FB3-4B25-9618-3EC57C51B59F}" dt="2020-06-23T17:45:33.059" v="9" actId="478"/>
-          <ac:spMkLst>
-            <pc:docMk/>
-            <pc:sldMk cId="2668161777" sldId="270"/>
-            <ac:spMk id="2" creationId="{03C49E41-C98E-4216-9105-936E57ADB4B4}"/>
-          </ac:spMkLst>
-        </pc:spChg>
-        <pc:spChg chg="del">
-          <ac:chgData name="Liu, Youzhong [JANBE]" userId="2d0f794a-fd2a-4e4a-9685-8efd566e499f" providerId="ADAL" clId="{D1EE8339-1FB3-4B25-9618-3EC57C51B59F}" dt="2020-06-23T17:45:33.059" v="9" actId="478"/>
-          <ac:spMkLst>
-            <pc:docMk/>
-            <pc:sldMk cId="2668161777" sldId="270"/>
-            <ac:spMk id="3" creationId="{E01C0193-8D6B-4DE1-A362-5C8CE720BB6E}"/>
-          </ac:spMkLst>
-        </pc:spChg>
-        <pc:graphicFrameChg chg="add mod">
-          <ac:chgData name="Liu, Youzhong [JANBE]" userId="2d0f794a-fd2a-4e4a-9685-8efd566e499f" providerId="ADAL" clId="{D1EE8339-1FB3-4B25-9618-3EC57C51B59F}" dt="2020-06-23T17:57:34.138" v="11" actId="1076"/>
-          <ac:graphicFrameMkLst>
-            <pc:docMk/>
-            <pc:sldMk cId="2668161777" sldId="270"/>
-            <ac:graphicFrameMk id="4" creationId="{ABEAA127-1C90-4DBB-9260-B26C6B3F5649}"/>
-          </ac:graphicFrameMkLst>
-        </pc:graphicFrameChg>
-      </pc:sldChg>
-    </pc:docChg>
-  </pc:docChgLst>
-  <pc:docChgLst>
-    <pc:chgData name="Liu, Youzhong [JANBE]" userId="2d0f794a-fd2a-4e4a-9685-8efd566e499f" providerId="ADAL" clId="{D8A39EC7-E728-43C6-8646-720616CB2D73}"/>
-    <pc:docChg chg="modSld">
-      <pc:chgData name="Liu, Youzhong [JANBE]" userId="2d0f794a-fd2a-4e4a-9685-8efd566e499f" providerId="ADAL" clId="{D8A39EC7-E728-43C6-8646-720616CB2D73}" dt="2020-07-23T17:04:27.042" v="67" actId="20577"/>
-      <pc:docMkLst>
-        <pc:docMk/>
-      </pc:docMkLst>
-      <pc:sldChg chg="modSp">
-        <pc:chgData name="Liu, Youzhong [JANBE]" userId="2d0f794a-fd2a-4e4a-9685-8efd566e499f" providerId="ADAL" clId="{D8A39EC7-E728-43C6-8646-720616CB2D73}" dt="2020-07-23T17:04:27.042" v="67" actId="20577"/>
-        <pc:sldMkLst>
-          <pc:docMk/>
-          <pc:sldMk cId="2668161777" sldId="270"/>
-        </pc:sldMkLst>
-        <pc:graphicFrameChg chg="mod modGraphic">
-          <ac:chgData name="Liu, Youzhong [JANBE]" userId="2d0f794a-fd2a-4e4a-9685-8efd566e499f" providerId="ADAL" clId="{D8A39EC7-E728-43C6-8646-720616CB2D73}" dt="2020-07-23T17:04:27.042" v="67" actId="20577"/>
           <ac:graphicFrameMkLst>
             <pc:docMk/>
             <pc:sldMk cId="2668161777" sldId="270"/>
@@ -528,7 +616,7 @@
           <a:p>
             <a:fld id="{DB793187-038D-46E7-93F5-6A59D77E4888}" type="datetimeFigureOut">
               <a:rPr lang="en-US" smtClean="0"/>
-              <a:t>9/5/2022</a:t>
+              <a:t>9/7/2022</a:t>
             </a:fld>
             <a:endParaRPr lang="en-US"/>
           </a:p>
@@ -1029,7 +1117,7 @@
           <a:p>
             <a:fld id="{63C097CE-CE30-40FD-8349-F85D75ED7B0A}" type="datetimeFigureOut">
               <a:rPr lang="en-US" smtClean="0"/>
-              <a:t>9/5/2022</a:t>
+              <a:t>9/7/2022</a:t>
             </a:fld>
             <a:endParaRPr lang="en-US"/>
           </a:p>
@@ -1229,7 +1317,7 @@
           <a:p>
             <a:fld id="{63C097CE-CE30-40FD-8349-F85D75ED7B0A}" type="datetimeFigureOut">
               <a:rPr lang="en-US" smtClean="0"/>
-              <a:t>9/5/2022</a:t>
+              <a:t>9/7/2022</a:t>
             </a:fld>
             <a:endParaRPr lang="en-US"/>
           </a:p>
@@ -1439,7 +1527,7 @@
           <a:p>
             <a:fld id="{63C097CE-CE30-40FD-8349-F85D75ED7B0A}" type="datetimeFigureOut">
               <a:rPr lang="en-US" smtClean="0"/>
-              <a:t>9/5/2022</a:t>
+              <a:t>9/7/2022</a:t>
             </a:fld>
             <a:endParaRPr lang="en-US"/>
           </a:p>
@@ -1639,7 +1727,7 @@
           <a:p>
             <a:fld id="{63C097CE-CE30-40FD-8349-F85D75ED7B0A}" type="datetimeFigureOut">
               <a:rPr lang="en-US" smtClean="0"/>
-              <a:t>9/5/2022</a:t>
+              <a:t>9/7/2022</a:t>
             </a:fld>
             <a:endParaRPr lang="en-US"/>
           </a:p>
@@ -1915,7 +2003,7 @@
           <a:p>
             <a:fld id="{63C097CE-CE30-40FD-8349-F85D75ED7B0A}" type="datetimeFigureOut">
               <a:rPr lang="en-US" smtClean="0"/>
-              <a:t>9/5/2022</a:t>
+              <a:t>9/7/2022</a:t>
             </a:fld>
             <a:endParaRPr lang="en-US"/>
           </a:p>
@@ -2183,7 +2271,7 @@
           <a:p>
             <a:fld id="{63C097CE-CE30-40FD-8349-F85D75ED7B0A}" type="datetimeFigureOut">
               <a:rPr lang="en-US" smtClean="0"/>
-              <a:t>9/5/2022</a:t>
+              <a:t>9/7/2022</a:t>
             </a:fld>
             <a:endParaRPr lang="en-US"/>
           </a:p>
@@ -2598,7 +2686,7 @@
           <a:p>
             <a:fld id="{63C097CE-CE30-40FD-8349-F85D75ED7B0A}" type="datetimeFigureOut">
               <a:rPr lang="en-US" smtClean="0"/>
-              <a:t>9/5/2022</a:t>
+              <a:t>9/7/2022</a:t>
             </a:fld>
             <a:endParaRPr lang="en-US"/>
           </a:p>
@@ -2740,7 +2828,7 @@
           <a:p>
             <a:fld id="{63C097CE-CE30-40FD-8349-F85D75ED7B0A}" type="datetimeFigureOut">
               <a:rPr lang="en-US" smtClean="0"/>
-              <a:t>9/5/2022</a:t>
+              <a:t>9/7/2022</a:t>
             </a:fld>
             <a:endParaRPr lang="en-US"/>
           </a:p>
@@ -2853,7 +2941,7 @@
           <a:p>
             <a:fld id="{63C097CE-CE30-40FD-8349-F85D75ED7B0A}" type="datetimeFigureOut">
               <a:rPr lang="en-US" smtClean="0"/>
-              <a:t>9/5/2022</a:t>
+              <a:t>9/7/2022</a:t>
             </a:fld>
             <a:endParaRPr lang="en-US"/>
           </a:p>
@@ -3166,7 +3254,7 @@
           <a:p>
             <a:fld id="{63C097CE-CE30-40FD-8349-F85D75ED7B0A}" type="datetimeFigureOut">
               <a:rPr lang="en-US" smtClean="0"/>
-              <a:t>9/5/2022</a:t>
+              <a:t>9/7/2022</a:t>
             </a:fld>
             <a:endParaRPr lang="en-US"/>
           </a:p>
@@ -3455,7 +3543,7 @@
           <a:p>
             <a:fld id="{63C097CE-CE30-40FD-8349-F85D75ED7B0A}" type="datetimeFigureOut">
               <a:rPr lang="en-US" smtClean="0"/>
-              <a:t>9/5/2022</a:t>
+              <a:t>9/7/2022</a:t>
             </a:fld>
             <a:endParaRPr lang="en-US"/>
           </a:p>
@@ -3698,7 +3786,7 @@
           <a:p>
             <a:fld id="{63C097CE-CE30-40FD-8349-F85D75ED7B0A}" type="datetimeFigureOut">
               <a:rPr lang="en-US" smtClean="0"/>
-              <a:t>9/5/2022</a:t>
+              <a:t>9/7/2022</a:t>
             </a:fld>
             <a:endParaRPr lang="en-US"/>
           </a:p>
@@ -5877,6 +5965,308 @@
 </p:sld>
 </file>
 
+<file path=ppt/slides/slide12.xml><?xml version="1.0" encoding="utf-8"?>
+<p:sld xmlns:a="http://schemas.openxmlformats.org/drawingml/2006/main" xmlns:r="http://schemas.openxmlformats.org/officeDocument/2006/relationships" xmlns:p="http://schemas.openxmlformats.org/presentationml/2006/main">
+  <p:cSld>
+    <p:spTree>
+      <p:nvGrpSpPr>
+        <p:cNvPr id="1" name=""/>
+        <p:cNvGrpSpPr/>
+        <p:nvPr/>
+      </p:nvGrpSpPr>
+      <p:grpSpPr>
+        <a:xfrm>
+          <a:off x="0" y="0"/>
+          <a:ext cx="0" cy="0"/>
+          <a:chOff x="0" y="0"/>
+          <a:chExt cx="0" cy="0"/>
+        </a:xfrm>
+      </p:grpSpPr>
+      <p:pic>
+        <p:nvPicPr>
+          <p:cNvPr id="4" name="Picture 3">
+            <a:extLst>
+              <a:ext uri="{FF2B5EF4-FFF2-40B4-BE49-F238E27FC236}">
+                <a16:creationId xmlns:a16="http://schemas.microsoft.com/office/drawing/2014/main" id="{824FB266-0B55-44E5-AD28-2744F8312E90}"/>
+              </a:ext>
+            </a:extLst>
+          </p:cNvPr>
+          <p:cNvPicPr>
+            <a:picLocks noChangeAspect="1"/>
+          </p:cNvPicPr>
+          <p:nvPr/>
+        </p:nvPicPr>
+        <p:blipFill rotWithShape="1">
+          <a:blip r:embed="rId2"/>
+          <a:srcRect t="14407" r="6057" b="6366"/>
+          <a:stretch/>
+        </p:blipFill>
+        <p:spPr>
+          <a:xfrm>
+            <a:off x="1963729" y="949036"/>
+            <a:ext cx="6358236" cy="4959928"/>
+          </a:xfrm>
+          <a:prstGeom prst="rect">
+            <a:avLst/>
+          </a:prstGeom>
+        </p:spPr>
+      </p:pic>
+      <p:sp>
+        <p:nvSpPr>
+          <p:cNvPr id="6" name="Rectangle: Rounded Corners 5">
+            <a:extLst>
+              <a:ext uri="{FF2B5EF4-FFF2-40B4-BE49-F238E27FC236}">
+                <a16:creationId xmlns:a16="http://schemas.microsoft.com/office/drawing/2014/main" id="{8842DA94-F614-4B38-BEEB-0F694EE28EDA}"/>
+              </a:ext>
+            </a:extLst>
+          </p:cNvPr>
+          <p:cNvSpPr/>
+          <p:nvPr/>
+        </p:nvSpPr>
+        <p:spPr>
+          <a:xfrm>
+            <a:off x="5304890" y="4555671"/>
+            <a:ext cx="2394032" cy="318408"/>
+          </a:xfrm>
+          <a:prstGeom prst="roundRect">
+            <a:avLst/>
+          </a:prstGeom>
+          <a:noFill/>
+          <a:ln>
+            <a:solidFill>
+              <a:srgbClr val="FF0000"/>
+            </a:solidFill>
+            <a:prstDash val="dash"/>
+          </a:ln>
+        </p:spPr>
+        <p:style>
+          <a:lnRef idx="2">
+            <a:schemeClr val="accent1">
+              <a:shade val="50000"/>
+            </a:schemeClr>
+          </a:lnRef>
+          <a:fillRef idx="1">
+            <a:schemeClr val="accent1"/>
+          </a:fillRef>
+          <a:effectRef idx="0">
+            <a:schemeClr val="accent1"/>
+          </a:effectRef>
+          <a:fontRef idx="minor">
+            <a:schemeClr val="lt1"/>
+          </a:fontRef>
+        </p:style>
+        <p:txBody>
+          <a:bodyPr rtlCol="0" anchor="ctr"/>
+          <a:lstStyle/>
+          <a:p>
+            <a:pPr algn="ctr"/>
+            <a:endParaRPr lang="en-US"/>
+          </a:p>
+        </p:txBody>
+      </p:sp>
+      <p:cxnSp>
+        <p:nvCxnSpPr>
+          <p:cNvPr id="8" name="Straight Arrow Connector 7">
+            <a:extLst>
+              <a:ext uri="{FF2B5EF4-FFF2-40B4-BE49-F238E27FC236}">
+                <a16:creationId xmlns:a16="http://schemas.microsoft.com/office/drawing/2014/main" id="{252D9011-313A-45D6-B473-018D787E8583}"/>
+              </a:ext>
+            </a:extLst>
+          </p:cNvPr>
+          <p:cNvCxnSpPr/>
+          <p:nvPr/>
+        </p:nvCxnSpPr>
+        <p:spPr>
+          <a:xfrm flipH="1" flipV="1">
+            <a:off x="5178343" y="4212771"/>
+            <a:ext cx="253093" cy="342900"/>
+          </a:xfrm>
+          <a:prstGeom prst="straightConnector1">
+            <a:avLst/>
+          </a:prstGeom>
+          <a:ln>
+            <a:solidFill>
+              <a:srgbClr val="FF0000"/>
+            </a:solidFill>
+            <a:tailEnd type="triangle"/>
+          </a:ln>
+        </p:spPr>
+        <p:style>
+          <a:lnRef idx="1">
+            <a:schemeClr val="accent1"/>
+          </a:lnRef>
+          <a:fillRef idx="0">
+            <a:schemeClr val="accent1"/>
+          </a:fillRef>
+          <a:effectRef idx="0">
+            <a:schemeClr val="accent1"/>
+          </a:effectRef>
+          <a:fontRef idx="minor">
+            <a:schemeClr val="tx1"/>
+          </a:fontRef>
+        </p:style>
+      </p:cxnSp>
+      <p:sp>
+        <p:nvSpPr>
+          <p:cNvPr id="9" name="TextBox 8">
+            <a:extLst>
+              <a:ext uri="{FF2B5EF4-FFF2-40B4-BE49-F238E27FC236}">
+                <a16:creationId xmlns:a16="http://schemas.microsoft.com/office/drawing/2014/main" id="{01B39DC7-5E5D-4936-95A9-3153C4DAFA46}"/>
+              </a:ext>
+            </a:extLst>
+          </p:cNvPr>
+          <p:cNvSpPr txBox="1"/>
+          <p:nvPr/>
+        </p:nvSpPr>
+        <p:spPr>
+          <a:xfrm>
+            <a:off x="3862767" y="3689551"/>
+            <a:ext cx="2782582" cy="523220"/>
+          </a:xfrm>
+          <a:prstGeom prst="rect">
+            <a:avLst/>
+          </a:prstGeom>
+          <a:noFill/>
+        </p:spPr>
+        <p:txBody>
+          <a:bodyPr wrap="square" rtlCol="0">
+            <a:spAutoFit/>
+          </a:bodyPr>
+          <a:lstStyle/>
+          <a:p>
+            <a:r>
+              <a:rPr lang="en-US" sz="1400" dirty="0">
+                <a:solidFill>
+                  <a:srgbClr val="FF0000"/>
+                </a:solidFill>
+              </a:rPr>
+              <a:t>Reference spectra of Terfenadine labeled by its </a:t>
+            </a:r>
+            <a:r>
+              <a:rPr lang="en-US" sz="1400" dirty="0" err="1">
+                <a:solidFill>
+                  <a:srgbClr val="FF0000"/>
+                </a:solidFill>
+              </a:rPr>
+              <a:t>Inchikey</a:t>
+            </a:r>
+            <a:r>
+              <a:rPr lang="en-US" sz="1400" dirty="0">
+                <a:solidFill>
+                  <a:srgbClr val="FF0000"/>
+                </a:solidFill>
+              </a:rPr>
+              <a:t> </a:t>
+            </a:r>
+          </a:p>
+        </p:txBody>
+      </p:sp>
+      <p:sp>
+        <p:nvSpPr>
+          <p:cNvPr id="11" name="Oval 10">
+            <a:extLst>
+              <a:ext uri="{FF2B5EF4-FFF2-40B4-BE49-F238E27FC236}">
+                <a16:creationId xmlns:a16="http://schemas.microsoft.com/office/drawing/2014/main" id="{EC7E237A-01CF-4AE8-ACB9-90A5922D4CF7}"/>
+              </a:ext>
+            </a:extLst>
+          </p:cNvPr>
+          <p:cNvSpPr/>
+          <p:nvPr/>
+        </p:nvSpPr>
+        <p:spPr>
+          <a:xfrm>
+            <a:off x="4897739" y="2898693"/>
+            <a:ext cx="318407" cy="465364"/>
+          </a:xfrm>
+          <a:prstGeom prst="ellipse">
+            <a:avLst/>
+          </a:prstGeom>
+          <a:noFill/>
+          <a:ln>
+            <a:solidFill>
+              <a:schemeClr val="bg1">
+                <a:lumMod val="50000"/>
+              </a:schemeClr>
+            </a:solidFill>
+          </a:ln>
+        </p:spPr>
+        <p:style>
+          <a:lnRef idx="2">
+            <a:schemeClr val="accent1">
+              <a:shade val="50000"/>
+            </a:schemeClr>
+          </a:lnRef>
+          <a:fillRef idx="1">
+            <a:schemeClr val="accent1"/>
+          </a:fillRef>
+          <a:effectRef idx="0">
+            <a:schemeClr val="accent1"/>
+          </a:effectRef>
+          <a:fontRef idx="minor">
+            <a:schemeClr val="lt1"/>
+          </a:fontRef>
+        </p:style>
+        <p:txBody>
+          <a:bodyPr rtlCol="0" anchor="ctr"/>
+          <a:lstStyle/>
+          <a:p>
+            <a:pPr algn="ctr"/>
+            <a:endParaRPr lang="en-US"/>
+          </a:p>
+        </p:txBody>
+      </p:sp>
+      <p:sp>
+        <p:nvSpPr>
+          <p:cNvPr id="12" name="TextBox 11">
+            <a:extLst>
+              <a:ext uri="{FF2B5EF4-FFF2-40B4-BE49-F238E27FC236}">
+                <a16:creationId xmlns:a16="http://schemas.microsoft.com/office/drawing/2014/main" id="{0D471297-2C4E-4DBE-AD60-2A34381192BB}"/>
+              </a:ext>
+            </a:extLst>
+          </p:cNvPr>
+          <p:cNvSpPr txBox="1"/>
+          <p:nvPr/>
+        </p:nvSpPr>
+        <p:spPr>
+          <a:xfrm>
+            <a:off x="3664362" y="1724796"/>
+            <a:ext cx="2466753" cy="830997"/>
+          </a:xfrm>
+          <a:prstGeom prst="rect">
+            <a:avLst/>
+          </a:prstGeom>
+          <a:noFill/>
+        </p:spPr>
+        <p:txBody>
+          <a:bodyPr wrap="square" rtlCol="0">
+            <a:spAutoFit/>
+          </a:bodyPr>
+          <a:lstStyle/>
+          <a:p>
+            <a:r>
+              <a:rPr lang="en-US" sz="1600" i="1" dirty="0">
+                <a:solidFill>
+                  <a:srgbClr val="0000FF"/>
+                </a:solidFill>
+              </a:rPr>
+              <a:t>Query spectrum extracted from experimental data based on Terfenadine m/z</a:t>
+            </a:r>
+          </a:p>
+        </p:txBody>
+      </p:sp>
+    </p:spTree>
+    <p:extLst>
+      <p:ext uri="{BB962C8B-B14F-4D97-AF65-F5344CB8AC3E}">
+        <p14:creationId xmlns:p14="http://schemas.microsoft.com/office/powerpoint/2010/main" val="1290971713"/>
+      </p:ext>
+    </p:extLst>
+  </p:cSld>
+  <p:clrMapOvr>
+    <a:masterClrMapping/>
+  </p:clrMapOvr>
+</p:sld>
+</file>
+
 <file path=ppt/slides/slide2.xml><?xml version="1.0" encoding="utf-8"?>
 <p:sld xmlns:a="http://schemas.openxmlformats.org/drawingml/2006/main" xmlns:r="http://schemas.openxmlformats.org/officeDocument/2006/relationships" xmlns:p="http://schemas.openxmlformats.org/presentationml/2006/main">
   <p:cSld>

--- a/inst/Preparation.pptx
+++ b/inst/Preparation.pptx
@@ -5,7 +5,7 @@
     <p:sldMasterId id="2147483648" r:id="rId1"/>
   </p:sldMasterIdLst>
   <p:notesMasterIdLst>
-    <p:notesMasterId r:id="rId14"/>
+    <p:notesMasterId r:id="rId16"/>
   </p:notesMasterIdLst>
   <p:sldIdLst>
     <p:sldId id="270" r:id="rId2"/>
@@ -20,6 +20,8 @@
     <p:sldId id="269" r:id="rId11"/>
     <p:sldId id="272" r:id="rId12"/>
     <p:sldId id="273" r:id="rId13"/>
+    <p:sldId id="274" r:id="rId14"/>
+    <p:sldId id="275" r:id="rId15"/>
   </p:sldIdLst>
   <p:sldSz cx="12192000" cy="6858000"/>
   <p:notesSz cx="6858000" cy="9144000"/>
@@ -223,7 +225,7 @@
   <pc:docChgLst>
     <pc:chgData name="Liu, Youzhong [JANBE]" userId="2d0f794a-fd2a-4e4a-9685-8efd566e499f" providerId="ADAL" clId="{00318541-1CF4-4CB2-A5A1-71AFCDF8FB1B}"/>
     <pc:docChg chg="undo custSel addSld modSld">
-      <pc:chgData name="Liu, Youzhong [JANBE]" userId="2d0f794a-fd2a-4e4a-9685-8efd566e499f" providerId="ADAL" clId="{00318541-1CF4-4CB2-A5A1-71AFCDF8FB1B}" dt="2022-09-07T21:00:20.120" v="993" actId="114"/>
+      <pc:chgData name="Liu, Youzhong [JANBE]" userId="2d0f794a-fd2a-4e4a-9685-8efd566e499f" providerId="ADAL" clId="{00318541-1CF4-4CB2-A5A1-71AFCDF8FB1B}" dt="2022-10-02T10:21:52.339" v="1105" actId="1035"/>
       <pc:docMkLst>
         <pc:docMk/>
       </pc:docMkLst>
@@ -505,6 +507,172 @@
           </ac:cxnSpMkLst>
         </pc:cxnChg>
       </pc:sldChg>
+      <pc:sldChg chg="addSp delSp modSp new mod">
+        <pc:chgData name="Liu, Youzhong [JANBE]" userId="2d0f794a-fd2a-4e4a-9685-8efd566e499f" providerId="ADAL" clId="{00318541-1CF4-4CB2-A5A1-71AFCDF8FB1B}" dt="2022-09-29T07:07:42.452" v="1036" actId="478"/>
+        <pc:sldMkLst>
+          <pc:docMk/>
+          <pc:sldMk cId="95536840" sldId="274"/>
+        </pc:sldMkLst>
+        <pc:spChg chg="del">
+          <ac:chgData name="Liu, Youzhong [JANBE]" userId="2d0f794a-fd2a-4e4a-9685-8efd566e499f" providerId="ADAL" clId="{00318541-1CF4-4CB2-A5A1-71AFCDF8FB1B}" dt="2022-09-29T06:30:56.338" v="995" actId="478"/>
+          <ac:spMkLst>
+            <pc:docMk/>
+            <pc:sldMk cId="95536840" sldId="274"/>
+            <ac:spMk id="2" creationId="{E6A0C14D-E6C7-47A3-99C7-767A3B9E8752}"/>
+          </ac:spMkLst>
+        </pc:spChg>
+        <pc:spChg chg="del">
+          <ac:chgData name="Liu, Youzhong [JANBE]" userId="2d0f794a-fd2a-4e4a-9685-8efd566e499f" providerId="ADAL" clId="{00318541-1CF4-4CB2-A5A1-71AFCDF8FB1B}" dt="2022-09-29T06:30:56.338" v="995" actId="478"/>
+          <ac:spMkLst>
+            <pc:docMk/>
+            <pc:sldMk cId="95536840" sldId="274"/>
+            <ac:spMk id="3" creationId="{7ADAC34D-219B-472B-90D9-81936789575B}"/>
+          </ac:spMkLst>
+        </pc:spChg>
+        <pc:spChg chg="add del">
+          <ac:chgData name="Liu, Youzhong [JANBE]" userId="2d0f794a-fd2a-4e4a-9685-8efd566e499f" providerId="ADAL" clId="{00318541-1CF4-4CB2-A5A1-71AFCDF8FB1B}" dt="2022-09-29T06:33:33.205" v="999"/>
+          <ac:spMkLst>
+            <pc:docMk/>
+            <pc:sldMk cId="95536840" sldId="274"/>
+            <ac:spMk id="4" creationId="{4C15B316-4486-4109-B413-6025E2F9B383}"/>
+          </ac:spMkLst>
+        </pc:spChg>
+        <pc:spChg chg="add del">
+          <ac:chgData name="Liu, Youzhong [JANBE]" userId="2d0f794a-fd2a-4e4a-9685-8efd566e499f" providerId="ADAL" clId="{00318541-1CF4-4CB2-A5A1-71AFCDF8FB1B}" dt="2022-09-29T06:53:17.503" v="1008"/>
+          <ac:spMkLst>
+            <pc:docMk/>
+            <pc:sldMk cId="95536840" sldId="274"/>
+            <ac:spMk id="6" creationId="{60B9646B-7FF5-42CE-BB89-09F6EAB02D8C}"/>
+          </ac:spMkLst>
+        </pc:spChg>
+        <pc:spChg chg="add del">
+          <ac:chgData name="Liu, Youzhong [JANBE]" userId="2d0f794a-fd2a-4e4a-9685-8efd566e499f" providerId="ADAL" clId="{00318541-1CF4-4CB2-A5A1-71AFCDF8FB1B}" dt="2022-09-29T06:53:38.778" v="1015"/>
+          <ac:spMkLst>
+            <pc:docMk/>
+            <pc:sldMk cId="95536840" sldId="274"/>
+            <ac:spMk id="8" creationId="{40CE59A6-B857-44F1-BBDB-CB0CE4F21E1F}"/>
+          </ac:spMkLst>
+        </pc:spChg>
+        <pc:spChg chg="add del">
+          <ac:chgData name="Liu, Youzhong [JANBE]" userId="2d0f794a-fd2a-4e4a-9685-8efd566e499f" providerId="ADAL" clId="{00318541-1CF4-4CB2-A5A1-71AFCDF8FB1B}" dt="2022-09-29T06:59:12.471" v="1023"/>
+          <ac:spMkLst>
+            <pc:docMk/>
+            <pc:sldMk cId="95536840" sldId="274"/>
+            <ac:spMk id="10" creationId="{1260CAAC-9017-438F-AD04-8C7CEC1CBDDA}"/>
+          </ac:spMkLst>
+        </pc:spChg>
+        <pc:picChg chg="add del mod modCrop">
+          <ac:chgData name="Liu, Youzhong [JANBE]" userId="2d0f794a-fd2a-4e4a-9685-8efd566e499f" providerId="ADAL" clId="{00318541-1CF4-4CB2-A5A1-71AFCDF8FB1B}" dt="2022-09-29T06:53:14.563" v="1004" actId="478"/>
+          <ac:picMkLst>
+            <pc:docMk/>
+            <pc:sldMk cId="95536840" sldId="274"/>
+            <ac:picMk id="5" creationId="{149BF75F-A8D2-4881-92EF-85F442051A1C}"/>
+          </ac:picMkLst>
+        </pc:picChg>
+        <pc:picChg chg="add del mod">
+          <ac:chgData name="Liu, Youzhong [JANBE]" userId="2d0f794a-fd2a-4e4a-9685-8efd566e499f" providerId="ADAL" clId="{00318541-1CF4-4CB2-A5A1-71AFCDF8FB1B}" dt="2022-09-29T06:53:25.851" v="1011" actId="478"/>
+          <ac:picMkLst>
+            <pc:docMk/>
+            <pc:sldMk cId="95536840" sldId="274"/>
+            <ac:picMk id="7" creationId="{6C4C4234-8617-4600-B6F4-1155BA5C0E5E}"/>
+          </ac:picMkLst>
+        </pc:picChg>
+        <pc:picChg chg="add del mod modCrop">
+          <ac:chgData name="Liu, Youzhong [JANBE]" userId="2d0f794a-fd2a-4e4a-9685-8efd566e499f" providerId="ADAL" clId="{00318541-1CF4-4CB2-A5A1-71AFCDF8FB1B}" dt="2022-09-29T07:00:12.416" v="1033" actId="21"/>
+          <ac:picMkLst>
+            <pc:docMk/>
+            <pc:sldMk cId="95536840" sldId="274"/>
+            <ac:picMk id="9" creationId="{CD9AE17F-B3E5-4A56-A8B7-A22330B6C57E}"/>
+          </ac:picMkLst>
+        </pc:picChg>
+        <pc:picChg chg="add del mod modCrop">
+          <ac:chgData name="Liu, Youzhong [JANBE]" userId="2d0f794a-fd2a-4e4a-9685-8efd566e499f" providerId="ADAL" clId="{00318541-1CF4-4CB2-A5A1-71AFCDF8FB1B}" dt="2022-09-29T07:00:12.416" v="1033" actId="21"/>
+          <ac:picMkLst>
+            <pc:docMk/>
+            <pc:sldMk cId="95536840" sldId="274"/>
+            <ac:picMk id="11" creationId="{92174A94-9454-4288-9554-DAE4CF1F4D6E}"/>
+          </ac:picMkLst>
+        </pc:picChg>
+        <pc:picChg chg="add del">
+          <ac:chgData name="Liu, Youzhong [JANBE]" userId="2d0f794a-fd2a-4e4a-9685-8efd566e499f" providerId="ADAL" clId="{00318541-1CF4-4CB2-A5A1-71AFCDF8FB1B}" dt="2022-09-29T07:07:42.452" v="1036" actId="478"/>
+          <ac:picMkLst>
+            <pc:docMk/>
+            <pc:sldMk cId="95536840" sldId="274"/>
+            <ac:picMk id="12" creationId="{E1E7670C-E707-4386-949B-AB867FC9CB73}"/>
+          </ac:picMkLst>
+        </pc:picChg>
+      </pc:sldChg>
+      <pc:sldChg chg="addSp delSp modSp new mod">
+        <pc:chgData name="Liu, Youzhong [JANBE]" userId="2d0f794a-fd2a-4e4a-9685-8efd566e499f" providerId="ADAL" clId="{00318541-1CF4-4CB2-A5A1-71AFCDF8FB1B}" dt="2022-10-02T10:21:52.339" v="1105" actId="1035"/>
+        <pc:sldMkLst>
+          <pc:docMk/>
+          <pc:sldMk cId="1416786149" sldId="275"/>
+        </pc:sldMkLst>
+        <pc:spChg chg="del">
+          <ac:chgData name="Liu, Youzhong [JANBE]" userId="2d0f794a-fd2a-4e4a-9685-8efd566e499f" providerId="ADAL" clId="{00318541-1CF4-4CB2-A5A1-71AFCDF8FB1B}" dt="2022-10-02T10:16:01.363" v="1038" actId="478"/>
+          <ac:spMkLst>
+            <pc:docMk/>
+            <pc:sldMk cId="1416786149" sldId="275"/>
+            <ac:spMk id="2" creationId="{4A71EDEF-CD96-FD9A-419B-BA21A6498E43}"/>
+          </ac:spMkLst>
+        </pc:spChg>
+        <pc:spChg chg="del">
+          <ac:chgData name="Liu, Youzhong [JANBE]" userId="2d0f794a-fd2a-4e4a-9685-8efd566e499f" providerId="ADAL" clId="{00318541-1CF4-4CB2-A5A1-71AFCDF8FB1B}" dt="2022-10-02T10:16:01.363" v="1038" actId="478"/>
+          <ac:spMkLst>
+            <pc:docMk/>
+            <pc:sldMk cId="1416786149" sldId="275"/>
+            <ac:spMk id="3" creationId="{823791A7-0843-A741-E220-18487CBA5754}"/>
+          </ac:spMkLst>
+        </pc:spChg>
+        <pc:spChg chg="add mod ord">
+          <ac:chgData name="Liu, Youzhong [JANBE]" userId="2d0f794a-fd2a-4e4a-9685-8efd566e499f" providerId="ADAL" clId="{00318541-1CF4-4CB2-A5A1-71AFCDF8FB1B}" dt="2022-10-02T10:21:52.339" v="1105" actId="1035"/>
+          <ac:spMkLst>
+            <pc:docMk/>
+            <pc:sldMk cId="1416786149" sldId="275"/>
+            <ac:spMk id="9" creationId="{C511AE79-4643-5E53-6E9B-681597A565CF}"/>
+          </ac:spMkLst>
+        </pc:spChg>
+        <pc:picChg chg="add mod modCrop">
+          <ac:chgData name="Liu, Youzhong [JANBE]" userId="2d0f794a-fd2a-4e4a-9685-8efd566e499f" providerId="ADAL" clId="{00318541-1CF4-4CB2-A5A1-71AFCDF8FB1B}" dt="2022-10-02T10:18:18.794" v="1057" actId="1076"/>
+          <ac:picMkLst>
+            <pc:docMk/>
+            <pc:sldMk cId="1416786149" sldId="275"/>
+            <ac:picMk id="4" creationId="{BE9B8F98-F511-3709-19E0-5470112F631E}"/>
+          </ac:picMkLst>
+        </pc:picChg>
+        <pc:picChg chg="add mod modCrop">
+          <ac:chgData name="Liu, Youzhong [JANBE]" userId="2d0f794a-fd2a-4e4a-9685-8efd566e499f" providerId="ADAL" clId="{00318541-1CF4-4CB2-A5A1-71AFCDF8FB1B}" dt="2022-10-02T10:18:21.105" v="1058" actId="1076"/>
+          <ac:picMkLst>
+            <pc:docMk/>
+            <pc:sldMk cId="1416786149" sldId="275"/>
+            <ac:picMk id="5" creationId="{BB98F31F-E7E5-663A-24E5-E2BCFCB96E6D}"/>
+          </ac:picMkLst>
+        </pc:picChg>
+        <pc:picChg chg="add mod modCrop">
+          <ac:chgData name="Liu, Youzhong [JANBE]" userId="2d0f794a-fd2a-4e4a-9685-8efd566e499f" providerId="ADAL" clId="{00318541-1CF4-4CB2-A5A1-71AFCDF8FB1B}" dt="2022-10-02T10:19:01.429" v="1069" actId="1076"/>
+          <ac:picMkLst>
+            <pc:docMk/>
+            <pc:sldMk cId="1416786149" sldId="275"/>
+            <ac:picMk id="6" creationId="{84CB10A8-C8B6-0FE5-8B07-086121AB4696}"/>
+          </ac:picMkLst>
+        </pc:picChg>
+        <pc:picChg chg="add mod modCrop">
+          <ac:chgData name="Liu, Youzhong [JANBE]" userId="2d0f794a-fd2a-4e4a-9685-8efd566e499f" providerId="ADAL" clId="{00318541-1CF4-4CB2-A5A1-71AFCDF8FB1B}" dt="2022-10-02T10:19:52.603" v="1078" actId="1076"/>
+          <ac:picMkLst>
+            <pc:docMk/>
+            <pc:sldMk cId="1416786149" sldId="275"/>
+            <ac:picMk id="7" creationId="{E3965929-14DC-AE1F-E5A7-8AFF61607111}"/>
+          </ac:picMkLst>
+        </pc:picChg>
+        <pc:picChg chg="add mod modCrop">
+          <ac:chgData name="Liu, Youzhong [JANBE]" userId="2d0f794a-fd2a-4e4a-9685-8efd566e499f" providerId="ADAL" clId="{00318541-1CF4-4CB2-A5A1-71AFCDF8FB1B}" dt="2022-10-02T10:20:35.146" v="1088" actId="1076"/>
+          <ac:picMkLst>
+            <pc:docMk/>
+            <pc:sldMk cId="1416786149" sldId="275"/>
+            <ac:picMk id="8" creationId="{2B032F40-2959-2EAB-F884-A0743E027188}"/>
+          </ac:picMkLst>
+        </pc:picChg>
+      </pc:sldChg>
     </pc:docChg>
   </pc:docChgLst>
   <pc:docChgLst>
@@ -616,7 +784,7 @@
           <a:p>
             <a:fld id="{DB793187-038D-46E7-93F5-6A59D77E4888}" type="datetimeFigureOut">
               <a:rPr lang="en-US" smtClean="0"/>
-              <a:t>9/7/2022</a:t>
+              <a:t>10/2/2022</a:t>
             </a:fld>
             <a:endParaRPr lang="en-US"/>
           </a:p>
@@ -1117,7 +1285,7 @@
           <a:p>
             <a:fld id="{63C097CE-CE30-40FD-8349-F85D75ED7B0A}" type="datetimeFigureOut">
               <a:rPr lang="en-US" smtClean="0"/>
-              <a:t>9/7/2022</a:t>
+              <a:t>10/2/2022</a:t>
             </a:fld>
             <a:endParaRPr lang="en-US"/>
           </a:p>
@@ -1317,7 +1485,7 @@
           <a:p>
             <a:fld id="{63C097CE-CE30-40FD-8349-F85D75ED7B0A}" type="datetimeFigureOut">
               <a:rPr lang="en-US" smtClean="0"/>
-              <a:t>9/7/2022</a:t>
+              <a:t>10/2/2022</a:t>
             </a:fld>
             <a:endParaRPr lang="en-US"/>
           </a:p>
@@ -1527,7 +1695,7 @@
           <a:p>
             <a:fld id="{63C097CE-CE30-40FD-8349-F85D75ED7B0A}" type="datetimeFigureOut">
               <a:rPr lang="en-US" smtClean="0"/>
-              <a:t>9/7/2022</a:t>
+              <a:t>10/2/2022</a:t>
             </a:fld>
             <a:endParaRPr lang="en-US"/>
           </a:p>
@@ -1727,7 +1895,7 @@
           <a:p>
             <a:fld id="{63C097CE-CE30-40FD-8349-F85D75ED7B0A}" type="datetimeFigureOut">
               <a:rPr lang="en-US" smtClean="0"/>
-              <a:t>9/7/2022</a:t>
+              <a:t>10/2/2022</a:t>
             </a:fld>
             <a:endParaRPr lang="en-US"/>
           </a:p>
@@ -2003,7 +2171,7 @@
           <a:p>
             <a:fld id="{63C097CE-CE30-40FD-8349-F85D75ED7B0A}" type="datetimeFigureOut">
               <a:rPr lang="en-US" smtClean="0"/>
-              <a:t>9/7/2022</a:t>
+              <a:t>10/2/2022</a:t>
             </a:fld>
             <a:endParaRPr lang="en-US"/>
           </a:p>
@@ -2271,7 +2439,7 @@
           <a:p>
             <a:fld id="{63C097CE-CE30-40FD-8349-F85D75ED7B0A}" type="datetimeFigureOut">
               <a:rPr lang="en-US" smtClean="0"/>
-              <a:t>9/7/2022</a:t>
+              <a:t>10/2/2022</a:t>
             </a:fld>
             <a:endParaRPr lang="en-US"/>
           </a:p>
@@ -2686,7 +2854,7 @@
           <a:p>
             <a:fld id="{63C097CE-CE30-40FD-8349-F85D75ED7B0A}" type="datetimeFigureOut">
               <a:rPr lang="en-US" smtClean="0"/>
-              <a:t>9/7/2022</a:t>
+              <a:t>10/2/2022</a:t>
             </a:fld>
             <a:endParaRPr lang="en-US"/>
           </a:p>
@@ -2828,7 +2996,7 @@
           <a:p>
             <a:fld id="{63C097CE-CE30-40FD-8349-F85D75ED7B0A}" type="datetimeFigureOut">
               <a:rPr lang="en-US" smtClean="0"/>
-              <a:t>9/7/2022</a:t>
+              <a:t>10/2/2022</a:t>
             </a:fld>
             <a:endParaRPr lang="en-US"/>
           </a:p>
@@ -2941,7 +3109,7 @@
           <a:p>
             <a:fld id="{63C097CE-CE30-40FD-8349-F85D75ED7B0A}" type="datetimeFigureOut">
               <a:rPr lang="en-US" smtClean="0"/>
-              <a:t>9/7/2022</a:t>
+              <a:t>10/2/2022</a:t>
             </a:fld>
             <a:endParaRPr lang="en-US"/>
           </a:p>
@@ -3254,7 +3422,7 @@
           <a:p>
             <a:fld id="{63C097CE-CE30-40FD-8349-F85D75ED7B0A}" type="datetimeFigureOut">
               <a:rPr lang="en-US" smtClean="0"/>
-              <a:t>9/7/2022</a:t>
+              <a:t>10/2/2022</a:t>
             </a:fld>
             <a:endParaRPr lang="en-US"/>
           </a:p>
@@ -3543,7 +3711,7 @@
           <a:p>
             <a:fld id="{63C097CE-CE30-40FD-8349-F85D75ED7B0A}" type="datetimeFigureOut">
               <a:rPr lang="en-US" smtClean="0"/>
-              <a:t>9/7/2022</a:t>
+              <a:t>10/2/2022</a:t>
             </a:fld>
             <a:endParaRPr lang="en-US"/>
           </a:p>
@@ -3786,7 +3954,7 @@
           <a:p>
             <a:fld id="{63C097CE-CE30-40FD-8349-F85D75ED7B0A}" type="datetimeFigureOut">
               <a:rPr lang="en-US" smtClean="0"/>
-              <a:t>9/7/2022</a:t>
+              <a:t>10/2/2022</a:t>
             </a:fld>
             <a:endParaRPr lang="en-US"/>
           </a:p>
@@ -6267,6 +6435,295 @@
 </p:sld>
 </file>
 
+<file path=ppt/slides/slide13.xml><?xml version="1.0" encoding="utf-8"?>
+<p:sld xmlns:a="http://schemas.openxmlformats.org/drawingml/2006/main" xmlns:r="http://schemas.openxmlformats.org/officeDocument/2006/relationships" xmlns:p="http://schemas.openxmlformats.org/presentationml/2006/main">
+  <p:cSld>
+    <p:spTree>
+      <p:nvGrpSpPr>
+        <p:cNvPr id="1" name=""/>
+        <p:cNvGrpSpPr/>
+        <p:nvPr/>
+      </p:nvGrpSpPr>
+      <p:grpSpPr>
+        <a:xfrm>
+          <a:off x="0" y="0"/>
+          <a:ext cx="0" cy="0"/>
+          <a:chOff x="0" y="0"/>
+          <a:chExt cx="0" cy="0"/>
+        </a:xfrm>
+      </p:grpSpPr>
+      <p:pic>
+        <p:nvPicPr>
+          <p:cNvPr id="12" name="Picture 11">
+            <a:extLst>
+              <a:ext uri="{FF2B5EF4-FFF2-40B4-BE49-F238E27FC236}">
+                <a16:creationId xmlns:a16="http://schemas.microsoft.com/office/drawing/2014/main" id="{E1E7670C-E707-4386-949B-AB867FC9CB73}"/>
+              </a:ext>
+            </a:extLst>
+          </p:cNvPr>
+          <p:cNvPicPr>
+            <a:picLocks noChangeAspect="1"/>
+          </p:cNvPicPr>
+          <p:nvPr/>
+        </p:nvPicPr>
+        <p:blipFill>
+          <a:blip r:embed="rId2"/>
+          <a:stretch>
+            <a:fillRect/>
+          </a:stretch>
+        </p:blipFill>
+        <p:spPr>
+          <a:xfrm>
+            <a:off x="3284973" y="0"/>
+            <a:ext cx="5622053" cy="6858000"/>
+          </a:xfrm>
+          <a:prstGeom prst="rect">
+            <a:avLst/>
+          </a:prstGeom>
+        </p:spPr>
+      </p:pic>
+    </p:spTree>
+    <p:extLst>
+      <p:ext uri="{BB962C8B-B14F-4D97-AF65-F5344CB8AC3E}">
+        <p14:creationId xmlns:p14="http://schemas.microsoft.com/office/powerpoint/2010/main" val="95536840"/>
+      </p:ext>
+    </p:extLst>
+  </p:cSld>
+  <p:clrMapOvr>
+    <a:masterClrMapping/>
+  </p:clrMapOvr>
+</p:sld>
+</file>
+
+<file path=ppt/slides/slide14.xml><?xml version="1.0" encoding="utf-8"?>
+<p:sld xmlns:a="http://schemas.openxmlformats.org/drawingml/2006/main" xmlns:r="http://schemas.openxmlformats.org/officeDocument/2006/relationships" xmlns:p="http://schemas.openxmlformats.org/presentationml/2006/main">
+  <p:cSld>
+    <p:spTree>
+      <p:nvGrpSpPr>
+        <p:cNvPr id="1" name=""/>
+        <p:cNvGrpSpPr/>
+        <p:nvPr/>
+      </p:nvGrpSpPr>
+      <p:grpSpPr>
+        <a:xfrm>
+          <a:off x="0" y="0"/>
+          <a:ext cx="0" cy="0"/>
+          <a:chOff x="0" y="0"/>
+          <a:chExt cx="0" cy="0"/>
+        </a:xfrm>
+      </p:grpSpPr>
+      <p:sp>
+        <p:nvSpPr>
+          <p:cNvPr id="9" name="Rectangle 8">
+            <a:extLst>
+              <a:ext uri="{FF2B5EF4-FFF2-40B4-BE49-F238E27FC236}">
+                <a16:creationId xmlns:a16="http://schemas.microsoft.com/office/drawing/2014/main" id="{C511AE79-4643-5E53-6E9B-681597A565CF}"/>
+              </a:ext>
+            </a:extLst>
+          </p:cNvPr>
+          <p:cNvSpPr/>
+          <p:nvPr/>
+        </p:nvSpPr>
+        <p:spPr>
+          <a:xfrm>
+            <a:off x="240631" y="-176462"/>
+            <a:ext cx="11526066" cy="9689431"/>
+          </a:xfrm>
+          <a:prstGeom prst="rect">
+            <a:avLst/>
+          </a:prstGeom>
+          <a:solidFill>
+            <a:schemeClr val="bg1"/>
+          </a:solidFill>
+          <a:ln>
+            <a:solidFill>
+              <a:schemeClr val="bg1"/>
+            </a:solidFill>
+          </a:ln>
+        </p:spPr>
+        <p:style>
+          <a:lnRef idx="2">
+            <a:schemeClr val="accent1">
+              <a:shade val="50000"/>
+            </a:schemeClr>
+          </a:lnRef>
+          <a:fillRef idx="1">
+            <a:schemeClr val="accent1"/>
+          </a:fillRef>
+          <a:effectRef idx="0">
+            <a:schemeClr val="accent1"/>
+          </a:effectRef>
+          <a:fontRef idx="minor">
+            <a:schemeClr val="lt1"/>
+          </a:fontRef>
+        </p:style>
+        <p:txBody>
+          <a:bodyPr rtlCol="0" anchor="ctr"/>
+          <a:lstStyle/>
+          <a:p>
+            <a:pPr algn="ctr"/>
+            <a:endParaRPr lang="en-US"/>
+          </a:p>
+        </p:txBody>
+      </p:sp>
+      <p:pic>
+        <p:nvPicPr>
+          <p:cNvPr id="4" name="Picture 3">
+            <a:extLst>
+              <a:ext uri="{FF2B5EF4-FFF2-40B4-BE49-F238E27FC236}">
+                <a16:creationId xmlns:a16="http://schemas.microsoft.com/office/drawing/2014/main" id="{BE9B8F98-F511-3709-19E0-5470112F631E}"/>
+              </a:ext>
+            </a:extLst>
+          </p:cNvPr>
+          <p:cNvPicPr>
+            <a:picLocks noChangeAspect="1"/>
+          </p:cNvPicPr>
+          <p:nvPr/>
+        </p:nvPicPr>
+        <p:blipFill rotWithShape="1">
+          <a:blip r:embed="rId2"/>
+          <a:srcRect l="2917" t="18605" r="7917" b="9612"/>
+          <a:stretch/>
+        </p:blipFill>
+        <p:spPr>
+          <a:xfrm>
+            <a:off x="425303" y="0"/>
+            <a:ext cx="5433238" cy="3385719"/>
+          </a:xfrm>
+          <a:prstGeom prst="rect">
+            <a:avLst/>
+          </a:prstGeom>
+        </p:spPr>
+      </p:pic>
+      <p:pic>
+        <p:nvPicPr>
+          <p:cNvPr id="5" name="Picture 4">
+            <a:extLst>
+              <a:ext uri="{FF2B5EF4-FFF2-40B4-BE49-F238E27FC236}">
+                <a16:creationId xmlns:a16="http://schemas.microsoft.com/office/drawing/2014/main" id="{BB98F31F-E7E5-663A-24E5-E2BCFCB96E6D}"/>
+              </a:ext>
+            </a:extLst>
+          </p:cNvPr>
+          <p:cNvPicPr>
+            <a:picLocks noChangeAspect="1"/>
+          </p:cNvPicPr>
+          <p:nvPr/>
+        </p:nvPicPr>
+        <p:blipFill rotWithShape="1">
+          <a:blip r:embed="rId3"/>
+          <a:srcRect l="2436" t="19536" r="7557" b="7751"/>
+          <a:stretch/>
+        </p:blipFill>
+        <p:spPr>
+          <a:xfrm>
+            <a:off x="425303" y="3143585"/>
+            <a:ext cx="5433238" cy="3397586"/>
+          </a:xfrm>
+          <a:prstGeom prst="rect">
+            <a:avLst/>
+          </a:prstGeom>
+        </p:spPr>
+      </p:pic>
+      <p:pic>
+        <p:nvPicPr>
+          <p:cNvPr id="6" name="Picture 5">
+            <a:extLst>
+              <a:ext uri="{FF2B5EF4-FFF2-40B4-BE49-F238E27FC236}">
+                <a16:creationId xmlns:a16="http://schemas.microsoft.com/office/drawing/2014/main" id="{84CB10A8-C8B6-0FE5-8B07-086121AB4696}"/>
+              </a:ext>
+            </a:extLst>
+          </p:cNvPr>
+          <p:cNvPicPr>
+            <a:picLocks noChangeAspect="1"/>
+          </p:cNvPicPr>
+          <p:nvPr/>
+        </p:nvPicPr>
+        <p:blipFill rotWithShape="1">
+          <a:blip r:embed="rId4"/>
+          <a:srcRect l="2917" t="18139" r="7917" b="15349"/>
+          <a:stretch/>
+        </p:blipFill>
+        <p:spPr>
+          <a:xfrm>
+            <a:off x="425303" y="6198032"/>
+            <a:ext cx="5433238" cy="3137092"/>
+          </a:xfrm>
+          <a:prstGeom prst="rect">
+            <a:avLst/>
+          </a:prstGeom>
+        </p:spPr>
+      </p:pic>
+      <p:pic>
+        <p:nvPicPr>
+          <p:cNvPr id="7" name="Picture 6">
+            <a:extLst>
+              <a:ext uri="{FF2B5EF4-FFF2-40B4-BE49-F238E27FC236}">
+                <a16:creationId xmlns:a16="http://schemas.microsoft.com/office/drawing/2014/main" id="{E3965929-14DC-AE1F-E5A7-8AFF61607111}"/>
+              </a:ext>
+            </a:extLst>
+          </p:cNvPr>
+          <p:cNvPicPr>
+            <a:picLocks noChangeAspect="1"/>
+          </p:cNvPicPr>
+          <p:nvPr/>
+        </p:nvPicPr>
+        <p:blipFill rotWithShape="1">
+          <a:blip r:embed="rId5"/>
+          <a:srcRect l="2316" t="17519" r="8037" b="13953"/>
+          <a:stretch/>
+        </p:blipFill>
+        <p:spPr>
+          <a:xfrm>
+            <a:off x="5996764" y="0"/>
+            <a:ext cx="5433238" cy="3214847"/>
+          </a:xfrm>
+          <a:prstGeom prst="rect">
+            <a:avLst/>
+          </a:prstGeom>
+        </p:spPr>
+      </p:pic>
+      <p:pic>
+        <p:nvPicPr>
+          <p:cNvPr id="8" name="Picture 7">
+            <a:extLst>
+              <a:ext uri="{FF2B5EF4-FFF2-40B4-BE49-F238E27FC236}">
+                <a16:creationId xmlns:a16="http://schemas.microsoft.com/office/drawing/2014/main" id="{2B032F40-2959-2EAB-F884-A0743E027188}"/>
+              </a:ext>
+            </a:extLst>
+          </p:cNvPr>
+          <p:cNvPicPr>
+            <a:picLocks noChangeAspect="1"/>
+          </p:cNvPicPr>
+          <p:nvPr/>
+        </p:nvPicPr>
+        <p:blipFill rotWithShape="1">
+          <a:blip r:embed="rId6"/>
+          <a:srcRect l="2557" t="18140" r="6357" b="9623"/>
+          <a:stretch/>
+        </p:blipFill>
+        <p:spPr>
+          <a:xfrm>
+            <a:off x="5996764" y="3143585"/>
+            <a:ext cx="5534673" cy="3397586"/>
+          </a:xfrm>
+          <a:prstGeom prst="rect">
+            <a:avLst/>
+          </a:prstGeom>
+        </p:spPr>
+      </p:pic>
+    </p:spTree>
+    <p:extLst>
+      <p:ext uri="{BB962C8B-B14F-4D97-AF65-F5344CB8AC3E}">
+        <p14:creationId xmlns:p14="http://schemas.microsoft.com/office/powerpoint/2010/main" val="1416786149"/>
+      </p:ext>
+    </p:extLst>
+  </p:cSld>
+  <p:clrMapOvr>
+    <a:masterClrMapping/>
+  </p:clrMapOvr>
+</p:sld>
+</file>
+
 <file path=ppt/slides/slide2.xml><?xml version="1.0" encoding="utf-8"?>
 <p:sld xmlns:a="http://schemas.openxmlformats.org/drawingml/2006/main" xmlns:r="http://schemas.openxmlformats.org/officeDocument/2006/relationships" xmlns:p="http://schemas.openxmlformats.org/presentationml/2006/main">
   <p:cSld>

--- a/inst/Preparation.pptx
+++ b/inst/Preparation.pptx
@@ -5,7 +5,7 @@
     <p:sldMasterId id="2147483648" r:id="rId1"/>
   </p:sldMasterIdLst>
   <p:notesMasterIdLst>
-    <p:notesMasterId r:id="rId16"/>
+    <p:notesMasterId r:id="rId17"/>
   </p:notesMasterIdLst>
   <p:sldIdLst>
     <p:sldId id="270" r:id="rId2"/>
@@ -13,15 +13,16 @@
     <p:sldId id="257" r:id="rId4"/>
     <p:sldId id="259" r:id="rId5"/>
     <p:sldId id="271" r:id="rId6"/>
-    <p:sldId id="260" r:id="rId7"/>
-    <p:sldId id="265" r:id="rId8"/>
-    <p:sldId id="267" r:id="rId9"/>
-    <p:sldId id="268" r:id="rId10"/>
-    <p:sldId id="269" r:id="rId11"/>
-    <p:sldId id="272" r:id="rId12"/>
-    <p:sldId id="273" r:id="rId13"/>
-    <p:sldId id="274" r:id="rId14"/>
-    <p:sldId id="275" r:id="rId15"/>
+    <p:sldId id="276" r:id="rId7"/>
+    <p:sldId id="260" r:id="rId8"/>
+    <p:sldId id="265" r:id="rId9"/>
+    <p:sldId id="267" r:id="rId10"/>
+    <p:sldId id="268" r:id="rId11"/>
+    <p:sldId id="269" r:id="rId12"/>
+    <p:sldId id="272" r:id="rId13"/>
+    <p:sldId id="273" r:id="rId14"/>
+    <p:sldId id="274" r:id="rId15"/>
+    <p:sldId id="275" r:id="rId16"/>
   </p:sldIdLst>
   <p:sldSz cx="12192000" cy="6858000"/>
   <p:notesSz cx="6858000" cy="9144000"/>
@@ -130,6 +131,166 @@
 
 <file path=ppt/changesInfos/changesInfo1.xml><?xml version="1.0" encoding="utf-8"?>
 <pc:chgInfo xmlns:a="http://schemas.openxmlformats.org/drawingml/2006/main" xmlns:r="http://schemas.openxmlformats.org/officeDocument/2006/relationships" xmlns:ac="http://schemas.microsoft.com/office/drawing/2013/main/command" xmlns:pc="http://schemas.microsoft.com/office/powerpoint/2013/main/command">
+  <pc:docChgLst>
+    <pc:chgData name="Liu, Youzhong [JANBE]" userId="2d0f794a-fd2a-4e4a-9685-8efd566e499f" providerId="ADAL" clId="{3EEDB3CC-7F83-48FA-8CCC-5B4C2D7E4890}"/>
+    <pc:docChg chg="custSel addSld modSld">
+      <pc:chgData name="Liu, Youzhong [JANBE]" userId="2d0f794a-fd2a-4e4a-9685-8efd566e499f" providerId="ADAL" clId="{3EEDB3CC-7F83-48FA-8CCC-5B4C2D7E4890}" dt="2022-10-18T07:57:06.371" v="107" actId="403"/>
+      <pc:docMkLst>
+        <pc:docMk/>
+      </pc:docMkLst>
+      <pc:sldChg chg="addSp delSp modSp new mod">
+        <pc:chgData name="Liu, Youzhong [JANBE]" userId="2d0f794a-fd2a-4e4a-9685-8efd566e499f" providerId="ADAL" clId="{3EEDB3CC-7F83-48FA-8CCC-5B4C2D7E4890}" dt="2022-10-18T07:57:06.371" v="107" actId="403"/>
+        <pc:sldMkLst>
+          <pc:docMk/>
+          <pc:sldMk cId="1772155117" sldId="276"/>
+        </pc:sldMkLst>
+        <pc:spChg chg="del">
+          <ac:chgData name="Liu, Youzhong [JANBE]" userId="2d0f794a-fd2a-4e4a-9685-8efd566e499f" providerId="ADAL" clId="{3EEDB3CC-7F83-48FA-8CCC-5B4C2D7E4890}" dt="2022-10-18T07:51:48.507" v="1" actId="478"/>
+          <ac:spMkLst>
+            <pc:docMk/>
+            <pc:sldMk cId="1772155117" sldId="276"/>
+            <ac:spMk id="2" creationId="{0C9DD1A0-747E-1FE8-CF81-0A5622FD7036}"/>
+          </ac:spMkLst>
+        </pc:spChg>
+        <pc:spChg chg="del">
+          <ac:chgData name="Liu, Youzhong [JANBE]" userId="2d0f794a-fd2a-4e4a-9685-8efd566e499f" providerId="ADAL" clId="{3EEDB3CC-7F83-48FA-8CCC-5B4C2D7E4890}" dt="2022-10-18T07:51:48.507" v="1" actId="478"/>
+          <ac:spMkLst>
+            <pc:docMk/>
+            <pc:sldMk cId="1772155117" sldId="276"/>
+            <ac:spMk id="3" creationId="{0DE35806-47B6-E11B-875D-297D61BF51F7}"/>
+          </ac:spMkLst>
+        </pc:spChg>
+        <pc:spChg chg="add mod">
+          <ac:chgData name="Liu, Youzhong [JANBE]" userId="2d0f794a-fd2a-4e4a-9685-8efd566e499f" providerId="ADAL" clId="{3EEDB3CC-7F83-48FA-8CCC-5B4C2D7E4890}" dt="2022-10-18T07:57:06.371" v="107" actId="403"/>
+          <ac:spMkLst>
+            <pc:docMk/>
+            <pc:sldMk cId="1772155117" sldId="276"/>
+            <ac:spMk id="7" creationId="{5A042347-0A3D-5EF8-FFA9-5883C024FE8E}"/>
+          </ac:spMkLst>
+        </pc:spChg>
+        <pc:spChg chg="add mod">
+          <ac:chgData name="Liu, Youzhong [JANBE]" userId="2d0f794a-fd2a-4e4a-9685-8efd566e499f" providerId="ADAL" clId="{3EEDB3CC-7F83-48FA-8CCC-5B4C2D7E4890}" dt="2022-10-18T07:55:17.770" v="86" actId="1076"/>
+          <ac:spMkLst>
+            <pc:docMk/>
+            <pc:sldMk cId="1772155117" sldId="276"/>
+            <ac:spMk id="9" creationId="{9B38A40F-D871-8C13-305C-EB251716B21D}"/>
+          </ac:spMkLst>
+        </pc:spChg>
+        <pc:spChg chg="add mod">
+          <ac:chgData name="Liu, Youzhong [JANBE]" userId="2d0f794a-fd2a-4e4a-9685-8efd566e499f" providerId="ADAL" clId="{3EEDB3CC-7F83-48FA-8CCC-5B4C2D7E4890}" dt="2022-10-18T07:57:06.371" v="107" actId="403"/>
+          <ac:spMkLst>
+            <pc:docMk/>
+            <pc:sldMk cId="1772155117" sldId="276"/>
+            <ac:spMk id="13" creationId="{A217C8C5-A724-C4EA-F17C-29546DBBE318}"/>
+          </ac:spMkLst>
+        </pc:spChg>
+        <pc:spChg chg="add mod">
+          <ac:chgData name="Liu, Youzhong [JANBE]" userId="2d0f794a-fd2a-4e4a-9685-8efd566e499f" providerId="ADAL" clId="{3EEDB3CC-7F83-48FA-8CCC-5B4C2D7E4890}" dt="2022-10-18T07:55:29.837" v="91" actId="1076"/>
+          <ac:spMkLst>
+            <pc:docMk/>
+            <pc:sldMk cId="1772155117" sldId="276"/>
+            <ac:spMk id="15" creationId="{86FA6034-FA08-2266-DEE7-310CF2838EA8}"/>
+          </ac:spMkLst>
+        </pc:spChg>
+        <pc:spChg chg="add mod">
+          <ac:chgData name="Liu, Youzhong [JANBE]" userId="2d0f794a-fd2a-4e4a-9685-8efd566e499f" providerId="ADAL" clId="{3EEDB3CC-7F83-48FA-8CCC-5B4C2D7E4890}" dt="2022-10-18T07:55:21.696" v="88" actId="1076"/>
+          <ac:spMkLst>
+            <pc:docMk/>
+            <pc:sldMk cId="1772155117" sldId="276"/>
+            <ac:spMk id="17" creationId="{A2F556F1-C2D9-7AF5-ECCD-9B30123F8C64}"/>
+          </ac:spMkLst>
+        </pc:spChg>
+        <pc:spChg chg="add mod ord">
+          <ac:chgData name="Liu, Youzhong [JANBE]" userId="2d0f794a-fd2a-4e4a-9685-8efd566e499f" providerId="ADAL" clId="{3EEDB3CC-7F83-48FA-8CCC-5B4C2D7E4890}" dt="2022-10-18T07:56:59.522" v="106" actId="14100"/>
+          <ac:spMkLst>
+            <pc:docMk/>
+            <pc:sldMk cId="1772155117" sldId="276"/>
+            <ac:spMk id="21" creationId="{EFD621C7-71B7-50D9-F3B7-F38FC50D5E42}"/>
+          </ac:spMkLst>
+        </pc:spChg>
+        <pc:spChg chg="add mod">
+          <ac:chgData name="Liu, Youzhong [JANBE]" userId="2d0f794a-fd2a-4e4a-9685-8efd566e499f" providerId="ADAL" clId="{3EEDB3CC-7F83-48FA-8CCC-5B4C2D7E4890}" dt="2022-10-18T07:56:22.893" v="102" actId="113"/>
+          <ac:spMkLst>
+            <pc:docMk/>
+            <pc:sldMk cId="1772155117" sldId="276"/>
+            <ac:spMk id="22" creationId="{3070E624-51EA-8C88-6440-A9A944F52981}"/>
+          </ac:spMkLst>
+        </pc:spChg>
+        <pc:picChg chg="add mod">
+          <ac:chgData name="Liu, Youzhong [JANBE]" userId="2d0f794a-fd2a-4e4a-9685-8efd566e499f" providerId="ADAL" clId="{3EEDB3CC-7F83-48FA-8CCC-5B4C2D7E4890}" dt="2022-10-18T07:51:54.179" v="4" actId="1076"/>
+          <ac:picMkLst>
+            <pc:docMk/>
+            <pc:sldMk cId="1772155117" sldId="276"/>
+            <ac:picMk id="5" creationId="{72D677E2-3829-DA85-69C1-02D5D6B1D6F7}"/>
+          </ac:picMkLst>
+        </pc:picChg>
+        <pc:cxnChg chg="add mod">
+          <ac:chgData name="Liu, Youzhong [JANBE]" userId="2d0f794a-fd2a-4e4a-9685-8efd566e499f" providerId="ADAL" clId="{3EEDB3CC-7F83-48FA-8CCC-5B4C2D7E4890}" dt="2022-10-18T07:52:39.620" v="28" actId="1076"/>
+          <ac:cxnSpMkLst>
+            <pc:docMk/>
+            <pc:sldMk cId="1772155117" sldId="276"/>
+            <ac:cxnSpMk id="6" creationId="{07EDA3DD-8E1C-1D1E-8CFF-56798E924D38}"/>
+          </ac:cxnSpMkLst>
+        </pc:cxnChg>
+        <pc:cxnChg chg="add del mod">
+          <ac:chgData name="Liu, Youzhong [JANBE]" userId="2d0f794a-fd2a-4e4a-9685-8efd566e499f" providerId="ADAL" clId="{3EEDB3CC-7F83-48FA-8CCC-5B4C2D7E4890}" dt="2022-10-18T07:52:48.597" v="38" actId="478"/>
+          <ac:cxnSpMkLst>
+            <pc:docMk/>
+            <pc:sldMk cId="1772155117" sldId="276"/>
+            <ac:cxnSpMk id="8" creationId="{FA042869-FBD5-D3DB-11B4-28EA33BB06BF}"/>
+          </ac:cxnSpMkLst>
+        </pc:cxnChg>
+        <pc:cxnChg chg="add mod">
+          <ac:chgData name="Liu, Youzhong [JANBE]" userId="2d0f794a-fd2a-4e4a-9685-8efd566e499f" providerId="ADAL" clId="{3EEDB3CC-7F83-48FA-8CCC-5B4C2D7E4890}" dt="2022-10-18T07:55:19.130" v="87" actId="1076"/>
+          <ac:cxnSpMkLst>
+            <pc:docMk/>
+            <pc:sldMk cId="1772155117" sldId="276"/>
+            <ac:cxnSpMk id="10" creationId="{2633B8C2-ACB5-2764-878D-BD5DE6B12977}"/>
+          </ac:cxnSpMkLst>
+        </pc:cxnChg>
+        <pc:cxnChg chg="add mod">
+          <ac:chgData name="Liu, Youzhong [JANBE]" userId="2d0f794a-fd2a-4e4a-9685-8efd566e499f" providerId="ADAL" clId="{3EEDB3CC-7F83-48FA-8CCC-5B4C2D7E4890}" dt="2022-10-18T07:52:57.725" v="40" actId="1076"/>
+          <ac:cxnSpMkLst>
+            <pc:docMk/>
+            <pc:sldMk cId="1772155117" sldId="276"/>
+            <ac:cxnSpMk id="11" creationId="{CE07CC83-9776-FE2E-B057-9C96DC6361A9}"/>
+          </ac:cxnSpMkLst>
+        </pc:cxnChg>
+        <pc:cxnChg chg="add mod">
+          <ac:chgData name="Liu, Youzhong [JANBE]" userId="2d0f794a-fd2a-4e4a-9685-8efd566e499f" providerId="ADAL" clId="{3EEDB3CC-7F83-48FA-8CCC-5B4C2D7E4890}" dt="2022-10-18T07:54:16.218" v="67" actId="1076"/>
+          <ac:cxnSpMkLst>
+            <pc:docMk/>
+            <pc:sldMk cId="1772155117" sldId="276"/>
+            <ac:cxnSpMk id="12" creationId="{E4C64221-A0D4-B962-2EED-0CC3AD0F7685}"/>
+          </ac:cxnSpMkLst>
+        </pc:cxnChg>
+        <pc:cxnChg chg="add mod">
+          <ac:chgData name="Liu, Youzhong [JANBE]" userId="2d0f794a-fd2a-4e4a-9685-8efd566e499f" providerId="ADAL" clId="{3EEDB3CC-7F83-48FA-8CCC-5B4C2D7E4890}" dt="2022-10-18T07:54:05.286" v="60" actId="1076"/>
+          <ac:cxnSpMkLst>
+            <pc:docMk/>
+            <pc:sldMk cId="1772155117" sldId="276"/>
+            <ac:cxnSpMk id="16" creationId="{6FF57B84-ED82-226C-7777-90A4EE3741F4}"/>
+          </ac:cxnSpMkLst>
+        </pc:cxnChg>
+        <pc:cxnChg chg="add del mod">
+          <ac:chgData name="Liu, Youzhong [JANBE]" userId="2d0f794a-fd2a-4e4a-9685-8efd566e499f" providerId="ADAL" clId="{3EEDB3CC-7F83-48FA-8CCC-5B4C2D7E4890}" dt="2022-10-18T07:55:33.529" v="92" actId="478"/>
+          <ac:cxnSpMkLst>
+            <pc:docMk/>
+            <pc:sldMk cId="1772155117" sldId="276"/>
+            <ac:cxnSpMk id="18" creationId="{1422D288-6CF6-6287-1E30-9B9139D14BD2}"/>
+          </ac:cxnSpMkLst>
+        </pc:cxnChg>
+        <pc:cxnChg chg="add mod">
+          <ac:chgData name="Liu, Youzhong [JANBE]" userId="2d0f794a-fd2a-4e4a-9685-8efd566e499f" providerId="ADAL" clId="{3EEDB3CC-7F83-48FA-8CCC-5B4C2D7E4890}" dt="2022-10-18T07:55:25.525" v="90" actId="1076"/>
+          <ac:cxnSpMkLst>
+            <pc:docMk/>
+            <pc:sldMk cId="1772155117" sldId="276"/>
+            <ac:cxnSpMk id="20" creationId="{0488BC89-64A0-4691-8DDB-CD4E90AECA05}"/>
+          </ac:cxnSpMkLst>
+        </pc:cxnChg>
+      </pc:sldChg>
+    </pc:docChg>
+  </pc:docChgLst>
   <pc:docChgLst>
     <pc:chgData name="Liu, Youzhong [JANBE]" userId="2d0f794a-fd2a-4e4a-9685-8efd566e499f" providerId="ADAL" clId="{D8A39EC7-E728-43C6-8646-720616CB2D73}"/>
     <pc:docChg chg="modSld">
@@ -784,7 +945,7 @@
           <a:p>
             <a:fld id="{DB793187-038D-46E7-93F5-6A59D77E4888}" type="datetimeFigureOut">
               <a:rPr lang="en-US" smtClean="0"/>
-              <a:t>10/2/2022</a:t>
+              <a:t>10/18/2022</a:t>
             </a:fld>
             <a:endParaRPr lang="en-US"/>
           </a:p>
@@ -1071,6 +1232,90 @@
       </p:grpSpPr>
       <p:sp>
         <p:nvSpPr>
+          <p:cNvPr id="2" name="Slide Image Placeholder 1"/>
+          <p:cNvSpPr>
+            <a:spLocks noGrp="1" noRot="1" noChangeAspect="1"/>
+          </p:cNvSpPr>
+          <p:nvPr>
+            <p:ph type="sldImg"/>
+          </p:nvPr>
+        </p:nvSpPr>
+        <p:spPr/>
+      </p:sp>
+      <p:sp>
+        <p:nvSpPr>
+          <p:cNvPr id="3" name="Notes Placeholder 2"/>
+          <p:cNvSpPr>
+            <a:spLocks noGrp="1"/>
+          </p:cNvSpPr>
+          <p:nvPr>
+            <p:ph type="body" idx="1"/>
+          </p:nvPr>
+        </p:nvSpPr>
+        <p:spPr/>
+        <p:txBody>
+          <a:bodyPr/>
+          <a:lstStyle/>
+          <a:p>
+            <a:endParaRPr lang="en-US" dirty="0"/>
+          </a:p>
+        </p:txBody>
+      </p:sp>
+      <p:sp>
+        <p:nvSpPr>
+          <p:cNvPr id="4" name="Slide Number Placeholder 3"/>
+          <p:cNvSpPr>
+            <a:spLocks noGrp="1"/>
+          </p:cNvSpPr>
+          <p:nvPr>
+            <p:ph type="sldNum" sz="quarter" idx="5"/>
+          </p:nvPr>
+        </p:nvSpPr>
+        <p:spPr/>
+        <p:txBody>
+          <a:bodyPr/>
+          <a:lstStyle/>
+          <a:p>
+            <a:fld id="{E3321616-E315-44E4-BD4C-1021EFED320A}" type="slidenum">
+              <a:rPr lang="en-US" smtClean="0"/>
+              <a:t>6</a:t>
+            </a:fld>
+            <a:endParaRPr lang="en-US"/>
+          </a:p>
+        </p:txBody>
+      </p:sp>
+    </p:spTree>
+    <p:extLst>
+      <p:ext uri="{BB962C8B-B14F-4D97-AF65-F5344CB8AC3E}">
+        <p14:creationId xmlns:p14="http://schemas.microsoft.com/office/powerpoint/2010/main" val="3799354498"/>
+      </p:ext>
+    </p:extLst>
+  </p:cSld>
+  <p:clrMapOvr>
+    <a:masterClrMapping/>
+  </p:clrMapOvr>
+</p:notes>
+</file>
+
+<file path=ppt/notesSlides/notesSlide2.xml><?xml version="1.0" encoding="utf-8"?>
+<p:notes xmlns:a="http://schemas.openxmlformats.org/drawingml/2006/main" xmlns:r="http://schemas.openxmlformats.org/officeDocument/2006/relationships" xmlns:p="http://schemas.openxmlformats.org/presentationml/2006/main">
+  <p:cSld>
+    <p:spTree>
+      <p:nvGrpSpPr>
+        <p:cNvPr id="1" name=""/>
+        <p:cNvGrpSpPr/>
+        <p:nvPr/>
+      </p:nvGrpSpPr>
+      <p:grpSpPr>
+        <a:xfrm>
+          <a:off x="0" y="0"/>
+          <a:ext cx="0" cy="0"/>
+          <a:chOff x="0" y="0"/>
+          <a:chExt cx="0" cy="0"/>
+        </a:xfrm>
+      </p:grpSpPr>
+      <p:sp>
+        <p:nvSpPr>
           <p:cNvPr id="2" name="Espace réservé de l'image des diapositives 1"/>
           <p:cNvSpPr>
             <a:spLocks noGrp="1" noRot="1" noChangeAspect="1"/>
@@ -1117,7 +1362,7 @@
           <a:p>
             <a:fld id="{E3321616-E315-44E4-BD4C-1021EFED320A}" type="slidenum">
               <a:rPr lang="en-US" smtClean="0"/>
-              <a:t>7</a:t>
+              <a:t>8</a:t>
             </a:fld>
             <a:endParaRPr lang="en-US"/>
           </a:p>
@@ -1285,7 +1530,7 @@
           <a:p>
             <a:fld id="{63C097CE-CE30-40FD-8349-F85D75ED7B0A}" type="datetimeFigureOut">
               <a:rPr lang="en-US" smtClean="0"/>
-              <a:t>10/2/2022</a:t>
+              <a:t>10/18/2022</a:t>
             </a:fld>
             <a:endParaRPr lang="en-US"/>
           </a:p>
@@ -1485,7 +1730,7 @@
           <a:p>
             <a:fld id="{63C097CE-CE30-40FD-8349-F85D75ED7B0A}" type="datetimeFigureOut">
               <a:rPr lang="en-US" smtClean="0"/>
-              <a:t>10/2/2022</a:t>
+              <a:t>10/18/2022</a:t>
             </a:fld>
             <a:endParaRPr lang="en-US"/>
           </a:p>
@@ -1695,7 +1940,7 @@
           <a:p>
             <a:fld id="{63C097CE-CE30-40FD-8349-F85D75ED7B0A}" type="datetimeFigureOut">
               <a:rPr lang="en-US" smtClean="0"/>
-              <a:t>10/2/2022</a:t>
+              <a:t>10/18/2022</a:t>
             </a:fld>
             <a:endParaRPr lang="en-US"/>
           </a:p>
@@ -1895,7 +2140,7 @@
           <a:p>
             <a:fld id="{63C097CE-CE30-40FD-8349-F85D75ED7B0A}" type="datetimeFigureOut">
               <a:rPr lang="en-US" smtClean="0"/>
-              <a:t>10/2/2022</a:t>
+              <a:t>10/18/2022</a:t>
             </a:fld>
             <a:endParaRPr lang="en-US"/>
           </a:p>
@@ -2171,7 +2416,7 @@
           <a:p>
             <a:fld id="{63C097CE-CE30-40FD-8349-F85D75ED7B0A}" type="datetimeFigureOut">
               <a:rPr lang="en-US" smtClean="0"/>
-              <a:t>10/2/2022</a:t>
+              <a:t>10/18/2022</a:t>
             </a:fld>
             <a:endParaRPr lang="en-US"/>
           </a:p>
@@ -2439,7 +2684,7 @@
           <a:p>
             <a:fld id="{63C097CE-CE30-40FD-8349-F85D75ED7B0A}" type="datetimeFigureOut">
               <a:rPr lang="en-US" smtClean="0"/>
-              <a:t>10/2/2022</a:t>
+              <a:t>10/18/2022</a:t>
             </a:fld>
             <a:endParaRPr lang="en-US"/>
           </a:p>
@@ -2854,7 +3099,7 @@
           <a:p>
             <a:fld id="{63C097CE-CE30-40FD-8349-F85D75ED7B0A}" type="datetimeFigureOut">
               <a:rPr lang="en-US" smtClean="0"/>
-              <a:t>10/2/2022</a:t>
+              <a:t>10/18/2022</a:t>
             </a:fld>
             <a:endParaRPr lang="en-US"/>
           </a:p>
@@ -2996,7 +3241,7 @@
           <a:p>
             <a:fld id="{63C097CE-CE30-40FD-8349-F85D75ED7B0A}" type="datetimeFigureOut">
               <a:rPr lang="en-US" smtClean="0"/>
-              <a:t>10/2/2022</a:t>
+              <a:t>10/18/2022</a:t>
             </a:fld>
             <a:endParaRPr lang="en-US"/>
           </a:p>
@@ -3109,7 +3354,7 @@
           <a:p>
             <a:fld id="{63C097CE-CE30-40FD-8349-F85D75ED7B0A}" type="datetimeFigureOut">
               <a:rPr lang="en-US" smtClean="0"/>
-              <a:t>10/2/2022</a:t>
+              <a:t>10/18/2022</a:t>
             </a:fld>
             <a:endParaRPr lang="en-US"/>
           </a:p>
@@ -3422,7 +3667,7 @@
           <a:p>
             <a:fld id="{63C097CE-CE30-40FD-8349-F85D75ED7B0A}" type="datetimeFigureOut">
               <a:rPr lang="en-US" smtClean="0"/>
-              <a:t>10/2/2022</a:t>
+              <a:t>10/18/2022</a:t>
             </a:fld>
             <a:endParaRPr lang="en-US"/>
           </a:p>
@@ -3711,7 +3956,7 @@
           <a:p>
             <a:fld id="{63C097CE-CE30-40FD-8349-F85D75ED7B0A}" type="datetimeFigureOut">
               <a:rPr lang="en-US" smtClean="0"/>
-              <a:t>10/2/2022</a:t>
+              <a:t>10/18/2022</a:t>
             </a:fld>
             <a:endParaRPr lang="en-US"/>
           </a:p>
@@ -3954,7 +4199,7 @@
           <a:p>
             <a:fld id="{63C097CE-CE30-40FD-8349-F85D75ED7B0A}" type="datetimeFigureOut">
               <a:rPr lang="en-US" smtClean="0"/>
-              <a:t>10/2/2022</a:t>
+              <a:t>10/18/2022</a:t>
             </a:fld>
             <a:endParaRPr lang="en-US"/>
           </a:p>
@@ -5155,10 +5400,10 @@
       </p:grpSpPr>
       <p:pic>
         <p:nvPicPr>
-          <p:cNvPr id="4" name="Image 3">
-            <a:extLst>
-              <a:ext uri="{FF2B5EF4-FFF2-40B4-BE49-F238E27FC236}">
-                <a16:creationId xmlns:a16="http://schemas.microsoft.com/office/drawing/2014/main" id="{6C19478E-F45E-40A6-8A0B-C78546DF4832}"/>
+          <p:cNvPr id="2" name="Image 1">
+            <a:extLst>
+              <a:ext uri="{FF2B5EF4-FFF2-40B4-BE49-F238E27FC236}">
+                <a16:creationId xmlns:a16="http://schemas.microsoft.com/office/drawing/2014/main" id="{4FB293FA-1E0C-433D-8A51-595E823EBD37}"/>
               </a:ext>
             </a:extLst>
           </p:cNvPr>
@@ -5169,71 +5414,13 @@
         </p:nvPicPr>
         <p:blipFill rotWithShape="1">
           <a:blip r:embed="rId2"/>
-          <a:srcRect l="1943" t="19567" r="3924" b="9959"/>
+          <a:srcRect l="3820" t="18975" r="7051" b="10933"/>
           <a:stretch/>
         </p:blipFill>
         <p:spPr>
           <a:xfrm>
-            <a:off x="1288473" y="635120"/>
-            <a:ext cx="4462955" cy="2728185"/>
-          </a:xfrm>
-          <a:prstGeom prst="rect">
-            <a:avLst/>
-          </a:prstGeom>
-        </p:spPr>
-      </p:pic>
-      <p:pic>
-        <p:nvPicPr>
-          <p:cNvPr id="5" name="Image 4">
-            <a:extLst>
-              <a:ext uri="{FF2B5EF4-FFF2-40B4-BE49-F238E27FC236}">
-                <a16:creationId xmlns:a16="http://schemas.microsoft.com/office/drawing/2014/main" id="{284C9446-8711-4695-A6CC-73B0BAE2051E}"/>
-              </a:ext>
-            </a:extLst>
-          </p:cNvPr>
-          <p:cNvPicPr>
-            <a:picLocks noChangeAspect="1"/>
-          </p:cNvPicPr>
-          <p:nvPr/>
-        </p:nvPicPr>
-        <p:blipFill rotWithShape="1">
-          <a:blip r:embed="rId3"/>
-          <a:srcRect l="4446" t="18210" r="5866" b="7869"/>
-          <a:stretch/>
-        </p:blipFill>
-        <p:spPr>
-          <a:xfrm>
-            <a:off x="5507181" y="635120"/>
-            <a:ext cx="4208318" cy="2832094"/>
-          </a:xfrm>
-          <a:prstGeom prst="rect">
-            <a:avLst/>
-          </a:prstGeom>
-        </p:spPr>
-      </p:pic>
-      <p:pic>
-        <p:nvPicPr>
-          <p:cNvPr id="2" name="Image 1">
-            <a:extLst>
-              <a:ext uri="{FF2B5EF4-FFF2-40B4-BE49-F238E27FC236}">
-                <a16:creationId xmlns:a16="http://schemas.microsoft.com/office/drawing/2014/main" id="{A156D9A5-439B-4650-B5F4-E8FA93D9160A}"/>
-              </a:ext>
-            </a:extLst>
-          </p:cNvPr>
-          <p:cNvPicPr>
-            <a:picLocks noChangeAspect="1"/>
-          </p:cNvPicPr>
-          <p:nvPr/>
-        </p:nvPicPr>
-        <p:blipFill rotWithShape="1">
-          <a:blip r:embed="rId4"/>
-          <a:srcRect l="11607" t="6673" r="2914" b="23664"/>
-          <a:stretch/>
-        </p:blipFill>
-        <p:spPr>
-          <a:xfrm>
-            <a:off x="2441865" y="3844636"/>
-            <a:ext cx="5305888" cy="2628900"/>
+            <a:off x="1859972" y="1423555"/>
+            <a:ext cx="6431973" cy="4130003"/>
           </a:xfrm>
           <a:prstGeom prst="rect">
             <a:avLst/>
@@ -5243,7 +5430,7 @@
     </p:spTree>
     <p:extLst>
       <p:ext uri="{BB962C8B-B14F-4D97-AF65-F5344CB8AC3E}">
-        <p14:creationId xmlns:p14="http://schemas.microsoft.com/office/powerpoint/2010/main" val="724617817"/>
+        <p14:creationId xmlns:p14="http://schemas.microsoft.com/office/powerpoint/2010/main" val="3184723136"/>
       </p:ext>
     </p:extLst>
   </p:cSld>
@@ -5270,66 +5457,12 @@
           <a:chExt cx="0" cy="0"/>
         </a:xfrm>
       </p:grpSpPr>
-      <p:sp>
-        <p:nvSpPr>
-          <p:cNvPr id="33" name="Rectangle 32">
-            <a:extLst>
-              <a:ext uri="{FF2B5EF4-FFF2-40B4-BE49-F238E27FC236}">
-                <a16:creationId xmlns:a16="http://schemas.microsoft.com/office/drawing/2014/main" id="{512CB395-EA39-4DC8-B7CC-55AD83BD0125}"/>
-              </a:ext>
-            </a:extLst>
-          </p:cNvPr>
-          <p:cNvSpPr/>
-          <p:nvPr/>
-        </p:nvSpPr>
-        <p:spPr>
-          <a:xfrm>
-            <a:off x="839202" y="1100066"/>
-            <a:ext cx="9346018" cy="3846732"/>
-          </a:xfrm>
-          <a:prstGeom prst="rect">
-            <a:avLst/>
-          </a:prstGeom>
-          <a:solidFill>
-            <a:schemeClr val="bg1"/>
-          </a:solidFill>
-          <a:ln>
-            <a:solidFill>
-              <a:schemeClr val="bg1"/>
-            </a:solidFill>
-          </a:ln>
-        </p:spPr>
-        <p:style>
-          <a:lnRef idx="2">
-            <a:schemeClr val="accent1">
-              <a:shade val="50000"/>
-            </a:schemeClr>
-          </a:lnRef>
-          <a:fillRef idx="1">
-            <a:schemeClr val="accent1"/>
-          </a:fillRef>
-          <a:effectRef idx="0">
-            <a:schemeClr val="accent1"/>
-          </a:effectRef>
-          <a:fontRef idx="minor">
-            <a:schemeClr val="lt1"/>
-          </a:fontRef>
-        </p:style>
-        <p:txBody>
-          <a:bodyPr rtlCol="0" anchor="ctr"/>
-          <a:lstStyle/>
-          <a:p>
-            <a:pPr algn="ctr"/>
-            <a:endParaRPr lang="en-US"/>
-          </a:p>
-        </p:txBody>
-      </p:sp>
       <p:pic>
         <p:nvPicPr>
-          <p:cNvPr id="5" name="Picture 4">
-            <a:extLst>
-              <a:ext uri="{FF2B5EF4-FFF2-40B4-BE49-F238E27FC236}">
-                <a16:creationId xmlns:a16="http://schemas.microsoft.com/office/drawing/2014/main" id="{1E0FC18A-4446-4836-928C-7994D304CC15}"/>
+          <p:cNvPr id="4" name="Image 3">
+            <a:extLst>
+              <a:ext uri="{FF2B5EF4-FFF2-40B4-BE49-F238E27FC236}">
+                <a16:creationId xmlns:a16="http://schemas.microsoft.com/office/drawing/2014/main" id="{6C19478E-F45E-40A6-8A0B-C78546DF4832}"/>
               </a:ext>
             </a:extLst>
           </p:cNvPr>
@@ -5340,790 +5473,81 @@
         </p:nvPicPr>
         <p:blipFill rotWithShape="1">
           <a:blip r:embed="rId2"/>
-          <a:srcRect t="914" r="1564"/>
+          <a:srcRect l="1943" t="19567" r="3924" b="9959"/>
           <a:stretch/>
         </p:blipFill>
         <p:spPr>
           <a:xfrm>
-            <a:off x="1017181" y="2371946"/>
-            <a:ext cx="8700977" cy="2114107"/>
+            <a:off x="1288473" y="635120"/>
+            <a:ext cx="4462955" cy="2728185"/>
           </a:xfrm>
           <a:prstGeom prst="rect">
             <a:avLst/>
           </a:prstGeom>
         </p:spPr>
       </p:pic>
-      <p:sp>
-        <p:nvSpPr>
-          <p:cNvPr id="7" name="Rectangle: Rounded Corners 6">
-            <a:extLst>
-              <a:ext uri="{FF2B5EF4-FFF2-40B4-BE49-F238E27FC236}">
-                <a16:creationId xmlns:a16="http://schemas.microsoft.com/office/drawing/2014/main" id="{6643CF50-8B3C-4631-8B25-359A38B543EE}"/>
-              </a:ext>
-            </a:extLst>
-          </p:cNvPr>
-          <p:cNvSpPr/>
-          <p:nvPr/>
-        </p:nvSpPr>
-        <p:spPr>
-          <a:xfrm>
-            <a:off x="4263656" y="2371946"/>
-            <a:ext cx="1275907" cy="264928"/>
-          </a:xfrm>
-          <a:prstGeom prst="roundRect">
-            <a:avLst/>
-          </a:prstGeom>
-          <a:noFill/>
-          <a:ln w="28575">
-            <a:solidFill>
-              <a:srgbClr val="FF0000"/>
-            </a:solidFill>
-            <a:prstDash val="sysDot"/>
-          </a:ln>
-        </p:spPr>
-        <p:style>
-          <a:lnRef idx="2">
-            <a:schemeClr val="accent1">
-              <a:shade val="50000"/>
-            </a:schemeClr>
-          </a:lnRef>
-          <a:fillRef idx="1">
-            <a:schemeClr val="accent1"/>
-          </a:fillRef>
-          <a:effectRef idx="0">
-            <a:schemeClr val="accent1"/>
-          </a:effectRef>
-          <a:fontRef idx="minor">
-            <a:schemeClr val="lt1"/>
-          </a:fontRef>
-        </p:style>
-        <p:txBody>
-          <a:bodyPr rtlCol="0" anchor="ctr"/>
-          <a:lstStyle/>
-          <a:p>
-            <a:pPr algn="ctr"/>
-            <a:endParaRPr lang="en-US"/>
-          </a:p>
-        </p:txBody>
-      </p:sp>
-      <p:sp>
-        <p:nvSpPr>
-          <p:cNvPr id="8" name="Rectangle: Rounded Corners 7">
-            <a:extLst>
-              <a:ext uri="{FF2B5EF4-FFF2-40B4-BE49-F238E27FC236}">
-                <a16:creationId xmlns:a16="http://schemas.microsoft.com/office/drawing/2014/main" id="{C5135383-F3C7-49B4-9292-564B30578900}"/>
-              </a:ext>
-            </a:extLst>
-          </p:cNvPr>
-          <p:cNvSpPr/>
-          <p:nvPr/>
-        </p:nvSpPr>
-        <p:spPr>
-          <a:xfrm>
-            <a:off x="6074734" y="2375489"/>
-            <a:ext cx="1463040" cy="264928"/>
-          </a:xfrm>
-          <a:prstGeom prst="roundRect">
-            <a:avLst/>
-          </a:prstGeom>
-          <a:noFill/>
-          <a:ln w="28575">
-            <a:solidFill>
-              <a:srgbClr val="FF0000"/>
-            </a:solidFill>
-            <a:prstDash val="sysDot"/>
-          </a:ln>
-        </p:spPr>
-        <p:style>
-          <a:lnRef idx="2">
-            <a:schemeClr val="accent1">
-              <a:shade val="50000"/>
-            </a:schemeClr>
-          </a:lnRef>
-          <a:fillRef idx="1">
-            <a:schemeClr val="accent1"/>
-          </a:fillRef>
-          <a:effectRef idx="0">
-            <a:schemeClr val="accent1"/>
-          </a:effectRef>
-          <a:fontRef idx="minor">
-            <a:schemeClr val="lt1"/>
-          </a:fontRef>
-        </p:style>
-        <p:txBody>
-          <a:bodyPr rtlCol="0" anchor="ctr"/>
-          <a:lstStyle/>
-          <a:p>
-            <a:pPr algn="ctr"/>
-            <a:endParaRPr lang="en-US"/>
-          </a:p>
-        </p:txBody>
-      </p:sp>
-      <p:sp>
-        <p:nvSpPr>
-          <p:cNvPr id="9" name="TextBox 8">
-            <a:extLst>
-              <a:ext uri="{FF2B5EF4-FFF2-40B4-BE49-F238E27FC236}">
-                <a16:creationId xmlns:a16="http://schemas.microsoft.com/office/drawing/2014/main" id="{29A66DC4-42A8-47DC-B7D8-F35B2F9C67A0}"/>
-              </a:ext>
-            </a:extLst>
-          </p:cNvPr>
-          <p:cNvSpPr txBox="1"/>
-          <p:nvPr/>
-        </p:nvSpPr>
-        <p:spPr>
-          <a:xfrm>
-            <a:off x="1017181" y="1214366"/>
-            <a:ext cx="4231758" cy="646331"/>
+      <p:pic>
+        <p:nvPicPr>
+          <p:cNvPr id="5" name="Image 4">
+            <a:extLst>
+              <a:ext uri="{FF2B5EF4-FFF2-40B4-BE49-F238E27FC236}">
+                <a16:creationId xmlns:a16="http://schemas.microsoft.com/office/drawing/2014/main" id="{284C9446-8711-4695-A6CC-73B0BAE2051E}"/>
+              </a:ext>
+            </a:extLst>
+          </p:cNvPr>
+          <p:cNvPicPr>
+            <a:picLocks noChangeAspect="1"/>
+          </p:cNvPicPr>
+          <p:nvPr/>
+        </p:nvPicPr>
+        <p:blipFill rotWithShape="1">
+          <a:blip r:embed="rId3"/>
+          <a:srcRect l="4446" t="18210" r="5866" b="7869"/>
+          <a:stretch/>
+        </p:blipFill>
+        <p:spPr>
+          <a:xfrm>
+            <a:off x="5507181" y="635120"/>
+            <a:ext cx="4208318" cy="2832094"/>
           </a:xfrm>
           <a:prstGeom prst="rect">
             <a:avLst/>
           </a:prstGeom>
-          <a:noFill/>
-        </p:spPr>
-        <p:txBody>
-          <a:bodyPr wrap="square" rtlCol="0">
-            <a:spAutoFit/>
-          </a:bodyPr>
-          <a:lstStyle/>
-          <a:p>
-            <a:r>
-              <a:rPr lang="en-US" i="1" dirty="0">
-                <a:solidFill>
-                  <a:srgbClr val="FF0000"/>
-                </a:solidFill>
-              </a:rPr>
-              <a:t>No MS1 scan was extracted since the goal is library search and MS2-based networking</a:t>
-            </a:r>
-          </a:p>
-        </p:txBody>
-      </p:sp>
-      <p:cxnSp>
-        <p:nvCxnSpPr>
-          <p:cNvPr id="11" name="Straight Arrow Connector 10">
-            <a:extLst>
-              <a:ext uri="{FF2B5EF4-FFF2-40B4-BE49-F238E27FC236}">
-                <a16:creationId xmlns:a16="http://schemas.microsoft.com/office/drawing/2014/main" id="{963F37A3-8966-429B-AA90-AB3CCC9C5D95}"/>
-              </a:ext>
-            </a:extLst>
-          </p:cNvPr>
-          <p:cNvCxnSpPr>
-            <a:cxnSpLocks/>
-          </p:cNvCxnSpPr>
-          <p:nvPr/>
-        </p:nvCxnSpPr>
-        <p:spPr>
-          <a:xfrm flipH="1" flipV="1">
-            <a:off x="4423144" y="1882748"/>
-            <a:ext cx="382772" cy="467147"/>
-          </a:xfrm>
-          <a:prstGeom prst="straightConnector1">
-            <a:avLst/>
-          </a:prstGeom>
-          <a:ln>
-            <a:solidFill>
-              <a:srgbClr val="FF0000"/>
-            </a:solidFill>
-            <a:tailEnd type="triangle"/>
-          </a:ln>
-        </p:spPr>
-        <p:style>
-          <a:lnRef idx="1">
-            <a:schemeClr val="accent1"/>
-          </a:lnRef>
-          <a:fillRef idx="0">
-            <a:schemeClr val="accent1"/>
-          </a:fillRef>
-          <a:effectRef idx="0">
-            <a:schemeClr val="accent1"/>
-          </a:effectRef>
-          <a:fontRef idx="minor">
-            <a:schemeClr val="tx1"/>
-          </a:fontRef>
-        </p:style>
-      </p:cxnSp>
-      <p:cxnSp>
-        <p:nvCxnSpPr>
-          <p:cNvPr id="13" name="Straight Arrow Connector 12">
-            <a:extLst>
-              <a:ext uri="{FF2B5EF4-FFF2-40B4-BE49-F238E27FC236}">
-                <a16:creationId xmlns:a16="http://schemas.microsoft.com/office/drawing/2014/main" id="{A1389E6B-B406-4555-9328-6642E34B2FA5}"/>
-              </a:ext>
-            </a:extLst>
-          </p:cNvPr>
-          <p:cNvCxnSpPr>
-            <a:cxnSpLocks/>
-          </p:cNvCxnSpPr>
-          <p:nvPr/>
-        </p:nvCxnSpPr>
-        <p:spPr>
-          <a:xfrm flipV="1">
-            <a:off x="6654210" y="1934562"/>
-            <a:ext cx="495830" cy="395297"/>
-          </a:xfrm>
-          <a:prstGeom prst="straightConnector1">
-            <a:avLst/>
-          </a:prstGeom>
-          <a:ln>
-            <a:solidFill>
-              <a:srgbClr val="FF0000"/>
-            </a:solidFill>
-            <a:tailEnd type="triangle"/>
-          </a:ln>
-        </p:spPr>
-        <p:style>
-          <a:lnRef idx="1">
-            <a:schemeClr val="accent1"/>
-          </a:lnRef>
-          <a:fillRef idx="0">
-            <a:schemeClr val="accent1"/>
-          </a:fillRef>
-          <a:effectRef idx="0">
-            <a:schemeClr val="accent1"/>
-          </a:effectRef>
-          <a:fontRef idx="minor">
-            <a:schemeClr val="tx1"/>
-          </a:fontRef>
-        </p:style>
-      </p:cxnSp>
-      <p:sp>
-        <p:nvSpPr>
-          <p:cNvPr id="14" name="Rectangle: Rounded Corners 13">
-            <a:extLst>
-              <a:ext uri="{FF2B5EF4-FFF2-40B4-BE49-F238E27FC236}">
-                <a16:creationId xmlns:a16="http://schemas.microsoft.com/office/drawing/2014/main" id="{98DD5667-1673-4865-83C3-DCA193DC4438}"/>
-              </a:ext>
-            </a:extLst>
-          </p:cNvPr>
-          <p:cNvSpPr/>
-          <p:nvPr/>
-        </p:nvSpPr>
-        <p:spPr>
-          <a:xfrm>
-            <a:off x="6418520" y="3282799"/>
-            <a:ext cx="1463040" cy="264928"/>
-          </a:xfrm>
-          <a:prstGeom prst="roundRect">
-            <a:avLst/>
-          </a:prstGeom>
-          <a:noFill/>
-          <a:ln w="28575">
-            <a:solidFill>
-              <a:srgbClr val="FF0000"/>
-            </a:solidFill>
-            <a:prstDash val="sysDot"/>
-          </a:ln>
-        </p:spPr>
-        <p:style>
-          <a:lnRef idx="2">
-            <a:schemeClr val="accent1">
-              <a:shade val="50000"/>
-            </a:schemeClr>
-          </a:lnRef>
-          <a:fillRef idx="1">
-            <a:schemeClr val="accent1"/>
-          </a:fillRef>
-          <a:effectRef idx="0">
-            <a:schemeClr val="accent1"/>
-          </a:effectRef>
-          <a:fontRef idx="minor">
-            <a:schemeClr val="lt1"/>
-          </a:fontRef>
-        </p:style>
-        <p:txBody>
-          <a:bodyPr rtlCol="0" anchor="ctr"/>
-          <a:lstStyle/>
-          <a:p>
-            <a:pPr algn="ctr"/>
-            <a:endParaRPr lang="en-US"/>
-          </a:p>
-        </p:txBody>
-      </p:sp>
-      <p:sp>
-        <p:nvSpPr>
-          <p:cNvPr id="15" name="Rectangle: Rounded Corners 14">
-            <a:extLst>
-              <a:ext uri="{FF2B5EF4-FFF2-40B4-BE49-F238E27FC236}">
-                <a16:creationId xmlns:a16="http://schemas.microsoft.com/office/drawing/2014/main" id="{BF11311E-568C-4C3C-AEC5-0E5DEA2A67BB}"/>
-              </a:ext>
-            </a:extLst>
-          </p:cNvPr>
-          <p:cNvSpPr/>
-          <p:nvPr/>
-        </p:nvSpPr>
-        <p:spPr>
-          <a:xfrm>
-            <a:off x="8250866" y="3275709"/>
-            <a:ext cx="1463040" cy="264928"/>
-          </a:xfrm>
-          <a:prstGeom prst="roundRect">
-            <a:avLst/>
-          </a:prstGeom>
-          <a:noFill/>
-          <a:ln w="28575">
-            <a:solidFill>
-              <a:srgbClr val="FF0000"/>
-            </a:solidFill>
-            <a:prstDash val="sysDot"/>
-          </a:ln>
-        </p:spPr>
-        <p:style>
-          <a:lnRef idx="2">
-            <a:schemeClr val="accent1">
-              <a:shade val="50000"/>
-            </a:schemeClr>
-          </a:lnRef>
-          <a:fillRef idx="1">
-            <a:schemeClr val="accent1"/>
-          </a:fillRef>
-          <a:effectRef idx="0">
-            <a:schemeClr val="accent1"/>
-          </a:effectRef>
-          <a:fontRef idx="minor">
-            <a:schemeClr val="lt1"/>
-          </a:fontRef>
-        </p:style>
-        <p:txBody>
-          <a:bodyPr rtlCol="0" anchor="ctr"/>
-          <a:lstStyle/>
-          <a:p>
-            <a:pPr algn="ctr"/>
-            <a:endParaRPr lang="en-US"/>
-          </a:p>
-        </p:txBody>
-      </p:sp>
-      <p:cxnSp>
-        <p:nvCxnSpPr>
-          <p:cNvPr id="17" name="Straight Connector 16">
-            <a:extLst>
-              <a:ext uri="{FF2B5EF4-FFF2-40B4-BE49-F238E27FC236}">
-                <a16:creationId xmlns:a16="http://schemas.microsoft.com/office/drawing/2014/main" id="{0B70EA53-F8DA-4F05-89EB-5558CAFA405F}"/>
-              </a:ext>
-            </a:extLst>
-          </p:cNvPr>
-          <p:cNvCxnSpPr/>
-          <p:nvPr/>
-        </p:nvCxnSpPr>
-        <p:spPr>
-          <a:xfrm>
-            <a:off x="1562986" y="3540637"/>
-            <a:ext cx="1860698" cy="0"/>
-          </a:xfrm>
-          <a:prstGeom prst="line">
-            <a:avLst/>
-          </a:prstGeom>
-          <a:ln w="19050">
-            <a:solidFill>
-              <a:srgbClr val="FF0000"/>
-            </a:solidFill>
-          </a:ln>
-        </p:spPr>
-        <p:style>
-          <a:lnRef idx="1">
-            <a:schemeClr val="accent1"/>
-          </a:lnRef>
-          <a:fillRef idx="0">
-            <a:schemeClr val="accent1"/>
-          </a:fillRef>
-          <a:effectRef idx="0">
-            <a:schemeClr val="accent1"/>
-          </a:effectRef>
-          <a:fontRef idx="minor">
-            <a:schemeClr val="tx1"/>
-          </a:fontRef>
-        </p:style>
-      </p:cxnSp>
-      <p:cxnSp>
-        <p:nvCxnSpPr>
-          <p:cNvPr id="18" name="Straight Connector 17">
-            <a:extLst>
-              <a:ext uri="{FF2B5EF4-FFF2-40B4-BE49-F238E27FC236}">
-                <a16:creationId xmlns:a16="http://schemas.microsoft.com/office/drawing/2014/main" id="{499E13F8-2058-480D-A7C8-AF6F59E1C0D6}"/>
-              </a:ext>
-            </a:extLst>
-          </p:cNvPr>
-          <p:cNvCxnSpPr/>
-          <p:nvPr/>
-        </p:nvCxnSpPr>
-        <p:spPr>
-          <a:xfrm>
-            <a:off x="1396408" y="2619148"/>
-            <a:ext cx="1860698" cy="0"/>
-          </a:xfrm>
-          <a:prstGeom prst="line">
-            <a:avLst/>
-          </a:prstGeom>
-          <a:ln w="19050">
-            <a:solidFill>
-              <a:srgbClr val="FF0000"/>
-            </a:solidFill>
-          </a:ln>
-        </p:spPr>
-        <p:style>
-          <a:lnRef idx="1">
-            <a:schemeClr val="accent1"/>
-          </a:lnRef>
-          <a:fillRef idx="0">
-            <a:schemeClr val="accent1"/>
-          </a:fillRef>
-          <a:effectRef idx="0">
-            <a:schemeClr val="accent1"/>
-          </a:effectRef>
-          <a:fontRef idx="minor">
-            <a:schemeClr val="tx1"/>
-          </a:fontRef>
-        </p:style>
-      </p:cxnSp>
-      <p:sp>
-        <p:nvSpPr>
-          <p:cNvPr id="20" name="TextBox 19">
-            <a:extLst>
-              <a:ext uri="{FF2B5EF4-FFF2-40B4-BE49-F238E27FC236}">
-                <a16:creationId xmlns:a16="http://schemas.microsoft.com/office/drawing/2014/main" id="{4A101894-4EF9-4996-9CFC-81B17859F7B3}"/>
-              </a:ext>
-            </a:extLst>
-          </p:cNvPr>
-          <p:cNvSpPr txBox="1"/>
-          <p:nvPr/>
-        </p:nvSpPr>
-        <p:spPr>
-          <a:xfrm>
-            <a:off x="5669988" y="1214366"/>
-            <a:ext cx="4231758" cy="646331"/>
+        </p:spPr>
+      </p:pic>
+      <p:pic>
+        <p:nvPicPr>
+          <p:cNvPr id="2" name="Image 1">
+            <a:extLst>
+              <a:ext uri="{FF2B5EF4-FFF2-40B4-BE49-F238E27FC236}">
+                <a16:creationId xmlns:a16="http://schemas.microsoft.com/office/drawing/2014/main" id="{A156D9A5-439B-4650-B5F4-E8FA93D9160A}"/>
+              </a:ext>
+            </a:extLst>
+          </p:cNvPr>
+          <p:cNvPicPr>
+            <a:picLocks noChangeAspect="1"/>
+          </p:cNvPicPr>
+          <p:nvPr/>
+        </p:nvPicPr>
+        <p:blipFill rotWithShape="1">
+          <a:blip r:embed="rId4"/>
+          <a:srcRect l="11607" t="6673" r="2914" b="23664"/>
+          <a:stretch/>
+        </p:blipFill>
+        <p:spPr>
+          <a:xfrm>
+            <a:off x="2441865" y="3844636"/>
+            <a:ext cx="5305888" cy="2628900"/>
           </a:xfrm>
           <a:prstGeom prst="rect">
             <a:avLst/>
           </a:prstGeom>
-          <a:noFill/>
-        </p:spPr>
-        <p:txBody>
-          <a:bodyPr wrap="square" rtlCol="0">
-            <a:spAutoFit/>
-          </a:bodyPr>
-          <a:lstStyle/>
-          <a:p>
-            <a:pPr algn="ctr"/>
-            <a:r>
-              <a:rPr lang="en-US" i="1" dirty="0">
-                <a:solidFill>
-                  <a:srgbClr val="FF0000"/>
-                </a:solidFill>
-              </a:rPr>
-              <a:t>Total number of MS2 scans. Each feature was fragmented in multiple files </a:t>
-            </a:r>
-          </a:p>
-        </p:txBody>
-      </p:sp>
-      <p:sp>
-        <p:nvSpPr>
-          <p:cNvPr id="21" name="Rectangle: Rounded Corners 20">
-            <a:extLst>
-              <a:ext uri="{FF2B5EF4-FFF2-40B4-BE49-F238E27FC236}">
-                <a16:creationId xmlns:a16="http://schemas.microsoft.com/office/drawing/2014/main" id="{D9F339F2-D0EF-4F6A-83DA-4FC1DD800A04}"/>
-              </a:ext>
-            </a:extLst>
-          </p:cNvPr>
-          <p:cNvSpPr/>
-          <p:nvPr/>
-        </p:nvSpPr>
-        <p:spPr>
-          <a:xfrm>
-            <a:off x="7892193" y="2381009"/>
-            <a:ext cx="1463040" cy="264928"/>
-          </a:xfrm>
-          <a:prstGeom prst="roundRect">
-            <a:avLst/>
-          </a:prstGeom>
-          <a:noFill/>
-          <a:ln w="28575">
-            <a:solidFill>
-              <a:srgbClr val="FF0000"/>
-            </a:solidFill>
-            <a:prstDash val="sysDot"/>
-          </a:ln>
-        </p:spPr>
-        <p:style>
-          <a:lnRef idx="2">
-            <a:schemeClr val="accent1">
-              <a:shade val="50000"/>
-            </a:schemeClr>
-          </a:lnRef>
-          <a:fillRef idx="1">
-            <a:schemeClr val="accent1"/>
-          </a:fillRef>
-          <a:effectRef idx="0">
-            <a:schemeClr val="accent1"/>
-          </a:effectRef>
-          <a:fontRef idx="minor">
-            <a:schemeClr val="lt1"/>
-          </a:fontRef>
-        </p:style>
-        <p:txBody>
-          <a:bodyPr rtlCol="0" anchor="ctr"/>
-          <a:lstStyle/>
-          <a:p>
-            <a:pPr algn="ctr"/>
-            <a:endParaRPr lang="en-US"/>
-          </a:p>
-        </p:txBody>
-      </p:sp>
-      <p:cxnSp>
-        <p:nvCxnSpPr>
-          <p:cNvPr id="23" name="Straight Arrow Connector 22">
-            <a:extLst>
-              <a:ext uri="{FF2B5EF4-FFF2-40B4-BE49-F238E27FC236}">
-                <a16:creationId xmlns:a16="http://schemas.microsoft.com/office/drawing/2014/main" id="{D257000B-925A-4A61-BD53-1750CD0A2484}"/>
-              </a:ext>
-            </a:extLst>
-          </p:cNvPr>
-          <p:cNvCxnSpPr>
-            <a:cxnSpLocks/>
-          </p:cNvCxnSpPr>
-          <p:nvPr/>
-        </p:nvCxnSpPr>
-        <p:spPr>
-          <a:xfrm flipH="1" flipV="1">
-            <a:off x="8072945" y="1947473"/>
-            <a:ext cx="553602" cy="452319"/>
-          </a:xfrm>
-          <a:prstGeom prst="straightConnector1">
-            <a:avLst/>
-          </a:prstGeom>
-          <a:ln>
-            <a:solidFill>
-              <a:srgbClr val="FF0000"/>
-            </a:solidFill>
-            <a:tailEnd type="triangle"/>
-          </a:ln>
-        </p:spPr>
-        <p:style>
-          <a:lnRef idx="1">
-            <a:schemeClr val="accent1"/>
-          </a:lnRef>
-          <a:fillRef idx="0">
-            <a:schemeClr val="accent1"/>
-          </a:fillRef>
-          <a:effectRef idx="0">
-            <a:schemeClr val="accent1"/>
-          </a:effectRef>
-          <a:fontRef idx="minor">
-            <a:schemeClr val="tx1"/>
-          </a:fontRef>
-        </p:style>
-      </p:cxnSp>
-      <p:cxnSp>
-        <p:nvCxnSpPr>
-          <p:cNvPr id="26" name="Straight Arrow Connector 25">
-            <a:extLst>
-              <a:ext uri="{FF2B5EF4-FFF2-40B4-BE49-F238E27FC236}">
-                <a16:creationId xmlns:a16="http://schemas.microsoft.com/office/drawing/2014/main" id="{553110B6-6147-4D87-BF1E-772B15049DA6}"/>
-              </a:ext>
-            </a:extLst>
-          </p:cNvPr>
-          <p:cNvCxnSpPr>
-            <a:cxnSpLocks/>
-          </p:cNvCxnSpPr>
-          <p:nvPr/>
-        </p:nvCxnSpPr>
-        <p:spPr>
-          <a:xfrm>
-            <a:off x="7124878" y="3563234"/>
-            <a:ext cx="495830" cy="416965"/>
-          </a:xfrm>
-          <a:prstGeom prst="straightConnector1">
-            <a:avLst/>
-          </a:prstGeom>
-          <a:ln>
-            <a:solidFill>
-              <a:srgbClr val="FF0000"/>
-            </a:solidFill>
-            <a:tailEnd type="triangle"/>
-          </a:ln>
-        </p:spPr>
-        <p:style>
-          <a:lnRef idx="1">
-            <a:schemeClr val="accent1"/>
-          </a:lnRef>
-          <a:fillRef idx="0">
-            <a:schemeClr val="accent1"/>
-          </a:fillRef>
-          <a:effectRef idx="0">
-            <a:schemeClr val="accent1"/>
-          </a:effectRef>
-          <a:fontRef idx="minor">
-            <a:schemeClr val="tx1"/>
-          </a:fontRef>
-        </p:style>
-      </p:cxnSp>
-      <p:sp>
-        <p:nvSpPr>
-          <p:cNvPr id="27" name="TextBox 26">
-            <a:extLst>
-              <a:ext uri="{FF2B5EF4-FFF2-40B4-BE49-F238E27FC236}">
-                <a16:creationId xmlns:a16="http://schemas.microsoft.com/office/drawing/2014/main" id="{D6692C68-7651-44D5-A2EE-00E9B640E962}"/>
-              </a:ext>
-            </a:extLst>
-          </p:cNvPr>
-          <p:cNvSpPr txBox="1"/>
-          <p:nvPr/>
-        </p:nvSpPr>
-        <p:spPr>
-          <a:xfrm>
-            <a:off x="6906493" y="3965110"/>
-            <a:ext cx="3278727" cy="646331"/>
-          </a:xfrm>
-          <a:prstGeom prst="rect">
-            <a:avLst/>
-          </a:prstGeom>
-          <a:noFill/>
-        </p:spPr>
-        <p:txBody>
-          <a:bodyPr wrap="square" rtlCol="0">
-            <a:spAutoFit/>
-          </a:bodyPr>
-          <a:lstStyle/>
-          <a:p>
-            <a:pPr algn="ctr"/>
-            <a:r>
-              <a:rPr lang="en-US" i="1" dirty="0">
-                <a:solidFill>
-                  <a:srgbClr val="FF0000"/>
-                </a:solidFill>
-              </a:rPr>
-              <a:t>A unique consensus scan was generated for each input feature  </a:t>
-            </a:r>
-          </a:p>
-        </p:txBody>
-      </p:sp>
-      <p:cxnSp>
-        <p:nvCxnSpPr>
-          <p:cNvPr id="28" name="Straight Arrow Connector 27">
-            <a:extLst>
-              <a:ext uri="{FF2B5EF4-FFF2-40B4-BE49-F238E27FC236}">
-                <a16:creationId xmlns:a16="http://schemas.microsoft.com/office/drawing/2014/main" id="{EE62DDD6-FB2B-417E-87D3-637656973F2D}"/>
-              </a:ext>
-            </a:extLst>
-          </p:cNvPr>
-          <p:cNvCxnSpPr>
-            <a:cxnSpLocks/>
-          </p:cNvCxnSpPr>
-          <p:nvPr/>
-        </p:nvCxnSpPr>
-        <p:spPr>
-          <a:xfrm flipH="1">
-            <a:off x="8729330" y="3536248"/>
-            <a:ext cx="216904" cy="428862"/>
-          </a:xfrm>
-          <a:prstGeom prst="straightConnector1">
-            <a:avLst/>
-          </a:prstGeom>
-          <a:ln>
-            <a:solidFill>
-              <a:srgbClr val="FF0000"/>
-            </a:solidFill>
-            <a:tailEnd type="triangle"/>
-          </a:ln>
-        </p:spPr>
-        <p:style>
-          <a:lnRef idx="1">
-            <a:schemeClr val="accent1"/>
-          </a:lnRef>
-          <a:fillRef idx="0">
-            <a:schemeClr val="accent1"/>
-          </a:fillRef>
-          <a:effectRef idx="0">
-            <a:schemeClr val="accent1"/>
-          </a:effectRef>
-          <a:fontRef idx="minor">
-            <a:schemeClr val="tx1"/>
-          </a:fontRef>
-        </p:style>
-      </p:cxnSp>
-      <p:cxnSp>
-        <p:nvCxnSpPr>
-          <p:cNvPr id="31" name="Straight Connector 30">
-            <a:extLst>
-              <a:ext uri="{FF2B5EF4-FFF2-40B4-BE49-F238E27FC236}">
-                <a16:creationId xmlns:a16="http://schemas.microsoft.com/office/drawing/2014/main" id="{06CCBFFF-02DF-4493-B1DA-65AA10FA1089}"/>
-              </a:ext>
-            </a:extLst>
-          </p:cNvPr>
-          <p:cNvCxnSpPr/>
-          <p:nvPr/>
-        </p:nvCxnSpPr>
-        <p:spPr>
-          <a:xfrm>
-            <a:off x="1562986" y="4499091"/>
-            <a:ext cx="1860698" cy="0"/>
-          </a:xfrm>
-          <a:prstGeom prst="line">
-            <a:avLst/>
-          </a:prstGeom>
-          <a:ln w="19050">
-            <a:solidFill>
-              <a:srgbClr val="FF0000"/>
-            </a:solidFill>
-          </a:ln>
-        </p:spPr>
-        <p:style>
-          <a:lnRef idx="1">
-            <a:schemeClr val="accent1"/>
-          </a:lnRef>
-          <a:fillRef idx="0">
-            <a:schemeClr val="accent1"/>
-          </a:fillRef>
-          <a:effectRef idx="0">
-            <a:schemeClr val="accent1"/>
-          </a:effectRef>
-          <a:fontRef idx="minor">
-            <a:schemeClr val="tx1"/>
-          </a:fontRef>
-        </p:style>
-      </p:cxnSp>
-      <p:sp>
-        <p:nvSpPr>
-          <p:cNvPr id="32" name="TextBox 31">
-            <a:extLst>
-              <a:ext uri="{FF2B5EF4-FFF2-40B4-BE49-F238E27FC236}">
-                <a16:creationId xmlns:a16="http://schemas.microsoft.com/office/drawing/2014/main" id="{820A4995-F17F-4718-9E99-C81457829BA0}"/>
-              </a:ext>
-            </a:extLst>
-          </p:cNvPr>
-          <p:cNvSpPr txBox="1"/>
-          <p:nvPr/>
-        </p:nvSpPr>
-        <p:spPr>
-          <a:xfrm>
-            <a:off x="1376352" y="4499091"/>
-            <a:ext cx="2233965" cy="369332"/>
-          </a:xfrm>
-          <a:prstGeom prst="rect">
-            <a:avLst/>
-          </a:prstGeom>
-          <a:noFill/>
-        </p:spPr>
-        <p:txBody>
-          <a:bodyPr wrap="square" rtlCol="0">
-            <a:spAutoFit/>
-          </a:bodyPr>
-          <a:lstStyle/>
-          <a:p>
-            <a:pPr algn="ctr"/>
-            <a:r>
-              <a:rPr lang="en-US" i="1" dirty="0">
-                <a:solidFill>
-                  <a:srgbClr val="FF0000"/>
-                </a:solidFill>
-              </a:rPr>
-              <a:t>Not yet generated</a:t>
-            </a:r>
-          </a:p>
-        </p:txBody>
-      </p:sp>
+        </p:spPr>
+      </p:pic>
     </p:spTree>
     <p:extLst>
       <p:ext uri="{BB962C8B-B14F-4D97-AF65-F5344CB8AC3E}">
-        <p14:creationId xmlns:p14="http://schemas.microsoft.com/office/powerpoint/2010/main" val="3652509113"/>
+        <p14:creationId xmlns:p14="http://schemas.microsoft.com/office/powerpoint/2010/main" val="724617817"/>
       </p:ext>
     </p:extLst>
   </p:cSld>
@@ -6150,61 +5574,33 @@
           <a:chExt cx="0" cy="0"/>
         </a:xfrm>
       </p:grpSpPr>
-      <p:pic>
-        <p:nvPicPr>
-          <p:cNvPr id="4" name="Picture 3">
-            <a:extLst>
-              <a:ext uri="{FF2B5EF4-FFF2-40B4-BE49-F238E27FC236}">
-                <a16:creationId xmlns:a16="http://schemas.microsoft.com/office/drawing/2014/main" id="{824FB266-0B55-44E5-AD28-2744F8312E90}"/>
-              </a:ext>
-            </a:extLst>
-          </p:cNvPr>
-          <p:cNvPicPr>
-            <a:picLocks noChangeAspect="1"/>
-          </p:cNvPicPr>
-          <p:nvPr/>
-        </p:nvPicPr>
-        <p:blipFill rotWithShape="1">
-          <a:blip r:embed="rId2"/>
-          <a:srcRect t="14407" r="6057" b="6366"/>
-          <a:stretch/>
-        </p:blipFill>
-        <p:spPr>
-          <a:xfrm>
-            <a:off x="1963729" y="949036"/>
-            <a:ext cx="6358236" cy="4959928"/>
+      <p:sp>
+        <p:nvSpPr>
+          <p:cNvPr id="33" name="Rectangle 32">
+            <a:extLst>
+              <a:ext uri="{FF2B5EF4-FFF2-40B4-BE49-F238E27FC236}">
+                <a16:creationId xmlns:a16="http://schemas.microsoft.com/office/drawing/2014/main" id="{512CB395-EA39-4DC8-B7CC-55AD83BD0125}"/>
+              </a:ext>
+            </a:extLst>
+          </p:cNvPr>
+          <p:cNvSpPr/>
+          <p:nvPr/>
+        </p:nvSpPr>
+        <p:spPr>
+          <a:xfrm>
+            <a:off x="839202" y="1100066"/>
+            <a:ext cx="9346018" cy="3846732"/>
           </a:xfrm>
           <a:prstGeom prst="rect">
             <a:avLst/>
           </a:prstGeom>
-        </p:spPr>
-      </p:pic>
-      <p:sp>
-        <p:nvSpPr>
-          <p:cNvPr id="6" name="Rectangle: Rounded Corners 5">
-            <a:extLst>
-              <a:ext uri="{FF2B5EF4-FFF2-40B4-BE49-F238E27FC236}">
-                <a16:creationId xmlns:a16="http://schemas.microsoft.com/office/drawing/2014/main" id="{8842DA94-F614-4B38-BEEB-0F694EE28EDA}"/>
-              </a:ext>
-            </a:extLst>
-          </p:cNvPr>
-          <p:cNvSpPr/>
-          <p:nvPr/>
-        </p:nvSpPr>
-        <p:spPr>
-          <a:xfrm>
-            <a:off x="5304890" y="4555671"/>
-            <a:ext cx="2394032" cy="318408"/>
-          </a:xfrm>
-          <a:prstGeom prst="roundRect">
-            <a:avLst/>
-          </a:prstGeom>
-          <a:noFill/>
+          <a:solidFill>
+            <a:schemeClr val="bg1"/>
+          </a:solidFill>
           <a:ln>
             <a:solidFill>
-              <a:srgbClr val="FF0000"/>
+              <a:schemeClr val="bg1"/>
             </a:solidFill>
-            <a:prstDash val="dash"/>
           </a:ln>
         </p:spPr>
         <p:style>
@@ -6232,130 +5628,61 @@
           </a:p>
         </p:txBody>
       </p:sp>
-      <p:cxnSp>
-        <p:nvCxnSpPr>
-          <p:cNvPr id="8" name="Straight Arrow Connector 7">
-            <a:extLst>
-              <a:ext uri="{FF2B5EF4-FFF2-40B4-BE49-F238E27FC236}">
-                <a16:creationId xmlns:a16="http://schemas.microsoft.com/office/drawing/2014/main" id="{252D9011-313A-45D6-B473-018D787E8583}"/>
-              </a:ext>
-            </a:extLst>
-          </p:cNvPr>
-          <p:cNvCxnSpPr/>
-          <p:nvPr/>
-        </p:nvCxnSpPr>
-        <p:spPr>
-          <a:xfrm flipH="1" flipV="1">
-            <a:off x="5178343" y="4212771"/>
-            <a:ext cx="253093" cy="342900"/>
-          </a:xfrm>
-          <a:prstGeom prst="straightConnector1">
-            <a:avLst/>
-          </a:prstGeom>
-          <a:ln>
+      <p:pic>
+        <p:nvPicPr>
+          <p:cNvPr id="5" name="Picture 4">
+            <a:extLst>
+              <a:ext uri="{FF2B5EF4-FFF2-40B4-BE49-F238E27FC236}">
+                <a16:creationId xmlns:a16="http://schemas.microsoft.com/office/drawing/2014/main" id="{1E0FC18A-4446-4836-928C-7994D304CC15}"/>
+              </a:ext>
+            </a:extLst>
+          </p:cNvPr>
+          <p:cNvPicPr>
+            <a:picLocks noChangeAspect="1"/>
+          </p:cNvPicPr>
+          <p:nvPr/>
+        </p:nvPicPr>
+        <p:blipFill rotWithShape="1">
+          <a:blip r:embed="rId2"/>
+          <a:srcRect t="914" r="1564"/>
+          <a:stretch/>
+        </p:blipFill>
+        <p:spPr>
+          <a:xfrm>
+            <a:off x="1017181" y="2371946"/>
+            <a:ext cx="8700977" cy="2114107"/>
+          </a:xfrm>
+          <a:prstGeom prst="rect">
+            <a:avLst/>
+          </a:prstGeom>
+        </p:spPr>
+      </p:pic>
+      <p:sp>
+        <p:nvSpPr>
+          <p:cNvPr id="7" name="Rectangle: Rounded Corners 6">
+            <a:extLst>
+              <a:ext uri="{FF2B5EF4-FFF2-40B4-BE49-F238E27FC236}">
+                <a16:creationId xmlns:a16="http://schemas.microsoft.com/office/drawing/2014/main" id="{6643CF50-8B3C-4631-8B25-359A38B543EE}"/>
+              </a:ext>
+            </a:extLst>
+          </p:cNvPr>
+          <p:cNvSpPr/>
+          <p:nvPr/>
+        </p:nvSpPr>
+        <p:spPr>
+          <a:xfrm>
+            <a:off x="4263656" y="2371946"/>
+            <a:ext cx="1275907" cy="264928"/>
+          </a:xfrm>
+          <a:prstGeom prst="roundRect">
+            <a:avLst/>
+          </a:prstGeom>
+          <a:noFill/>
+          <a:ln w="28575">
             <a:solidFill>
               <a:srgbClr val="FF0000"/>
             </a:solidFill>
-            <a:tailEnd type="triangle"/>
-          </a:ln>
-        </p:spPr>
-        <p:style>
-          <a:lnRef idx="1">
-            <a:schemeClr val="accent1"/>
-          </a:lnRef>
-          <a:fillRef idx="0">
-            <a:schemeClr val="accent1"/>
-          </a:fillRef>
-          <a:effectRef idx="0">
-            <a:schemeClr val="accent1"/>
-          </a:effectRef>
-          <a:fontRef idx="minor">
-            <a:schemeClr val="tx1"/>
-          </a:fontRef>
-        </p:style>
-      </p:cxnSp>
-      <p:sp>
-        <p:nvSpPr>
-          <p:cNvPr id="9" name="TextBox 8">
-            <a:extLst>
-              <a:ext uri="{FF2B5EF4-FFF2-40B4-BE49-F238E27FC236}">
-                <a16:creationId xmlns:a16="http://schemas.microsoft.com/office/drawing/2014/main" id="{01B39DC7-5E5D-4936-95A9-3153C4DAFA46}"/>
-              </a:ext>
-            </a:extLst>
-          </p:cNvPr>
-          <p:cNvSpPr txBox="1"/>
-          <p:nvPr/>
-        </p:nvSpPr>
-        <p:spPr>
-          <a:xfrm>
-            <a:off x="3862767" y="3689551"/>
-            <a:ext cx="2782582" cy="523220"/>
-          </a:xfrm>
-          <a:prstGeom prst="rect">
-            <a:avLst/>
-          </a:prstGeom>
-          <a:noFill/>
-        </p:spPr>
-        <p:txBody>
-          <a:bodyPr wrap="square" rtlCol="0">
-            <a:spAutoFit/>
-          </a:bodyPr>
-          <a:lstStyle/>
-          <a:p>
-            <a:r>
-              <a:rPr lang="en-US" sz="1400" dirty="0">
-                <a:solidFill>
-                  <a:srgbClr val="FF0000"/>
-                </a:solidFill>
-              </a:rPr>
-              <a:t>Reference spectra of Terfenadine labeled by its </a:t>
-            </a:r>
-            <a:r>
-              <a:rPr lang="en-US" sz="1400" dirty="0" err="1">
-                <a:solidFill>
-                  <a:srgbClr val="FF0000"/>
-                </a:solidFill>
-              </a:rPr>
-              <a:t>Inchikey</a:t>
-            </a:r>
-            <a:r>
-              <a:rPr lang="en-US" sz="1400" dirty="0">
-                <a:solidFill>
-                  <a:srgbClr val="FF0000"/>
-                </a:solidFill>
-              </a:rPr>
-              <a:t> </a:t>
-            </a:r>
-          </a:p>
-        </p:txBody>
-      </p:sp>
-      <p:sp>
-        <p:nvSpPr>
-          <p:cNvPr id="11" name="Oval 10">
-            <a:extLst>
-              <a:ext uri="{FF2B5EF4-FFF2-40B4-BE49-F238E27FC236}">
-                <a16:creationId xmlns:a16="http://schemas.microsoft.com/office/drawing/2014/main" id="{EC7E237A-01CF-4AE8-ACB9-90A5922D4CF7}"/>
-              </a:ext>
-            </a:extLst>
-          </p:cNvPr>
-          <p:cNvSpPr/>
-          <p:nvPr/>
-        </p:nvSpPr>
-        <p:spPr>
-          <a:xfrm>
-            <a:off x="4897739" y="2898693"/>
-            <a:ext cx="318407" cy="465364"/>
-          </a:xfrm>
-          <a:prstGeom prst="ellipse">
-            <a:avLst/>
-          </a:prstGeom>
-          <a:noFill/>
-          <a:ln>
-            <a:solidFill>
-              <a:schemeClr val="bg1">
-                <a:lumMod val="50000"/>
-              </a:schemeClr>
-            </a:solidFill>
+            <a:prstDash val="sysDot"/>
           </a:ln>
         </p:spPr>
         <p:style>
@@ -6385,10 +5712,63 @@
       </p:sp>
       <p:sp>
         <p:nvSpPr>
-          <p:cNvPr id="12" name="TextBox 11">
-            <a:extLst>
-              <a:ext uri="{FF2B5EF4-FFF2-40B4-BE49-F238E27FC236}">
-                <a16:creationId xmlns:a16="http://schemas.microsoft.com/office/drawing/2014/main" id="{0D471297-2C4E-4DBE-AD60-2A34381192BB}"/>
+          <p:cNvPr id="8" name="Rectangle: Rounded Corners 7">
+            <a:extLst>
+              <a:ext uri="{FF2B5EF4-FFF2-40B4-BE49-F238E27FC236}">
+                <a16:creationId xmlns:a16="http://schemas.microsoft.com/office/drawing/2014/main" id="{C5135383-F3C7-49B4-9292-564B30578900}"/>
+              </a:ext>
+            </a:extLst>
+          </p:cNvPr>
+          <p:cNvSpPr/>
+          <p:nvPr/>
+        </p:nvSpPr>
+        <p:spPr>
+          <a:xfrm>
+            <a:off x="6074734" y="2375489"/>
+            <a:ext cx="1463040" cy="264928"/>
+          </a:xfrm>
+          <a:prstGeom prst="roundRect">
+            <a:avLst/>
+          </a:prstGeom>
+          <a:noFill/>
+          <a:ln w="28575">
+            <a:solidFill>
+              <a:srgbClr val="FF0000"/>
+            </a:solidFill>
+            <a:prstDash val="sysDot"/>
+          </a:ln>
+        </p:spPr>
+        <p:style>
+          <a:lnRef idx="2">
+            <a:schemeClr val="accent1">
+              <a:shade val="50000"/>
+            </a:schemeClr>
+          </a:lnRef>
+          <a:fillRef idx="1">
+            <a:schemeClr val="accent1"/>
+          </a:fillRef>
+          <a:effectRef idx="0">
+            <a:schemeClr val="accent1"/>
+          </a:effectRef>
+          <a:fontRef idx="minor">
+            <a:schemeClr val="lt1"/>
+          </a:fontRef>
+        </p:style>
+        <p:txBody>
+          <a:bodyPr rtlCol="0" anchor="ctr"/>
+          <a:lstStyle/>
+          <a:p>
+            <a:pPr algn="ctr"/>
+            <a:endParaRPr lang="en-US"/>
+          </a:p>
+        </p:txBody>
+      </p:sp>
+      <p:sp>
+        <p:nvSpPr>
+          <p:cNvPr id="9" name="TextBox 8">
+            <a:extLst>
+              <a:ext uri="{FF2B5EF4-FFF2-40B4-BE49-F238E27FC236}">
+                <a16:creationId xmlns:a16="http://schemas.microsoft.com/office/drawing/2014/main" id="{29A66DC4-42A8-47DC-B7D8-F35B2F9C67A0}"/>
               </a:ext>
             </a:extLst>
           </p:cNvPr>
@@ -6397,8 +5777,8 @@
         </p:nvSpPr>
         <p:spPr>
           <a:xfrm>
-            <a:off x="3664362" y="1724796"/>
-            <a:ext cx="2466753" cy="830997"/>
+            <a:off x="1017181" y="1214366"/>
+            <a:ext cx="4231758" cy="646331"/>
           </a:xfrm>
           <a:prstGeom prst="rect">
             <a:avLst/>
@@ -6412,12 +5792,634 @@
           <a:lstStyle/>
           <a:p>
             <a:r>
-              <a:rPr lang="en-US" sz="1600" i="1" dirty="0">
+              <a:rPr lang="en-US" i="1" dirty="0">
                 <a:solidFill>
-                  <a:srgbClr val="0000FF"/>
+                  <a:srgbClr val="FF0000"/>
                 </a:solidFill>
               </a:rPr>
-              <a:t>Query spectrum extracted from experimental data based on Terfenadine m/z</a:t>
+              <a:t>No MS1 scan was extracted since the goal is library search and MS2-based networking</a:t>
+            </a:r>
+          </a:p>
+        </p:txBody>
+      </p:sp>
+      <p:cxnSp>
+        <p:nvCxnSpPr>
+          <p:cNvPr id="11" name="Straight Arrow Connector 10">
+            <a:extLst>
+              <a:ext uri="{FF2B5EF4-FFF2-40B4-BE49-F238E27FC236}">
+                <a16:creationId xmlns:a16="http://schemas.microsoft.com/office/drawing/2014/main" id="{963F37A3-8966-429B-AA90-AB3CCC9C5D95}"/>
+              </a:ext>
+            </a:extLst>
+          </p:cNvPr>
+          <p:cNvCxnSpPr>
+            <a:cxnSpLocks/>
+          </p:cNvCxnSpPr>
+          <p:nvPr/>
+        </p:nvCxnSpPr>
+        <p:spPr>
+          <a:xfrm flipH="1" flipV="1">
+            <a:off x="4423144" y="1882748"/>
+            <a:ext cx="382772" cy="467147"/>
+          </a:xfrm>
+          <a:prstGeom prst="straightConnector1">
+            <a:avLst/>
+          </a:prstGeom>
+          <a:ln>
+            <a:solidFill>
+              <a:srgbClr val="FF0000"/>
+            </a:solidFill>
+            <a:tailEnd type="triangle"/>
+          </a:ln>
+        </p:spPr>
+        <p:style>
+          <a:lnRef idx="1">
+            <a:schemeClr val="accent1"/>
+          </a:lnRef>
+          <a:fillRef idx="0">
+            <a:schemeClr val="accent1"/>
+          </a:fillRef>
+          <a:effectRef idx="0">
+            <a:schemeClr val="accent1"/>
+          </a:effectRef>
+          <a:fontRef idx="minor">
+            <a:schemeClr val="tx1"/>
+          </a:fontRef>
+        </p:style>
+      </p:cxnSp>
+      <p:cxnSp>
+        <p:nvCxnSpPr>
+          <p:cNvPr id="13" name="Straight Arrow Connector 12">
+            <a:extLst>
+              <a:ext uri="{FF2B5EF4-FFF2-40B4-BE49-F238E27FC236}">
+                <a16:creationId xmlns:a16="http://schemas.microsoft.com/office/drawing/2014/main" id="{A1389E6B-B406-4555-9328-6642E34B2FA5}"/>
+              </a:ext>
+            </a:extLst>
+          </p:cNvPr>
+          <p:cNvCxnSpPr>
+            <a:cxnSpLocks/>
+          </p:cNvCxnSpPr>
+          <p:nvPr/>
+        </p:nvCxnSpPr>
+        <p:spPr>
+          <a:xfrm flipV="1">
+            <a:off x="6654210" y="1934562"/>
+            <a:ext cx="495830" cy="395297"/>
+          </a:xfrm>
+          <a:prstGeom prst="straightConnector1">
+            <a:avLst/>
+          </a:prstGeom>
+          <a:ln>
+            <a:solidFill>
+              <a:srgbClr val="FF0000"/>
+            </a:solidFill>
+            <a:tailEnd type="triangle"/>
+          </a:ln>
+        </p:spPr>
+        <p:style>
+          <a:lnRef idx="1">
+            <a:schemeClr val="accent1"/>
+          </a:lnRef>
+          <a:fillRef idx="0">
+            <a:schemeClr val="accent1"/>
+          </a:fillRef>
+          <a:effectRef idx="0">
+            <a:schemeClr val="accent1"/>
+          </a:effectRef>
+          <a:fontRef idx="minor">
+            <a:schemeClr val="tx1"/>
+          </a:fontRef>
+        </p:style>
+      </p:cxnSp>
+      <p:sp>
+        <p:nvSpPr>
+          <p:cNvPr id="14" name="Rectangle: Rounded Corners 13">
+            <a:extLst>
+              <a:ext uri="{FF2B5EF4-FFF2-40B4-BE49-F238E27FC236}">
+                <a16:creationId xmlns:a16="http://schemas.microsoft.com/office/drawing/2014/main" id="{98DD5667-1673-4865-83C3-DCA193DC4438}"/>
+              </a:ext>
+            </a:extLst>
+          </p:cNvPr>
+          <p:cNvSpPr/>
+          <p:nvPr/>
+        </p:nvSpPr>
+        <p:spPr>
+          <a:xfrm>
+            <a:off x="6418520" y="3282799"/>
+            <a:ext cx="1463040" cy="264928"/>
+          </a:xfrm>
+          <a:prstGeom prst="roundRect">
+            <a:avLst/>
+          </a:prstGeom>
+          <a:noFill/>
+          <a:ln w="28575">
+            <a:solidFill>
+              <a:srgbClr val="FF0000"/>
+            </a:solidFill>
+            <a:prstDash val="sysDot"/>
+          </a:ln>
+        </p:spPr>
+        <p:style>
+          <a:lnRef idx="2">
+            <a:schemeClr val="accent1">
+              <a:shade val="50000"/>
+            </a:schemeClr>
+          </a:lnRef>
+          <a:fillRef idx="1">
+            <a:schemeClr val="accent1"/>
+          </a:fillRef>
+          <a:effectRef idx="0">
+            <a:schemeClr val="accent1"/>
+          </a:effectRef>
+          <a:fontRef idx="minor">
+            <a:schemeClr val="lt1"/>
+          </a:fontRef>
+        </p:style>
+        <p:txBody>
+          <a:bodyPr rtlCol="0" anchor="ctr"/>
+          <a:lstStyle/>
+          <a:p>
+            <a:pPr algn="ctr"/>
+            <a:endParaRPr lang="en-US"/>
+          </a:p>
+        </p:txBody>
+      </p:sp>
+      <p:sp>
+        <p:nvSpPr>
+          <p:cNvPr id="15" name="Rectangle: Rounded Corners 14">
+            <a:extLst>
+              <a:ext uri="{FF2B5EF4-FFF2-40B4-BE49-F238E27FC236}">
+                <a16:creationId xmlns:a16="http://schemas.microsoft.com/office/drawing/2014/main" id="{BF11311E-568C-4C3C-AEC5-0E5DEA2A67BB}"/>
+              </a:ext>
+            </a:extLst>
+          </p:cNvPr>
+          <p:cNvSpPr/>
+          <p:nvPr/>
+        </p:nvSpPr>
+        <p:spPr>
+          <a:xfrm>
+            <a:off x="8250866" y="3275709"/>
+            <a:ext cx="1463040" cy="264928"/>
+          </a:xfrm>
+          <a:prstGeom prst="roundRect">
+            <a:avLst/>
+          </a:prstGeom>
+          <a:noFill/>
+          <a:ln w="28575">
+            <a:solidFill>
+              <a:srgbClr val="FF0000"/>
+            </a:solidFill>
+            <a:prstDash val="sysDot"/>
+          </a:ln>
+        </p:spPr>
+        <p:style>
+          <a:lnRef idx="2">
+            <a:schemeClr val="accent1">
+              <a:shade val="50000"/>
+            </a:schemeClr>
+          </a:lnRef>
+          <a:fillRef idx="1">
+            <a:schemeClr val="accent1"/>
+          </a:fillRef>
+          <a:effectRef idx="0">
+            <a:schemeClr val="accent1"/>
+          </a:effectRef>
+          <a:fontRef idx="minor">
+            <a:schemeClr val="lt1"/>
+          </a:fontRef>
+        </p:style>
+        <p:txBody>
+          <a:bodyPr rtlCol="0" anchor="ctr"/>
+          <a:lstStyle/>
+          <a:p>
+            <a:pPr algn="ctr"/>
+            <a:endParaRPr lang="en-US"/>
+          </a:p>
+        </p:txBody>
+      </p:sp>
+      <p:cxnSp>
+        <p:nvCxnSpPr>
+          <p:cNvPr id="17" name="Straight Connector 16">
+            <a:extLst>
+              <a:ext uri="{FF2B5EF4-FFF2-40B4-BE49-F238E27FC236}">
+                <a16:creationId xmlns:a16="http://schemas.microsoft.com/office/drawing/2014/main" id="{0B70EA53-F8DA-4F05-89EB-5558CAFA405F}"/>
+              </a:ext>
+            </a:extLst>
+          </p:cNvPr>
+          <p:cNvCxnSpPr/>
+          <p:nvPr/>
+        </p:nvCxnSpPr>
+        <p:spPr>
+          <a:xfrm>
+            <a:off x="1562986" y="3540637"/>
+            <a:ext cx="1860698" cy="0"/>
+          </a:xfrm>
+          <a:prstGeom prst="line">
+            <a:avLst/>
+          </a:prstGeom>
+          <a:ln w="19050">
+            <a:solidFill>
+              <a:srgbClr val="FF0000"/>
+            </a:solidFill>
+          </a:ln>
+        </p:spPr>
+        <p:style>
+          <a:lnRef idx="1">
+            <a:schemeClr val="accent1"/>
+          </a:lnRef>
+          <a:fillRef idx="0">
+            <a:schemeClr val="accent1"/>
+          </a:fillRef>
+          <a:effectRef idx="0">
+            <a:schemeClr val="accent1"/>
+          </a:effectRef>
+          <a:fontRef idx="minor">
+            <a:schemeClr val="tx1"/>
+          </a:fontRef>
+        </p:style>
+      </p:cxnSp>
+      <p:cxnSp>
+        <p:nvCxnSpPr>
+          <p:cNvPr id="18" name="Straight Connector 17">
+            <a:extLst>
+              <a:ext uri="{FF2B5EF4-FFF2-40B4-BE49-F238E27FC236}">
+                <a16:creationId xmlns:a16="http://schemas.microsoft.com/office/drawing/2014/main" id="{499E13F8-2058-480D-A7C8-AF6F59E1C0D6}"/>
+              </a:ext>
+            </a:extLst>
+          </p:cNvPr>
+          <p:cNvCxnSpPr/>
+          <p:nvPr/>
+        </p:nvCxnSpPr>
+        <p:spPr>
+          <a:xfrm>
+            <a:off x="1396408" y="2619148"/>
+            <a:ext cx="1860698" cy="0"/>
+          </a:xfrm>
+          <a:prstGeom prst="line">
+            <a:avLst/>
+          </a:prstGeom>
+          <a:ln w="19050">
+            <a:solidFill>
+              <a:srgbClr val="FF0000"/>
+            </a:solidFill>
+          </a:ln>
+        </p:spPr>
+        <p:style>
+          <a:lnRef idx="1">
+            <a:schemeClr val="accent1"/>
+          </a:lnRef>
+          <a:fillRef idx="0">
+            <a:schemeClr val="accent1"/>
+          </a:fillRef>
+          <a:effectRef idx="0">
+            <a:schemeClr val="accent1"/>
+          </a:effectRef>
+          <a:fontRef idx="minor">
+            <a:schemeClr val="tx1"/>
+          </a:fontRef>
+        </p:style>
+      </p:cxnSp>
+      <p:sp>
+        <p:nvSpPr>
+          <p:cNvPr id="20" name="TextBox 19">
+            <a:extLst>
+              <a:ext uri="{FF2B5EF4-FFF2-40B4-BE49-F238E27FC236}">
+                <a16:creationId xmlns:a16="http://schemas.microsoft.com/office/drawing/2014/main" id="{4A101894-4EF9-4996-9CFC-81B17859F7B3}"/>
+              </a:ext>
+            </a:extLst>
+          </p:cNvPr>
+          <p:cNvSpPr txBox="1"/>
+          <p:nvPr/>
+        </p:nvSpPr>
+        <p:spPr>
+          <a:xfrm>
+            <a:off x="5669988" y="1214366"/>
+            <a:ext cx="4231758" cy="646331"/>
+          </a:xfrm>
+          <a:prstGeom prst="rect">
+            <a:avLst/>
+          </a:prstGeom>
+          <a:noFill/>
+        </p:spPr>
+        <p:txBody>
+          <a:bodyPr wrap="square" rtlCol="0">
+            <a:spAutoFit/>
+          </a:bodyPr>
+          <a:lstStyle/>
+          <a:p>
+            <a:pPr algn="ctr"/>
+            <a:r>
+              <a:rPr lang="en-US" i="1" dirty="0">
+                <a:solidFill>
+                  <a:srgbClr val="FF0000"/>
+                </a:solidFill>
+              </a:rPr>
+              <a:t>Total number of MS2 scans. Each feature was fragmented in multiple files </a:t>
+            </a:r>
+          </a:p>
+        </p:txBody>
+      </p:sp>
+      <p:sp>
+        <p:nvSpPr>
+          <p:cNvPr id="21" name="Rectangle: Rounded Corners 20">
+            <a:extLst>
+              <a:ext uri="{FF2B5EF4-FFF2-40B4-BE49-F238E27FC236}">
+                <a16:creationId xmlns:a16="http://schemas.microsoft.com/office/drawing/2014/main" id="{D9F339F2-D0EF-4F6A-83DA-4FC1DD800A04}"/>
+              </a:ext>
+            </a:extLst>
+          </p:cNvPr>
+          <p:cNvSpPr/>
+          <p:nvPr/>
+        </p:nvSpPr>
+        <p:spPr>
+          <a:xfrm>
+            <a:off x="7892193" y="2381009"/>
+            <a:ext cx="1463040" cy="264928"/>
+          </a:xfrm>
+          <a:prstGeom prst="roundRect">
+            <a:avLst/>
+          </a:prstGeom>
+          <a:noFill/>
+          <a:ln w="28575">
+            <a:solidFill>
+              <a:srgbClr val="FF0000"/>
+            </a:solidFill>
+            <a:prstDash val="sysDot"/>
+          </a:ln>
+        </p:spPr>
+        <p:style>
+          <a:lnRef idx="2">
+            <a:schemeClr val="accent1">
+              <a:shade val="50000"/>
+            </a:schemeClr>
+          </a:lnRef>
+          <a:fillRef idx="1">
+            <a:schemeClr val="accent1"/>
+          </a:fillRef>
+          <a:effectRef idx="0">
+            <a:schemeClr val="accent1"/>
+          </a:effectRef>
+          <a:fontRef idx="minor">
+            <a:schemeClr val="lt1"/>
+          </a:fontRef>
+        </p:style>
+        <p:txBody>
+          <a:bodyPr rtlCol="0" anchor="ctr"/>
+          <a:lstStyle/>
+          <a:p>
+            <a:pPr algn="ctr"/>
+            <a:endParaRPr lang="en-US"/>
+          </a:p>
+        </p:txBody>
+      </p:sp>
+      <p:cxnSp>
+        <p:nvCxnSpPr>
+          <p:cNvPr id="23" name="Straight Arrow Connector 22">
+            <a:extLst>
+              <a:ext uri="{FF2B5EF4-FFF2-40B4-BE49-F238E27FC236}">
+                <a16:creationId xmlns:a16="http://schemas.microsoft.com/office/drawing/2014/main" id="{D257000B-925A-4A61-BD53-1750CD0A2484}"/>
+              </a:ext>
+            </a:extLst>
+          </p:cNvPr>
+          <p:cNvCxnSpPr>
+            <a:cxnSpLocks/>
+          </p:cNvCxnSpPr>
+          <p:nvPr/>
+        </p:nvCxnSpPr>
+        <p:spPr>
+          <a:xfrm flipH="1" flipV="1">
+            <a:off x="8072945" y="1947473"/>
+            <a:ext cx="553602" cy="452319"/>
+          </a:xfrm>
+          <a:prstGeom prst="straightConnector1">
+            <a:avLst/>
+          </a:prstGeom>
+          <a:ln>
+            <a:solidFill>
+              <a:srgbClr val="FF0000"/>
+            </a:solidFill>
+            <a:tailEnd type="triangle"/>
+          </a:ln>
+        </p:spPr>
+        <p:style>
+          <a:lnRef idx="1">
+            <a:schemeClr val="accent1"/>
+          </a:lnRef>
+          <a:fillRef idx="0">
+            <a:schemeClr val="accent1"/>
+          </a:fillRef>
+          <a:effectRef idx="0">
+            <a:schemeClr val="accent1"/>
+          </a:effectRef>
+          <a:fontRef idx="minor">
+            <a:schemeClr val="tx1"/>
+          </a:fontRef>
+        </p:style>
+      </p:cxnSp>
+      <p:cxnSp>
+        <p:nvCxnSpPr>
+          <p:cNvPr id="26" name="Straight Arrow Connector 25">
+            <a:extLst>
+              <a:ext uri="{FF2B5EF4-FFF2-40B4-BE49-F238E27FC236}">
+                <a16:creationId xmlns:a16="http://schemas.microsoft.com/office/drawing/2014/main" id="{553110B6-6147-4D87-BF1E-772B15049DA6}"/>
+              </a:ext>
+            </a:extLst>
+          </p:cNvPr>
+          <p:cNvCxnSpPr>
+            <a:cxnSpLocks/>
+          </p:cNvCxnSpPr>
+          <p:nvPr/>
+        </p:nvCxnSpPr>
+        <p:spPr>
+          <a:xfrm>
+            <a:off x="7124878" y="3563234"/>
+            <a:ext cx="495830" cy="416965"/>
+          </a:xfrm>
+          <a:prstGeom prst="straightConnector1">
+            <a:avLst/>
+          </a:prstGeom>
+          <a:ln>
+            <a:solidFill>
+              <a:srgbClr val="FF0000"/>
+            </a:solidFill>
+            <a:tailEnd type="triangle"/>
+          </a:ln>
+        </p:spPr>
+        <p:style>
+          <a:lnRef idx="1">
+            <a:schemeClr val="accent1"/>
+          </a:lnRef>
+          <a:fillRef idx="0">
+            <a:schemeClr val="accent1"/>
+          </a:fillRef>
+          <a:effectRef idx="0">
+            <a:schemeClr val="accent1"/>
+          </a:effectRef>
+          <a:fontRef idx="minor">
+            <a:schemeClr val="tx1"/>
+          </a:fontRef>
+        </p:style>
+      </p:cxnSp>
+      <p:sp>
+        <p:nvSpPr>
+          <p:cNvPr id="27" name="TextBox 26">
+            <a:extLst>
+              <a:ext uri="{FF2B5EF4-FFF2-40B4-BE49-F238E27FC236}">
+                <a16:creationId xmlns:a16="http://schemas.microsoft.com/office/drawing/2014/main" id="{D6692C68-7651-44D5-A2EE-00E9B640E962}"/>
+              </a:ext>
+            </a:extLst>
+          </p:cNvPr>
+          <p:cNvSpPr txBox="1"/>
+          <p:nvPr/>
+        </p:nvSpPr>
+        <p:spPr>
+          <a:xfrm>
+            <a:off x="6906493" y="3965110"/>
+            <a:ext cx="3278727" cy="646331"/>
+          </a:xfrm>
+          <a:prstGeom prst="rect">
+            <a:avLst/>
+          </a:prstGeom>
+          <a:noFill/>
+        </p:spPr>
+        <p:txBody>
+          <a:bodyPr wrap="square" rtlCol="0">
+            <a:spAutoFit/>
+          </a:bodyPr>
+          <a:lstStyle/>
+          <a:p>
+            <a:pPr algn="ctr"/>
+            <a:r>
+              <a:rPr lang="en-US" i="1" dirty="0">
+                <a:solidFill>
+                  <a:srgbClr val="FF0000"/>
+                </a:solidFill>
+              </a:rPr>
+              <a:t>A unique consensus scan was generated for each input feature  </a:t>
+            </a:r>
+          </a:p>
+        </p:txBody>
+      </p:sp>
+      <p:cxnSp>
+        <p:nvCxnSpPr>
+          <p:cNvPr id="28" name="Straight Arrow Connector 27">
+            <a:extLst>
+              <a:ext uri="{FF2B5EF4-FFF2-40B4-BE49-F238E27FC236}">
+                <a16:creationId xmlns:a16="http://schemas.microsoft.com/office/drawing/2014/main" id="{EE62DDD6-FB2B-417E-87D3-637656973F2D}"/>
+              </a:ext>
+            </a:extLst>
+          </p:cNvPr>
+          <p:cNvCxnSpPr>
+            <a:cxnSpLocks/>
+          </p:cNvCxnSpPr>
+          <p:nvPr/>
+        </p:nvCxnSpPr>
+        <p:spPr>
+          <a:xfrm flipH="1">
+            <a:off x="8729330" y="3536248"/>
+            <a:ext cx="216904" cy="428862"/>
+          </a:xfrm>
+          <a:prstGeom prst="straightConnector1">
+            <a:avLst/>
+          </a:prstGeom>
+          <a:ln>
+            <a:solidFill>
+              <a:srgbClr val="FF0000"/>
+            </a:solidFill>
+            <a:tailEnd type="triangle"/>
+          </a:ln>
+        </p:spPr>
+        <p:style>
+          <a:lnRef idx="1">
+            <a:schemeClr val="accent1"/>
+          </a:lnRef>
+          <a:fillRef idx="0">
+            <a:schemeClr val="accent1"/>
+          </a:fillRef>
+          <a:effectRef idx="0">
+            <a:schemeClr val="accent1"/>
+          </a:effectRef>
+          <a:fontRef idx="minor">
+            <a:schemeClr val="tx1"/>
+          </a:fontRef>
+        </p:style>
+      </p:cxnSp>
+      <p:cxnSp>
+        <p:nvCxnSpPr>
+          <p:cNvPr id="31" name="Straight Connector 30">
+            <a:extLst>
+              <a:ext uri="{FF2B5EF4-FFF2-40B4-BE49-F238E27FC236}">
+                <a16:creationId xmlns:a16="http://schemas.microsoft.com/office/drawing/2014/main" id="{06CCBFFF-02DF-4493-B1DA-65AA10FA1089}"/>
+              </a:ext>
+            </a:extLst>
+          </p:cNvPr>
+          <p:cNvCxnSpPr/>
+          <p:nvPr/>
+        </p:nvCxnSpPr>
+        <p:spPr>
+          <a:xfrm>
+            <a:off x="1562986" y="4499091"/>
+            <a:ext cx="1860698" cy="0"/>
+          </a:xfrm>
+          <a:prstGeom prst="line">
+            <a:avLst/>
+          </a:prstGeom>
+          <a:ln w="19050">
+            <a:solidFill>
+              <a:srgbClr val="FF0000"/>
+            </a:solidFill>
+          </a:ln>
+        </p:spPr>
+        <p:style>
+          <a:lnRef idx="1">
+            <a:schemeClr val="accent1"/>
+          </a:lnRef>
+          <a:fillRef idx="0">
+            <a:schemeClr val="accent1"/>
+          </a:fillRef>
+          <a:effectRef idx="0">
+            <a:schemeClr val="accent1"/>
+          </a:effectRef>
+          <a:fontRef idx="minor">
+            <a:schemeClr val="tx1"/>
+          </a:fontRef>
+        </p:style>
+      </p:cxnSp>
+      <p:sp>
+        <p:nvSpPr>
+          <p:cNvPr id="32" name="TextBox 31">
+            <a:extLst>
+              <a:ext uri="{FF2B5EF4-FFF2-40B4-BE49-F238E27FC236}">
+                <a16:creationId xmlns:a16="http://schemas.microsoft.com/office/drawing/2014/main" id="{820A4995-F17F-4718-9E99-C81457829BA0}"/>
+              </a:ext>
+            </a:extLst>
+          </p:cNvPr>
+          <p:cNvSpPr txBox="1"/>
+          <p:nvPr/>
+        </p:nvSpPr>
+        <p:spPr>
+          <a:xfrm>
+            <a:off x="1376352" y="4499091"/>
+            <a:ext cx="2233965" cy="369332"/>
+          </a:xfrm>
+          <a:prstGeom prst="rect">
+            <a:avLst/>
+          </a:prstGeom>
+          <a:noFill/>
+        </p:spPr>
+        <p:txBody>
+          <a:bodyPr wrap="square" rtlCol="0">
+            <a:spAutoFit/>
+          </a:bodyPr>
+          <a:lstStyle/>
+          <a:p>
+            <a:pPr algn="ctr"/>
+            <a:r>
+              <a:rPr lang="en-US" i="1" dirty="0">
+                <a:solidFill>
+                  <a:srgbClr val="FF0000"/>
+                </a:solidFill>
+              </a:rPr>
+              <a:t>Not yet generated</a:t>
             </a:r>
           </a:p>
         </p:txBody>
@@ -6425,7 +6427,7 @@
     </p:spTree>
     <p:extLst>
       <p:ext uri="{BB962C8B-B14F-4D97-AF65-F5344CB8AC3E}">
-        <p14:creationId xmlns:p14="http://schemas.microsoft.com/office/powerpoint/2010/main" val="1290971713"/>
+        <p14:creationId xmlns:p14="http://schemas.microsoft.com/office/powerpoint/2010/main" val="3652509113"/>
       </p:ext>
     </p:extLst>
   </p:cSld>
@@ -6454,6 +6456,308 @@
       </p:grpSpPr>
       <p:pic>
         <p:nvPicPr>
+          <p:cNvPr id="4" name="Picture 3">
+            <a:extLst>
+              <a:ext uri="{FF2B5EF4-FFF2-40B4-BE49-F238E27FC236}">
+                <a16:creationId xmlns:a16="http://schemas.microsoft.com/office/drawing/2014/main" id="{824FB266-0B55-44E5-AD28-2744F8312E90}"/>
+              </a:ext>
+            </a:extLst>
+          </p:cNvPr>
+          <p:cNvPicPr>
+            <a:picLocks noChangeAspect="1"/>
+          </p:cNvPicPr>
+          <p:nvPr/>
+        </p:nvPicPr>
+        <p:blipFill rotWithShape="1">
+          <a:blip r:embed="rId2"/>
+          <a:srcRect t="14407" r="6057" b="6366"/>
+          <a:stretch/>
+        </p:blipFill>
+        <p:spPr>
+          <a:xfrm>
+            <a:off x="1963729" y="949036"/>
+            <a:ext cx="6358236" cy="4959928"/>
+          </a:xfrm>
+          <a:prstGeom prst="rect">
+            <a:avLst/>
+          </a:prstGeom>
+        </p:spPr>
+      </p:pic>
+      <p:sp>
+        <p:nvSpPr>
+          <p:cNvPr id="6" name="Rectangle: Rounded Corners 5">
+            <a:extLst>
+              <a:ext uri="{FF2B5EF4-FFF2-40B4-BE49-F238E27FC236}">
+                <a16:creationId xmlns:a16="http://schemas.microsoft.com/office/drawing/2014/main" id="{8842DA94-F614-4B38-BEEB-0F694EE28EDA}"/>
+              </a:ext>
+            </a:extLst>
+          </p:cNvPr>
+          <p:cNvSpPr/>
+          <p:nvPr/>
+        </p:nvSpPr>
+        <p:spPr>
+          <a:xfrm>
+            <a:off x="5304890" y="4555671"/>
+            <a:ext cx="2394032" cy="318408"/>
+          </a:xfrm>
+          <a:prstGeom prst="roundRect">
+            <a:avLst/>
+          </a:prstGeom>
+          <a:noFill/>
+          <a:ln>
+            <a:solidFill>
+              <a:srgbClr val="FF0000"/>
+            </a:solidFill>
+            <a:prstDash val="dash"/>
+          </a:ln>
+        </p:spPr>
+        <p:style>
+          <a:lnRef idx="2">
+            <a:schemeClr val="accent1">
+              <a:shade val="50000"/>
+            </a:schemeClr>
+          </a:lnRef>
+          <a:fillRef idx="1">
+            <a:schemeClr val="accent1"/>
+          </a:fillRef>
+          <a:effectRef idx="0">
+            <a:schemeClr val="accent1"/>
+          </a:effectRef>
+          <a:fontRef idx="minor">
+            <a:schemeClr val="lt1"/>
+          </a:fontRef>
+        </p:style>
+        <p:txBody>
+          <a:bodyPr rtlCol="0" anchor="ctr"/>
+          <a:lstStyle/>
+          <a:p>
+            <a:pPr algn="ctr"/>
+            <a:endParaRPr lang="en-US"/>
+          </a:p>
+        </p:txBody>
+      </p:sp>
+      <p:cxnSp>
+        <p:nvCxnSpPr>
+          <p:cNvPr id="8" name="Straight Arrow Connector 7">
+            <a:extLst>
+              <a:ext uri="{FF2B5EF4-FFF2-40B4-BE49-F238E27FC236}">
+                <a16:creationId xmlns:a16="http://schemas.microsoft.com/office/drawing/2014/main" id="{252D9011-313A-45D6-B473-018D787E8583}"/>
+              </a:ext>
+            </a:extLst>
+          </p:cNvPr>
+          <p:cNvCxnSpPr/>
+          <p:nvPr/>
+        </p:nvCxnSpPr>
+        <p:spPr>
+          <a:xfrm flipH="1" flipV="1">
+            <a:off x="5178343" y="4212771"/>
+            <a:ext cx="253093" cy="342900"/>
+          </a:xfrm>
+          <a:prstGeom prst="straightConnector1">
+            <a:avLst/>
+          </a:prstGeom>
+          <a:ln>
+            <a:solidFill>
+              <a:srgbClr val="FF0000"/>
+            </a:solidFill>
+            <a:tailEnd type="triangle"/>
+          </a:ln>
+        </p:spPr>
+        <p:style>
+          <a:lnRef idx="1">
+            <a:schemeClr val="accent1"/>
+          </a:lnRef>
+          <a:fillRef idx="0">
+            <a:schemeClr val="accent1"/>
+          </a:fillRef>
+          <a:effectRef idx="0">
+            <a:schemeClr val="accent1"/>
+          </a:effectRef>
+          <a:fontRef idx="minor">
+            <a:schemeClr val="tx1"/>
+          </a:fontRef>
+        </p:style>
+      </p:cxnSp>
+      <p:sp>
+        <p:nvSpPr>
+          <p:cNvPr id="9" name="TextBox 8">
+            <a:extLst>
+              <a:ext uri="{FF2B5EF4-FFF2-40B4-BE49-F238E27FC236}">
+                <a16:creationId xmlns:a16="http://schemas.microsoft.com/office/drawing/2014/main" id="{01B39DC7-5E5D-4936-95A9-3153C4DAFA46}"/>
+              </a:ext>
+            </a:extLst>
+          </p:cNvPr>
+          <p:cNvSpPr txBox="1"/>
+          <p:nvPr/>
+        </p:nvSpPr>
+        <p:spPr>
+          <a:xfrm>
+            <a:off x="3862767" y="3689551"/>
+            <a:ext cx="2782582" cy="523220"/>
+          </a:xfrm>
+          <a:prstGeom prst="rect">
+            <a:avLst/>
+          </a:prstGeom>
+          <a:noFill/>
+        </p:spPr>
+        <p:txBody>
+          <a:bodyPr wrap="square" rtlCol="0">
+            <a:spAutoFit/>
+          </a:bodyPr>
+          <a:lstStyle/>
+          <a:p>
+            <a:r>
+              <a:rPr lang="en-US" sz="1400" dirty="0">
+                <a:solidFill>
+                  <a:srgbClr val="FF0000"/>
+                </a:solidFill>
+              </a:rPr>
+              <a:t>Reference spectra of Terfenadine labeled by its </a:t>
+            </a:r>
+            <a:r>
+              <a:rPr lang="en-US" sz="1400" dirty="0" err="1">
+                <a:solidFill>
+                  <a:srgbClr val="FF0000"/>
+                </a:solidFill>
+              </a:rPr>
+              <a:t>Inchikey</a:t>
+            </a:r>
+            <a:r>
+              <a:rPr lang="en-US" sz="1400" dirty="0">
+                <a:solidFill>
+                  <a:srgbClr val="FF0000"/>
+                </a:solidFill>
+              </a:rPr>
+              <a:t> </a:t>
+            </a:r>
+          </a:p>
+        </p:txBody>
+      </p:sp>
+      <p:sp>
+        <p:nvSpPr>
+          <p:cNvPr id="11" name="Oval 10">
+            <a:extLst>
+              <a:ext uri="{FF2B5EF4-FFF2-40B4-BE49-F238E27FC236}">
+                <a16:creationId xmlns:a16="http://schemas.microsoft.com/office/drawing/2014/main" id="{EC7E237A-01CF-4AE8-ACB9-90A5922D4CF7}"/>
+              </a:ext>
+            </a:extLst>
+          </p:cNvPr>
+          <p:cNvSpPr/>
+          <p:nvPr/>
+        </p:nvSpPr>
+        <p:spPr>
+          <a:xfrm>
+            <a:off x="4897739" y="2898693"/>
+            <a:ext cx="318407" cy="465364"/>
+          </a:xfrm>
+          <a:prstGeom prst="ellipse">
+            <a:avLst/>
+          </a:prstGeom>
+          <a:noFill/>
+          <a:ln>
+            <a:solidFill>
+              <a:schemeClr val="bg1">
+                <a:lumMod val="50000"/>
+              </a:schemeClr>
+            </a:solidFill>
+          </a:ln>
+        </p:spPr>
+        <p:style>
+          <a:lnRef idx="2">
+            <a:schemeClr val="accent1">
+              <a:shade val="50000"/>
+            </a:schemeClr>
+          </a:lnRef>
+          <a:fillRef idx="1">
+            <a:schemeClr val="accent1"/>
+          </a:fillRef>
+          <a:effectRef idx="0">
+            <a:schemeClr val="accent1"/>
+          </a:effectRef>
+          <a:fontRef idx="minor">
+            <a:schemeClr val="lt1"/>
+          </a:fontRef>
+        </p:style>
+        <p:txBody>
+          <a:bodyPr rtlCol="0" anchor="ctr"/>
+          <a:lstStyle/>
+          <a:p>
+            <a:pPr algn="ctr"/>
+            <a:endParaRPr lang="en-US"/>
+          </a:p>
+        </p:txBody>
+      </p:sp>
+      <p:sp>
+        <p:nvSpPr>
+          <p:cNvPr id="12" name="TextBox 11">
+            <a:extLst>
+              <a:ext uri="{FF2B5EF4-FFF2-40B4-BE49-F238E27FC236}">
+                <a16:creationId xmlns:a16="http://schemas.microsoft.com/office/drawing/2014/main" id="{0D471297-2C4E-4DBE-AD60-2A34381192BB}"/>
+              </a:ext>
+            </a:extLst>
+          </p:cNvPr>
+          <p:cNvSpPr txBox="1"/>
+          <p:nvPr/>
+        </p:nvSpPr>
+        <p:spPr>
+          <a:xfrm>
+            <a:off x="3664362" y="1724796"/>
+            <a:ext cx="2466753" cy="830997"/>
+          </a:xfrm>
+          <a:prstGeom prst="rect">
+            <a:avLst/>
+          </a:prstGeom>
+          <a:noFill/>
+        </p:spPr>
+        <p:txBody>
+          <a:bodyPr wrap="square" rtlCol="0">
+            <a:spAutoFit/>
+          </a:bodyPr>
+          <a:lstStyle/>
+          <a:p>
+            <a:r>
+              <a:rPr lang="en-US" sz="1600" i="1" dirty="0">
+                <a:solidFill>
+                  <a:srgbClr val="0000FF"/>
+                </a:solidFill>
+              </a:rPr>
+              <a:t>Query spectrum extracted from experimental data based on Terfenadine m/z</a:t>
+            </a:r>
+          </a:p>
+        </p:txBody>
+      </p:sp>
+    </p:spTree>
+    <p:extLst>
+      <p:ext uri="{BB962C8B-B14F-4D97-AF65-F5344CB8AC3E}">
+        <p14:creationId xmlns:p14="http://schemas.microsoft.com/office/powerpoint/2010/main" val="1290971713"/>
+      </p:ext>
+    </p:extLst>
+  </p:cSld>
+  <p:clrMapOvr>
+    <a:masterClrMapping/>
+  </p:clrMapOvr>
+</p:sld>
+</file>
+
+<file path=ppt/slides/slide14.xml><?xml version="1.0" encoding="utf-8"?>
+<p:sld xmlns:a="http://schemas.openxmlformats.org/drawingml/2006/main" xmlns:r="http://schemas.openxmlformats.org/officeDocument/2006/relationships" xmlns:p="http://schemas.openxmlformats.org/presentationml/2006/main">
+  <p:cSld>
+    <p:spTree>
+      <p:nvGrpSpPr>
+        <p:cNvPr id="1" name=""/>
+        <p:cNvGrpSpPr/>
+        <p:nvPr/>
+      </p:nvGrpSpPr>
+      <p:grpSpPr>
+        <a:xfrm>
+          <a:off x="0" y="0"/>
+          <a:ext cx="0" cy="0"/>
+          <a:chOff x="0" y="0"/>
+          <a:chExt cx="0" cy="0"/>
+        </a:xfrm>
+      </p:grpSpPr>
+      <p:pic>
+        <p:nvPicPr>
           <p:cNvPr id="12" name="Picture 11">
             <a:extLst>
               <a:ext uri="{FF2B5EF4-FFF2-40B4-BE49-F238E27FC236}">
@@ -6495,7 +6799,7 @@
 </p:sld>
 </file>
 
-<file path=ppt/slides/slide14.xml><?xml version="1.0" encoding="utf-8"?>
+<file path=ppt/slides/slide15.xml><?xml version="1.0" encoding="utf-8"?>
 <p:sld xmlns:a="http://schemas.openxmlformats.org/drawingml/2006/main" xmlns:r="http://schemas.openxmlformats.org/officeDocument/2006/relationships" xmlns:p="http://schemas.openxmlformats.org/presentationml/2006/main">
   <p:cSld>
     <p:spTree>
@@ -8408,7 +8712,7 @@
           <a:lstStyle/>
           <a:p>
             <a:pPr algn="ctr"/>
-            <a:endParaRPr lang="en-US"/>
+            <a:endParaRPr lang="en-US" dirty="0"/>
           </a:p>
         </p:txBody>
       </p:sp>
@@ -9100,12 +9404,66 @@
           <a:chExt cx="0" cy="0"/>
         </a:xfrm>
       </p:grpSpPr>
+      <p:sp>
+        <p:nvSpPr>
+          <p:cNvPr id="21" name="Rectangle 20">
+            <a:extLst>
+              <a:ext uri="{FF2B5EF4-FFF2-40B4-BE49-F238E27FC236}">
+                <a16:creationId xmlns:a16="http://schemas.microsoft.com/office/drawing/2014/main" id="{EFD621C7-71B7-50D9-F3B7-F38FC50D5E42}"/>
+              </a:ext>
+            </a:extLst>
+          </p:cNvPr>
+          <p:cNvSpPr/>
+          <p:nvPr/>
+        </p:nvSpPr>
+        <p:spPr>
+          <a:xfrm>
+            <a:off x="204487" y="1871204"/>
+            <a:ext cx="11731699" cy="4137100"/>
+          </a:xfrm>
+          <a:prstGeom prst="rect">
+            <a:avLst/>
+          </a:prstGeom>
+          <a:solidFill>
+            <a:schemeClr val="bg1"/>
+          </a:solidFill>
+          <a:ln>
+            <a:solidFill>
+              <a:schemeClr val="bg1"/>
+            </a:solidFill>
+          </a:ln>
+        </p:spPr>
+        <p:style>
+          <a:lnRef idx="2">
+            <a:schemeClr val="accent1">
+              <a:shade val="50000"/>
+            </a:schemeClr>
+          </a:lnRef>
+          <a:fillRef idx="1">
+            <a:schemeClr val="accent1"/>
+          </a:fillRef>
+          <a:effectRef idx="0">
+            <a:schemeClr val="accent1"/>
+          </a:effectRef>
+          <a:fontRef idx="minor">
+            <a:schemeClr val="lt1"/>
+          </a:fontRef>
+        </p:style>
+        <p:txBody>
+          <a:bodyPr rtlCol="0" anchor="ctr"/>
+          <a:lstStyle/>
+          <a:p>
+            <a:pPr algn="ctr"/>
+            <a:endParaRPr lang="en-US" dirty="0"/>
+          </a:p>
+        </p:txBody>
+      </p:sp>
       <p:pic>
         <p:nvPicPr>
-          <p:cNvPr id="4" name="Image 3">
-            <a:extLst>
-              <a:ext uri="{FF2B5EF4-FFF2-40B4-BE49-F238E27FC236}">
-                <a16:creationId xmlns:a16="http://schemas.microsoft.com/office/drawing/2014/main" id="{8787075B-6F97-4898-B1E5-8FFB1109BD97}"/>
+          <p:cNvPr id="5" name="Picture 4">
+            <a:extLst>
+              <a:ext uri="{FF2B5EF4-FFF2-40B4-BE49-F238E27FC236}">
+                <a16:creationId xmlns:a16="http://schemas.microsoft.com/office/drawing/2014/main" id="{72D677E2-3829-DA85-69C1-02D5D6B1D6F7}"/>
               </a:ext>
             </a:extLst>
           </p:cNvPr>
@@ -9114,15 +9472,16 @@
           </p:cNvPicPr>
           <p:nvPr/>
         </p:nvPicPr>
-        <p:blipFill rotWithShape="1">
-          <a:blip r:embed="rId2"/>
-          <a:srcRect r="1078" b="1049"/>
-          <a:stretch/>
+        <p:blipFill>
+          <a:blip r:embed="rId3"/>
+          <a:stretch>
+            <a:fillRect/>
+          </a:stretch>
         </p:blipFill>
         <p:spPr>
           <a:xfrm>
-            <a:off x="809625" y="704850"/>
-            <a:ext cx="10458739" cy="5391150"/>
+            <a:off x="448644" y="2421307"/>
+            <a:ext cx="10715625" cy="3114675"/>
           </a:xfrm>
           <a:prstGeom prst="rect">
             <a:avLst/>
@@ -9131,10 +9490,10 @@
       </p:pic>
       <p:cxnSp>
         <p:nvCxnSpPr>
-          <p:cNvPr id="6" name="Connecteur droit 5">
-            <a:extLst>
-              <a:ext uri="{FF2B5EF4-FFF2-40B4-BE49-F238E27FC236}">
-                <a16:creationId xmlns:a16="http://schemas.microsoft.com/office/drawing/2014/main" id="{22056666-B301-4BED-8739-946193260049}"/>
+          <p:cNvPr id="6" name="Connecteur droit 8">
+            <a:extLst>
+              <a:ext uri="{FF2B5EF4-FFF2-40B4-BE49-F238E27FC236}">
+                <a16:creationId xmlns:a16="http://schemas.microsoft.com/office/drawing/2014/main" id="{07EDA3DD-8E1C-1D1E-8CFF-56798E924D38}"/>
               </a:ext>
             </a:extLst>
           </p:cNvPr>
@@ -9143,8 +9502,8 @@
         </p:nvCxnSpPr>
         <p:spPr>
           <a:xfrm>
-            <a:off x="1597891" y="5246255"/>
-            <a:ext cx="9596582" cy="0"/>
+            <a:off x="3968756" y="2427022"/>
+            <a:ext cx="0" cy="3108960"/>
           </a:xfrm>
           <a:prstGeom prst="line">
             <a:avLst/>
@@ -9153,7 +9512,6 @@
             <a:solidFill>
               <a:srgbClr val="FF0000"/>
             </a:solidFill>
-            <a:prstDash val="sysDot"/>
           </a:ln>
         </p:spPr>
         <p:style>
@@ -9173,10 +9531,10 @@
       </p:cxnSp>
       <p:sp>
         <p:nvSpPr>
-          <p:cNvPr id="7" name="ZoneTexte 6">
-            <a:extLst>
-              <a:ext uri="{FF2B5EF4-FFF2-40B4-BE49-F238E27FC236}">
-                <a16:creationId xmlns:a16="http://schemas.microsoft.com/office/drawing/2014/main" id="{5E3383E5-F4E6-4347-91FB-CB6D869D6455}"/>
+          <p:cNvPr id="7" name="ZoneTexte 13">
+            <a:extLst>
+              <a:ext uri="{FF2B5EF4-FFF2-40B4-BE49-F238E27FC236}">
+                <a16:creationId xmlns:a16="http://schemas.microsoft.com/office/drawing/2014/main" id="{5A042347-0A3D-5EF8-FFA9-5883C024FE8E}"/>
               </a:ext>
             </a:extLst>
           </p:cNvPr>
@@ -9185,8 +9543,8 @@
         </p:nvSpPr>
         <p:spPr>
           <a:xfrm>
-            <a:off x="1597891" y="4775354"/>
-            <a:ext cx="2447637" cy="461665"/>
+            <a:off x="1278146" y="3791121"/>
+            <a:ext cx="1861109" cy="400110"/>
           </a:xfrm>
           <a:prstGeom prst="rect">
             <a:avLst/>
@@ -9199,13 +9557,439 @@
           </a:bodyPr>
           <a:lstStyle/>
           <a:p>
-            <a:r>
-              <a:rPr lang="en-US" sz="2400" b="1" dirty="0">
+            <a:pPr algn="ctr"/>
+            <a:r>
+              <a:rPr lang="en-US" sz="2000" b="1" dirty="0">
                 <a:solidFill>
                   <a:srgbClr val="FF0000"/>
                 </a:solidFill>
+                <a:highlight>
+                  <a:srgbClr val="FFFF00"/>
+                </a:highlight>
               </a:rPr>
-              <a:t>Baseline  ≈ 1000</a:t>
+              <a:t>Necessary</a:t>
+            </a:r>
+          </a:p>
+        </p:txBody>
+      </p:sp>
+      <p:sp>
+        <p:nvSpPr>
+          <p:cNvPr id="9" name="Rectangle 8">
+            <a:extLst>
+              <a:ext uri="{FF2B5EF4-FFF2-40B4-BE49-F238E27FC236}">
+                <a16:creationId xmlns:a16="http://schemas.microsoft.com/office/drawing/2014/main" id="{9B38A40F-D871-8C13-305C-EB251716B21D}"/>
+              </a:ext>
+            </a:extLst>
+          </p:cNvPr>
+          <p:cNvSpPr/>
+          <p:nvPr/>
+        </p:nvSpPr>
+        <p:spPr>
+          <a:xfrm>
+            <a:off x="3734116" y="1871204"/>
+            <a:ext cx="2417550" cy="461665"/>
+          </a:xfrm>
+          <a:prstGeom prst="rect">
+            <a:avLst/>
+          </a:prstGeom>
+        </p:spPr>
+        <p:txBody>
+          <a:bodyPr wrap="square">
+            <a:spAutoFit/>
+          </a:bodyPr>
+          <a:lstStyle/>
+          <a:p>
+            <a:pPr algn="just"/>
+            <a:r>
+              <a:rPr lang="en-US" sz="1200" dirty="0"/>
+              <a:t>Adduct grouping by the </a:t>
+            </a:r>
+            <a:r>
+              <a:rPr lang="en-US" sz="1200" dirty="0" err="1"/>
+              <a:t>meRgeION</a:t>
+            </a:r>
+            <a:r>
+              <a:rPr lang="en-US" sz="1200" dirty="0"/>
+              <a:t> </a:t>
+            </a:r>
+            <a:r>
+              <a:rPr lang="en-US" sz="1200" i="1" dirty="0" err="1"/>
+              <a:t>process_mzmine</a:t>
+            </a:r>
+            <a:r>
+              <a:rPr lang="en-US" sz="1200" i="1" dirty="0"/>
+              <a:t> </a:t>
+            </a:r>
+            <a:r>
+              <a:rPr lang="en-US" sz="1200" dirty="0"/>
+              <a:t>function </a:t>
+            </a:r>
+          </a:p>
+        </p:txBody>
+      </p:sp>
+      <p:cxnSp>
+        <p:nvCxnSpPr>
+          <p:cNvPr id="10" name="Connecteur droit avec flèche 36">
+            <a:extLst>
+              <a:ext uri="{FF2B5EF4-FFF2-40B4-BE49-F238E27FC236}">
+                <a16:creationId xmlns:a16="http://schemas.microsoft.com/office/drawing/2014/main" id="{2633B8C2-ACB5-2764-878D-BD5DE6B12977}"/>
+              </a:ext>
+            </a:extLst>
+          </p:cNvPr>
+          <p:cNvCxnSpPr>
+            <a:cxnSpLocks/>
+          </p:cNvCxnSpPr>
+          <p:nvPr/>
+        </p:nvCxnSpPr>
+        <p:spPr>
+          <a:xfrm flipV="1">
+            <a:off x="4428072" y="2332869"/>
+            <a:ext cx="352217" cy="542152"/>
+          </a:xfrm>
+          <a:prstGeom prst="straightConnector1">
+            <a:avLst/>
+          </a:prstGeom>
+          <a:ln w="19050">
+            <a:solidFill>
+              <a:srgbClr val="FF0000"/>
+            </a:solidFill>
+            <a:tailEnd type="triangle"/>
+          </a:ln>
+        </p:spPr>
+        <p:style>
+          <a:lnRef idx="1">
+            <a:schemeClr val="accent1"/>
+          </a:lnRef>
+          <a:fillRef idx="0">
+            <a:schemeClr val="accent1"/>
+          </a:fillRef>
+          <a:effectRef idx="0">
+            <a:schemeClr val="accent1"/>
+          </a:effectRef>
+          <a:fontRef idx="minor">
+            <a:schemeClr val="tx1"/>
+          </a:fontRef>
+        </p:style>
+      </p:cxnSp>
+      <p:cxnSp>
+        <p:nvCxnSpPr>
+          <p:cNvPr id="11" name="Connecteur droit 8">
+            <a:extLst>
+              <a:ext uri="{FF2B5EF4-FFF2-40B4-BE49-F238E27FC236}">
+                <a16:creationId xmlns:a16="http://schemas.microsoft.com/office/drawing/2014/main" id="{CE07CC83-9776-FE2E-B057-9C96DC6361A9}"/>
+              </a:ext>
+            </a:extLst>
+          </p:cNvPr>
+          <p:cNvCxnSpPr/>
+          <p:nvPr/>
+        </p:nvCxnSpPr>
+        <p:spPr>
+          <a:xfrm>
+            <a:off x="422343" y="2421307"/>
+            <a:ext cx="0" cy="3108960"/>
+          </a:xfrm>
+          <a:prstGeom prst="line">
+            <a:avLst/>
+          </a:prstGeom>
+          <a:ln w="38100">
+            <a:solidFill>
+              <a:srgbClr val="FF0000"/>
+            </a:solidFill>
+          </a:ln>
+        </p:spPr>
+        <p:style>
+          <a:lnRef idx="1">
+            <a:schemeClr val="accent1"/>
+          </a:lnRef>
+          <a:fillRef idx="0">
+            <a:schemeClr val="accent1"/>
+          </a:fillRef>
+          <a:effectRef idx="0">
+            <a:schemeClr val="accent1"/>
+          </a:effectRef>
+          <a:fontRef idx="minor">
+            <a:schemeClr val="tx1"/>
+          </a:fontRef>
+        </p:style>
+      </p:cxnSp>
+      <p:cxnSp>
+        <p:nvCxnSpPr>
+          <p:cNvPr id="12" name="Connecteur droit 8">
+            <a:extLst>
+              <a:ext uri="{FF2B5EF4-FFF2-40B4-BE49-F238E27FC236}">
+                <a16:creationId xmlns:a16="http://schemas.microsoft.com/office/drawing/2014/main" id="{E4C64221-A0D4-B962-2EED-0CC3AD0F7685}"/>
+              </a:ext>
+            </a:extLst>
+          </p:cNvPr>
+          <p:cNvCxnSpPr/>
+          <p:nvPr/>
+        </p:nvCxnSpPr>
+        <p:spPr>
+          <a:xfrm>
+            <a:off x="11654126" y="2396943"/>
+            <a:ext cx="0" cy="3108960"/>
+          </a:xfrm>
+          <a:prstGeom prst="line">
+            <a:avLst/>
+          </a:prstGeom>
+          <a:ln w="38100">
+            <a:solidFill>
+              <a:srgbClr val="FF0000"/>
+            </a:solidFill>
+          </a:ln>
+        </p:spPr>
+        <p:style>
+          <a:lnRef idx="1">
+            <a:schemeClr val="accent1"/>
+          </a:lnRef>
+          <a:fillRef idx="0">
+            <a:schemeClr val="accent1"/>
+          </a:fillRef>
+          <a:effectRef idx="0">
+            <a:schemeClr val="accent1"/>
+          </a:effectRef>
+          <a:fontRef idx="minor">
+            <a:schemeClr val="tx1"/>
+          </a:fontRef>
+        </p:style>
+      </p:cxnSp>
+      <p:sp>
+        <p:nvSpPr>
+          <p:cNvPr id="13" name="ZoneTexte 14">
+            <a:extLst>
+              <a:ext uri="{FF2B5EF4-FFF2-40B4-BE49-F238E27FC236}">
+                <a16:creationId xmlns:a16="http://schemas.microsoft.com/office/drawing/2014/main" id="{A217C8C5-A724-C4EA-F17C-29546DBBE318}"/>
+              </a:ext>
+            </a:extLst>
+          </p:cNvPr>
+          <p:cNvSpPr txBox="1"/>
+          <p:nvPr/>
+        </p:nvSpPr>
+        <p:spPr>
+          <a:xfrm>
+            <a:off x="6151666" y="3799194"/>
+            <a:ext cx="3409692" cy="400110"/>
+          </a:xfrm>
+          <a:prstGeom prst="rect">
+            <a:avLst/>
+          </a:prstGeom>
+          <a:noFill/>
+        </p:spPr>
+        <p:txBody>
+          <a:bodyPr wrap="square" rtlCol="0">
+            <a:spAutoFit/>
+          </a:bodyPr>
+          <a:lstStyle/>
+          <a:p>
+            <a:pPr algn="ctr"/>
+            <a:r>
+              <a:rPr lang="en-US" sz="2000" b="1" dirty="0">
+                <a:solidFill>
+                  <a:srgbClr val="FF0000"/>
+                </a:solidFill>
+                <a:highlight>
+                  <a:srgbClr val="FFFF00"/>
+                </a:highlight>
+              </a:rPr>
+              <a:t>Rest of columns are optional</a:t>
+            </a:r>
+          </a:p>
+        </p:txBody>
+      </p:sp>
+      <p:sp>
+        <p:nvSpPr>
+          <p:cNvPr id="15" name="Rectangle 14">
+            <a:extLst>
+              <a:ext uri="{FF2B5EF4-FFF2-40B4-BE49-F238E27FC236}">
+                <a16:creationId xmlns:a16="http://schemas.microsoft.com/office/drawing/2014/main" id="{86FA6034-FA08-2266-DEE7-310CF2838EA8}"/>
+              </a:ext>
+            </a:extLst>
+          </p:cNvPr>
+          <p:cNvSpPr/>
+          <p:nvPr/>
+        </p:nvSpPr>
+        <p:spPr>
+          <a:xfrm>
+            <a:off x="1659029" y="5577416"/>
+            <a:ext cx="2483996" cy="430887"/>
+          </a:xfrm>
+          <a:prstGeom prst="rect">
+            <a:avLst/>
+          </a:prstGeom>
+        </p:spPr>
+        <p:txBody>
+          <a:bodyPr wrap="square">
+            <a:spAutoFit/>
+          </a:bodyPr>
+          <a:lstStyle/>
+          <a:p>
+            <a:pPr algn="just"/>
+            <a:r>
+              <a:rPr lang="en-US" sz="1100" dirty="0"/>
+              <a:t>Mass and RT of MS1 features detected by </a:t>
+            </a:r>
+            <a:r>
+              <a:rPr lang="en-US" sz="1100" dirty="0" err="1"/>
+              <a:t>MZMine</a:t>
+            </a:r>
+            <a:r>
+              <a:rPr lang="en-US" sz="1100" dirty="0"/>
+              <a:t>, used to pick up MS2 scans</a:t>
+            </a:r>
+          </a:p>
+        </p:txBody>
+      </p:sp>
+      <p:cxnSp>
+        <p:nvCxnSpPr>
+          <p:cNvPr id="16" name="Straight Connector 15">
+            <a:extLst>
+              <a:ext uri="{FF2B5EF4-FFF2-40B4-BE49-F238E27FC236}">
+                <a16:creationId xmlns:a16="http://schemas.microsoft.com/office/drawing/2014/main" id="{6FF57B84-ED82-226C-7777-90A4EE3741F4}"/>
+              </a:ext>
+            </a:extLst>
+          </p:cNvPr>
+          <p:cNvCxnSpPr/>
+          <p:nvPr/>
+        </p:nvCxnSpPr>
+        <p:spPr>
+          <a:xfrm>
+            <a:off x="1953188" y="5505903"/>
+            <a:ext cx="2020186" cy="0"/>
+          </a:xfrm>
+          <a:prstGeom prst="line">
+            <a:avLst/>
+          </a:prstGeom>
+          <a:ln w="19050">
+            <a:solidFill>
+              <a:srgbClr val="FF0000"/>
+            </a:solidFill>
+          </a:ln>
+        </p:spPr>
+        <p:style>
+          <a:lnRef idx="1">
+            <a:schemeClr val="accent1"/>
+          </a:lnRef>
+          <a:fillRef idx="0">
+            <a:schemeClr val="accent1"/>
+          </a:fillRef>
+          <a:effectRef idx="0">
+            <a:schemeClr val="accent1"/>
+          </a:effectRef>
+          <a:fontRef idx="minor">
+            <a:schemeClr val="tx1"/>
+          </a:fontRef>
+        </p:style>
+      </p:cxnSp>
+      <p:sp>
+        <p:nvSpPr>
+          <p:cNvPr id="17" name="Rectangle 16">
+            <a:extLst>
+              <a:ext uri="{FF2B5EF4-FFF2-40B4-BE49-F238E27FC236}">
+                <a16:creationId xmlns:a16="http://schemas.microsoft.com/office/drawing/2014/main" id="{A2F556F1-C2D9-7AF5-ECCD-9B30123F8C64}"/>
+              </a:ext>
+            </a:extLst>
+          </p:cNvPr>
+          <p:cNvSpPr/>
+          <p:nvPr/>
+        </p:nvSpPr>
+        <p:spPr>
+          <a:xfrm>
+            <a:off x="794304" y="1871203"/>
+            <a:ext cx="2344951" cy="461665"/>
+          </a:xfrm>
+          <a:prstGeom prst="rect">
+            <a:avLst/>
+          </a:prstGeom>
+        </p:spPr>
+        <p:txBody>
+          <a:bodyPr wrap="square">
+            <a:spAutoFit/>
+          </a:bodyPr>
+          <a:lstStyle/>
+          <a:p>
+            <a:pPr algn="just"/>
+            <a:r>
+              <a:rPr lang="en-US" sz="1200" dirty="0"/>
+              <a:t>A unique identifier for targeted features in the spectral database</a:t>
+            </a:r>
+          </a:p>
+        </p:txBody>
+      </p:sp>
+      <p:cxnSp>
+        <p:nvCxnSpPr>
+          <p:cNvPr id="20" name="Connecteur droit avec flèche 36">
+            <a:extLst>
+              <a:ext uri="{FF2B5EF4-FFF2-40B4-BE49-F238E27FC236}">
+                <a16:creationId xmlns:a16="http://schemas.microsoft.com/office/drawing/2014/main" id="{0488BC89-64A0-4691-8DDB-CD4E90AECA05}"/>
+              </a:ext>
+            </a:extLst>
+          </p:cNvPr>
+          <p:cNvCxnSpPr>
+            <a:cxnSpLocks/>
+          </p:cNvCxnSpPr>
+          <p:nvPr/>
+        </p:nvCxnSpPr>
+        <p:spPr>
+          <a:xfrm flipV="1">
+            <a:off x="815045" y="2332868"/>
+            <a:ext cx="352217" cy="542152"/>
+          </a:xfrm>
+          <a:prstGeom prst="straightConnector1">
+            <a:avLst/>
+          </a:prstGeom>
+          <a:ln w="19050">
+            <a:solidFill>
+              <a:srgbClr val="FF0000"/>
+            </a:solidFill>
+            <a:tailEnd type="triangle"/>
+          </a:ln>
+        </p:spPr>
+        <p:style>
+          <a:lnRef idx="1">
+            <a:schemeClr val="accent1"/>
+          </a:lnRef>
+          <a:fillRef idx="0">
+            <a:schemeClr val="accent1"/>
+          </a:fillRef>
+          <a:effectRef idx="0">
+            <a:schemeClr val="accent1"/>
+          </a:effectRef>
+          <a:fontRef idx="minor">
+            <a:schemeClr val="tx1"/>
+          </a:fontRef>
+        </p:style>
+      </p:cxnSp>
+      <p:sp>
+        <p:nvSpPr>
+          <p:cNvPr id="22" name="TextBox 21">
+            <a:extLst>
+              <a:ext uri="{FF2B5EF4-FFF2-40B4-BE49-F238E27FC236}">
+                <a16:creationId xmlns:a16="http://schemas.microsoft.com/office/drawing/2014/main" id="{3070E624-51EA-8C88-6440-A9A944F52981}"/>
+              </a:ext>
+            </a:extLst>
+          </p:cNvPr>
+          <p:cNvSpPr txBox="1"/>
+          <p:nvPr/>
+        </p:nvSpPr>
+        <p:spPr>
+          <a:xfrm>
+            <a:off x="11219965" y="3791121"/>
+            <a:ext cx="391884" cy="369332"/>
+          </a:xfrm>
+          <a:prstGeom prst="rect">
+            <a:avLst/>
+          </a:prstGeom>
+          <a:noFill/>
+        </p:spPr>
+        <p:txBody>
+          <a:bodyPr wrap="square" rtlCol="0">
+            <a:spAutoFit/>
+          </a:bodyPr>
+          <a:lstStyle/>
+          <a:p>
+            <a:r>
+              <a:rPr lang="en-US" b="1" dirty="0"/>
+              <a:t>…</a:t>
             </a:r>
           </a:p>
         </p:txBody>
@@ -9213,7 +9997,7 @@
     </p:spTree>
     <p:extLst>
       <p:ext uri="{BB962C8B-B14F-4D97-AF65-F5344CB8AC3E}">
-        <p14:creationId xmlns:p14="http://schemas.microsoft.com/office/powerpoint/2010/main" val="555463728"/>
+        <p14:creationId xmlns:p14="http://schemas.microsoft.com/office/powerpoint/2010/main" val="1772155117"/>
       </p:ext>
     </p:extLst>
   </p:cSld>
@@ -9240,66 +10024,12 @@
           <a:chExt cx="0" cy="0"/>
         </a:xfrm>
       </p:grpSpPr>
-      <p:sp>
-        <p:nvSpPr>
-          <p:cNvPr id="41" name="Rectangle 40">
-            <a:extLst>
-              <a:ext uri="{FF2B5EF4-FFF2-40B4-BE49-F238E27FC236}">
-                <a16:creationId xmlns:a16="http://schemas.microsoft.com/office/drawing/2014/main" id="{16728B70-9AE4-41C7-8ABE-880318331C56}"/>
-              </a:ext>
-            </a:extLst>
-          </p:cNvPr>
-          <p:cNvSpPr/>
-          <p:nvPr/>
-        </p:nvSpPr>
-        <p:spPr>
-          <a:xfrm>
-            <a:off x="685799" y="-2606040"/>
-            <a:ext cx="10794351" cy="9890760"/>
-          </a:xfrm>
-          <a:prstGeom prst="rect">
-            <a:avLst/>
-          </a:prstGeom>
-          <a:solidFill>
-            <a:schemeClr val="bg1"/>
-          </a:solidFill>
-          <a:ln>
-            <a:solidFill>
-              <a:schemeClr val="bg1"/>
-            </a:solidFill>
-          </a:ln>
-        </p:spPr>
-        <p:style>
-          <a:lnRef idx="2">
-            <a:schemeClr val="accent1">
-              <a:shade val="50000"/>
-            </a:schemeClr>
-          </a:lnRef>
-          <a:fillRef idx="1">
-            <a:schemeClr val="accent1"/>
-          </a:fillRef>
-          <a:effectRef idx="0">
-            <a:schemeClr val="accent1"/>
-          </a:effectRef>
-          <a:fontRef idx="minor">
-            <a:schemeClr val="lt1"/>
-          </a:fontRef>
-        </p:style>
-        <p:txBody>
-          <a:bodyPr rtlCol="0" anchor="ctr"/>
-          <a:lstStyle/>
-          <a:p>
-            <a:pPr algn="ctr"/>
-            <a:endParaRPr lang="en-US"/>
-          </a:p>
-        </p:txBody>
-      </p:sp>
       <p:pic>
         <p:nvPicPr>
-          <p:cNvPr id="3" name="Image 2">
-            <a:extLst>
-              <a:ext uri="{FF2B5EF4-FFF2-40B4-BE49-F238E27FC236}">
-                <a16:creationId xmlns:a16="http://schemas.microsoft.com/office/drawing/2014/main" id="{A5A36007-7EAB-4FF6-85BD-161161480EEC}"/>
+          <p:cNvPr id="4" name="Image 3">
+            <a:extLst>
+              <a:ext uri="{FF2B5EF4-FFF2-40B4-BE49-F238E27FC236}">
+                <a16:creationId xmlns:a16="http://schemas.microsoft.com/office/drawing/2014/main" id="{8787075B-6F97-4898-B1E5-8FFB1109BD97}"/>
               </a:ext>
             </a:extLst>
           </p:cNvPr>
@@ -9308,139 +10038,46 @@
           </p:cNvPicPr>
           <p:nvPr/>
         </p:nvPicPr>
-        <p:blipFill>
-          <a:blip r:embed="rId3"/>
-          <a:stretch>
-            <a:fillRect/>
-          </a:stretch>
+        <p:blipFill rotWithShape="1">
+          <a:blip r:embed="rId2"/>
+          <a:srcRect r="1078" b="1049"/>
+          <a:stretch/>
         </p:blipFill>
         <p:spPr>
           <a:xfrm>
-            <a:off x="1122706" y="664162"/>
-            <a:ext cx="8104418" cy="3378701"/>
+            <a:off x="809625" y="704850"/>
+            <a:ext cx="10458739" cy="5391150"/>
           </a:xfrm>
           <a:prstGeom prst="rect">
             <a:avLst/>
           </a:prstGeom>
         </p:spPr>
       </p:pic>
-      <p:sp>
-        <p:nvSpPr>
-          <p:cNvPr id="12" name="ZoneTexte 11">
-            <a:extLst>
-              <a:ext uri="{FF2B5EF4-FFF2-40B4-BE49-F238E27FC236}">
-                <a16:creationId xmlns:a16="http://schemas.microsoft.com/office/drawing/2014/main" id="{67CF0401-36AF-4ED8-9295-83E81D8AD96E}"/>
-              </a:ext>
-            </a:extLst>
-          </p:cNvPr>
-          <p:cNvSpPr txBox="1"/>
-          <p:nvPr/>
-        </p:nvSpPr>
-        <p:spPr>
-          <a:xfrm>
-            <a:off x="1051551" y="4032347"/>
-            <a:ext cx="5296917" cy="369332"/>
-          </a:xfrm>
-          <a:prstGeom prst="rect">
-            <a:avLst/>
-          </a:prstGeom>
-          <a:noFill/>
-        </p:spPr>
-        <p:txBody>
-          <a:bodyPr wrap="square" rtlCol="0">
-            <a:spAutoFit/>
-          </a:bodyPr>
-          <a:lstStyle/>
-          <a:p>
-            <a:r>
-              <a:rPr lang="en-US" b="1" dirty="0">
-                <a:solidFill>
-                  <a:srgbClr val="FF0000"/>
-                </a:solidFill>
-              </a:rPr>
-              <a:t>F</a:t>
-            </a:r>
-            <a:r>
-              <a:rPr lang="en-US" altLang="zh-CN" b="1" dirty="0">
-                <a:solidFill>
-                  <a:srgbClr val="FF0000"/>
-                </a:solidFill>
-              </a:rPr>
-              <a:t>ollowing metadata columns are added:</a:t>
-            </a:r>
-            <a:endParaRPr lang="en-US" b="1" dirty="0">
-              <a:solidFill>
-                <a:srgbClr val="FF0000"/>
-              </a:solidFill>
-            </a:endParaRPr>
-          </a:p>
-        </p:txBody>
-      </p:sp>
-      <p:sp>
-        <p:nvSpPr>
-          <p:cNvPr id="24" name="ZoneTexte 23">
-            <a:extLst>
-              <a:ext uri="{FF2B5EF4-FFF2-40B4-BE49-F238E27FC236}">
-                <a16:creationId xmlns:a16="http://schemas.microsoft.com/office/drawing/2014/main" id="{5C028F4F-4373-4D7B-B3F7-C9B9214C7865}"/>
-              </a:ext>
-            </a:extLst>
-          </p:cNvPr>
-          <p:cNvSpPr txBox="1"/>
-          <p:nvPr/>
-        </p:nvSpPr>
-        <p:spPr>
-          <a:xfrm>
-            <a:off x="9027000" y="-374698"/>
-            <a:ext cx="1542997" cy="369332"/>
-          </a:xfrm>
-          <a:prstGeom prst="rect">
-            <a:avLst/>
-          </a:prstGeom>
-          <a:noFill/>
-        </p:spPr>
-        <p:txBody>
-          <a:bodyPr wrap="square" rtlCol="0">
-            <a:spAutoFit/>
-          </a:bodyPr>
-          <a:lstStyle/>
-          <a:p>
-            <a:r>
-              <a:rPr lang="en-US" i="1" dirty="0">
-                <a:solidFill>
-                  <a:srgbClr val="FF0000"/>
-                </a:solidFill>
-              </a:rPr>
-              <a:t>Spectra data</a:t>
-            </a:r>
-          </a:p>
-        </p:txBody>
-      </p:sp>
       <p:cxnSp>
         <p:nvCxnSpPr>
-          <p:cNvPr id="56" name="Connecteur droit 55">
-            <a:extLst>
-              <a:ext uri="{FF2B5EF4-FFF2-40B4-BE49-F238E27FC236}">
-                <a16:creationId xmlns:a16="http://schemas.microsoft.com/office/drawing/2014/main" id="{04911FDB-6E6C-4760-900D-CCBA5FD281C3}"/>
-              </a:ext>
-            </a:extLst>
-          </p:cNvPr>
-          <p:cNvCxnSpPr>
-            <a:cxnSpLocks/>
-          </p:cNvCxnSpPr>
+          <p:cNvPr id="6" name="Connecteur droit 5">
+            <a:extLst>
+              <a:ext uri="{FF2B5EF4-FFF2-40B4-BE49-F238E27FC236}">
+                <a16:creationId xmlns:a16="http://schemas.microsoft.com/office/drawing/2014/main" id="{22056666-B301-4BED-8739-946193260049}"/>
+              </a:ext>
+            </a:extLst>
+          </p:cNvPr>
+          <p:cNvCxnSpPr/>
           <p:nvPr/>
         </p:nvCxnSpPr>
         <p:spPr>
           <a:xfrm>
-            <a:off x="5809886" y="664161"/>
-            <a:ext cx="0" cy="3474720"/>
+            <a:off x="1597891" y="5246255"/>
+            <a:ext cx="9596582" cy="0"/>
           </a:xfrm>
           <a:prstGeom prst="line">
             <a:avLst/>
           </a:prstGeom>
-          <a:ln w="19050">
+          <a:ln w="38100">
             <a:solidFill>
               <a:srgbClr val="FF0000"/>
             </a:solidFill>
+            <a:prstDash val="sysDot"/>
           </a:ln>
         </p:spPr>
         <p:style>
@@ -9458,123 +10095,12 @@
           </a:fontRef>
         </p:style>
       </p:cxnSp>
-      <p:cxnSp>
-        <p:nvCxnSpPr>
-          <p:cNvPr id="57" name="Connecteur droit 56">
-            <a:extLst>
-              <a:ext uri="{FF2B5EF4-FFF2-40B4-BE49-F238E27FC236}">
-                <a16:creationId xmlns:a16="http://schemas.microsoft.com/office/drawing/2014/main" id="{E2665E2A-F00F-4AF1-9A51-E4CB1821B9A6}"/>
-              </a:ext>
-            </a:extLst>
-          </p:cNvPr>
-          <p:cNvCxnSpPr/>
-          <p:nvPr/>
-        </p:nvCxnSpPr>
-        <p:spPr>
-          <a:xfrm>
-            <a:off x="9227124" y="568143"/>
-            <a:ext cx="0" cy="3474720"/>
-          </a:xfrm>
-          <a:prstGeom prst="line">
-            <a:avLst/>
-          </a:prstGeom>
-          <a:ln w="19050">
-            <a:solidFill>
-              <a:srgbClr val="FF0000"/>
-            </a:solidFill>
-          </a:ln>
-        </p:spPr>
-        <p:style>
-          <a:lnRef idx="1">
-            <a:schemeClr val="accent1"/>
-          </a:lnRef>
-          <a:fillRef idx="0">
-            <a:schemeClr val="accent1"/>
-          </a:fillRef>
-          <a:effectRef idx="0">
-            <a:schemeClr val="accent1"/>
-          </a:effectRef>
-          <a:fontRef idx="minor">
-            <a:schemeClr val="tx1"/>
-          </a:fontRef>
-        </p:style>
-      </p:cxnSp>
-      <p:pic>
-        <p:nvPicPr>
-          <p:cNvPr id="61" name="Image 60">
-            <a:extLst>
-              <a:ext uri="{FF2B5EF4-FFF2-40B4-BE49-F238E27FC236}">
-                <a16:creationId xmlns:a16="http://schemas.microsoft.com/office/drawing/2014/main" id="{47DDCEF7-BA9E-4FDA-860A-4FF7A48BCF26}"/>
-              </a:ext>
-            </a:extLst>
-          </p:cNvPr>
-          <p:cNvPicPr>
-            <a:picLocks noChangeAspect="1"/>
-          </p:cNvPicPr>
-          <p:nvPr/>
-        </p:nvPicPr>
-        <p:blipFill rotWithShape="1">
-          <a:blip r:embed="rId4"/>
-          <a:srcRect t="1523" r="24557"/>
-          <a:stretch/>
-        </p:blipFill>
-        <p:spPr>
-          <a:xfrm>
-            <a:off x="6916706" y="-2311456"/>
-            <a:ext cx="1999774" cy="2616802"/>
-          </a:xfrm>
-          <a:prstGeom prst="rect">
-            <a:avLst/>
-          </a:prstGeom>
-        </p:spPr>
-      </p:pic>
-      <p:cxnSp>
-        <p:nvCxnSpPr>
-          <p:cNvPr id="65" name="Connecteur droit 64">
-            <a:extLst>
-              <a:ext uri="{FF2B5EF4-FFF2-40B4-BE49-F238E27FC236}">
-                <a16:creationId xmlns:a16="http://schemas.microsoft.com/office/drawing/2014/main" id="{F42E9E83-3C0F-4B1B-A887-BA5E65AB9F40}"/>
-              </a:ext>
-            </a:extLst>
-          </p:cNvPr>
-          <p:cNvCxnSpPr/>
-          <p:nvPr/>
-        </p:nvCxnSpPr>
-        <p:spPr>
-          <a:xfrm>
-            <a:off x="8343933" y="-2311456"/>
-            <a:ext cx="0" cy="1645920"/>
-          </a:xfrm>
-          <a:prstGeom prst="line">
-            <a:avLst/>
-          </a:prstGeom>
-          <a:ln w="19050">
-            <a:solidFill>
-              <a:srgbClr val="FF0000"/>
-            </a:solidFill>
-          </a:ln>
-        </p:spPr>
-        <p:style>
-          <a:lnRef idx="1">
-            <a:schemeClr val="accent1"/>
-          </a:lnRef>
-          <a:fillRef idx="0">
-            <a:schemeClr val="accent1"/>
-          </a:fillRef>
-          <a:effectRef idx="0">
-            <a:schemeClr val="accent1"/>
-          </a:effectRef>
-          <a:fontRef idx="minor">
-            <a:schemeClr val="tx1"/>
-          </a:fontRef>
-        </p:style>
-      </p:cxnSp>
-      <p:sp>
-        <p:nvSpPr>
-          <p:cNvPr id="23" name="ZoneTexte 22">
-            <a:extLst>
-              <a:ext uri="{FF2B5EF4-FFF2-40B4-BE49-F238E27FC236}">
-                <a16:creationId xmlns:a16="http://schemas.microsoft.com/office/drawing/2014/main" id="{944CB714-62F4-4338-8FF0-2C3043047C6A}"/>
+      <p:sp>
+        <p:nvSpPr>
+          <p:cNvPr id="7" name="ZoneTexte 6">
+            <a:extLst>
+              <a:ext uri="{FF2B5EF4-FFF2-40B4-BE49-F238E27FC236}">
+                <a16:creationId xmlns:a16="http://schemas.microsoft.com/office/drawing/2014/main" id="{5E3383E5-F4E6-4347-91FB-CB6D869D6455}"/>
               </a:ext>
             </a:extLst>
           </p:cNvPr>
@@ -9583,8 +10109,8 @@
         </p:nvSpPr>
         <p:spPr>
           <a:xfrm>
-            <a:off x="8354247" y="-1673162"/>
-            <a:ext cx="1144703" cy="369332"/>
+            <a:off x="1597891" y="4775354"/>
+            <a:ext cx="2447637" cy="461665"/>
           </a:xfrm>
           <a:prstGeom prst="rect">
             <a:avLst/>
@@ -9598,689 +10124,12 @@
           <a:lstStyle/>
           <a:p>
             <a:r>
-              <a:rPr lang="en-US" i="1" dirty="0">
+              <a:rPr lang="en-US" sz="2400" b="1" dirty="0">
                 <a:solidFill>
                   <a:srgbClr val="FF0000"/>
                 </a:solidFill>
               </a:rPr>
-              <a:t>Metadata</a:t>
-            </a:r>
-          </a:p>
-        </p:txBody>
-      </p:sp>
-      <p:cxnSp>
-        <p:nvCxnSpPr>
-          <p:cNvPr id="66" name="Connecteur droit 65">
-            <a:extLst>
-              <a:ext uri="{FF2B5EF4-FFF2-40B4-BE49-F238E27FC236}">
-                <a16:creationId xmlns:a16="http://schemas.microsoft.com/office/drawing/2014/main" id="{C44EC7A9-4217-4157-A2F9-32820B011670}"/>
-              </a:ext>
-            </a:extLst>
-          </p:cNvPr>
-          <p:cNvCxnSpPr/>
-          <p:nvPr/>
-        </p:nvCxnSpPr>
-        <p:spPr>
-          <a:xfrm>
-            <a:off x="9027001" y="-665536"/>
-            <a:ext cx="0" cy="914400"/>
-          </a:xfrm>
-          <a:prstGeom prst="line">
-            <a:avLst/>
-          </a:prstGeom>
-          <a:ln w="19050">
-            <a:solidFill>
-              <a:srgbClr val="FF0000"/>
-            </a:solidFill>
-          </a:ln>
-        </p:spPr>
-        <p:style>
-          <a:lnRef idx="1">
-            <a:schemeClr val="accent1"/>
-          </a:lnRef>
-          <a:fillRef idx="0">
-            <a:schemeClr val="accent1"/>
-          </a:fillRef>
-          <a:effectRef idx="0">
-            <a:schemeClr val="accent1"/>
-          </a:effectRef>
-          <a:fontRef idx="minor">
-            <a:schemeClr val="tx1"/>
-          </a:fontRef>
-        </p:style>
-      </p:cxnSp>
-      <p:sp>
-        <p:nvSpPr>
-          <p:cNvPr id="37" name="ZoneTexte 36">
-            <a:extLst>
-              <a:ext uri="{FF2B5EF4-FFF2-40B4-BE49-F238E27FC236}">
-                <a16:creationId xmlns:a16="http://schemas.microsoft.com/office/drawing/2014/main" id="{B71716CC-E764-4070-9690-59D68F5530E8}"/>
-              </a:ext>
-            </a:extLst>
-          </p:cNvPr>
-          <p:cNvSpPr txBox="1"/>
-          <p:nvPr/>
-        </p:nvSpPr>
-        <p:spPr>
-          <a:xfrm>
-            <a:off x="8555424" y="-2301133"/>
-            <a:ext cx="2252883" cy="369332"/>
-          </a:xfrm>
-          <a:prstGeom prst="rect">
-            <a:avLst/>
-          </a:prstGeom>
-          <a:noFill/>
-        </p:spPr>
-        <p:txBody>
-          <a:bodyPr wrap="square" rtlCol="0">
-            <a:spAutoFit/>
-          </a:bodyPr>
-          <a:lstStyle/>
-          <a:p>
-            <a:pPr algn="ctr"/>
-            <a:r>
-              <a:rPr lang="en-US" i="1" dirty="0">
-                <a:solidFill>
-                  <a:srgbClr val="4472C4"/>
-                </a:solidFill>
-              </a:rPr>
-              <a:t>Example of a “scan”</a:t>
-            </a:r>
-          </a:p>
-        </p:txBody>
-      </p:sp>
-      <p:pic>
-        <p:nvPicPr>
-          <p:cNvPr id="2" name="Image 1">
-            <a:extLst>
-              <a:ext uri="{FF2B5EF4-FFF2-40B4-BE49-F238E27FC236}">
-                <a16:creationId xmlns:a16="http://schemas.microsoft.com/office/drawing/2014/main" id="{DACCA09B-0603-423E-9BE0-418159DF4DEC}"/>
-              </a:ext>
-            </a:extLst>
-          </p:cNvPr>
-          <p:cNvPicPr>
-            <a:picLocks noChangeAspect="1"/>
-          </p:cNvPicPr>
-          <p:nvPr/>
-        </p:nvPicPr>
-        <p:blipFill>
-          <a:blip r:embed="rId5"/>
-          <a:stretch>
-            <a:fillRect/>
-          </a:stretch>
-        </p:blipFill>
-        <p:spPr>
-          <a:xfrm>
-            <a:off x="1184919" y="-2182199"/>
-            <a:ext cx="4468990" cy="2187354"/>
-          </a:xfrm>
-          <a:prstGeom prst="rect">
-            <a:avLst/>
-          </a:prstGeom>
-          <a:ln w="28575">
-            <a:solidFill>
-              <a:schemeClr val="tx1"/>
-            </a:solidFill>
-          </a:ln>
-        </p:spPr>
-      </p:pic>
-      <p:sp>
-        <p:nvSpPr>
-          <p:cNvPr id="52" name="ZoneTexte 51">
-            <a:extLst>
-              <a:ext uri="{FF2B5EF4-FFF2-40B4-BE49-F238E27FC236}">
-                <a16:creationId xmlns:a16="http://schemas.microsoft.com/office/drawing/2014/main" id="{DAE24555-3B54-4BAD-B93A-7336AB6F9078}"/>
-              </a:ext>
-            </a:extLst>
-          </p:cNvPr>
-          <p:cNvSpPr txBox="1"/>
-          <p:nvPr/>
-        </p:nvSpPr>
-        <p:spPr>
-          <a:xfrm>
-            <a:off x="2866027" y="-1425064"/>
-            <a:ext cx="2098911" cy="646331"/>
-          </a:xfrm>
-          <a:prstGeom prst="rect">
-            <a:avLst/>
-          </a:prstGeom>
-          <a:noFill/>
-        </p:spPr>
-        <p:txBody>
-          <a:bodyPr wrap="square" rtlCol="0">
-            <a:spAutoFit/>
-          </a:bodyPr>
-          <a:lstStyle/>
-          <a:p>
-            <a:r>
-              <a:rPr lang="en-US" dirty="0">
-                <a:solidFill>
-                  <a:srgbClr val="FF0000"/>
-                </a:solidFill>
-              </a:rPr>
-              <a:t>GNPS-style</a:t>
-            </a:r>
-          </a:p>
-          <a:p>
-            <a:r>
-              <a:rPr lang="en-US" dirty="0">
-                <a:solidFill>
-                  <a:srgbClr val="FF0000"/>
-                </a:solidFill>
-              </a:rPr>
-              <a:t>spectral library file</a:t>
-            </a:r>
-          </a:p>
-        </p:txBody>
-      </p:sp>
-      <p:cxnSp>
-        <p:nvCxnSpPr>
-          <p:cNvPr id="62" name="Connecteur droit avec flèche 61">
-            <a:extLst>
-              <a:ext uri="{FF2B5EF4-FFF2-40B4-BE49-F238E27FC236}">
-                <a16:creationId xmlns:a16="http://schemas.microsoft.com/office/drawing/2014/main" id="{1EB1A78C-15AB-4863-8890-C299D0C82A20}"/>
-              </a:ext>
-            </a:extLst>
-          </p:cNvPr>
-          <p:cNvCxnSpPr>
-            <a:cxnSpLocks/>
-          </p:cNvCxnSpPr>
-          <p:nvPr/>
-        </p:nvCxnSpPr>
-        <p:spPr>
-          <a:xfrm>
-            <a:off x="2894501" y="-769315"/>
-            <a:ext cx="4022205" cy="0"/>
-          </a:xfrm>
-          <a:prstGeom prst="straightConnector1">
-            <a:avLst/>
-          </a:prstGeom>
-          <a:ln w="28575">
-            <a:solidFill>
-              <a:srgbClr val="FF0000"/>
-            </a:solidFill>
-            <a:tailEnd type="triangle"/>
-          </a:ln>
-        </p:spPr>
-        <p:style>
-          <a:lnRef idx="1">
-            <a:schemeClr val="accent1"/>
-          </a:lnRef>
-          <a:fillRef idx="0">
-            <a:schemeClr val="accent1"/>
-          </a:fillRef>
-          <a:effectRef idx="0">
-            <a:schemeClr val="accent1"/>
-          </a:effectRef>
-          <a:fontRef idx="minor">
-            <a:schemeClr val="tx1"/>
-          </a:fontRef>
-        </p:style>
-      </p:cxnSp>
-      <p:sp>
-        <p:nvSpPr>
-          <p:cNvPr id="4" name="Accolade ouvrante 3">
-            <a:extLst>
-              <a:ext uri="{FF2B5EF4-FFF2-40B4-BE49-F238E27FC236}">
-                <a16:creationId xmlns:a16="http://schemas.microsoft.com/office/drawing/2014/main" id="{D1A367C1-7264-488B-ADFE-7B938289269A}"/>
-              </a:ext>
-            </a:extLst>
-          </p:cNvPr>
-          <p:cNvSpPr/>
-          <p:nvPr/>
-        </p:nvSpPr>
-        <p:spPr>
-          <a:xfrm rot="10800000">
-            <a:off x="9763870" y="1317421"/>
-            <a:ext cx="364490" cy="4223157"/>
-          </a:xfrm>
-          <a:prstGeom prst="leftBrace">
-            <a:avLst/>
-          </a:prstGeom>
-          <a:ln w="19050">
-            <a:solidFill>
-              <a:srgbClr val="FF0000"/>
-            </a:solidFill>
-          </a:ln>
-        </p:spPr>
-        <p:style>
-          <a:lnRef idx="1">
-            <a:schemeClr val="accent1"/>
-          </a:lnRef>
-          <a:fillRef idx="0">
-            <a:schemeClr val="accent1"/>
-          </a:fillRef>
-          <a:effectRef idx="0">
-            <a:schemeClr val="accent1"/>
-          </a:effectRef>
-          <a:fontRef idx="minor">
-            <a:schemeClr val="tx1"/>
-          </a:fontRef>
-        </p:style>
-        <p:txBody>
-          <a:bodyPr rtlCol="0" anchor="ctr"/>
-          <a:lstStyle/>
-          <a:p>
-            <a:pPr algn="ctr"/>
-            <a:endParaRPr lang="en-US"/>
-          </a:p>
-        </p:txBody>
-      </p:sp>
-      <p:sp>
-        <p:nvSpPr>
-          <p:cNvPr id="5" name="Rectangle : coins arrondis 4">
-            <a:extLst>
-              <a:ext uri="{FF2B5EF4-FFF2-40B4-BE49-F238E27FC236}">
-                <a16:creationId xmlns:a16="http://schemas.microsoft.com/office/drawing/2014/main" id="{6B584F45-D360-4EB0-AB98-A5D42C2E9CE5}"/>
-              </a:ext>
-            </a:extLst>
-          </p:cNvPr>
-          <p:cNvSpPr/>
-          <p:nvPr/>
-        </p:nvSpPr>
-        <p:spPr>
-          <a:xfrm>
-            <a:off x="1154534" y="1701983"/>
-            <a:ext cx="1465119" cy="636198"/>
-          </a:xfrm>
-          <a:prstGeom prst="roundRect">
-            <a:avLst/>
-          </a:prstGeom>
-        </p:spPr>
-        <p:style>
-          <a:lnRef idx="2">
-            <a:schemeClr val="accent1">
-              <a:shade val="50000"/>
-            </a:schemeClr>
-          </a:lnRef>
-          <a:fillRef idx="1">
-            <a:schemeClr val="accent1"/>
-          </a:fillRef>
-          <a:effectRef idx="0">
-            <a:schemeClr val="accent1"/>
-          </a:effectRef>
-          <a:fontRef idx="minor">
-            <a:schemeClr val="lt1"/>
-          </a:fontRef>
-        </p:style>
-        <p:txBody>
-          <a:bodyPr rtlCol="0" anchor="ctr"/>
-          <a:lstStyle/>
-          <a:p>
-            <a:pPr algn="ctr"/>
-            <a:r>
-              <a:rPr lang="en-US" b="1" i="1" dirty="0">
-                <a:solidFill>
-                  <a:schemeClr val="bg1"/>
-                </a:solidFill>
-              </a:rPr>
-              <a:t>Actual value detected</a:t>
-            </a:r>
-            <a:endParaRPr lang="en-US" b="1" dirty="0">
-              <a:solidFill>
-                <a:schemeClr val="bg1"/>
-              </a:solidFill>
-            </a:endParaRPr>
-          </a:p>
-        </p:txBody>
-      </p:sp>
-      <p:pic>
-        <p:nvPicPr>
-          <p:cNvPr id="6" name="Image 5">
-            <a:extLst>
-              <a:ext uri="{FF2B5EF4-FFF2-40B4-BE49-F238E27FC236}">
-                <a16:creationId xmlns:a16="http://schemas.microsoft.com/office/drawing/2014/main" id="{D5DF1E7C-6A11-4A76-A010-A70E61CDDC05}"/>
-              </a:ext>
-            </a:extLst>
-          </p:cNvPr>
-          <p:cNvPicPr>
-            <a:picLocks noChangeAspect="1"/>
-          </p:cNvPicPr>
-          <p:nvPr/>
-        </p:nvPicPr>
-        <p:blipFill>
-          <a:blip r:embed="rId6"/>
-          <a:stretch>
-            <a:fillRect/>
-          </a:stretch>
-        </p:blipFill>
-        <p:spPr>
-          <a:xfrm>
-            <a:off x="1122706" y="4382387"/>
-            <a:ext cx="5225764" cy="2609819"/>
-          </a:xfrm>
-          <a:prstGeom prst="rect">
-            <a:avLst/>
-          </a:prstGeom>
-        </p:spPr>
-      </p:pic>
-      <p:pic>
-        <p:nvPicPr>
-          <p:cNvPr id="7" name="Image 6">
-            <a:extLst>
-              <a:ext uri="{FF2B5EF4-FFF2-40B4-BE49-F238E27FC236}">
-                <a16:creationId xmlns:a16="http://schemas.microsoft.com/office/drawing/2014/main" id="{2D25FB9B-F42D-4C24-9FA6-6A83F076E2DD}"/>
-              </a:ext>
-            </a:extLst>
-          </p:cNvPr>
-          <p:cNvPicPr>
-            <a:picLocks noChangeAspect="1"/>
-          </p:cNvPicPr>
-          <p:nvPr/>
-        </p:nvPicPr>
-        <p:blipFill>
-          <a:blip r:embed="rId7"/>
-          <a:stretch>
-            <a:fillRect/>
-          </a:stretch>
-        </p:blipFill>
-        <p:spPr>
-          <a:xfrm>
-            <a:off x="6957339" y="4382387"/>
-            <a:ext cx="2773188" cy="2631132"/>
-          </a:xfrm>
-          <a:prstGeom prst="rect">
-            <a:avLst/>
-          </a:prstGeom>
-        </p:spPr>
-      </p:pic>
-      <p:sp>
-        <p:nvSpPr>
-          <p:cNvPr id="9" name="ZoneTexte 8">
-            <a:extLst>
-              <a:ext uri="{FF2B5EF4-FFF2-40B4-BE49-F238E27FC236}">
-                <a16:creationId xmlns:a16="http://schemas.microsoft.com/office/drawing/2014/main" id="{1A29488B-F1B3-43ED-A947-CBB599709DC7}"/>
-              </a:ext>
-            </a:extLst>
-          </p:cNvPr>
-          <p:cNvSpPr txBox="1"/>
-          <p:nvPr/>
-        </p:nvSpPr>
-        <p:spPr>
-          <a:xfrm>
-            <a:off x="6221962" y="5295976"/>
-            <a:ext cx="713333" cy="584775"/>
-          </a:xfrm>
-          <a:prstGeom prst="rect">
-            <a:avLst/>
-          </a:prstGeom>
-          <a:noFill/>
-        </p:spPr>
-        <p:txBody>
-          <a:bodyPr wrap="square" rtlCol="0">
-            <a:spAutoFit/>
-          </a:bodyPr>
-          <a:lstStyle/>
-          <a:p>
-            <a:pPr algn="ctr"/>
-            <a:r>
-              <a:rPr lang="en-US" sz="3200" b="1" dirty="0"/>
-              <a:t>…</a:t>
-            </a:r>
-          </a:p>
-        </p:txBody>
-      </p:sp>
-      <p:sp>
-        <p:nvSpPr>
-          <p:cNvPr id="36" name="ZoneTexte 35">
-            <a:extLst>
-              <a:ext uri="{FF2B5EF4-FFF2-40B4-BE49-F238E27FC236}">
-                <a16:creationId xmlns:a16="http://schemas.microsoft.com/office/drawing/2014/main" id="{0FF700D0-E90B-496B-9B46-E3FE1E420E0F}"/>
-              </a:ext>
-            </a:extLst>
-          </p:cNvPr>
-          <p:cNvSpPr txBox="1"/>
-          <p:nvPr/>
-        </p:nvSpPr>
-        <p:spPr>
-          <a:xfrm>
-            <a:off x="1070477" y="268507"/>
-            <a:ext cx="5506965" cy="369332"/>
-          </a:xfrm>
-          <a:prstGeom prst="rect">
-            <a:avLst/>
-          </a:prstGeom>
-          <a:noFill/>
-        </p:spPr>
-        <p:txBody>
-          <a:bodyPr wrap="square" rtlCol="0">
-            <a:spAutoFit/>
-          </a:bodyPr>
-          <a:lstStyle/>
-          <a:p>
-            <a:r>
-              <a:rPr lang="en-US" b="1" dirty="0">
-                <a:solidFill>
-                  <a:srgbClr val="FF0000"/>
-                </a:solidFill>
-              </a:rPr>
-              <a:t>F</a:t>
-            </a:r>
-            <a:r>
-              <a:rPr lang="en-US" altLang="zh-CN" b="1" dirty="0">
-                <a:solidFill>
-                  <a:srgbClr val="FF0000"/>
-                </a:solidFill>
-              </a:rPr>
-              <a:t>ollowing metadata columns are appended or updated:</a:t>
-            </a:r>
-            <a:endParaRPr lang="en-US" b="1" dirty="0">
-              <a:solidFill>
-                <a:srgbClr val="FF0000"/>
-              </a:solidFill>
-            </a:endParaRPr>
-          </a:p>
-        </p:txBody>
-      </p:sp>
-      <p:sp>
-        <p:nvSpPr>
-          <p:cNvPr id="38" name="Rectangle : coins arrondis 37">
-            <a:extLst>
-              <a:ext uri="{FF2B5EF4-FFF2-40B4-BE49-F238E27FC236}">
-                <a16:creationId xmlns:a16="http://schemas.microsoft.com/office/drawing/2014/main" id="{25C3F572-EAFF-45DF-A1D9-8B5E61E39790}"/>
-              </a:ext>
-            </a:extLst>
-          </p:cNvPr>
-          <p:cNvSpPr/>
-          <p:nvPr/>
-        </p:nvSpPr>
-        <p:spPr>
-          <a:xfrm>
-            <a:off x="1144225" y="5308185"/>
-            <a:ext cx="2056175" cy="636198"/>
-          </a:xfrm>
-          <a:prstGeom prst="roundRect">
-            <a:avLst/>
-          </a:prstGeom>
-        </p:spPr>
-        <p:style>
-          <a:lnRef idx="2">
-            <a:schemeClr val="accent1">
-              <a:shade val="50000"/>
-            </a:schemeClr>
-          </a:lnRef>
-          <a:fillRef idx="1">
-            <a:schemeClr val="accent1"/>
-          </a:fillRef>
-          <a:effectRef idx="0">
-            <a:schemeClr val="accent1"/>
-          </a:effectRef>
-          <a:fontRef idx="minor">
-            <a:schemeClr val="lt1"/>
-          </a:fontRef>
-        </p:style>
-        <p:txBody>
-          <a:bodyPr rtlCol="0" anchor="ctr"/>
-          <a:lstStyle/>
-          <a:p>
-            <a:pPr algn="ctr"/>
-            <a:r>
-              <a:rPr lang="en-US" b="1" i="1" dirty="0">
-                <a:solidFill>
-                  <a:schemeClr val="bg1"/>
-                </a:solidFill>
-              </a:rPr>
-              <a:t>Chromatogram information</a:t>
-            </a:r>
-            <a:endParaRPr lang="en-US" b="1" dirty="0">
-              <a:solidFill>
-                <a:schemeClr val="bg1"/>
-              </a:solidFill>
-            </a:endParaRPr>
-          </a:p>
-        </p:txBody>
-      </p:sp>
-      <p:sp>
-        <p:nvSpPr>
-          <p:cNvPr id="39" name="Rectangle : coins arrondis 38">
-            <a:extLst>
-              <a:ext uri="{FF2B5EF4-FFF2-40B4-BE49-F238E27FC236}">
-                <a16:creationId xmlns:a16="http://schemas.microsoft.com/office/drawing/2014/main" id="{96736986-29DC-4821-A21C-4F74FF056D74}"/>
-              </a:ext>
-            </a:extLst>
-          </p:cNvPr>
-          <p:cNvSpPr/>
-          <p:nvPr/>
-        </p:nvSpPr>
-        <p:spPr>
-          <a:xfrm>
-            <a:off x="3913864" y="5310951"/>
-            <a:ext cx="2056175" cy="636198"/>
-          </a:xfrm>
-          <a:prstGeom prst="roundRect">
-            <a:avLst/>
-          </a:prstGeom>
-        </p:spPr>
-        <p:style>
-          <a:lnRef idx="2">
-            <a:schemeClr val="accent1">
-              <a:shade val="50000"/>
-            </a:schemeClr>
-          </a:lnRef>
-          <a:fillRef idx="1">
-            <a:schemeClr val="accent1"/>
-          </a:fillRef>
-          <a:effectRef idx="0">
-            <a:schemeClr val="accent1"/>
-          </a:effectRef>
-          <a:fontRef idx="minor">
-            <a:schemeClr val="lt1"/>
-          </a:fontRef>
-        </p:style>
-        <p:txBody>
-          <a:bodyPr rtlCol="0" anchor="ctr"/>
-          <a:lstStyle/>
-          <a:p>
-            <a:pPr algn="ctr"/>
-            <a:r>
-              <a:rPr lang="en-US" b="1" i="1" dirty="0">
-                <a:solidFill>
-                  <a:schemeClr val="bg1"/>
-                </a:solidFill>
-              </a:rPr>
-              <a:t>Search parameters</a:t>
-            </a:r>
-            <a:endParaRPr lang="en-US" b="1" dirty="0">
-              <a:solidFill>
-                <a:schemeClr val="bg1"/>
-              </a:solidFill>
-            </a:endParaRPr>
-          </a:p>
-        </p:txBody>
-      </p:sp>
-      <p:sp>
-        <p:nvSpPr>
-          <p:cNvPr id="40" name="Rectangle : coins arrondis 39">
-            <a:extLst>
-              <a:ext uri="{FF2B5EF4-FFF2-40B4-BE49-F238E27FC236}">
-                <a16:creationId xmlns:a16="http://schemas.microsoft.com/office/drawing/2014/main" id="{8EE3D6A2-1136-421E-B03E-A4AA270CB11F}"/>
-              </a:ext>
-            </a:extLst>
-          </p:cNvPr>
-          <p:cNvSpPr/>
-          <p:nvPr/>
-        </p:nvSpPr>
-        <p:spPr>
-          <a:xfrm>
-            <a:off x="6957339" y="5308185"/>
-            <a:ext cx="2056175" cy="636198"/>
-          </a:xfrm>
-          <a:prstGeom prst="roundRect">
-            <a:avLst/>
-          </a:prstGeom>
-        </p:spPr>
-        <p:style>
-          <a:lnRef idx="2">
-            <a:schemeClr val="accent1">
-              <a:shade val="50000"/>
-            </a:schemeClr>
-          </a:lnRef>
-          <a:fillRef idx="1">
-            <a:schemeClr val="accent1"/>
-          </a:fillRef>
-          <a:effectRef idx="0">
-            <a:schemeClr val="accent1"/>
-          </a:effectRef>
-          <a:fontRef idx="minor">
-            <a:schemeClr val="lt1"/>
-          </a:fontRef>
-        </p:style>
-        <p:txBody>
-          <a:bodyPr rtlCol="0" anchor="ctr"/>
-          <a:lstStyle/>
-          <a:p>
-            <a:pPr algn="ctr"/>
-            <a:r>
-              <a:rPr lang="en-US" b="1" i="1" dirty="0">
-                <a:solidFill>
-                  <a:schemeClr val="bg1"/>
-                </a:solidFill>
-              </a:rPr>
-              <a:t>User information</a:t>
-            </a:r>
-            <a:endParaRPr lang="en-US" b="1" dirty="0">
-              <a:solidFill>
-                <a:schemeClr val="bg1"/>
-              </a:solidFill>
-            </a:endParaRPr>
-          </a:p>
-        </p:txBody>
-      </p:sp>
-      <p:sp>
-        <p:nvSpPr>
-          <p:cNvPr id="25" name="ZoneTexte 24">
-            <a:extLst>
-              <a:ext uri="{FF2B5EF4-FFF2-40B4-BE49-F238E27FC236}">
-                <a16:creationId xmlns:a16="http://schemas.microsoft.com/office/drawing/2014/main" id="{1EFC2486-A30B-4219-AD5C-D3CE00CE1484}"/>
-              </a:ext>
-            </a:extLst>
-          </p:cNvPr>
-          <p:cNvSpPr txBox="1"/>
-          <p:nvPr/>
-        </p:nvSpPr>
-        <p:spPr>
-          <a:xfrm>
-            <a:off x="10335447" y="3249358"/>
-            <a:ext cx="1144703" cy="369332"/>
-          </a:xfrm>
-          <a:prstGeom prst="rect">
-            <a:avLst/>
-          </a:prstGeom>
-          <a:noFill/>
-        </p:spPr>
-        <p:txBody>
-          <a:bodyPr wrap="square" rtlCol="0">
-            <a:spAutoFit/>
-          </a:bodyPr>
-          <a:lstStyle/>
-          <a:p>
-            <a:r>
-              <a:rPr lang="en-US" i="1" dirty="0">
-                <a:solidFill>
-                  <a:srgbClr val="FF0000"/>
-                </a:solidFill>
-              </a:rPr>
-              <a:t>Metadata</a:t>
+              <a:t>Baseline  ≈ 1000</a:t>
             </a:r>
           </a:p>
         </p:txBody>
@@ -10288,7 +10137,7 @@
     </p:spTree>
     <p:extLst>
       <p:ext uri="{BB962C8B-B14F-4D97-AF65-F5344CB8AC3E}">
-        <p14:creationId xmlns:p14="http://schemas.microsoft.com/office/powerpoint/2010/main" val="1310916558"/>
+        <p14:creationId xmlns:p14="http://schemas.microsoft.com/office/powerpoint/2010/main" val="555463728"/>
       </p:ext>
     </p:extLst>
   </p:cSld>
@@ -10315,12 +10164,66 @@
           <a:chExt cx="0" cy="0"/>
         </a:xfrm>
       </p:grpSpPr>
+      <p:sp>
+        <p:nvSpPr>
+          <p:cNvPr id="41" name="Rectangle 40">
+            <a:extLst>
+              <a:ext uri="{FF2B5EF4-FFF2-40B4-BE49-F238E27FC236}">
+                <a16:creationId xmlns:a16="http://schemas.microsoft.com/office/drawing/2014/main" id="{16728B70-9AE4-41C7-8ABE-880318331C56}"/>
+              </a:ext>
+            </a:extLst>
+          </p:cNvPr>
+          <p:cNvSpPr/>
+          <p:nvPr/>
+        </p:nvSpPr>
+        <p:spPr>
+          <a:xfrm>
+            <a:off x="685799" y="-2606040"/>
+            <a:ext cx="10794351" cy="9890760"/>
+          </a:xfrm>
+          <a:prstGeom prst="rect">
+            <a:avLst/>
+          </a:prstGeom>
+          <a:solidFill>
+            <a:schemeClr val="bg1"/>
+          </a:solidFill>
+          <a:ln>
+            <a:solidFill>
+              <a:schemeClr val="bg1"/>
+            </a:solidFill>
+          </a:ln>
+        </p:spPr>
+        <p:style>
+          <a:lnRef idx="2">
+            <a:schemeClr val="accent1">
+              <a:shade val="50000"/>
+            </a:schemeClr>
+          </a:lnRef>
+          <a:fillRef idx="1">
+            <a:schemeClr val="accent1"/>
+          </a:fillRef>
+          <a:effectRef idx="0">
+            <a:schemeClr val="accent1"/>
+          </a:effectRef>
+          <a:fontRef idx="minor">
+            <a:schemeClr val="lt1"/>
+          </a:fontRef>
+        </p:style>
+        <p:txBody>
+          <a:bodyPr rtlCol="0" anchor="ctr"/>
+          <a:lstStyle/>
+          <a:p>
+            <a:pPr algn="ctr"/>
+            <a:endParaRPr lang="en-US"/>
+          </a:p>
+        </p:txBody>
+      </p:sp>
       <p:pic>
         <p:nvPicPr>
-          <p:cNvPr id="4" name="Image 3">
-            <a:extLst>
-              <a:ext uri="{FF2B5EF4-FFF2-40B4-BE49-F238E27FC236}">
-                <a16:creationId xmlns:a16="http://schemas.microsoft.com/office/drawing/2014/main" id="{D3F1A527-5274-438D-903E-313A0CE3A726}"/>
+          <p:cNvPr id="3" name="Image 2">
+            <a:extLst>
+              <a:ext uri="{FF2B5EF4-FFF2-40B4-BE49-F238E27FC236}">
+                <a16:creationId xmlns:a16="http://schemas.microsoft.com/office/drawing/2014/main" id="{A5A36007-7EAB-4FF6-85BD-161161480EEC}"/>
               </a:ext>
             </a:extLst>
           </p:cNvPr>
@@ -10330,25 +10233,986 @@
           <p:nvPr/>
         </p:nvPicPr>
         <p:blipFill>
-          <a:blip r:embed="rId2"/>
+          <a:blip r:embed="rId3"/>
           <a:stretch>
             <a:fillRect/>
           </a:stretch>
         </p:blipFill>
         <p:spPr>
           <a:xfrm>
-            <a:off x="2076101" y="647459"/>
-            <a:ext cx="8039797" cy="5563082"/>
+            <a:off x="1122706" y="664162"/>
+            <a:ext cx="8104418" cy="3378701"/>
           </a:xfrm>
           <a:prstGeom prst="rect">
             <a:avLst/>
           </a:prstGeom>
         </p:spPr>
       </p:pic>
+      <p:sp>
+        <p:nvSpPr>
+          <p:cNvPr id="12" name="ZoneTexte 11">
+            <a:extLst>
+              <a:ext uri="{FF2B5EF4-FFF2-40B4-BE49-F238E27FC236}">
+                <a16:creationId xmlns:a16="http://schemas.microsoft.com/office/drawing/2014/main" id="{67CF0401-36AF-4ED8-9295-83E81D8AD96E}"/>
+              </a:ext>
+            </a:extLst>
+          </p:cNvPr>
+          <p:cNvSpPr txBox="1"/>
+          <p:nvPr/>
+        </p:nvSpPr>
+        <p:spPr>
+          <a:xfrm>
+            <a:off x="1051551" y="4032347"/>
+            <a:ext cx="5296917" cy="369332"/>
+          </a:xfrm>
+          <a:prstGeom prst="rect">
+            <a:avLst/>
+          </a:prstGeom>
+          <a:noFill/>
+        </p:spPr>
+        <p:txBody>
+          <a:bodyPr wrap="square" rtlCol="0">
+            <a:spAutoFit/>
+          </a:bodyPr>
+          <a:lstStyle/>
+          <a:p>
+            <a:r>
+              <a:rPr lang="en-US" b="1" dirty="0">
+                <a:solidFill>
+                  <a:srgbClr val="FF0000"/>
+                </a:solidFill>
+              </a:rPr>
+              <a:t>F</a:t>
+            </a:r>
+            <a:r>
+              <a:rPr lang="en-US" altLang="zh-CN" b="1" dirty="0">
+                <a:solidFill>
+                  <a:srgbClr val="FF0000"/>
+                </a:solidFill>
+              </a:rPr>
+              <a:t>ollowing metadata columns are added:</a:t>
+            </a:r>
+            <a:endParaRPr lang="en-US" b="1" dirty="0">
+              <a:solidFill>
+                <a:srgbClr val="FF0000"/>
+              </a:solidFill>
+            </a:endParaRPr>
+          </a:p>
+        </p:txBody>
+      </p:sp>
+      <p:sp>
+        <p:nvSpPr>
+          <p:cNvPr id="24" name="ZoneTexte 23">
+            <a:extLst>
+              <a:ext uri="{FF2B5EF4-FFF2-40B4-BE49-F238E27FC236}">
+                <a16:creationId xmlns:a16="http://schemas.microsoft.com/office/drawing/2014/main" id="{5C028F4F-4373-4D7B-B3F7-C9B9214C7865}"/>
+              </a:ext>
+            </a:extLst>
+          </p:cNvPr>
+          <p:cNvSpPr txBox="1"/>
+          <p:nvPr/>
+        </p:nvSpPr>
+        <p:spPr>
+          <a:xfrm>
+            <a:off x="9027000" y="-374698"/>
+            <a:ext cx="1542997" cy="369332"/>
+          </a:xfrm>
+          <a:prstGeom prst="rect">
+            <a:avLst/>
+          </a:prstGeom>
+          <a:noFill/>
+        </p:spPr>
+        <p:txBody>
+          <a:bodyPr wrap="square" rtlCol="0">
+            <a:spAutoFit/>
+          </a:bodyPr>
+          <a:lstStyle/>
+          <a:p>
+            <a:r>
+              <a:rPr lang="en-US" i="1" dirty="0">
+                <a:solidFill>
+                  <a:srgbClr val="FF0000"/>
+                </a:solidFill>
+              </a:rPr>
+              <a:t>Spectra data</a:t>
+            </a:r>
+          </a:p>
+        </p:txBody>
+      </p:sp>
+      <p:cxnSp>
+        <p:nvCxnSpPr>
+          <p:cNvPr id="56" name="Connecteur droit 55">
+            <a:extLst>
+              <a:ext uri="{FF2B5EF4-FFF2-40B4-BE49-F238E27FC236}">
+                <a16:creationId xmlns:a16="http://schemas.microsoft.com/office/drawing/2014/main" id="{04911FDB-6E6C-4760-900D-CCBA5FD281C3}"/>
+              </a:ext>
+            </a:extLst>
+          </p:cNvPr>
+          <p:cNvCxnSpPr>
+            <a:cxnSpLocks/>
+          </p:cNvCxnSpPr>
+          <p:nvPr/>
+        </p:nvCxnSpPr>
+        <p:spPr>
+          <a:xfrm>
+            <a:off x="5809886" y="664161"/>
+            <a:ext cx="0" cy="3474720"/>
+          </a:xfrm>
+          <a:prstGeom prst="line">
+            <a:avLst/>
+          </a:prstGeom>
+          <a:ln w="19050">
+            <a:solidFill>
+              <a:srgbClr val="FF0000"/>
+            </a:solidFill>
+          </a:ln>
+        </p:spPr>
+        <p:style>
+          <a:lnRef idx="1">
+            <a:schemeClr val="accent1"/>
+          </a:lnRef>
+          <a:fillRef idx="0">
+            <a:schemeClr val="accent1"/>
+          </a:fillRef>
+          <a:effectRef idx="0">
+            <a:schemeClr val="accent1"/>
+          </a:effectRef>
+          <a:fontRef idx="minor">
+            <a:schemeClr val="tx1"/>
+          </a:fontRef>
+        </p:style>
+      </p:cxnSp>
+      <p:cxnSp>
+        <p:nvCxnSpPr>
+          <p:cNvPr id="57" name="Connecteur droit 56">
+            <a:extLst>
+              <a:ext uri="{FF2B5EF4-FFF2-40B4-BE49-F238E27FC236}">
+                <a16:creationId xmlns:a16="http://schemas.microsoft.com/office/drawing/2014/main" id="{E2665E2A-F00F-4AF1-9A51-E4CB1821B9A6}"/>
+              </a:ext>
+            </a:extLst>
+          </p:cNvPr>
+          <p:cNvCxnSpPr/>
+          <p:nvPr/>
+        </p:nvCxnSpPr>
+        <p:spPr>
+          <a:xfrm>
+            <a:off x="9227124" y="568143"/>
+            <a:ext cx="0" cy="3474720"/>
+          </a:xfrm>
+          <a:prstGeom prst="line">
+            <a:avLst/>
+          </a:prstGeom>
+          <a:ln w="19050">
+            <a:solidFill>
+              <a:srgbClr val="FF0000"/>
+            </a:solidFill>
+          </a:ln>
+        </p:spPr>
+        <p:style>
+          <a:lnRef idx="1">
+            <a:schemeClr val="accent1"/>
+          </a:lnRef>
+          <a:fillRef idx="0">
+            <a:schemeClr val="accent1"/>
+          </a:fillRef>
+          <a:effectRef idx="0">
+            <a:schemeClr val="accent1"/>
+          </a:effectRef>
+          <a:fontRef idx="minor">
+            <a:schemeClr val="tx1"/>
+          </a:fontRef>
+        </p:style>
+      </p:cxnSp>
+      <p:pic>
+        <p:nvPicPr>
+          <p:cNvPr id="61" name="Image 60">
+            <a:extLst>
+              <a:ext uri="{FF2B5EF4-FFF2-40B4-BE49-F238E27FC236}">
+                <a16:creationId xmlns:a16="http://schemas.microsoft.com/office/drawing/2014/main" id="{47DDCEF7-BA9E-4FDA-860A-4FF7A48BCF26}"/>
+              </a:ext>
+            </a:extLst>
+          </p:cNvPr>
+          <p:cNvPicPr>
+            <a:picLocks noChangeAspect="1"/>
+          </p:cNvPicPr>
+          <p:nvPr/>
+        </p:nvPicPr>
+        <p:blipFill rotWithShape="1">
+          <a:blip r:embed="rId4"/>
+          <a:srcRect t="1523" r="24557"/>
+          <a:stretch/>
+        </p:blipFill>
+        <p:spPr>
+          <a:xfrm>
+            <a:off x="6916706" y="-2311456"/>
+            <a:ext cx="1999774" cy="2616802"/>
+          </a:xfrm>
+          <a:prstGeom prst="rect">
+            <a:avLst/>
+          </a:prstGeom>
+        </p:spPr>
+      </p:pic>
+      <p:cxnSp>
+        <p:nvCxnSpPr>
+          <p:cNvPr id="65" name="Connecteur droit 64">
+            <a:extLst>
+              <a:ext uri="{FF2B5EF4-FFF2-40B4-BE49-F238E27FC236}">
+                <a16:creationId xmlns:a16="http://schemas.microsoft.com/office/drawing/2014/main" id="{F42E9E83-3C0F-4B1B-A887-BA5E65AB9F40}"/>
+              </a:ext>
+            </a:extLst>
+          </p:cNvPr>
+          <p:cNvCxnSpPr/>
+          <p:nvPr/>
+        </p:nvCxnSpPr>
+        <p:spPr>
+          <a:xfrm>
+            <a:off x="8343933" y="-2311456"/>
+            <a:ext cx="0" cy="1645920"/>
+          </a:xfrm>
+          <a:prstGeom prst="line">
+            <a:avLst/>
+          </a:prstGeom>
+          <a:ln w="19050">
+            <a:solidFill>
+              <a:srgbClr val="FF0000"/>
+            </a:solidFill>
+          </a:ln>
+        </p:spPr>
+        <p:style>
+          <a:lnRef idx="1">
+            <a:schemeClr val="accent1"/>
+          </a:lnRef>
+          <a:fillRef idx="0">
+            <a:schemeClr val="accent1"/>
+          </a:fillRef>
+          <a:effectRef idx="0">
+            <a:schemeClr val="accent1"/>
+          </a:effectRef>
+          <a:fontRef idx="minor">
+            <a:schemeClr val="tx1"/>
+          </a:fontRef>
+        </p:style>
+      </p:cxnSp>
+      <p:sp>
+        <p:nvSpPr>
+          <p:cNvPr id="23" name="ZoneTexte 22">
+            <a:extLst>
+              <a:ext uri="{FF2B5EF4-FFF2-40B4-BE49-F238E27FC236}">
+                <a16:creationId xmlns:a16="http://schemas.microsoft.com/office/drawing/2014/main" id="{944CB714-62F4-4338-8FF0-2C3043047C6A}"/>
+              </a:ext>
+            </a:extLst>
+          </p:cNvPr>
+          <p:cNvSpPr txBox="1"/>
+          <p:nvPr/>
+        </p:nvSpPr>
+        <p:spPr>
+          <a:xfrm>
+            <a:off x="8354247" y="-1673162"/>
+            <a:ext cx="1144703" cy="369332"/>
+          </a:xfrm>
+          <a:prstGeom prst="rect">
+            <a:avLst/>
+          </a:prstGeom>
+          <a:noFill/>
+        </p:spPr>
+        <p:txBody>
+          <a:bodyPr wrap="square" rtlCol="0">
+            <a:spAutoFit/>
+          </a:bodyPr>
+          <a:lstStyle/>
+          <a:p>
+            <a:r>
+              <a:rPr lang="en-US" i="1" dirty="0">
+                <a:solidFill>
+                  <a:srgbClr val="FF0000"/>
+                </a:solidFill>
+              </a:rPr>
+              <a:t>Metadata</a:t>
+            </a:r>
+          </a:p>
+        </p:txBody>
+      </p:sp>
+      <p:cxnSp>
+        <p:nvCxnSpPr>
+          <p:cNvPr id="66" name="Connecteur droit 65">
+            <a:extLst>
+              <a:ext uri="{FF2B5EF4-FFF2-40B4-BE49-F238E27FC236}">
+                <a16:creationId xmlns:a16="http://schemas.microsoft.com/office/drawing/2014/main" id="{C44EC7A9-4217-4157-A2F9-32820B011670}"/>
+              </a:ext>
+            </a:extLst>
+          </p:cNvPr>
+          <p:cNvCxnSpPr/>
+          <p:nvPr/>
+        </p:nvCxnSpPr>
+        <p:spPr>
+          <a:xfrm>
+            <a:off x="9027001" y="-665536"/>
+            <a:ext cx="0" cy="914400"/>
+          </a:xfrm>
+          <a:prstGeom prst="line">
+            <a:avLst/>
+          </a:prstGeom>
+          <a:ln w="19050">
+            <a:solidFill>
+              <a:srgbClr val="FF0000"/>
+            </a:solidFill>
+          </a:ln>
+        </p:spPr>
+        <p:style>
+          <a:lnRef idx="1">
+            <a:schemeClr val="accent1"/>
+          </a:lnRef>
+          <a:fillRef idx="0">
+            <a:schemeClr val="accent1"/>
+          </a:fillRef>
+          <a:effectRef idx="0">
+            <a:schemeClr val="accent1"/>
+          </a:effectRef>
+          <a:fontRef idx="minor">
+            <a:schemeClr val="tx1"/>
+          </a:fontRef>
+        </p:style>
+      </p:cxnSp>
+      <p:sp>
+        <p:nvSpPr>
+          <p:cNvPr id="37" name="ZoneTexte 36">
+            <a:extLst>
+              <a:ext uri="{FF2B5EF4-FFF2-40B4-BE49-F238E27FC236}">
+                <a16:creationId xmlns:a16="http://schemas.microsoft.com/office/drawing/2014/main" id="{B71716CC-E764-4070-9690-59D68F5530E8}"/>
+              </a:ext>
+            </a:extLst>
+          </p:cNvPr>
+          <p:cNvSpPr txBox="1"/>
+          <p:nvPr/>
+        </p:nvSpPr>
+        <p:spPr>
+          <a:xfrm>
+            <a:off x="8555424" y="-2301133"/>
+            <a:ext cx="2252883" cy="369332"/>
+          </a:xfrm>
+          <a:prstGeom prst="rect">
+            <a:avLst/>
+          </a:prstGeom>
+          <a:noFill/>
+        </p:spPr>
+        <p:txBody>
+          <a:bodyPr wrap="square" rtlCol="0">
+            <a:spAutoFit/>
+          </a:bodyPr>
+          <a:lstStyle/>
+          <a:p>
+            <a:pPr algn="ctr"/>
+            <a:r>
+              <a:rPr lang="en-US" i="1" dirty="0">
+                <a:solidFill>
+                  <a:srgbClr val="4472C4"/>
+                </a:solidFill>
+              </a:rPr>
+              <a:t>Example of a “scan”</a:t>
+            </a:r>
+          </a:p>
+        </p:txBody>
+      </p:sp>
+      <p:pic>
+        <p:nvPicPr>
+          <p:cNvPr id="2" name="Image 1">
+            <a:extLst>
+              <a:ext uri="{FF2B5EF4-FFF2-40B4-BE49-F238E27FC236}">
+                <a16:creationId xmlns:a16="http://schemas.microsoft.com/office/drawing/2014/main" id="{DACCA09B-0603-423E-9BE0-418159DF4DEC}"/>
+              </a:ext>
+            </a:extLst>
+          </p:cNvPr>
+          <p:cNvPicPr>
+            <a:picLocks noChangeAspect="1"/>
+          </p:cNvPicPr>
+          <p:nvPr/>
+        </p:nvPicPr>
+        <p:blipFill>
+          <a:blip r:embed="rId5"/>
+          <a:stretch>
+            <a:fillRect/>
+          </a:stretch>
+        </p:blipFill>
+        <p:spPr>
+          <a:xfrm>
+            <a:off x="1184919" y="-2182199"/>
+            <a:ext cx="4468990" cy="2187354"/>
+          </a:xfrm>
+          <a:prstGeom prst="rect">
+            <a:avLst/>
+          </a:prstGeom>
+          <a:ln w="28575">
+            <a:solidFill>
+              <a:schemeClr val="tx1"/>
+            </a:solidFill>
+          </a:ln>
+        </p:spPr>
+      </p:pic>
+      <p:sp>
+        <p:nvSpPr>
+          <p:cNvPr id="52" name="ZoneTexte 51">
+            <a:extLst>
+              <a:ext uri="{FF2B5EF4-FFF2-40B4-BE49-F238E27FC236}">
+                <a16:creationId xmlns:a16="http://schemas.microsoft.com/office/drawing/2014/main" id="{DAE24555-3B54-4BAD-B93A-7336AB6F9078}"/>
+              </a:ext>
+            </a:extLst>
+          </p:cNvPr>
+          <p:cNvSpPr txBox="1"/>
+          <p:nvPr/>
+        </p:nvSpPr>
+        <p:spPr>
+          <a:xfrm>
+            <a:off x="2866027" y="-1425064"/>
+            <a:ext cx="2098911" cy="646331"/>
+          </a:xfrm>
+          <a:prstGeom prst="rect">
+            <a:avLst/>
+          </a:prstGeom>
+          <a:noFill/>
+        </p:spPr>
+        <p:txBody>
+          <a:bodyPr wrap="square" rtlCol="0">
+            <a:spAutoFit/>
+          </a:bodyPr>
+          <a:lstStyle/>
+          <a:p>
+            <a:r>
+              <a:rPr lang="en-US" dirty="0">
+                <a:solidFill>
+                  <a:srgbClr val="FF0000"/>
+                </a:solidFill>
+              </a:rPr>
+              <a:t>GNPS-style</a:t>
+            </a:r>
+          </a:p>
+          <a:p>
+            <a:r>
+              <a:rPr lang="en-US" dirty="0">
+                <a:solidFill>
+                  <a:srgbClr val="FF0000"/>
+                </a:solidFill>
+              </a:rPr>
+              <a:t>spectral library file</a:t>
+            </a:r>
+          </a:p>
+        </p:txBody>
+      </p:sp>
+      <p:cxnSp>
+        <p:nvCxnSpPr>
+          <p:cNvPr id="62" name="Connecteur droit avec flèche 61">
+            <a:extLst>
+              <a:ext uri="{FF2B5EF4-FFF2-40B4-BE49-F238E27FC236}">
+                <a16:creationId xmlns:a16="http://schemas.microsoft.com/office/drawing/2014/main" id="{1EB1A78C-15AB-4863-8890-C299D0C82A20}"/>
+              </a:ext>
+            </a:extLst>
+          </p:cNvPr>
+          <p:cNvCxnSpPr>
+            <a:cxnSpLocks/>
+          </p:cNvCxnSpPr>
+          <p:nvPr/>
+        </p:nvCxnSpPr>
+        <p:spPr>
+          <a:xfrm>
+            <a:off x="2894501" y="-769315"/>
+            <a:ext cx="4022205" cy="0"/>
+          </a:xfrm>
+          <a:prstGeom prst="straightConnector1">
+            <a:avLst/>
+          </a:prstGeom>
+          <a:ln w="28575">
+            <a:solidFill>
+              <a:srgbClr val="FF0000"/>
+            </a:solidFill>
+            <a:tailEnd type="triangle"/>
+          </a:ln>
+        </p:spPr>
+        <p:style>
+          <a:lnRef idx="1">
+            <a:schemeClr val="accent1"/>
+          </a:lnRef>
+          <a:fillRef idx="0">
+            <a:schemeClr val="accent1"/>
+          </a:fillRef>
+          <a:effectRef idx="0">
+            <a:schemeClr val="accent1"/>
+          </a:effectRef>
+          <a:fontRef idx="minor">
+            <a:schemeClr val="tx1"/>
+          </a:fontRef>
+        </p:style>
+      </p:cxnSp>
+      <p:sp>
+        <p:nvSpPr>
+          <p:cNvPr id="4" name="Accolade ouvrante 3">
+            <a:extLst>
+              <a:ext uri="{FF2B5EF4-FFF2-40B4-BE49-F238E27FC236}">
+                <a16:creationId xmlns:a16="http://schemas.microsoft.com/office/drawing/2014/main" id="{D1A367C1-7264-488B-ADFE-7B938289269A}"/>
+              </a:ext>
+            </a:extLst>
+          </p:cNvPr>
+          <p:cNvSpPr/>
+          <p:nvPr/>
+        </p:nvSpPr>
+        <p:spPr>
+          <a:xfrm rot="10800000">
+            <a:off x="9763870" y="1317421"/>
+            <a:ext cx="364490" cy="4223157"/>
+          </a:xfrm>
+          <a:prstGeom prst="leftBrace">
+            <a:avLst/>
+          </a:prstGeom>
+          <a:ln w="19050">
+            <a:solidFill>
+              <a:srgbClr val="FF0000"/>
+            </a:solidFill>
+          </a:ln>
+        </p:spPr>
+        <p:style>
+          <a:lnRef idx="1">
+            <a:schemeClr val="accent1"/>
+          </a:lnRef>
+          <a:fillRef idx="0">
+            <a:schemeClr val="accent1"/>
+          </a:fillRef>
+          <a:effectRef idx="0">
+            <a:schemeClr val="accent1"/>
+          </a:effectRef>
+          <a:fontRef idx="minor">
+            <a:schemeClr val="tx1"/>
+          </a:fontRef>
+        </p:style>
+        <p:txBody>
+          <a:bodyPr rtlCol="0" anchor="ctr"/>
+          <a:lstStyle/>
+          <a:p>
+            <a:pPr algn="ctr"/>
+            <a:endParaRPr lang="en-US"/>
+          </a:p>
+        </p:txBody>
+      </p:sp>
+      <p:sp>
+        <p:nvSpPr>
+          <p:cNvPr id="5" name="Rectangle : coins arrondis 4">
+            <a:extLst>
+              <a:ext uri="{FF2B5EF4-FFF2-40B4-BE49-F238E27FC236}">
+                <a16:creationId xmlns:a16="http://schemas.microsoft.com/office/drawing/2014/main" id="{6B584F45-D360-4EB0-AB98-A5D42C2E9CE5}"/>
+              </a:ext>
+            </a:extLst>
+          </p:cNvPr>
+          <p:cNvSpPr/>
+          <p:nvPr/>
+        </p:nvSpPr>
+        <p:spPr>
+          <a:xfrm>
+            <a:off x="1154534" y="1701983"/>
+            <a:ext cx="1465119" cy="636198"/>
+          </a:xfrm>
+          <a:prstGeom prst="roundRect">
+            <a:avLst/>
+          </a:prstGeom>
+        </p:spPr>
+        <p:style>
+          <a:lnRef idx="2">
+            <a:schemeClr val="accent1">
+              <a:shade val="50000"/>
+            </a:schemeClr>
+          </a:lnRef>
+          <a:fillRef idx="1">
+            <a:schemeClr val="accent1"/>
+          </a:fillRef>
+          <a:effectRef idx="0">
+            <a:schemeClr val="accent1"/>
+          </a:effectRef>
+          <a:fontRef idx="minor">
+            <a:schemeClr val="lt1"/>
+          </a:fontRef>
+        </p:style>
+        <p:txBody>
+          <a:bodyPr rtlCol="0" anchor="ctr"/>
+          <a:lstStyle/>
+          <a:p>
+            <a:pPr algn="ctr"/>
+            <a:r>
+              <a:rPr lang="en-US" b="1" i="1" dirty="0">
+                <a:solidFill>
+                  <a:schemeClr val="bg1"/>
+                </a:solidFill>
+              </a:rPr>
+              <a:t>Actual value detected</a:t>
+            </a:r>
+            <a:endParaRPr lang="en-US" b="1" dirty="0">
+              <a:solidFill>
+                <a:schemeClr val="bg1"/>
+              </a:solidFill>
+            </a:endParaRPr>
+          </a:p>
+        </p:txBody>
+      </p:sp>
+      <p:pic>
+        <p:nvPicPr>
+          <p:cNvPr id="6" name="Image 5">
+            <a:extLst>
+              <a:ext uri="{FF2B5EF4-FFF2-40B4-BE49-F238E27FC236}">
+                <a16:creationId xmlns:a16="http://schemas.microsoft.com/office/drawing/2014/main" id="{D5DF1E7C-6A11-4A76-A010-A70E61CDDC05}"/>
+              </a:ext>
+            </a:extLst>
+          </p:cNvPr>
+          <p:cNvPicPr>
+            <a:picLocks noChangeAspect="1"/>
+          </p:cNvPicPr>
+          <p:nvPr/>
+        </p:nvPicPr>
+        <p:blipFill>
+          <a:blip r:embed="rId6"/>
+          <a:stretch>
+            <a:fillRect/>
+          </a:stretch>
+        </p:blipFill>
+        <p:spPr>
+          <a:xfrm>
+            <a:off x="1122706" y="4382387"/>
+            <a:ext cx="5225764" cy="2609819"/>
+          </a:xfrm>
+          <a:prstGeom prst="rect">
+            <a:avLst/>
+          </a:prstGeom>
+        </p:spPr>
+      </p:pic>
+      <p:pic>
+        <p:nvPicPr>
+          <p:cNvPr id="7" name="Image 6">
+            <a:extLst>
+              <a:ext uri="{FF2B5EF4-FFF2-40B4-BE49-F238E27FC236}">
+                <a16:creationId xmlns:a16="http://schemas.microsoft.com/office/drawing/2014/main" id="{2D25FB9B-F42D-4C24-9FA6-6A83F076E2DD}"/>
+              </a:ext>
+            </a:extLst>
+          </p:cNvPr>
+          <p:cNvPicPr>
+            <a:picLocks noChangeAspect="1"/>
+          </p:cNvPicPr>
+          <p:nvPr/>
+        </p:nvPicPr>
+        <p:blipFill>
+          <a:blip r:embed="rId7"/>
+          <a:stretch>
+            <a:fillRect/>
+          </a:stretch>
+        </p:blipFill>
+        <p:spPr>
+          <a:xfrm>
+            <a:off x="6957339" y="4382387"/>
+            <a:ext cx="2773188" cy="2631132"/>
+          </a:xfrm>
+          <a:prstGeom prst="rect">
+            <a:avLst/>
+          </a:prstGeom>
+        </p:spPr>
+      </p:pic>
+      <p:sp>
+        <p:nvSpPr>
+          <p:cNvPr id="9" name="ZoneTexte 8">
+            <a:extLst>
+              <a:ext uri="{FF2B5EF4-FFF2-40B4-BE49-F238E27FC236}">
+                <a16:creationId xmlns:a16="http://schemas.microsoft.com/office/drawing/2014/main" id="{1A29488B-F1B3-43ED-A947-CBB599709DC7}"/>
+              </a:ext>
+            </a:extLst>
+          </p:cNvPr>
+          <p:cNvSpPr txBox="1"/>
+          <p:nvPr/>
+        </p:nvSpPr>
+        <p:spPr>
+          <a:xfrm>
+            <a:off x="6221962" y="5295976"/>
+            <a:ext cx="713333" cy="584775"/>
+          </a:xfrm>
+          <a:prstGeom prst="rect">
+            <a:avLst/>
+          </a:prstGeom>
+          <a:noFill/>
+        </p:spPr>
+        <p:txBody>
+          <a:bodyPr wrap="square" rtlCol="0">
+            <a:spAutoFit/>
+          </a:bodyPr>
+          <a:lstStyle/>
+          <a:p>
+            <a:pPr algn="ctr"/>
+            <a:r>
+              <a:rPr lang="en-US" sz="3200" b="1" dirty="0"/>
+              <a:t>…</a:t>
+            </a:r>
+          </a:p>
+        </p:txBody>
+      </p:sp>
+      <p:sp>
+        <p:nvSpPr>
+          <p:cNvPr id="36" name="ZoneTexte 35">
+            <a:extLst>
+              <a:ext uri="{FF2B5EF4-FFF2-40B4-BE49-F238E27FC236}">
+                <a16:creationId xmlns:a16="http://schemas.microsoft.com/office/drawing/2014/main" id="{0FF700D0-E90B-496B-9B46-E3FE1E420E0F}"/>
+              </a:ext>
+            </a:extLst>
+          </p:cNvPr>
+          <p:cNvSpPr txBox="1"/>
+          <p:nvPr/>
+        </p:nvSpPr>
+        <p:spPr>
+          <a:xfrm>
+            <a:off x="1070477" y="268507"/>
+            <a:ext cx="5506965" cy="369332"/>
+          </a:xfrm>
+          <a:prstGeom prst="rect">
+            <a:avLst/>
+          </a:prstGeom>
+          <a:noFill/>
+        </p:spPr>
+        <p:txBody>
+          <a:bodyPr wrap="square" rtlCol="0">
+            <a:spAutoFit/>
+          </a:bodyPr>
+          <a:lstStyle/>
+          <a:p>
+            <a:r>
+              <a:rPr lang="en-US" b="1" dirty="0">
+                <a:solidFill>
+                  <a:srgbClr val="FF0000"/>
+                </a:solidFill>
+              </a:rPr>
+              <a:t>F</a:t>
+            </a:r>
+            <a:r>
+              <a:rPr lang="en-US" altLang="zh-CN" b="1" dirty="0">
+                <a:solidFill>
+                  <a:srgbClr val="FF0000"/>
+                </a:solidFill>
+              </a:rPr>
+              <a:t>ollowing metadata columns are appended or updated:</a:t>
+            </a:r>
+            <a:endParaRPr lang="en-US" b="1" dirty="0">
+              <a:solidFill>
+                <a:srgbClr val="FF0000"/>
+              </a:solidFill>
+            </a:endParaRPr>
+          </a:p>
+        </p:txBody>
+      </p:sp>
+      <p:sp>
+        <p:nvSpPr>
+          <p:cNvPr id="38" name="Rectangle : coins arrondis 37">
+            <a:extLst>
+              <a:ext uri="{FF2B5EF4-FFF2-40B4-BE49-F238E27FC236}">
+                <a16:creationId xmlns:a16="http://schemas.microsoft.com/office/drawing/2014/main" id="{25C3F572-EAFF-45DF-A1D9-8B5E61E39790}"/>
+              </a:ext>
+            </a:extLst>
+          </p:cNvPr>
+          <p:cNvSpPr/>
+          <p:nvPr/>
+        </p:nvSpPr>
+        <p:spPr>
+          <a:xfrm>
+            <a:off x="1144225" y="5308185"/>
+            <a:ext cx="2056175" cy="636198"/>
+          </a:xfrm>
+          <a:prstGeom prst="roundRect">
+            <a:avLst/>
+          </a:prstGeom>
+        </p:spPr>
+        <p:style>
+          <a:lnRef idx="2">
+            <a:schemeClr val="accent1">
+              <a:shade val="50000"/>
+            </a:schemeClr>
+          </a:lnRef>
+          <a:fillRef idx="1">
+            <a:schemeClr val="accent1"/>
+          </a:fillRef>
+          <a:effectRef idx="0">
+            <a:schemeClr val="accent1"/>
+          </a:effectRef>
+          <a:fontRef idx="minor">
+            <a:schemeClr val="lt1"/>
+          </a:fontRef>
+        </p:style>
+        <p:txBody>
+          <a:bodyPr rtlCol="0" anchor="ctr"/>
+          <a:lstStyle/>
+          <a:p>
+            <a:pPr algn="ctr"/>
+            <a:r>
+              <a:rPr lang="en-US" b="1" i="1" dirty="0">
+                <a:solidFill>
+                  <a:schemeClr val="bg1"/>
+                </a:solidFill>
+              </a:rPr>
+              <a:t>Chromatogram information</a:t>
+            </a:r>
+            <a:endParaRPr lang="en-US" b="1" dirty="0">
+              <a:solidFill>
+                <a:schemeClr val="bg1"/>
+              </a:solidFill>
+            </a:endParaRPr>
+          </a:p>
+        </p:txBody>
+      </p:sp>
+      <p:sp>
+        <p:nvSpPr>
+          <p:cNvPr id="39" name="Rectangle : coins arrondis 38">
+            <a:extLst>
+              <a:ext uri="{FF2B5EF4-FFF2-40B4-BE49-F238E27FC236}">
+                <a16:creationId xmlns:a16="http://schemas.microsoft.com/office/drawing/2014/main" id="{96736986-29DC-4821-A21C-4F74FF056D74}"/>
+              </a:ext>
+            </a:extLst>
+          </p:cNvPr>
+          <p:cNvSpPr/>
+          <p:nvPr/>
+        </p:nvSpPr>
+        <p:spPr>
+          <a:xfrm>
+            <a:off x="3913864" y="5310951"/>
+            <a:ext cx="2056175" cy="636198"/>
+          </a:xfrm>
+          <a:prstGeom prst="roundRect">
+            <a:avLst/>
+          </a:prstGeom>
+        </p:spPr>
+        <p:style>
+          <a:lnRef idx="2">
+            <a:schemeClr val="accent1">
+              <a:shade val="50000"/>
+            </a:schemeClr>
+          </a:lnRef>
+          <a:fillRef idx="1">
+            <a:schemeClr val="accent1"/>
+          </a:fillRef>
+          <a:effectRef idx="0">
+            <a:schemeClr val="accent1"/>
+          </a:effectRef>
+          <a:fontRef idx="minor">
+            <a:schemeClr val="lt1"/>
+          </a:fontRef>
+        </p:style>
+        <p:txBody>
+          <a:bodyPr rtlCol="0" anchor="ctr"/>
+          <a:lstStyle/>
+          <a:p>
+            <a:pPr algn="ctr"/>
+            <a:r>
+              <a:rPr lang="en-US" b="1" i="1" dirty="0">
+                <a:solidFill>
+                  <a:schemeClr val="bg1"/>
+                </a:solidFill>
+              </a:rPr>
+              <a:t>Search parameters</a:t>
+            </a:r>
+            <a:endParaRPr lang="en-US" b="1" dirty="0">
+              <a:solidFill>
+                <a:schemeClr val="bg1"/>
+              </a:solidFill>
+            </a:endParaRPr>
+          </a:p>
+        </p:txBody>
+      </p:sp>
+      <p:sp>
+        <p:nvSpPr>
+          <p:cNvPr id="40" name="Rectangle : coins arrondis 39">
+            <a:extLst>
+              <a:ext uri="{FF2B5EF4-FFF2-40B4-BE49-F238E27FC236}">
+                <a16:creationId xmlns:a16="http://schemas.microsoft.com/office/drawing/2014/main" id="{8EE3D6A2-1136-421E-B03E-A4AA270CB11F}"/>
+              </a:ext>
+            </a:extLst>
+          </p:cNvPr>
+          <p:cNvSpPr/>
+          <p:nvPr/>
+        </p:nvSpPr>
+        <p:spPr>
+          <a:xfrm>
+            <a:off x="6957339" y="5308185"/>
+            <a:ext cx="2056175" cy="636198"/>
+          </a:xfrm>
+          <a:prstGeom prst="roundRect">
+            <a:avLst/>
+          </a:prstGeom>
+        </p:spPr>
+        <p:style>
+          <a:lnRef idx="2">
+            <a:schemeClr val="accent1">
+              <a:shade val="50000"/>
+            </a:schemeClr>
+          </a:lnRef>
+          <a:fillRef idx="1">
+            <a:schemeClr val="accent1"/>
+          </a:fillRef>
+          <a:effectRef idx="0">
+            <a:schemeClr val="accent1"/>
+          </a:effectRef>
+          <a:fontRef idx="minor">
+            <a:schemeClr val="lt1"/>
+          </a:fontRef>
+        </p:style>
+        <p:txBody>
+          <a:bodyPr rtlCol="0" anchor="ctr"/>
+          <a:lstStyle/>
+          <a:p>
+            <a:pPr algn="ctr"/>
+            <a:r>
+              <a:rPr lang="en-US" b="1" i="1" dirty="0">
+                <a:solidFill>
+                  <a:schemeClr val="bg1"/>
+                </a:solidFill>
+              </a:rPr>
+              <a:t>User information</a:t>
+            </a:r>
+            <a:endParaRPr lang="en-US" b="1" dirty="0">
+              <a:solidFill>
+                <a:schemeClr val="bg1"/>
+              </a:solidFill>
+            </a:endParaRPr>
+          </a:p>
+        </p:txBody>
+      </p:sp>
+      <p:sp>
+        <p:nvSpPr>
+          <p:cNvPr id="25" name="ZoneTexte 24">
+            <a:extLst>
+              <a:ext uri="{FF2B5EF4-FFF2-40B4-BE49-F238E27FC236}">
+                <a16:creationId xmlns:a16="http://schemas.microsoft.com/office/drawing/2014/main" id="{1EFC2486-A30B-4219-AD5C-D3CE00CE1484}"/>
+              </a:ext>
+            </a:extLst>
+          </p:cNvPr>
+          <p:cNvSpPr txBox="1"/>
+          <p:nvPr/>
+        </p:nvSpPr>
+        <p:spPr>
+          <a:xfrm>
+            <a:off x="10335447" y="3249358"/>
+            <a:ext cx="1144703" cy="369332"/>
+          </a:xfrm>
+          <a:prstGeom prst="rect">
+            <a:avLst/>
+          </a:prstGeom>
+          <a:noFill/>
+        </p:spPr>
+        <p:txBody>
+          <a:bodyPr wrap="square" rtlCol="0">
+            <a:spAutoFit/>
+          </a:bodyPr>
+          <a:lstStyle/>
+          <a:p>
+            <a:r>
+              <a:rPr lang="en-US" i="1" dirty="0">
+                <a:solidFill>
+                  <a:srgbClr val="FF0000"/>
+                </a:solidFill>
+              </a:rPr>
+              <a:t>Metadata</a:t>
+            </a:r>
+          </a:p>
+        </p:txBody>
+      </p:sp>
     </p:spTree>
     <p:extLst>
       <p:ext uri="{BB962C8B-B14F-4D97-AF65-F5344CB8AC3E}">
-        <p14:creationId xmlns:p14="http://schemas.microsoft.com/office/powerpoint/2010/main" val="3720127712"/>
+        <p14:creationId xmlns:p14="http://schemas.microsoft.com/office/powerpoint/2010/main" val="1310916558"/>
       </p:ext>
     </p:extLst>
   </p:cSld>
@@ -10377,10 +11241,10 @@
       </p:grpSpPr>
       <p:pic>
         <p:nvPicPr>
-          <p:cNvPr id="2" name="Image 1">
-            <a:extLst>
-              <a:ext uri="{FF2B5EF4-FFF2-40B4-BE49-F238E27FC236}">
-                <a16:creationId xmlns:a16="http://schemas.microsoft.com/office/drawing/2014/main" id="{4FB293FA-1E0C-433D-8A51-595E823EBD37}"/>
+          <p:cNvPr id="4" name="Image 3">
+            <a:extLst>
+              <a:ext uri="{FF2B5EF4-FFF2-40B4-BE49-F238E27FC236}">
+                <a16:creationId xmlns:a16="http://schemas.microsoft.com/office/drawing/2014/main" id="{D3F1A527-5274-438D-903E-313A0CE3A726}"/>
               </a:ext>
             </a:extLst>
           </p:cNvPr>
@@ -10389,15 +11253,16 @@
           </p:cNvPicPr>
           <p:nvPr/>
         </p:nvPicPr>
-        <p:blipFill rotWithShape="1">
+        <p:blipFill>
           <a:blip r:embed="rId2"/>
-          <a:srcRect l="3820" t="18975" r="7051" b="10933"/>
-          <a:stretch/>
+          <a:stretch>
+            <a:fillRect/>
+          </a:stretch>
         </p:blipFill>
         <p:spPr>
           <a:xfrm>
-            <a:off x="1859972" y="1423555"/>
-            <a:ext cx="6431973" cy="4130003"/>
+            <a:off x="2076101" y="647459"/>
+            <a:ext cx="8039797" cy="5563082"/>
           </a:xfrm>
           <a:prstGeom prst="rect">
             <a:avLst/>
@@ -10407,7 +11272,7 @@
     </p:spTree>
     <p:extLst>
       <p:ext uri="{BB962C8B-B14F-4D97-AF65-F5344CB8AC3E}">
-        <p14:creationId xmlns:p14="http://schemas.microsoft.com/office/powerpoint/2010/main" val="3184723136"/>
+        <p14:creationId xmlns:p14="http://schemas.microsoft.com/office/powerpoint/2010/main" val="3720127712"/>
       </p:ext>
     </p:extLst>
   </p:cSld>
